--- a/Defense.pptx
+++ b/Defense.pptx
@@ -5,7 +5,7 @@
     <p:sldMasterId id="2147483678" r:id="rId1"/>
   </p:sldMasterIdLst>
   <p:notesMasterIdLst>
-    <p:notesMasterId r:id="rId25"/>
+    <p:notesMasterId r:id="rId36"/>
   </p:notesMasterIdLst>
   <p:sldIdLst>
     <p:sldId id="257" r:id="rId2"/>
@@ -31,6 +31,17 @@
     <p:sldId id="267" r:id="rId22"/>
     <p:sldId id="311" r:id="rId23"/>
     <p:sldId id="312" r:id="rId24"/>
+    <p:sldId id="314" r:id="rId25"/>
+    <p:sldId id="315" r:id="rId26"/>
+    <p:sldId id="316" r:id="rId27"/>
+    <p:sldId id="317" r:id="rId28"/>
+    <p:sldId id="318" r:id="rId29"/>
+    <p:sldId id="319" r:id="rId30"/>
+    <p:sldId id="320" r:id="rId31"/>
+    <p:sldId id="321" r:id="rId32"/>
+    <p:sldId id="322" r:id="rId33"/>
+    <p:sldId id="323" r:id="rId34"/>
+    <p:sldId id="324" r:id="rId35"/>
   </p:sldIdLst>
   <p:sldSz cx="12192000" cy="6858000"/>
   <p:notesSz cx="6858000" cy="9144000"/>
@@ -230,7 +241,7 @@
           <a:p>
             <a:fld id="{E6E560A3-ED6B-4C00-B17E-7ABCD66651D0}" type="datetimeFigureOut">
               <a:rPr lang="en-US" smtClean="0"/>
-              <a:t>1/30/2021</a:t>
+              <a:t>1/31/2021</a:t>
             </a:fld>
             <a:endParaRPr lang="en-US"/>
           </a:p>
@@ -644,7 +655,23 @@
           <a:p>
             <a:r>
               <a:rPr lang="en-US" baseline="0" dirty="0" smtClean="0"/>
-              <a:t>-Discuss the refactoring/organizing to make the application able for many people to use it in many ways (Rust like)</a:t>
+              <a:t>-Discuss the refactoring/organizing to make the application </a:t>
+            </a:r>
+            <a:r>
+              <a:rPr lang="en-US" baseline="0" dirty="0" smtClean="0"/>
+              <a:t>flexible for many </a:t>
+            </a:r>
+            <a:r>
+              <a:rPr lang="en-US" baseline="0" dirty="0" smtClean="0"/>
+              <a:t>people to use it </a:t>
+            </a:r>
+            <a:r>
+              <a:rPr lang="en-US" baseline="0" dirty="0" smtClean="0"/>
+              <a:t>in many </a:t>
+            </a:r>
+            <a:r>
+              <a:rPr lang="en-US" baseline="0" dirty="0" smtClean="0"/>
+              <a:t>ways (Rust like)</a:t>
             </a:r>
             <a:endParaRPr lang="en-US" dirty="0"/>
           </a:p>
@@ -732,7 +759,19 @@
           <a:p>
             <a:r>
               <a:rPr lang="en-US" dirty="0" smtClean="0"/>
-              <a:t>-The Components and Systems used in the flight simulators, along with their dependencies</a:t>
+              <a:t>-The </a:t>
+            </a:r>
+            <a:r>
+              <a:rPr lang="en-US" dirty="0" smtClean="0"/>
+              <a:t>Entity, Components, </a:t>
+            </a:r>
+            <a:r>
+              <a:rPr lang="en-US" dirty="0" smtClean="0"/>
+              <a:t>and Systems used in the flight </a:t>
+            </a:r>
+            <a:r>
+              <a:rPr lang="en-US" dirty="0" smtClean="0"/>
+              <a:t>simulators</a:t>
             </a:r>
             <a:endParaRPr lang="en-US" dirty="0"/>
           </a:p>
@@ -1501,7 +1540,17 @@
             </a:r>
             <a:r>
               <a:rPr lang="en-US" baseline="0" dirty="0" smtClean="0"/>
-              <a:t> for simulation, </a:t>
+              <a:t> for </a:t>
+            </a:r>
+            <a:r>
+              <a:rPr lang="en-US" baseline="0" dirty="0" smtClean="0"/>
+              <a:t>simulation</a:t>
+            </a:r>
+          </a:p>
+          <a:p>
+            <a:r>
+              <a:rPr lang="en-US" baseline="0" dirty="0" smtClean="0"/>
+              <a:t>-Restate that ECS provides optimized performance and can make editing coding a more seamless process</a:t>
             </a:r>
             <a:endParaRPr lang="en-US" dirty="0"/>
           </a:p>
@@ -1762,6 +1811,193 @@
 </p:notes>
 </file>
 
+<file path=ppt/notesSlides/notesSlide21.xml><?xml version="1.0" encoding="utf-8"?>
+<p:notes xmlns:a="http://schemas.openxmlformats.org/drawingml/2006/main" xmlns:r="http://schemas.openxmlformats.org/officeDocument/2006/relationships" xmlns:p="http://schemas.openxmlformats.org/presentationml/2006/main">
+  <p:cSld>
+    <p:spTree>
+      <p:nvGrpSpPr>
+        <p:cNvPr id="1" name=""/>
+        <p:cNvGrpSpPr/>
+        <p:nvPr/>
+      </p:nvGrpSpPr>
+      <p:grpSpPr>
+        <a:xfrm>
+          <a:off x="0" y="0"/>
+          <a:ext cx="0" cy="0"/>
+          <a:chOff x="0" y="0"/>
+          <a:chExt cx="0" cy="0"/>
+        </a:xfrm>
+      </p:grpSpPr>
+      <p:sp>
+        <p:nvSpPr>
+          <p:cNvPr id="2" name="Slide Image Placeholder 1"/>
+          <p:cNvSpPr>
+            <a:spLocks noGrp="1" noRot="1" noChangeAspect="1"/>
+          </p:cNvSpPr>
+          <p:nvPr>
+            <p:ph type="sldImg"/>
+          </p:nvPr>
+        </p:nvSpPr>
+        <p:spPr/>
+      </p:sp>
+      <p:sp>
+        <p:nvSpPr>
+          <p:cNvPr id="3" name="Notes Placeholder 2"/>
+          <p:cNvSpPr>
+            <a:spLocks noGrp="1"/>
+          </p:cNvSpPr>
+          <p:nvPr>
+            <p:ph type="body" idx="1"/>
+          </p:nvPr>
+        </p:nvSpPr>
+        <p:spPr/>
+        <p:txBody>
+          <a:bodyPr/>
+          <a:lstStyle/>
+          <a:p>
+            <a:r>
+              <a:rPr lang="en-US" dirty="0" smtClean="0"/>
+              <a:t>-These slides show the experiment details</a:t>
+            </a:r>
+            <a:endParaRPr lang="en-US" dirty="0"/>
+          </a:p>
+        </p:txBody>
+      </p:sp>
+      <p:sp>
+        <p:nvSpPr>
+          <p:cNvPr id="4" name="Slide Number Placeholder 3"/>
+          <p:cNvSpPr>
+            <a:spLocks noGrp="1"/>
+          </p:cNvSpPr>
+          <p:nvPr>
+            <p:ph type="sldNum" sz="quarter" idx="10"/>
+          </p:nvPr>
+        </p:nvSpPr>
+        <p:spPr/>
+        <p:txBody>
+          <a:bodyPr/>
+          <a:lstStyle/>
+          <a:p>
+            <a:fld id="{2E19DE28-8325-455D-B7C9-D422F83ABE18}" type="slidenum">
+              <a:rPr lang="en-US" smtClean="0"/>
+              <a:t>23</a:t>
+            </a:fld>
+            <a:endParaRPr lang="en-US"/>
+          </a:p>
+        </p:txBody>
+      </p:sp>
+    </p:spTree>
+    <p:extLst>
+      <p:ext uri="{BB962C8B-B14F-4D97-AF65-F5344CB8AC3E}">
+        <p14:creationId xmlns:p14="http://schemas.microsoft.com/office/powerpoint/2010/main" val="1598053846"/>
+      </p:ext>
+    </p:extLst>
+  </p:cSld>
+  <p:clrMapOvr>
+    <a:masterClrMapping/>
+  </p:clrMapOvr>
+</p:notes>
+</file>
+
+<file path=ppt/notesSlides/notesSlide22.xml><?xml version="1.0" encoding="utf-8"?>
+<p:notes xmlns:a="http://schemas.openxmlformats.org/drawingml/2006/main" xmlns:r="http://schemas.openxmlformats.org/officeDocument/2006/relationships" xmlns:p="http://schemas.openxmlformats.org/presentationml/2006/main">
+  <p:cSld>
+    <p:spTree>
+      <p:nvGrpSpPr>
+        <p:cNvPr id="1" name=""/>
+        <p:cNvGrpSpPr/>
+        <p:nvPr/>
+      </p:nvGrpSpPr>
+      <p:grpSpPr>
+        <a:xfrm>
+          <a:off x="0" y="0"/>
+          <a:ext cx="0" cy="0"/>
+          <a:chOff x="0" y="0"/>
+          <a:chExt cx="0" cy="0"/>
+        </a:xfrm>
+      </p:grpSpPr>
+      <p:sp>
+        <p:nvSpPr>
+          <p:cNvPr id="2" name="Slide Image Placeholder 1"/>
+          <p:cNvSpPr>
+            <a:spLocks noGrp="1" noRot="1" noChangeAspect="1"/>
+          </p:cNvSpPr>
+          <p:nvPr>
+            <p:ph type="sldImg"/>
+          </p:nvPr>
+        </p:nvSpPr>
+        <p:spPr/>
+      </p:sp>
+      <p:sp>
+        <p:nvSpPr>
+          <p:cNvPr id="3" name="Notes Placeholder 2"/>
+          <p:cNvSpPr>
+            <a:spLocks noGrp="1"/>
+          </p:cNvSpPr>
+          <p:nvPr>
+            <p:ph type="body" idx="1"/>
+          </p:nvPr>
+        </p:nvSpPr>
+        <p:spPr/>
+        <p:txBody>
+          <a:bodyPr/>
+          <a:lstStyle/>
+          <a:p>
+            <a:r>
+              <a:rPr lang="en-US" dirty="0" smtClean="0"/>
+              <a:t>-Initial data when beginning</a:t>
+            </a:r>
+            <a:r>
+              <a:rPr lang="en-US" baseline="0" dirty="0" smtClean="0"/>
+              <a:t> a Bourg test. These values are the same as Bourg’s default code</a:t>
+            </a:r>
+            <a:br>
+              <a:rPr lang="en-US" baseline="0" dirty="0" smtClean="0"/>
+            </a:br>
+            <a:r>
+              <a:rPr lang="en-US" baseline="0" dirty="0" smtClean="0"/>
+              <a:t>-Palmer tests begin stationary at (0,0,0) position, so we won’t include a table showing that</a:t>
+            </a:r>
+            <a:endParaRPr lang="en-US" dirty="0"/>
+          </a:p>
+        </p:txBody>
+      </p:sp>
+      <p:sp>
+        <p:nvSpPr>
+          <p:cNvPr id="4" name="Slide Number Placeholder 3"/>
+          <p:cNvSpPr>
+            <a:spLocks noGrp="1"/>
+          </p:cNvSpPr>
+          <p:nvPr>
+            <p:ph type="sldNum" sz="quarter" idx="10"/>
+          </p:nvPr>
+        </p:nvSpPr>
+        <p:spPr/>
+        <p:txBody>
+          <a:bodyPr/>
+          <a:lstStyle/>
+          <a:p>
+            <a:fld id="{2E19DE28-8325-455D-B7C9-D422F83ABE18}" type="slidenum">
+              <a:rPr lang="en-US" smtClean="0"/>
+              <a:t>34</a:t>
+            </a:fld>
+            <a:endParaRPr lang="en-US"/>
+          </a:p>
+        </p:txBody>
+      </p:sp>
+    </p:spTree>
+    <p:extLst>
+      <p:ext uri="{BB962C8B-B14F-4D97-AF65-F5344CB8AC3E}">
+        <p14:creationId xmlns:p14="http://schemas.microsoft.com/office/powerpoint/2010/main" val="1016473518"/>
+      </p:ext>
+    </p:extLst>
+  </p:cSld>
+  <p:clrMapOvr>
+    <a:masterClrMapping/>
+  </p:clrMapOvr>
+</p:notes>
+</file>
+
 <file path=ppt/notesSlides/notesSlide3.xml><?xml version="1.0" encoding="utf-8"?>
 <p:notes xmlns:a="http://schemas.openxmlformats.org/drawingml/2006/main" xmlns:r="http://schemas.openxmlformats.org/officeDocument/2006/relationships" xmlns:p="http://schemas.openxmlformats.org/presentationml/2006/main">
   <p:cSld>
@@ -1905,7 +2141,6 @@
               <a:rPr lang="en-US" baseline="0" dirty="0" smtClean="0"/>
               <a:t>-Explain the FDMs: both 6-DoF and seek to update position and orientation by considering forces and integrating the equations of motion</a:t>
             </a:r>
-            <a:endParaRPr lang="en-US" baseline="0" dirty="0" smtClean="0"/>
           </a:p>
         </p:txBody>
       </p:sp>
@@ -1991,12 +2226,31 @@
           <a:p>
             <a:r>
               <a:rPr lang="en-US" dirty="0" smtClean="0"/>
-              <a:t>-Explain</a:t>
+              <a:t>-</a:t>
+            </a:r>
+            <a:r>
+              <a:rPr lang="en-US" dirty="0" smtClean="0"/>
+              <a:t>Explain</a:t>
             </a:r>
             <a:r>
               <a:rPr lang="en-US" baseline="0" dirty="0" smtClean="0"/>
-              <a:t> briefly DOD and ECS</a:t>
-            </a:r>
+              <a:t> briefly </a:t>
+            </a:r>
+            <a:r>
+              <a:rPr lang="en-US" baseline="0" dirty="0" smtClean="0"/>
+              <a:t>DOD and </a:t>
+            </a:r>
+            <a:r>
+              <a:rPr lang="en-US" baseline="0" dirty="0" smtClean="0"/>
+              <a:t>ECS</a:t>
+            </a:r>
+          </a:p>
+          <a:p>
+            <a:r>
+              <a:rPr lang="en-US" baseline="0" dirty="0" smtClean="0"/>
+              <a:t>-Ease of programming and performance benefits</a:t>
+            </a:r>
+            <a:endParaRPr lang="en-US" baseline="0" dirty="0" smtClean="0"/>
           </a:p>
         </p:txBody>
       </p:sp>
@@ -2493,7 +2747,7 @@
           <a:noFill/>
           <a:extLst>
             <a:ext uri="{909E8E84-426E-40dd-AFC4-6F175D3DCCD1}">
-              <a14:hiddenFill xmlns:a14="http://schemas.microsoft.com/office/drawing/2010/main" xmlns="">
+              <a14:hiddenFill xmlns="" xmlns:a14="http://schemas.microsoft.com/office/drawing/2010/main">
                 <a:solidFill>
                   <a:srgbClr val="FFFFFF"/>
                 </a:solidFill>
@@ -2552,7 +2806,7 @@
             </a:ln>
             <a:extLst>
               <a:ext uri="{91240B29-F687-4f45-9708-019B960494DF}">
-                <a14:hiddenLine xmlns:a14="http://schemas.microsoft.com/office/drawing/2010/main" xmlns="" w="9525">
+                <a14:hiddenLine xmlns="" xmlns:a14="http://schemas.microsoft.com/office/drawing/2010/main" w="9525">
                   <a:solidFill>
                     <a:srgbClr val="000000"/>
                   </a:solidFill>
@@ -2642,7 +2896,7 @@
             </a:ln>
             <a:extLst>
               <a:ext uri="{91240B29-F687-4f45-9708-019B960494DF}">
-                <a14:hiddenLine xmlns:a14="http://schemas.microsoft.com/office/drawing/2010/main" xmlns="" w="9525">
+                <a14:hiddenLine xmlns="" xmlns:a14="http://schemas.microsoft.com/office/drawing/2010/main" w="9525">
                   <a:solidFill>
                     <a:srgbClr val="000000"/>
                   </a:solidFill>
@@ -2732,7 +2986,7 @@
             </a:ln>
             <a:extLst>
               <a:ext uri="{91240B29-F687-4f45-9708-019B960494DF}">
-                <a14:hiddenLine xmlns:a14="http://schemas.microsoft.com/office/drawing/2010/main" xmlns="" w="9525">
+                <a14:hiddenLine xmlns="" xmlns:a14="http://schemas.microsoft.com/office/drawing/2010/main" w="9525">
                   <a:solidFill>
                     <a:srgbClr val="000000"/>
                   </a:solidFill>
@@ -2766,7 +3020,7 @@
             </a:ln>
             <a:extLst>
               <a:ext uri="{91240B29-F687-4f45-9708-019B960494DF}">
-                <a14:hiddenLine xmlns:a14="http://schemas.microsoft.com/office/drawing/2010/main" xmlns="" w="9525">
+                <a14:hiddenLine xmlns="" xmlns:a14="http://schemas.microsoft.com/office/drawing/2010/main" w="9525">
                   <a:solidFill>
                     <a:srgbClr val="000000"/>
                   </a:solidFill>
@@ -2856,7 +3110,7 @@
             </a:ln>
             <a:extLst>
               <a:ext uri="{91240B29-F687-4f45-9708-019B960494DF}">
-                <a14:hiddenLine xmlns:a14="http://schemas.microsoft.com/office/drawing/2010/main" xmlns="" w="9525">
+                <a14:hiddenLine xmlns="" xmlns:a14="http://schemas.microsoft.com/office/drawing/2010/main" w="9525">
                   <a:solidFill>
                     <a:srgbClr val="000000"/>
                   </a:solidFill>
@@ -2918,7 +3172,7 @@
             </a:ln>
             <a:extLst>
               <a:ext uri="{91240B29-F687-4f45-9708-019B960494DF}">
-                <a14:hiddenLine xmlns:a14="http://schemas.microsoft.com/office/drawing/2010/main" xmlns="" w="9525">
+                <a14:hiddenLine xmlns="" xmlns:a14="http://schemas.microsoft.com/office/drawing/2010/main" w="9525">
                   <a:solidFill>
                     <a:srgbClr val="000000"/>
                   </a:solidFill>
@@ -2980,7 +3234,7 @@
             </a:ln>
             <a:extLst>
               <a:ext uri="{91240B29-F687-4f45-9708-019B960494DF}">
-                <a14:hiddenLine xmlns:a14="http://schemas.microsoft.com/office/drawing/2010/main" xmlns="" w="9525">
+                <a14:hiddenLine xmlns="" xmlns:a14="http://schemas.microsoft.com/office/drawing/2010/main" w="9525">
                   <a:solidFill>
                     <a:srgbClr val="000000"/>
                   </a:solidFill>
@@ -3070,7 +3324,7 @@
             </a:ln>
             <a:extLst>
               <a:ext uri="{91240B29-F687-4f45-9708-019B960494DF}">
-                <a14:hiddenLine xmlns:a14="http://schemas.microsoft.com/office/drawing/2010/main" xmlns="" w="9525">
+                <a14:hiddenLine xmlns="" xmlns:a14="http://schemas.microsoft.com/office/drawing/2010/main" w="9525">
                   <a:solidFill>
                     <a:srgbClr val="000000"/>
                   </a:solidFill>
@@ -3132,7 +3386,7 @@
             </a:ln>
             <a:extLst>
               <a:ext uri="{91240B29-F687-4f45-9708-019B960494DF}">
-                <a14:hiddenLine xmlns:a14="http://schemas.microsoft.com/office/drawing/2010/main" xmlns="" w="9525">
+                <a14:hiddenLine xmlns="" xmlns:a14="http://schemas.microsoft.com/office/drawing/2010/main" w="9525">
                   <a:solidFill>
                     <a:srgbClr val="000000"/>
                   </a:solidFill>
@@ -3194,7 +3448,7 @@
             </a:ln>
             <a:extLst>
               <a:ext uri="{91240B29-F687-4f45-9708-019B960494DF}">
-                <a14:hiddenLine xmlns:a14="http://schemas.microsoft.com/office/drawing/2010/main" xmlns="" w="9525">
+                <a14:hiddenLine xmlns="" xmlns:a14="http://schemas.microsoft.com/office/drawing/2010/main" w="9525">
                   <a:solidFill>
                     <a:srgbClr val="000000"/>
                   </a:solidFill>
@@ -3284,7 +3538,7 @@
             </a:ln>
             <a:extLst>
               <a:ext uri="{91240B29-F687-4f45-9708-019B960494DF}">
-                <a14:hiddenLine xmlns:a14="http://schemas.microsoft.com/office/drawing/2010/main" xmlns="" w="9525">
+                <a14:hiddenLine xmlns="" xmlns:a14="http://schemas.microsoft.com/office/drawing/2010/main" w="9525">
                   <a:solidFill>
                     <a:srgbClr val="000000"/>
                   </a:solidFill>
@@ -3374,7 +3628,7 @@
             </a:ln>
             <a:extLst>
               <a:ext uri="{91240B29-F687-4f45-9708-019B960494DF}">
-                <a14:hiddenLine xmlns:a14="http://schemas.microsoft.com/office/drawing/2010/main" xmlns="" w="9525">
+                <a14:hiddenLine xmlns="" xmlns:a14="http://schemas.microsoft.com/office/drawing/2010/main" w="9525">
                   <a:solidFill>
                     <a:srgbClr val="000000"/>
                   </a:solidFill>
@@ -3436,7 +3690,7 @@
             </a:ln>
             <a:extLst>
               <a:ext uri="{91240B29-F687-4f45-9708-019B960494DF}">
-                <a14:hiddenLine xmlns:a14="http://schemas.microsoft.com/office/drawing/2010/main" xmlns="" w="9525">
+                <a14:hiddenLine xmlns="" xmlns:a14="http://schemas.microsoft.com/office/drawing/2010/main" w="9525">
                   <a:solidFill>
                     <a:srgbClr val="000000"/>
                   </a:solidFill>
@@ -3546,7 +3800,7 @@
             </a:ln>
             <a:extLst>
               <a:ext uri="{91240B29-F687-4f45-9708-019B960494DF}">
-                <a14:hiddenLine xmlns:a14="http://schemas.microsoft.com/office/drawing/2010/main" xmlns="" w="9525">
+                <a14:hiddenLine xmlns="" xmlns:a14="http://schemas.microsoft.com/office/drawing/2010/main" w="9525">
                   <a:solidFill>
                     <a:srgbClr val="000000"/>
                   </a:solidFill>
@@ -3608,7 +3862,7 @@
             </a:ln>
             <a:extLst>
               <a:ext uri="{91240B29-F687-4f45-9708-019B960494DF}">
-                <a14:hiddenLine xmlns:a14="http://schemas.microsoft.com/office/drawing/2010/main" xmlns="" w="9525">
+                <a14:hiddenLine xmlns="" xmlns:a14="http://schemas.microsoft.com/office/drawing/2010/main" w="9525">
                   <a:solidFill>
                     <a:srgbClr val="000000"/>
                   </a:solidFill>
@@ -3698,7 +3952,7 @@
             </a:ln>
             <a:extLst>
               <a:ext uri="{91240B29-F687-4f45-9708-019B960494DF}">
-                <a14:hiddenLine xmlns:a14="http://schemas.microsoft.com/office/drawing/2010/main" xmlns="" w="9525">
+                <a14:hiddenLine xmlns="" xmlns:a14="http://schemas.microsoft.com/office/drawing/2010/main" w="9525">
                   <a:solidFill>
                     <a:srgbClr val="000000"/>
                   </a:solidFill>
@@ -3788,7 +4042,7 @@
             </a:ln>
             <a:extLst>
               <a:ext uri="{91240B29-F687-4f45-9708-019B960494DF}">
-                <a14:hiddenLine xmlns:a14="http://schemas.microsoft.com/office/drawing/2010/main" xmlns="" w="9525">
+                <a14:hiddenLine xmlns="" xmlns:a14="http://schemas.microsoft.com/office/drawing/2010/main" w="9525">
                   <a:solidFill>
                     <a:srgbClr val="000000"/>
                   </a:solidFill>
@@ -3850,7 +4104,7 @@
             </a:ln>
             <a:extLst>
               <a:ext uri="{91240B29-F687-4f45-9708-019B960494DF}">
-                <a14:hiddenLine xmlns:a14="http://schemas.microsoft.com/office/drawing/2010/main" xmlns="" w="9525">
+                <a14:hiddenLine xmlns="" xmlns:a14="http://schemas.microsoft.com/office/drawing/2010/main" w="9525">
                   <a:solidFill>
                     <a:srgbClr val="000000"/>
                   </a:solidFill>
@@ -3940,7 +4194,7 @@
             </a:ln>
             <a:extLst>
               <a:ext uri="{91240B29-F687-4f45-9708-019B960494DF}">
-                <a14:hiddenLine xmlns:a14="http://schemas.microsoft.com/office/drawing/2010/main" xmlns="" w="9525">
+                <a14:hiddenLine xmlns="" xmlns:a14="http://schemas.microsoft.com/office/drawing/2010/main" w="9525">
                   <a:solidFill>
                     <a:srgbClr val="000000"/>
                   </a:solidFill>
@@ -4030,7 +4284,7 @@
             </a:ln>
             <a:extLst>
               <a:ext uri="{91240B29-F687-4f45-9708-019B960494DF}">
-                <a14:hiddenLine xmlns:a14="http://schemas.microsoft.com/office/drawing/2010/main" xmlns="" w="9525">
+                <a14:hiddenLine xmlns="" xmlns:a14="http://schemas.microsoft.com/office/drawing/2010/main" w="9525">
                   <a:solidFill>
                     <a:srgbClr val="000000"/>
                   </a:solidFill>
@@ -4086,7 +4340,7 @@
             </a:ln>
             <a:extLst>
               <a:ext uri="{91240B29-F687-4f45-9708-019B960494DF}">
-                <a14:hiddenLine xmlns:a14="http://schemas.microsoft.com/office/drawing/2010/main" xmlns="" w="9525">
+                <a14:hiddenLine xmlns="" xmlns:a14="http://schemas.microsoft.com/office/drawing/2010/main" w="9525">
                   <a:solidFill>
                     <a:srgbClr val="000000"/>
                   </a:solidFill>
@@ -4176,7 +4430,7 @@
             </a:ln>
             <a:extLst>
               <a:ext uri="{91240B29-F687-4f45-9708-019B960494DF}">
-                <a14:hiddenLine xmlns:a14="http://schemas.microsoft.com/office/drawing/2010/main" xmlns="" w="9525">
+                <a14:hiddenLine xmlns="" xmlns:a14="http://schemas.microsoft.com/office/drawing/2010/main" w="9525">
                   <a:solidFill>
                     <a:srgbClr val="000000"/>
                   </a:solidFill>
@@ -4232,7 +4486,7 @@
             </a:ln>
             <a:extLst>
               <a:ext uri="{91240B29-F687-4f45-9708-019B960494DF}">
-                <a14:hiddenLine xmlns:a14="http://schemas.microsoft.com/office/drawing/2010/main" xmlns="" w="9525">
+                <a14:hiddenLine xmlns="" xmlns:a14="http://schemas.microsoft.com/office/drawing/2010/main" w="9525">
                   <a:solidFill>
                     <a:srgbClr val="000000"/>
                   </a:solidFill>
@@ -4322,7 +4576,7 @@
             </a:ln>
             <a:extLst>
               <a:ext uri="{91240B29-F687-4f45-9708-019B960494DF}">
-                <a14:hiddenLine xmlns:a14="http://schemas.microsoft.com/office/drawing/2010/main" xmlns="" w="9525">
+                <a14:hiddenLine xmlns="" xmlns:a14="http://schemas.microsoft.com/office/drawing/2010/main" w="9525">
                   <a:solidFill>
                     <a:srgbClr val="000000"/>
                   </a:solidFill>
@@ -4390,7 +4644,7 @@
             </a:ln>
             <a:extLst>
               <a:ext uri="{91240B29-F687-4f45-9708-019B960494DF}">
-                <a14:hiddenLine xmlns:a14="http://schemas.microsoft.com/office/drawing/2010/main" xmlns="" w="9525">
+                <a14:hiddenLine xmlns="" xmlns:a14="http://schemas.microsoft.com/office/drawing/2010/main" w="9525">
                   <a:solidFill>
                     <a:srgbClr val="000000"/>
                   </a:solidFill>
@@ -4480,7 +4734,7 @@
             </a:ln>
             <a:extLst>
               <a:ext uri="{91240B29-F687-4f45-9708-019B960494DF}">
-                <a14:hiddenLine xmlns:a14="http://schemas.microsoft.com/office/drawing/2010/main" xmlns="" w="9525">
+                <a14:hiddenLine xmlns="" xmlns:a14="http://schemas.microsoft.com/office/drawing/2010/main" w="9525">
                   <a:solidFill>
                     <a:srgbClr val="000000"/>
                   </a:solidFill>
@@ -4548,7 +4802,7 @@
             </a:ln>
             <a:extLst>
               <a:ext uri="{91240B29-F687-4f45-9708-019B960494DF}">
-                <a14:hiddenLine xmlns:a14="http://schemas.microsoft.com/office/drawing/2010/main" xmlns="" w="9525">
+                <a14:hiddenLine xmlns="" xmlns:a14="http://schemas.microsoft.com/office/drawing/2010/main" w="9525">
                   <a:solidFill>
                     <a:srgbClr val="000000"/>
                   </a:solidFill>
@@ -4638,7 +4892,7 @@
             </a:ln>
             <a:extLst>
               <a:ext uri="{91240B29-F687-4f45-9708-019B960494DF}">
-                <a14:hiddenLine xmlns:a14="http://schemas.microsoft.com/office/drawing/2010/main" xmlns="" w="9525">
+                <a14:hiddenLine xmlns="" xmlns:a14="http://schemas.microsoft.com/office/drawing/2010/main" w="9525">
                   <a:solidFill>
                     <a:srgbClr val="000000"/>
                   </a:solidFill>
@@ -4672,7 +4926,7 @@
             </a:ln>
             <a:extLst>
               <a:ext uri="{91240B29-F687-4f45-9708-019B960494DF}">
-                <a14:hiddenLine xmlns:a14="http://schemas.microsoft.com/office/drawing/2010/main" xmlns="" w="9525">
+                <a14:hiddenLine xmlns="" xmlns:a14="http://schemas.microsoft.com/office/drawing/2010/main" w="9525">
                   <a:solidFill>
                     <a:srgbClr val="000000"/>
                   </a:solidFill>
@@ -4762,7 +5016,7 @@
             </a:ln>
             <a:extLst>
               <a:ext uri="{91240B29-F687-4f45-9708-019B960494DF}">
-                <a14:hiddenLine xmlns:a14="http://schemas.microsoft.com/office/drawing/2010/main" xmlns="" w="9525">
+                <a14:hiddenLine xmlns="" xmlns:a14="http://schemas.microsoft.com/office/drawing/2010/main" w="9525">
                   <a:solidFill>
                     <a:srgbClr val="000000"/>
                   </a:solidFill>
@@ -4824,7 +5078,7 @@
             </a:ln>
             <a:extLst>
               <a:ext uri="{91240B29-F687-4f45-9708-019B960494DF}">
-                <a14:hiddenLine xmlns:a14="http://schemas.microsoft.com/office/drawing/2010/main" xmlns="" w="9525">
+                <a14:hiddenLine xmlns="" xmlns:a14="http://schemas.microsoft.com/office/drawing/2010/main" w="9525">
                   <a:solidFill>
                     <a:srgbClr val="000000"/>
                   </a:solidFill>
@@ -4886,7 +5140,7 @@
             </a:ln>
             <a:extLst>
               <a:ext uri="{91240B29-F687-4f45-9708-019B960494DF}">
-                <a14:hiddenLine xmlns:a14="http://schemas.microsoft.com/office/drawing/2010/main" xmlns="" w="9525">
+                <a14:hiddenLine xmlns="" xmlns:a14="http://schemas.microsoft.com/office/drawing/2010/main" w="9525">
                   <a:solidFill>
                     <a:srgbClr val="000000"/>
                   </a:solidFill>
@@ -4976,7 +5230,7 @@
             </a:ln>
             <a:extLst>
               <a:ext uri="{91240B29-F687-4f45-9708-019B960494DF}">
-                <a14:hiddenLine xmlns:a14="http://schemas.microsoft.com/office/drawing/2010/main" xmlns="" w="9525">
+                <a14:hiddenLine xmlns="" xmlns:a14="http://schemas.microsoft.com/office/drawing/2010/main" w="9525">
                   <a:solidFill>
                     <a:srgbClr val="000000"/>
                   </a:solidFill>
@@ -5044,7 +5298,7 @@
             </a:ln>
             <a:extLst>
               <a:ext uri="{91240B29-F687-4f45-9708-019B960494DF}">
-                <a14:hiddenLine xmlns:a14="http://schemas.microsoft.com/office/drawing/2010/main" xmlns="" w="9525">
+                <a14:hiddenLine xmlns="" xmlns:a14="http://schemas.microsoft.com/office/drawing/2010/main" w="9525">
                   <a:solidFill>
                     <a:srgbClr val="000000"/>
                   </a:solidFill>
@@ -5106,7 +5360,7 @@
             </a:ln>
             <a:extLst>
               <a:ext uri="{91240B29-F687-4f45-9708-019B960494DF}">
-                <a14:hiddenLine xmlns:a14="http://schemas.microsoft.com/office/drawing/2010/main" xmlns="" w="9525">
+                <a14:hiddenLine xmlns="" xmlns:a14="http://schemas.microsoft.com/office/drawing/2010/main" w="9525">
                   <a:solidFill>
                     <a:srgbClr val="000000"/>
                   </a:solidFill>
@@ -5196,7 +5450,7 @@
             </a:ln>
             <a:extLst>
               <a:ext uri="{91240B29-F687-4f45-9708-019B960494DF}">
-                <a14:hiddenLine xmlns:a14="http://schemas.microsoft.com/office/drawing/2010/main" xmlns="" w="9525">
+                <a14:hiddenLine xmlns="" xmlns:a14="http://schemas.microsoft.com/office/drawing/2010/main" w="9525">
                   <a:solidFill>
                     <a:srgbClr val="000000"/>
                   </a:solidFill>
@@ -5258,7 +5512,7 @@
             </a:ln>
             <a:extLst>
               <a:ext uri="{91240B29-F687-4f45-9708-019B960494DF}">
-                <a14:hiddenLine xmlns:a14="http://schemas.microsoft.com/office/drawing/2010/main" xmlns="" w="9525">
+                <a14:hiddenLine xmlns="" xmlns:a14="http://schemas.microsoft.com/office/drawing/2010/main" w="9525">
                   <a:solidFill>
                     <a:srgbClr val="000000"/>
                   </a:solidFill>
@@ -5348,7 +5602,7 @@
             </a:ln>
             <a:extLst>
               <a:ext uri="{91240B29-F687-4f45-9708-019B960494DF}">
-                <a14:hiddenLine xmlns:a14="http://schemas.microsoft.com/office/drawing/2010/main" xmlns="" w="9525">
+                <a14:hiddenLine xmlns="" xmlns:a14="http://schemas.microsoft.com/office/drawing/2010/main" w="9525">
                   <a:solidFill>
                     <a:srgbClr val="000000"/>
                   </a:solidFill>
@@ -5410,7 +5664,7 @@
             </a:ln>
             <a:extLst>
               <a:ext uri="{91240B29-F687-4f45-9708-019B960494DF}">
-                <a14:hiddenLine xmlns:a14="http://schemas.microsoft.com/office/drawing/2010/main" xmlns="" w="9525">
+                <a14:hiddenLine xmlns="" xmlns:a14="http://schemas.microsoft.com/office/drawing/2010/main" w="9525">
                   <a:solidFill>
                     <a:srgbClr val="000000"/>
                   </a:solidFill>
@@ -5500,7 +5754,7 @@
             </a:ln>
             <a:extLst>
               <a:ext uri="{91240B29-F687-4f45-9708-019B960494DF}">
-                <a14:hiddenLine xmlns:a14="http://schemas.microsoft.com/office/drawing/2010/main" xmlns="" w="9525">
+                <a14:hiddenLine xmlns="" xmlns:a14="http://schemas.microsoft.com/office/drawing/2010/main" w="9525">
                   <a:solidFill>
                     <a:srgbClr val="000000"/>
                   </a:solidFill>
@@ -5534,7 +5788,7 @@
             </a:ln>
             <a:extLst>
               <a:ext uri="{91240B29-F687-4f45-9708-019B960494DF}">
-                <a14:hiddenLine xmlns:a14="http://schemas.microsoft.com/office/drawing/2010/main" xmlns="" w="9525">
+                <a14:hiddenLine xmlns="" xmlns:a14="http://schemas.microsoft.com/office/drawing/2010/main" w="9525">
                   <a:solidFill>
                     <a:srgbClr val="000000"/>
                   </a:solidFill>
@@ -5599,7 +5853,7 @@
             </a:ln>
             <a:extLst>
               <a:ext uri="{91240B29-F687-4f45-9708-019B960494DF}">
-                <a14:hiddenLine xmlns:a14="http://schemas.microsoft.com/office/drawing/2010/main" xmlns="" w="9525">
+                <a14:hiddenLine xmlns="" xmlns:a14="http://schemas.microsoft.com/office/drawing/2010/main" w="9525">
                   <a:solidFill>
                     <a:srgbClr val="000000"/>
                   </a:solidFill>
@@ -5689,7 +5943,7 @@
             </a:ln>
             <a:extLst>
               <a:ext uri="{91240B29-F687-4f45-9708-019B960494DF}">
-                <a14:hiddenLine xmlns:a14="http://schemas.microsoft.com/office/drawing/2010/main" xmlns="" w="9525">
+                <a14:hiddenLine xmlns="" xmlns:a14="http://schemas.microsoft.com/office/drawing/2010/main" w="9525">
                   <a:solidFill>
                     <a:srgbClr val="000000"/>
                   </a:solidFill>
@@ -5751,7 +6005,7 @@
             </a:ln>
             <a:extLst>
               <a:ext uri="{91240B29-F687-4f45-9708-019B960494DF}">
-                <a14:hiddenLine xmlns:a14="http://schemas.microsoft.com/office/drawing/2010/main" xmlns="" w="9525">
+                <a14:hiddenLine xmlns="" xmlns:a14="http://schemas.microsoft.com/office/drawing/2010/main" w="9525">
                   <a:solidFill>
                     <a:srgbClr val="000000"/>
                   </a:solidFill>
@@ -5841,7 +6095,7 @@
             </a:ln>
             <a:extLst>
               <a:ext uri="{91240B29-F687-4f45-9708-019B960494DF}">
-                <a14:hiddenLine xmlns:a14="http://schemas.microsoft.com/office/drawing/2010/main" xmlns="" w="9525">
+                <a14:hiddenLine xmlns="" xmlns:a14="http://schemas.microsoft.com/office/drawing/2010/main" w="9525">
                   <a:solidFill>
                     <a:srgbClr val="000000"/>
                   </a:solidFill>
@@ -5931,7 +6185,7 @@
             </a:ln>
             <a:extLst>
               <a:ext uri="{91240B29-F687-4f45-9708-019B960494DF}">
-                <a14:hiddenLine xmlns:a14="http://schemas.microsoft.com/office/drawing/2010/main" xmlns="" w="9525">
+                <a14:hiddenLine xmlns="" xmlns:a14="http://schemas.microsoft.com/office/drawing/2010/main" w="9525">
                   <a:solidFill>
                     <a:srgbClr val="000000"/>
                   </a:solidFill>
@@ -5996,7 +6250,7 @@
             </a:ln>
             <a:extLst>
               <a:ext uri="{91240B29-F687-4f45-9708-019B960494DF}">
-                <a14:hiddenLine xmlns:a14="http://schemas.microsoft.com/office/drawing/2010/main" xmlns="" w="9525">
+                <a14:hiddenLine xmlns="" xmlns:a14="http://schemas.microsoft.com/office/drawing/2010/main" w="9525">
                   <a:solidFill>
                     <a:srgbClr val="000000"/>
                   </a:solidFill>
@@ -6058,7 +6312,7 @@
             </a:ln>
             <a:extLst>
               <a:ext uri="{91240B29-F687-4f45-9708-019B960494DF}">
-                <a14:hiddenLine xmlns:a14="http://schemas.microsoft.com/office/drawing/2010/main" xmlns="" w="9525">
+                <a14:hiddenLine xmlns="" xmlns:a14="http://schemas.microsoft.com/office/drawing/2010/main" w="9525">
                   <a:solidFill>
                     <a:srgbClr val="000000"/>
                   </a:solidFill>
@@ -6148,7 +6402,7 @@
             </a:ln>
             <a:extLst>
               <a:ext uri="{91240B29-F687-4f45-9708-019B960494DF}">
-                <a14:hiddenLine xmlns:a14="http://schemas.microsoft.com/office/drawing/2010/main" xmlns="" w="9525">
+                <a14:hiddenLine xmlns="" xmlns:a14="http://schemas.microsoft.com/office/drawing/2010/main" w="9525">
                   <a:solidFill>
                     <a:srgbClr val="000000"/>
                   </a:solidFill>
@@ -6238,7 +6492,7 @@
             </a:ln>
             <a:extLst>
               <a:ext uri="{91240B29-F687-4f45-9708-019B960494DF}">
-                <a14:hiddenLine xmlns:a14="http://schemas.microsoft.com/office/drawing/2010/main" xmlns="" w="9525">
+                <a14:hiddenLine xmlns="" xmlns:a14="http://schemas.microsoft.com/office/drawing/2010/main" w="9525">
                   <a:solidFill>
                     <a:srgbClr val="000000"/>
                   </a:solidFill>
@@ -6300,7 +6554,7 @@
             </a:ln>
             <a:extLst>
               <a:ext uri="{91240B29-F687-4f45-9708-019B960494DF}">
-                <a14:hiddenLine xmlns:a14="http://schemas.microsoft.com/office/drawing/2010/main" xmlns="" w="9525">
+                <a14:hiddenLine xmlns="" xmlns:a14="http://schemas.microsoft.com/office/drawing/2010/main" w="9525">
                   <a:solidFill>
                     <a:srgbClr val="000000"/>
                   </a:solidFill>
@@ -6420,7 +6674,7 @@
             </a:ln>
             <a:extLst>
               <a:ext uri="{91240B29-F687-4f45-9708-019B960494DF}">
-                <a14:hiddenLine xmlns:a14="http://schemas.microsoft.com/office/drawing/2010/main" xmlns="" w="9525">
+                <a14:hiddenLine xmlns="" xmlns:a14="http://schemas.microsoft.com/office/drawing/2010/main" w="9525">
                   <a:solidFill>
                     <a:srgbClr val="000000"/>
                   </a:solidFill>
@@ -6488,7 +6742,7 @@
             </a:ln>
             <a:extLst>
               <a:ext uri="{91240B29-F687-4f45-9708-019B960494DF}">
-                <a14:hiddenLine xmlns:a14="http://schemas.microsoft.com/office/drawing/2010/main" xmlns="" w="9525">
+                <a14:hiddenLine xmlns="" xmlns:a14="http://schemas.microsoft.com/office/drawing/2010/main" w="9525">
                   <a:solidFill>
                     <a:srgbClr val="000000"/>
                   </a:solidFill>
@@ -6578,7 +6832,7 @@
             </a:ln>
             <a:extLst>
               <a:ext uri="{91240B29-F687-4f45-9708-019B960494DF}">
-                <a14:hiddenLine xmlns:a14="http://schemas.microsoft.com/office/drawing/2010/main" xmlns="" w="9525">
+                <a14:hiddenLine xmlns="" xmlns:a14="http://schemas.microsoft.com/office/drawing/2010/main" w="9525">
                   <a:solidFill>
                     <a:srgbClr val="000000"/>
                   </a:solidFill>
@@ -6718,7 +6972,7 @@
           <a:p>
             <a:fld id="{EA2E5030-8CDF-47DB-BC9E-6F3E03A9C925}" type="datetimeFigureOut">
               <a:rPr lang="en-US" smtClean="0"/>
-              <a:t>1/30/2021</a:t>
+              <a:t>1/31/2021</a:t>
             </a:fld>
             <a:endParaRPr lang="en-US"/>
           </a:p>
@@ -6985,7 +7239,7 @@
           <a:p>
             <a:fld id="{EA2E5030-8CDF-47DB-BC9E-6F3E03A9C925}" type="datetimeFigureOut">
               <a:rPr lang="en-US" smtClean="0"/>
-              <a:t>1/30/2021</a:t>
+              <a:t>1/31/2021</a:t>
             </a:fld>
             <a:endParaRPr lang="en-US"/>
           </a:p>
@@ -7181,7 +7435,7 @@
           <a:p>
             <a:fld id="{EA2E5030-8CDF-47DB-BC9E-6F3E03A9C925}" type="datetimeFigureOut">
               <a:rPr lang="en-US" smtClean="0"/>
-              <a:t>1/30/2021</a:t>
+              <a:t>1/31/2021</a:t>
             </a:fld>
             <a:endParaRPr lang="en-US"/>
           </a:p>
@@ -7444,7 +7698,7 @@
           <a:p>
             <a:fld id="{EA2E5030-8CDF-47DB-BC9E-6F3E03A9C925}" type="datetimeFigureOut">
               <a:rPr lang="en-US" smtClean="0"/>
-              <a:t>1/30/2021</a:t>
+              <a:t>1/31/2021</a:t>
             </a:fld>
             <a:endParaRPr lang="en-US"/>
           </a:p>
@@ -7878,7 +8132,7 @@
           <a:p>
             <a:fld id="{EA2E5030-8CDF-47DB-BC9E-6F3E03A9C925}" type="datetimeFigureOut">
               <a:rPr lang="en-US" smtClean="0"/>
-              <a:t>1/30/2021</a:t>
+              <a:t>1/31/2021</a:t>
             </a:fld>
             <a:endParaRPr lang="en-US"/>
           </a:p>
@@ -8424,7 +8678,7 @@
           <a:p>
             <a:fld id="{EA2E5030-8CDF-47DB-BC9E-6F3E03A9C925}" type="datetimeFigureOut">
               <a:rPr lang="en-US" smtClean="0"/>
-              <a:t>1/30/2021</a:t>
+              <a:t>1/31/2021</a:t>
             </a:fld>
             <a:endParaRPr lang="en-US"/>
           </a:p>
@@ -9144,7 +9398,7 @@
           <a:p>
             <a:fld id="{EA2E5030-8CDF-47DB-BC9E-6F3E03A9C925}" type="datetimeFigureOut">
               <a:rPr lang="en-US" smtClean="0"/>
-              <a:t>1/30/2021</a:t>
+              <a:t>1/31/2021</a:t>
             </a:fld>
             <a:endParaRPr lang="en-US"/>
           </a:p>
@@ -9314,7 +9568,7 @@
           <a:p>
             <a:fld id="{EA2E5030-8CDF-47DB-BC9E-6F3E03A9C925}" type="datetimeFigureOut">
               <a:rPr lang="en-US" smtClean="0"/>
-              <a:t>1/30/2021</a:t>
+              <a:t>1/31/2021</a:t>
             </a:fld>
             <a:endParaRPr lang="en-US"/>
           </a:p>
@@ -9494,7 +9748,7 @@
           <a:p>
             <a:fld id="{EA2E5030-8CDF-47DB-BC9E-6F3E03A9C925}" type="datetimeFigureOut">
               <a:rPr lang="en-US" smtClean="0"/>
-              <a:t>1/30/2021</a:t>
+              <a:t>1/31/2021</a:t>
             </a:fld>
             <a:endParaRPr lang="en-US"/>
           </a:p>
@@ -9664,7 +9918,7 @@
           <a:p>
             <a:fld id="{EA2E5030-8CDF-47DB-BC9E-6F3E03A9C925}" type="datetimeFigureOut">
               <a:rPr lang="en-US" smtClean="0"/>
-              <a:t>1/30/2021</a:t>
+              <a:t>1/31/2021</a:t>
             </a:fld>
             <a:endParaRPr lang="en-US"/>
           </a:p>
@@ -9914,7 +10168,7 @@
           <a:p>
             <a:fld id="{EA2E5030-8CDF-47DB-BC9E-6F3E03A9C925}" type="datetimeFigureOut">
               <a:rPr lang="en-US" smtClean="0"/>
-              <a:t>1/30/2021</a:t>
+              <a:t>1/31/2021</a:t>
             </a:fld>
             <a:endParaRPr lang="en-US"/>
           </a:p>
@@ -10146,7 +10400,7 @@
           <a:p>
             <a:fld id="{EA2E5030-8CDF-47DB-BC9E-6F3E03A9C925}" type="datetimeFigureOut">
               <a:rPr lang="en-US" smtClean="0"/>
-              <a:t>1/30/2021</a:t>
+              <a:t>1/31/2021</a:t>
             </a:fld>
             <a:endParaRPr lang="en-US"/>
           </a:p>
@@ -10527,7 +10781,7 @@
           <a:p>
             <a:fld id="{EA2E5030-8CDF-47DB-BC9E-6F3E03A9C925}" type="datetimeFigureOut">
               <a:rPr lang="en-US" smtClean="0"/>
-              <a:t>1/30/2021</a:t>
+              <a:t>1/31/2021</a:t>
             </a:fld>
             <a:endParaRPr lang="en-US"/>
           </a:p>
@@ -10645,7 +10899,7 @@
           <a:p>
             <a:fld id="{EA2E5030-8CDF-47DB-BC9E-6F3E03A9C925}" type="datetimeFigureOut">
               <a:rPr lang="en-US" smtClean="0"/>
-              <a:t>1/30/2021</a:t>
+              <a:t>1/31/2021</a:t>
             </a:fld>
             <a:endParaRPr lang="en-US"/>
           </a:p>
@@ -10740,7 +10994,7 @@
           <a:p>
             <a:fld id="{EA2E5030-8CDF-47DB-BC9E-6F3E03A9C925}" type="datetimeFigureOut">
               <a:rPr lang="en-US" smtClean="0"/>
-              <a:t>1/30/2021</a:t>
+              <a:t>1/31/2021</a:t>
             </a:fld>
             <a:endParaRPr lang="en-US"/>
           </a:p>
@@ -10989,7 +11243,7 @@
           <a:p>
             <a:fld id="{EA2E5030-8CDF-47DB-BC9E-6F3E03A9C925}" type="datetimeFigureOut">
               <a:rPr lang="en-US" smtClean="0"/>
-              <a:t>1/30/2021</a:t>
+              <a:t>1/31/2021</a:t>
             </a:fld>
             <a:endParaRPr lang="en-US"/>
           </a:p>
@@ -11269,7 +11523,7 @@
           <a:p>
             <a:fld id="{EA2E5030-8CDF-47DB-BC9E-6F3E03A9C925}" type="datetimeFigureOut">
               <a:rPr lang="en-US" smtClean="0"/>
-              <a:t>1/30/2021</a:t>
+              <a:t>1/31/2021</a:t>
             </a:fld>
             <a:endParaRPr lang="en-US"/>
           </a:p>
@@ -11392,7 +11646,7 @@
           <a:noFill/>
           <a:extLst>
             <a:ext uri="{909E8E84-426E-40dd-AFC4-6F175D3DCCD1}">
-              <a14:hiddenFill xmlns:a14="http://schemas.microsoft.com/office/drawing/2010/main" xmlns="">
+              <a14:hiddenFill xmlns="" xmlns:a14="http://schemas.microsoft.com/office/drawing/2010/main">
                 <a:solidFill>
                   <a:srgbClr val="FFFFFF"/>
                 </a:solidFill>
@@ -11466,7 +11720,7 @@
               </a:ln>
               <a:extLst>
                 <a:ext uri="{91240B29-F687-4f45-9708-019B960494DF}">
-                  <a14:hiddenLine xmlns:a14="http://schemas.microsoft.com/office/drawing/2010/main" xmlns="" w="9525">
+                  <a14:hiddenLine xmlns="" xmlns:a14="http://schemas.microsoft.com/office/drawing/2010/main" w="9525">
                     <a:solidFill>
                       <a:srgbClr val="000000"/>
                     </a:solidFill>
@@ -11556,7 +11810,7 @@
               </a:ln>
               <a:extLst>
                 <a:ext uri="{91240B29-F687-4f45-9708-019B960494DF}">
-                  <a14:hiddenLine xmlns:a14="http://schemas.microsoft.com/office/drawing/2010/main" xmlns="" w="9525">
+                  <a14:hiddenLine xmlns="" xmlns:a14="http://schemas.microsoft.com/office/drawing/2010/main" w="9525">
                     <a:solidFill>
                       <a:srgbClr val="000000"/>
                     </a:solidFill>
@@ -11646,7 +11900,7 @@
               </a:ln>
               <a:extLst>
                 <a:ext uri="{91240B29-F687-4f45-9708-019B960494DF}">
-                  <a14:hiddenLine xmlns:a14="http://schemas.microsoft.com/office/drawing/2010/main" xmlns="" w="9525">
+                  <a14:hiddenLine xmlns="" xmlns:a14="http://schemas.microsoft.com/office/drawing/2010/main" w="9525">
                     <a:solidFill>
                       <a:srgbClr val="000000"/>
                     </a:solidFill>
@@ -11708,7 +11962,7 @@
               </a:ln>
               <a:extLst>
                 <a:ext uri="{91240B29-F687-4f45-9708-019B960494DF}">
-                  <a14:hiddenLine xmlns:a14="http://schemas.microsoft.com/office/drawing/2010/main" xmlns="" w="9525">
+                  <a14:hiddenLine xmlns="" xmlns:a14="http://schemas.microsoft.com/office/drawing/2010/main" w="9525">
                     <a:solidFill>
                       <a:srgbClr val="000000"/>
                     </a:solidFill>
@@ -11798,7 +12052,7 @@
               </a:ln>
               <a:extLst>
                 <a:ext uri="{91240B29-F687-4f45-9708-019B960494DF}">
-                  <a14:hiddenLine xmlns:a14="http://schemas.microsoft.com/office/drawing/2010/main" xmlns="" w="9525">
+                  <a14:hiddenLine xmlns="" xmlns:a14="http://schemas.microsoft.com/office/drawing/2010/main" w="9525">
                     <a:solidFill>
                       <a:srgbClr val="000000"/>
                     </a:solidFill>
@@ -11860,7 +12114,7 @@
               </a:ln>
               <a:extLst>
                 <a:ext uri="{91240B29-F687-4f45-9708-019B960494DF}">
-                  <a14:hiddenLine xmlns:a14="http://schemas.microsoft.com/office/drawing/2010/main" xmlns="" w="9525">
+                  <a14:hiddenLine xmlns="" xmlns:a14="http://schemas.microsoft.com/office/drawing/2010/main" w="9525">
                     <a:solidFill>
                       <a:srgbClr val="000000"/>
                     </a:solidFill>
@@ -11922,7 +12176,7 @@
               </a:ln>
               <a:extLst>
                 <a:ext uri="{91240B29-F687-4f45-9708-019B960494DF}">
-                  <a14:hiddenLine xmlns:a14="http://schemas.microsoft.com/office/drawing/2010/main" xmlns="" w="9525">
+                  <a14:hiddenLine xmlns="" xmlns:a14="http://schemas.microsoft.com/office/drawing/2010/main" w="9525">
                     <a:solidFill>
                       <a:srgbClr val="000000"/>
                     </a:solidFill>
@@ -12012,7 +12266,7 @@
               </a:ln>
               <a:extLst>
                 <a:ext uri="{91240B29-F687-4f45-9708-019B960494DF}">
-                  <a14:hiddenLine xmlns:a14="http://schemas.microsoft.com/office/drawing/2010/main" xmlns="" w="9525">
+                  <a14:hiddenLine xmlns="" xmlns:a14="http://schemas.microsoft.com/office/drawing/2010/main" w="9525">
                     <a:solidFill>
                       <a:srgbClr val="000000"/>
                     </a:solidFill>
@@ -12102,7 +12356,7 @@
               </a:ln>
               <a:extLst>
                 <a:ext uri="{91240B29-F687-4f45-9708-019B960494DF}">
-                  <a14:hiddenLine xmlns:a14="http://schemas.microsoft.com/office/drawing/2010/main" xmlns="" w="9525">
+                  <a14:hiddenLine xmlns="" xmlns:a14="http://schemas.microsoft.com/office/drawing/2010/main" w="9525">
                     <a:solidFill>
                       <a:srgbClr val="000000"/>
                     </a:solidFill>
@@ -12164,7 +12418,7 @@
               </a:ln>
               <a:extLst>
                 <a:ext uri="{91240B29-F687-4f45-9708-019B960494DF}">
-                  <a14:hiddenLine xmlns:a14="http://schemas.microsoft.com/office/drawing/2010/main" xmlns="" w="9525">
+                  <a14:hiddenLine xmlns="" xmlns:a14="http://schemas.microsoft.com/office/drawing/2010/main" w="9525">
                     <a:solidFill>
                       <a:srgbClr val="000000"/>
                     </a:solidFill>
@@ -12274,7 +12528,7 @@
               </a:ln>
               <a:extLst>
                 <a:ext uri="{91240B29-F687-4f45-9708-019B960494DF}">
-                  <a14:hiddenLine xmlns:a14="http://schemas.microsoft.com/office/drawing/2010/main" xmlns="" w="9525">
+                  <a14:hiddenLine xmlns="" xmlns:a14="http://schemas.microsoft.com/office/drawing/2010/main" w="9525">
                     <a:solidFill>
                       <a:srgbClr val="000000"/>
                     </a:solidFill>
@@ -12358,7 +12612,7 @@
               </a:ln>
               <a:extLst>
                 <a:ext uri="{91240B29-F687-4f45-9708-019B960494DF}">
-                  <a14:hiddenLine xmlns:a14="http://schemas.microsoft.com/office/drawing/2010/main" xmlns="" w="9525">
+                  <a14:hiddenLine xmlns="" xmlns:a14="http://schemas.microsoft.com/office/drawing/2010/main" w="9525">
                     <a:solidFill>
                       <a:srgbClr val="000000"/>
                     </a:solidFill>
@@ -12420,7 +12674,7 @@
               </a:ln>
               <a:extLst>
                 <a:ext uri="{91240B29-F687-4f45-9708-019B960494DF}">
-                  <a14:hiddenLine xmlns:a14="http://schemas.microsoft.com/office/drawing/2010/main" xmlns="" w="9525">
+                  <a14:hiddenLine xmlns="" xmlns:a14="http://schemas.microsoft.com/office/drawing/2010/main" w="9525">
                     <a:solidFill>
                       <a:srgbClr val="000000"/>
                     </a:solidFill>
@@ -12482,7 +12736,7 @@
               </a:ln>
               <a:extLst>
                 <a:ext uri="{91240B29-F687-4f45-9708-019B960494DF}">
-                  <a14:hiddenLine xmlns:a14="http://schemas.microsoft.com/office/drawing/2010/main" xmlns="" w="9525">
+                  <a14:hiddenLine xmlns="" xmlns:a14="http://schemas.microsoft.com/office/drawing/2010/main" w="9525">
                     <a:solidFill>
                       <a:srgbClr val="000000"/>
                     </a:solidFill>
@@ -12572,7 +12826,7 @@
               </a:ln>
               <a:extLst>
                 <a:ext uri="{91240B29-F687-4f45-9708-019B960494DF}">
-                  <a14:hiddenLine xmlns:a14="http://schemas.microsoft.com/office/drawing/2010/main" xmlns="" w="9525">
+                  <a14:hiddenLine xmlns="" xmlns:a14="http://schemas.microsoft.com/office/drawing/2010/main" w="9525">
                     <a:solidFill>
                       <a:srgbClr val="000000"/>
                     </a:solidFill>
@@ -12606,7 +12860,7 @@
               </a:ln>
               <a:extLst>
                 <a:ext uri="{91240B29-F687-4f45-9708-019B960494DF}">
-                  <a14:hiddenLine xmlns:a14="http://schemas.microsoft.com/office/drawing/2010/main" xmlns="" w="9525">
+                  <a14:hiddenLine xmlns="" xmlns:a14="http://schemas.microsoft.com/office/drawing/2010/main" w="9525">
                     <a:solidFill>
                       <a:srgbClr val="000000"/>
                     </a:solidFill>
@@ -12671,7 +12925,7 @@
               </a:ln>
               <a:extLst>
                 <a:ext uri="{91240B29-F687-4f45-9708-019B960494DF}">
-                  <a14:hiddenLine xmlns:a14="http://schemas.microsoft.com/office/drawing/2010/main" xmlns="" w="9525">
+                  <a14:hiddenLine xmlns="" xmlns:a14="http://schemas.microsoft.com/office/drawing/2010/main" w="9525">
                     <a:solidFill>
                       <a:srgbClr val="000000"/>
                     </a:solidFill>
@@ -12761,7 +13015,7 @@
               </a:ln>
               <a:extLst>
                 <a:ext uri="{91240B29-F687-4f45-9708-019B960494DF}">
-                  <a14:hiddenLine xmlns:a14="http://schemas.microsoft.com/office/drawing/2010/main" xmlns="" w="9525">
+                  <a14:hiddenLine xmlns="" xmlns:a14="http://schemas.microsoft.com/office/drawing/2010/main" w="9525">
                     <a:solidFill>
                       <a:srgbClr val="000000"/>
                     </a:solidFill>
@@ -12823,7 +13077,7 @@
               </a:ln>
               <a:extLst>
                 <a:ext uri="{91240B29-F687-4f45-9708-019B960494DF}">
-                  <a14:hiddenLine xmlns:a14="http://schemas.microsoft.com/office/drawing/2010/main" xmlns="" w="9525">
+                  <a14:hiddenLine xmlns="" xmlns:a14="http://schemas.microsoft.com/office/drawing/2010/main" w="9525">
                     <a:solidFill>
                       <a:srgbClr val="000000"/>
                     </a:solidFill>
@@ -12913,7 +13167,7 @@
               </a:ln>
               <a:extLst>
                 <a:ext uri="{91240B29-F687-4f45-9708-019B960494DF}">
-                  <a14:hiddenLine xmlns:a14="http://schemas.microsoft.com/office/drawing/2010/main" xmlns="" w="9525">
+                  <a14:hiddenLine xmlns="" xmlns:a14="http://schemas.microsoft.com/office/drawing/2010/main" w="9525">
                     <a:solidFill>
                       <a:srgbClr val="000000"/>
                     </a:solidFill>
@@ -12978,7 +13232,7 @@
               </a:ln>
               <a:extLst>
                 <a:ext uri="{91240B29-F687-4f45-9708-019B960494DF}">
-                  <a14:hiddenLine xmlns:a14="http://schemas.microsoft.com/office/drawing/2010/main" xmlns="" w="9525">
+                  <a14:hiddenLine xmlns="" xmlns:a14="http://schemas.microsoft.com/office/drawing/2010/main" w="9525">
                     <a:solidFill>
                       <a:srgbClr val="000000"/>
                     </a:solidFill>
@@ -13040,7 +13294,7 @@
               </a:ln>
               <a:extLst>
                 <a:ext uri="{91240B29-F687-4f45-9708-019B960494DF}">
-                  <a14:hiddenLine xmlns:a14="http://schemas.microsoft.com/office/drawing/2010/main" xmlns="" w="9525">
+                  <a14:hiddenLine xmlns="" xmlns:a14="http://schemas.microsoft.com/office/drawing/2010/main" w="9525">
                     <a:solidFill>
                       <a:srgbClr val="000000"/>
                     </a:solidFill>
@@ -13130,7 +13384,7 @@
               </a:ln>
               <a:extLst>
                 <a:ext uri="{91240B29-F687-4f45-9708-019B960494DF}">
-                  <a14:hiddenLine xmlns:a14="http://schemas.microsoft.com/office/drawing/2010/main" xmlns="" w="9525">
+                  <a14:hiddenLine xmlns="" xmlns:a14="http://schemas.microsoft.com/office/drawing/2010/main" w="9525">
                     <a:solidFill>
                       <a:srgbClr val="000000"/>
                     </a:solidFill>
@@ -13220,7 +13474,7 @@
               </a:ln>
               <a:extLst>
                 <a:ext uri="{91240B29-F687-4f45-9708-019B960494DF}">
-                  <a14:hiddenLine xmlns:a14="http://schemas.microsoft.com/office/drawing/2010/main" xmlns="" w="9525">
+                  <a14:hiddenLine xmlns="" xmlns:a14="http://schemas.microsoft.com/office/drawing/2010/main" w="9525">
                     <a:solidFill>
                       <a:srgbClr val="000000"/>
                     </a:solidFill>
@@ -13285,7 +13539,7 @@
               </a:ln>
               <a:extLst>
                 <a:ext uri="{91240B29-F687-4f45-9708-019B960494DF}">
-                  <a14:hiddenLine xmlns:a14="http://schemas.microsoft.com/office/drawing/2010/main" xmlns="" w="9525">
+                  <a14:hiddenLine xmlns="" xmlns:a14="http://schemas.microsoft.com/office/drawing/2010/main" w="9525">
                     <a:solidFill>
                       <a:srgbClr val="000000"/>
                     </a:solidFill>
@@ -13405,7 +13659,7 @@
               </a:ln>
               <a:extLst>
                 <a:ext uri="{91240B29-F687-4f45-9708-019B960494DF}">
-                  <a14:hiddenLine xmlns:a14="http://schemas.microsoft.com/office/drawing/2010/main" xmlns="" w="9525">
+                  <a14:hiddenLine xmlns="" xmlns:a14="http://schemas.microsoft.com/office/drawing/2010/main" w="9525">
                     <a:solidFill>
                       <a:srgbClr val="000000"/>
                     </a:solidFill>
@@ -13486,7 +13740,7 @@
               </a:ln>
               <a:extLst>
                 <a:ext uri="{91240B29-F687-4f45-9708-019B960494DF}">
-                  <a14:hiddenLine xmlns:a14="http://schemas.microsoft.com/office/drawing/2010/main" xmlns="" w="9525">
+                  <a14:hiddenLine xmlns="" xmlns:a14="http://schemas.microsoft.com/office/drawing/2010/main" w="9525">
                     <a:solidFill>
                       <a:srgbClr val="000000"/>
                     </a:solidFill>
@@ -13601,7 +13855,7 @@
               </a:ln>
               <a:extLst>
                 <a:ext uri="{91240B29-F687-4f45-9708-019B960494DF}">
-                  <a14:hiddenLine xmlns:a14="http://schemas.microsoft.com/office/drawing/2010/main" xmlns="" w="9525">
+                  <a14:hiddenLine xmlns="" xmlns:a14="http://schemas.microsoft.com/office/drawing/2010/main" w="9525">
                     <a:solidFill>
                       <a:srgbClr val="000000"/>
                     </a:solidFill>
@@ -13691,7 +13945,7 @@
               </a:ln>
               <a:extLst>
                 <a:ext uri="{91240B29-F687-4f45-9708-019B960494DF}">
-                  <a14:hiddenLine xmlns:a14="http://schemas.microsoft.com/office/drawing/2010/main" xmlns="" w="9525">
+                  <a14:hiddenLine xmlns="" xmlns:a14="http://schemas.microsoft.com/office/drawing/2010/main" w="9525">
                     <a:solidFill>
                       <a:srgbClr val="000000"/>
                     </a:solidFill>
@@ -13756,7 +14010,7 @@
               </a:ln>
               <a:extLst>
                 <a:ext uri="{91240B29-F687-4f45-9708-019B960494DF}">
-                  <a14:hiddenLine xmlns:a14="http://schemas.microsoft.com/office/drawing/2010/main" xmlns="" w="9525">
+                  <a14:hiddenLine xmlns="" xmlns:a14="http://schemas.microsoft.com/office/drawing/2010/main" w="9525">
                     <a:solidFill>
                       <a:srgbClr val="000000"/>
                     </a:solidFill>
@@ -13846,7 +14100,7 @@
               </a:ln>
               <a:extLst>
                 <a:ext uri="{91240B29-F687-4f45-9708-019B960494DF}">
-                  <a14:hiddenLine xmlns:a14="http://schemas.microsoft.com/office/drawing/2010/main" xmlns="" w="9525">
+                  <a14:hiddenLine xmlns="" xmlns:a14="http://schemas.microsoft.com/office/drawing/2010/main" w="9525">
                     <a:solidFill>
                       <a:srgbClr val="000000"/>
                     </a:solidFill>
@@ -13914,7 +14168,7 @@
               </a:ln>
               <a:extLst>
                 <a:ext uri="{91240B29-F687-4f45-9708-019B960494DF}">
-                  <a14:hiddenLine xmlns:a14="http://schemas.microsoft.com/office/drawing/2010/main" xmlns="" w="9525">
+                  <a14:hiddenLine xmlns="" xmlns:a14="http://schemas.microsoft.com/office/drawing/2010/main" w="9525">
                     <a:solidFill>
                       <a:srgbClr val="000000"/>
                     </a:solidFill>
@@ -14004,7 +14258,7 @@
               </a:ln>
               <a:extLst>
                 <a:ext uri="{91240B29-F687-4f45-9708-019B960494DF}">
-                  <a14:hiddenLine xmlns:a14="http://schemas.microsoft.com/office/drawing/2010/main" xmlns="" w="9525">
+                  <a14:hiddenLine xmlns="" xmlns:a14="http://schemas.microsoft.com/office/drawing/2010/main" w="9525">
                     <a:solidFill>
                       <a:srgbClr val="000000"/>
                     </a:solidFill>
@@ -14072,7 +14326,7 @@
               </a:ln>
               <a:extLst>
                 <a:ext uri="{91240B29-F687-4f45-9708-019B960494DF}">
-                  <a14:hiddenLine xmlns:a14="http://schemas.microsoft.com/office/drawing/2010/main" xmlns="" w="9525">
+                  <a14:hiddenLine xmlns="" xmlns:a14="http://schemas.microsoft.com/office/drawing/2010/main" w="9525">
                     <a:solidFill>
                       <a:srgbClr val="000000"/>
                     </a:solidFill>
@@ -14162,7 +14416,7 @@
               </a:ln>
               <a:extLst>
                 <a:ext uri="{91240B29-F687-4f45-9708-019B960494DF}">
-                  <a14:hiddenLine xmlns:a14="http://schemas.microsoft.com/office/drawing/2010/main" xmlns="" w="9525">
+                  <a14:hiddenLine xmlns="" xmlns:a14="http://schemas.microsoft.com/office/drawing/2010/main" w="9525">
                     <a:solidFill>
                       <a:srgbClr val="000000"/>
                     </a:solidFill>
@@ -14196,7 +14450,7 @@
               </a:ln>
               <a:extLst>
                 <a:ext uri="{91240B29-F687-4f45-9708-019B960494DF}">
-                  <a14:hiddenLine xmlns:a14="http://schemas.microsoft.com/office/drawing/2010/main" xmlns="" w="9525">
+                  <a14:hiddenLine xmlns="" xmlns:a14="http://schemas.microsoft.com/office/drawing/2010/main" w="9525">
                     <a:solidFill>
                       <a:srgbClr val="000000"/>
                     </a:solidFill>
@@ -14336,7 +14590,7 @@
           <a:p>
             <a:fld id="{EA2E5030-8CDF-47DB-BC9E-6F3E03A9C925}" type="datetimeFigureOut">
               <a:rPr lang="en-US" smtClean="0"/>
-              <a:t>1/30/2021</a:t>
+              <a:t>1/31/2021</a:t>
             </a:fld>
             <a:endParaRPr lang="en-US"/>
           </a:p>
@@ -14817,13 +15071,8 @@
           <a:p>
             <a:r>
               <a:rPr lang="en-US" i="1" dirty="0" smtClean="0"/>
-              <a:t>2d Lt Chad </a:t>
-            </a:r>
-            <a:r>
-              <a:rPr lang="en-US" i="1" dirty="0" smtClean="0"/>
-              <a:t>Willis</a:t>
-            </a:r>
-            <a:endParaRPr lang="en-US" i="1" dirty="0" smtClean="0"/>
+              <a:t>2d Lt Chad Willis</a:t>
+            </a:r>
           </a:p>
           <a:p>
             <a:r>
@@ -14850,11 +15099,7 @@
             </a:br>
             <a:r>
               <a:rPr lang="en-US" i="1" dirty="0" smtClean="0"/>
-              <a:t>	       dr. </a:t>
-            </a:r>
-            <a:r>
-              <a:rPr lang="en-US" i="1" dirty="0" smtClean="0"/>
-              <a:t>Scott </a:t>
+              <a:t>	       dr. Scott </a:t>
             </a:r>
             <a:r>
               <a:rPr lang="en-US" i="1" dirty="0" err="1" smtClean="0"/>
@@ -15052,12 +15297,28 @@
               <a:buChar char="•"/>
             </a:pPr>
             <a:r>
+              <a:rPr lang="en-US" sz="2400" dirty="0">
+                <a:solidFill>
+                  <a:prstClr val="white"/>
+                </a:solidFill>
+              </a:rPr>
+              <a:t>R</a:t>
+            </a:r>
+            <a:r>
               <a:rPr lang="en-US" sz="2400" dirty="0" smtClean="0">
                 <a:solidFill>
                   <a:prstClr val="white"/>
                 </a:solidFill>
               </a:rPr>
-              <a:t>Re-implementation process</a:t>
+              <a:t>e-implementation </a:t>
+            </a:r>
+            <a:r>
+              <a:rPr lang="en-US" sz="2400" dirty="0" smtClean="0">
+                <a:solidFill>
+                  <a:prstClr val="white"/>
+                </a:solidFill>
+              </a:rPr>
+              <a:t>process</a:t>
             </a:r>
           </a:p>
           <a:p>
@@ -15078,23 +15339,7 @@
                   <a:prstClr val="white"/>
                 </a:solidFill>
               </a:rPr>
-              <a:t>Translate FDM </a:t>
-            </a:r>
-            <a:r>
-              <a:rPr lang="en-US" sz="2400" dirty="0" smtClean="0">
-                <a:solidFill>
-                  <a:prstClr val="white"/>
-                </a:solidFill>
-              </a:rPr>
-              <a:t>code from </a:t>
-            </a:r>
-            <a:r>
-              <a:rPr lang="en-US" sz="2400" dirty="0" smtClean="0">
-                <a:solidFill>
-                  <a:prstClr val="white"/>
-                </a:solidFill>
-              </a:rPr>
-              <a:t>native language to Rust</a:t>
+              <a:t>Translate FDM code from native language to Rust</a:t>
             </a:r>
           </a:p>
           <a:p>
@@ -15117,11 +15362,6 @@
               </a:rPr>
               <a:t>Structure into ECS</a:t>
             </a:r>
-            <a:endParaRPr lang="en-US" sz="2400" dirty="0" smtClean="0">
-              <a:solidFill>
-                <a:prstClr val="white"/>
-              </a:solidFill>
-            </a:endParaRPr>
           </a:p>
           <a:p>
             <a:pPr marL="685800" lvl="1" indent="-228600">
@@ -15164,11 +15404,6 @@
               </a:rPr>
               <a:t>Refactor </a:t>
             </a:r>
-            <a:endParaRPr lang="en-US" sz="2400" dirty="0" smtClean="0">
-              <a:solidFill>
-                <a:prstClr val="white"/>
-              </a:solidFill>
-            </a:endParaRPr>
           </a:p>
           <a:p>
             <a:pPr marL="228600" lvl="0" indent="-228600">
@@ -15894,28 +16129,18 @@
               <a:rPr lang="en-US" dirty="0" smtClean="0"/>
               <a:t>Everything</a:t>
             </a:r>
-            <a:endParaRPr lang="en-US" dirty="0" smtClean="0"/>
           </a:p>
           <a:p>
             <a:r>
               <a:rPr lang="en-US" dirty="0" smtClean="0"/>
-              <a:t>Position coordinates </a:t>
-            </a:r>
+              <a:t>Position coordinates and airspeed</a:t>
+            </a:r>
+          </a:p>
+          <a:p>
             <a:r>
               <a:rPr lang="en-US" dirty="0" smtClean="0"/>
-              <a:t>and airspeed</a:t>
-            </a:r>
-          </a:p>
-          <a:p>
-            <a:r>
-              <a:rPr lang="en-US" dirty="0" smtClean="0"/>
-              <a:t>60 </a:t>
-            </a:r>
-            <a:r>
-              <a:rPr lang="en-US" dirty="0" smtClean="0"/>
-              <a:t>seconds</a:t>
-            </a:r>
-            <a:endParaRPr lang="en-US" dirty="0" smtClean="0"/>
+              <a:t>60 seconds</a:t>
+            </a:r>
           </a:p>
         </p:txBody>
       </p:sp>
@@ -16070,27 +16295,14 @@
           <a:p>
             <a:r>
               <a:rPr lang="en-US" dirty="0" smtClean="0"/>
-              <a:t>Position </a:t>
-            </a:r>
+              <a:t>Position coordinates, Euler angles, and airspeed</a:t>
+            </a:r>
+          </a:p>
+          <a:p>
             <a:r>
               <a:rPr lang="en-US" dirty="0" smtClean="0"/>
-              <a:t>coordinates</a:t>
-            </a:r>
-            <a:r>
-              <a:rPr lang="en-US" dirty="0" smtClean="0"/>
-              <a:t>, Euler angles, and airspeed</a:t>
-            </a:r>
-          </a:p>
-          <a:p>
-            <a:r>
-              <a:rPr lang="en-US" dirty="0" smtClean="0"/>
-              <a:t>30 </a:t>
-            </a:r>
-            <a:r>
-              <a:rPr lang="en-US" dirty="0" smtClean="0"/>
-              <a:t>seconds</a:t>
-            </a:r>
-            <a:endParaRPr lang="en-US" dirty="0" smtClean="0"/>
+              <a:t>30 seconds</a:t>
+            </a:r>
           </a:p>
           <a:p>
             <a:endParaRPr lang="en-US" dirty="0" smtClean="0"/>
@@ -16519,39 +16731,14 @@
           <a:p>
             <a:r>
               <a:rPr lang="en-US" dirty="0" smtClean="0"/>
-              <a:t>Improvement </a:t>
-            </a:r>
+              <a:t>Improvement upon ECS design</a:t>
+            </a:r>
+          </a:p>
+          <a:p>
             <a:r>
               <a:rPr lang="en-US" dirty="0" smtClean="0"/>
-              <a:t>upon </a:t>
-            </a:r>
-            <a:r>
-              <a:rPr lang="en-US" dirty="0" smtClean="0"/>
-              <a:t>ECS </a:t>
-            </a:r>
-            <a:r>
-              <a:rPr lang="en-US" dirty="0" smtClean="0"/>
-              <a:t>design</a:t>
-            </a:r>
-          </a:p>
-          <a:p>
-            <a:r>
-              <a:rPr lang="en-US" dirty="0" smtClean="0"/>
-              <a:t>Do away with Bourg’s </a:t>
-            </a:r>
-            <a:r>
-              <a:rPr lang="en-US" dirty="0" smtClean="0"/>
-              <a:t>vector</a:t>
-            </a:r>
-            <a:r>
-              <a:rPr lang="en-US" dirty="0" smtClean="0"/>
-              <a:t>, quaternion, </a:t>
-            </a:r>
-            <a:r>
-              <a:rPr lang="en-US" dirty="0" smtClean="0"/>
-              <a:t>matrix</a:t>
-            </a:r>
-            <a:endParaRPr lang="en-US" dirty="0" smtClean="0"/>
+              <a:t>Do away with Bourg’s vector, quaternion, matrix</a:t>
+            </a:r>
           </a:p>
           <a:p>
             <a:endParaRPr lang="en-US" dirty="0"/>
@@ -16672,44 +16859,2505 @@
           <a:p>
             <a:r>
               <a:rPr lang="en-US" dirty="0" smtClean="0"/>
-              <a:t>Experiment design</a:t>
+              <a:t>Experiment </a:t>
+            </a:r>
+            <a:r>
+              <a:rPr lang="en-US" dirty="0" smtClean="0"/>
+              <a:t>design Supplemental</a:t>
             </a:r>
             <a:endParaRPr lang="en-US" dirty="0"/>
           </a:p>
         </p:txBody>
       </p:sp>
-      <p:sp>
-        <p:nvSpPr>
-          <p:cNvPr id="4" name="Content Placeholder 3"/>
+      <p:graphicFrame>
+        <p:nvGraphicFramePr>
+          <p:cNvPr id="3" name="Content Placeholder 2"/>
+          <p:cNvGraphicFramePr>
+            <a:graphicFrameLocks noGrp="1"/>
+          </p:cNvGraphicFramePr>
+          <p:nvPr>
+            <p:ph idx="1"/>
+            <p:extLst>
+              <p:ext uri="{D42A27DB-BD31-4B8C-83A1-F6EECF244321}">
+                <p14:modId xmlns:p14="http://schemas.microsoft.com/office/powerpoint/2010/main" val="90045643"/>
+              </p:ext>
+            </p:extLst>
+          </p:nvPr>
+        </p:nvGraphicFramePr>
+        <p:xfrm>
+          <a:off x="2130425" y="3276838"/>
+          <a:ext cx="2994468" cy="2133600"/>
+        </p:xfrm>
+        <a:graphic>
+          <a:graphicData uri="http://schemas.openxmlformats.org/drawingml/2006/table">
+            <a:tbl>
+              <a:tblPr firstRow="1" firstCol="1" bandRow="1">
+                <a:tableStyleId>{5C22544A-7EE6-4342-B048-85BDC9FD1C3A}</a:tableStyleId>
+              </a:tblPr>
+              <a:tblGrid>
+                <a:gridCol w="2994468">
+                  <a:extLst>
+                    <a:ext uri="{9D8B030D-6E8A-4147-A177-3AD203B41FA5}">
+                      <a16:colId xmlns:a16="http://schemas.microsoft.com/office/drawing/2014/main" val="1561297267"/>
+                    </a:ext>
+                  </a:extLst>
+                </a:gridCol>
+              </a:tblGrid>
+              <a:tr h="415721">
+                <a:tc>
+                  <a:txBody>
+                    <a:bodyPr/>
+                    <a:lstStyle/>
+                    <a:p>
+                      <a:pPr marL="0" marR="0" algn="ctr">
+                        <a:lnSpc>
+                          <a:spcPct val="200000"/>
+                        </a:lnSpc>
+                        <a:spcBef>
+                          <a:spcPts val="0"/>
+                        </a:spcBef>
+                        <a:spcAft>
+                          <a:spcPts val="0"/>
+                        </a:spcAft>
+                      </a:pPr>
+                      <a:r>
+                        <a:rPr lang="en-US" sz="1400">
+                          <a:effectLst/>
+                        </a:rPr>
+                        <a:t>Flight Control Instructions</a:t>
+                      </a:r>
+                      <a:endParaRPr lang="en-US" sz="1400">
+                        <a:effectLst/>
+                        <a:latin typeface="Times New Roman" panose="02020603050405020304" pitchFamily="18" charset="0"/>
+                        <a:ea typeface="Times New Roman" panose="02020603050405020304" pitchFamily="18" charset="0"/>
+                      </a:endParaRPr>
+                    </a:p>
+                  </a:txBody>
+                  <a:tcPr marL="65195" marR="65195" marT="0" marB="0"/>
+                </a:tc>
+                <a:extLst>
+                  <a:ext uri="{0D108BD9-81ED-4DB2-BD59-A6C34878D82A}">
+                    <a16:rowId xmlns:a16="http://schemas.microsoft.com/office/drawing/2014/main" val="3937700296"/>
+                  </a:ext>
+                </a:extLst>
+              </a:tr>
+              <a:tr h="415721">
+                <a:tc>
+                  <a:txBody>
+                    <a:bodyPr/>
+                    <a:lstStyle/>
+                    <a:p>
+                      <a:pPr marL="0" marR="0" indent="228600">
+                        <a:lnSpc>
+                          <a:spcPct val="200000"/>
+                        </a:lnSpc>
+                        <a:spcBef>
+                          <a:spcPts val="0"/>
+                        </a:spcBef>
+                        <a:spcAft>
+                          <a:spcPts val="0"/>
+                        </a:spcAft>
+                      </a:pPr>
+                      <a:r>
+                        <a:rPr lang="en-US" sz="1400">
+                          <a:effectLst/>
+                        </a:rPr>
+                        <a:t>Throttle (%): 100</a:t>
+                      </a:r>
+                      <a:endParaRPr lang="en-US" sz="1400">
+                        <a:effectLst/>
+                        <a:latin typeface="Times New Roman" panose="02020603050405020304" pitchFamily="18" charset="0"/>
+                        <a:ea typeface="Times New Roman" panose="02020603050405020304" pitchFamily="18" charset="0"/>
+                      </a:endParaRPr>
+                    </a:p>
+                  </a:txBody>
+                  <a:tcPr marL="65195" marR="65195" marT="0" marB="0"/>
+                </a:tc>
+                <a:extLst>
+                  <a:ext uri="{0D108BD9-81ED-4DB2-BD59-A6C34878D82A}">
+                    <a16:rowId xmlns:a16="http://schemas.microsoft.com/office/drawing/2014/main" val="2407748613"/>
+                  </a:ext>
+                </a:extLst>
+              </a:tr>
+              <a:tr h="415721">
+                <a:tc>
+                  <a:txBody>
+                    <a:bodyPr/>
+                    <a:lstStyle/>
+                    <a:p>
+                      <a:pPr marL="0" marR="0" indent="228600">
+                        <a:lnSpc>
+                          <a:spcPct val="200000"/>
+                        </a:lnSpc>
+                        <a:spcBef>
+                          <a:spcPts val="0"/>
+                        </a:spcBef>
+                        <a:spcAft>
+                          <a:spcPts val="0"/>
+                        </a:spcAft>
+                      </a:pPr>
+                      <a:r>
+                        <a:rPr lang="en-US" sz="1400" dirty="0">
+                          <a:effectLst/>
+                        </a:rPr>
+                        <a:t>Angle of Attack (deg): 4.0</a:t>
+                      </a:r>
+                      <a:endParaRPr lang="en-US" sz="1400" dirty="0">
+                        <a:effectLst/>
+                        <a:latin typeface="Times New Roman" panose="02020603050405020304" pitchFamily="18" charset="0"/>
+                        <a:ea typeface="Times New Roman" panose="02020603050405020304" pitchFamily="18" charset="0"/>
+                      </a:endParaRPr>
+                    </a:p>
+                  </a:txBody>
+                  <a:tcPr marL="65195" marR="65195" marT="0" marB="0"/>
+                </a:tc>
+                <a:extLst>
+                  <a:ext uri="{0D108BD9-81ED-4DB2-BD59-A6C34878D82A}">
+                    <a16:rowId xmlns:a16="http://schemas.microsoft.com/office/drawing/2014/main" val="100295755"/>
+                  </a:ext>
+                </a:extLst>
+              </a:tr>
+              <a:tr h="415721">
+                <a:tc>
+                  <a:txBody>
+                    <a:bodyPr/>
+                    <a:lstStyle/>
+                    <a:p>
+                      <a:pPr marL="0" marR="0" indent="228600">
+                        <a:lnSpc>
+                          <a:spcPct val="200000"/>
+                        </a:lnSpc>
+                        <a:spcBef>
+                          <a:spcPts val="0"/>
+                        </a:spcBef>
+                        <a:spcAft>
+                          <a:spcPts val="0"/>
+                        </a:spcAft>
+                      </a:pPr>
+                      <a:r>
+                        <a:rPr lang="en-US" sz="1400" dirty="0">
+                          <a:effectLst/>
+                        </a:rPr>
+                        <a:t>Bank Angle (deg): 0.0</a:t>
+                      </a:r>
+                      <a:endParaRPr lang="en-US" sz="1400" dirty="0">
+                        <a:effectLst/>
+                        <a:latin typeface="Times New Roman" panose="02020603050405020304" pitchFamily="18" charset="0"/>
+                        <a:ea typeface="Times New Roman" panose="02020603050405020304" pitchFamily="18" charset="0"/>
+                      </a:endParaRPr>
+                    </a:p>
+                  </a:txBody>
+                  <a:tcPr marL="65195" marR="65195" marT="0" marB="0"/>
+                </a:tc>
+                <a:extLst>
+                  <a:ext uri="{0D108BD9-81ED-4DB2-BD59-A6C34878D82A}">
+                    <a16:rowId xmlns:a16="http://schemas.microsoft.com/office/drawing/2014/main" val="2863119982"/>
+                  </a:ext>
+                </a:extLst>
+              </a:tr>
+              <a:tr h="415721">
+                <a:tc>
+                  <a:txBody>
+                    <a:bodyPr/>
+                    <a:lstStyle/>
+                    <a:p>
+                      <a:pPr marL="0" marR="0" indent="228600">
+                        <a:lnSpc>
+                          <a:spcPct val="200000"/>
+                        </a:lnSpc>
+                        <a:spcBef>
+                          <a:spcPts val="0"/>
+                        </a:spcBef>
+                        <a:spcAft>
+                          <a:spcPts val="0"/>
+                        </a:spcAft>
+                      </a:pPr>
+                      <a:r>
+                        <a:rPr lang="en-US" sz="1400" dirty="0">
+                          <a:effectLst/>
+                        </a:rPr>
+                        <a:t>Flaps Angle (deg): 0.0</a:t>
+                      </a:r>
+                      <a:endParaRPr lang="en-US" sz="1400" dirty="0">
+                        <a:effectLst/>
+                        <a:latin typeface="Times New Roman" panose="02020603050405020304" pitchFamily="18" charset="0"/>
+                        <a:ea typeface="Times New Roman" panose="02020603050405020304" pitchFamily="18" charset="0"/>
+                      </a:endParaRPr>
+                    </a:p>
+                  </a:txBody>
+                  <a:tcPr marL="65195" marR="65195" marT="0" marB="0"/>
+                </a:tc>
+                <a:extLst>
+                  <a:ext uri="{0D108BD9-81ED-4DB2-BD59-A6C34878D82A}">
+                    <a16:rowId xmlns:a16="http://schemas.microsoft.com/office/drawing/2014/main" val="973733408"/>
+                  </a:ext>
+                </a:extLst>
+              </a:tr>
+            </a:tbl>
+          </a:graphicData>
+        </a:graphic>
+      </p:graphicFrame>
+      <p:sp>
+        <p:nvSpPr>
+          <p:cNvPr id="5" name="Rectangle 4"/>
+          <p:cNvSpPr/>
+          <p:nvPr/>
+        </p:nvSpPr>
+        <p:spPr>
+          <a:xfrm>
+            <a:off x="1141413" y="2097088"/>
+            <a:ext cx="6096000" cy="942502"/>
+          </a:xfrm>
+          <a:prstGeom prst="rect">
+            <a:avLst/>
+          </a:prstGeom>
+        </p:spPr>
+        <p:txBody>
+          <a:bodyPr>
+            <a:spAutoFit/>
+          </a:bodyPr>
+          <a:lstStyle/>
+          <a:p>
+            <a:pPr marL="228600" lvl="0" indent="-228600">
+              <a:lnSpc>
+                <a:spcPct val="120000"/>
+              </a:lnSpc>
+              <a:spcBef>
+                <a:spcPts val="1000"/>
+              </a:spcBef>
+              <a:buSzPct val="125000"/>
+              <a:buFont typeface="Arial" panose="020B0604020202020204" pitchFamily="34" charset="0"/>
+              <a:buChar char="•"/>
+            </a:pPr>
+            <a:r>
+              <a:rPr lang="en-US" sz="2400" dirty="0">
+                <a:solidFill>
+                  <a:prstClr val="white"/>
+                </a:solidFill>
+              </a:rPr>
+              <a:t>Palmer-based Flight Dynamics Model</a:t>
+            </a:r>
+          </a:p>
+          <a:p>
+            <a:pPr marL="914400" lvl="1" indent="-457200">
+              <a:lnSpc>
+                <a:spcPct val="120000"/>
+              </a:lnSpc>
+              <a:spcBef>
+                <a:spcPts val="500"/>
+              </a:spcBef>
+              <a:buSzPct val="125000"/>
+              <a:buFont typeface="+mj-lt"/>
+              <a:buAutoNum type="arabicPeriod"/>
+            </a:pPr>
+            <a:r>
+              <a:rPr lang="en-US" sz="2000" dirty="0">
+                <a:solidFill>
+                  <a:prstClr val="white"/>
+                </a:solidFill>
+              </a:rPr>
+              <a:t>Angle of </a:t>
+            </a:r>
+            <a:r>
+              <a:rPr lang="en-US" sz="2000" dirty="0" smtClean="0">
+                <a:solidFill>
+                  <a:prstClr val="white"/>
+                </a:solidFill>
+              </a:rPr>
+              <a:t>Attack</a:t>
+            </a:r>
+            <a:endParaRPr lang="en-US" sz="2000" dirty="0">
+              <a:solidFill>
+                <a:prstClr val="white"/>
+              </a:solidFill>
+            </a:endParaRPr>
+          </a:p>
+        </p:txBody>
+      </p:sp>
+    </p:spTree>
+    <p:extLst>
+      <p:ext uri="{BB962C8B-B14F-4D97-AF65-F5344CB8AC3E}">
+        <p14:creationId xmlns:p14="http://schemas.microsoft.com/office/powerpoint/2010/main" val="3470249509"/>
+      </p:ext>
+    </p:extLst>
+  </p:cSld>
+  <p:clrMapOvr>
+    <a:masterClrMapping/>
+  </p:clrMapOvr>
+  <p:timing>
+    <p:tnLst>
+      <p:par>
+        <p:cTn id="1" dur="indefinite" restart="never" nodeType="tmRoot"/>
+      </p:par>
+    </p:tnLst>
+  </p:timing>
+</p:sld>
+</file>
+
+<file path=ppt/slides/slide24.xml><?xml version="1.0" encoding="utf-8"?>
+<p:sld xmlns:a="http://schemas.openxmlformats.org/drawingml/2006/main" xmlns:r="http://schemas.openxmlformats.org/officeDocument/2006/relationships" xmlns:p="http://schemas.openxmlformats.org/presentationml/2006/main">
+  <p:cSld>
+    <p:spTree>
+      <p:nvGrpSpPr>
+        <p:cNvPr id="1" name=""/>
+        <p:cNvGrpSpPr/>
+        <p:nvPr/>
+      </p:nvGrpSpPr>
+      <p:grpSpPr>
+        <a:xfrm>
+          <a:off x="0" y="0"/>
+          <a:ext cx="0" cy="0"/>
+          <a:chOff x="0" y="0"/>
+          <a:chExt cx="0" cy="0"/>
+        </a:xfrm>
+      </p:grpSpPr>
+      <p:sp>
+        <p:nvSpPr>
+          <p:cNvPr id="2" name="Title 1"/>
           <p:cNvSpPr>
             <a:spLocks noGrp="1"/>
           </p:cNvSpPr>
           <p:nvPr>
-            <p:ph idx="1"/>
+            <p:ph type="title"/>
           </p:nvPr>
         </p:nvSpPr>
-        <p:spPr>
-          <a:xfrm>
-            <a:off x="1141413" y="2249487"/>
-            <a:ext cx="9416718" cy="3226280"/>
-          </a:xfrm>
-        </p:spPr>
+        <p:spPr/>
         <p:txBody>
           <a:bodyPr/>
           <a:lstStyle/>
           <a:p>
             <a:r>
               <a:rPr lang="en-US" dirty="0" smtClean="0"/>
-              <a:t>More design details </a:t>
+              <a:t>Experiment </a:t>
+            </a:r>
+            <a:r>
+              <a:rPr lang="en-US" dirty="0" smtClean="0"/>
+              <a:t>design Supplemental</a:t>
             </a:r>
             <a:endParaRPr lang="en-US" dirty="0"/>
           </a:p>
         </p:txBody>
       </p:sp>
+      <p:sp>
+        <p:nvSpPr>
+          <p:cNvPr id="5" name="Rectangle 4"/>
+          <p:cNvSpPr/>
+          <p:nvPr/>
+        </p:nvSpPr>
+        <p:spPr>
+          <a:xfrm>
+            <a:off x="1141413" y="2097088"/>
+            <a:ext cx="6096000" cy="1540422"/>
+          </a:xfrm>
+          <a:prstGeom prst="rect">
+            <a:avLst/>
+          </a:prstGeom>
+        </p:spPr>
+        <p:txBody>
+          <a:bodyPr>
+            <a:spAutoFit/>
+          </a:bodyPr>
+          <a:lstStyle/>
+          <a:p>
+            <a:pPr marL="228600" lvl="0" indent="-228600">
+              <a:lnSpc>
+                <a:spcPct val="120000"/>
+              </a:lnSpc>
+              <a:spcBef>
+                <a:spcPts val="1000"/>
+              </a:spcBef>
+              <a:buSzPct val="125000"/>
+              <a:buFont typeface="Arial" panose="020B0604020202020204" pitchFamily="34" charset="0"/>
+              <a:buChar char="•"/>
+            </a:pPr>
+            <a:r>
+              <a:rPr lang="en-US" sz="2400" dirty="0">
+                <a:solidFill>
+                  <a:prstClr val="white"/>
+                </a:solidFill>
+              </a:rPr>
+              <a:t>Palmer-based Flight Dynamics </a:t>
+            </a:r>
+            <a:r>
+              <a:rPr lang="en-US" sz="2400" dirty="0" smtClean="0">
+                <a:solidFill>
+                  <a:prstClr val="white"/>
+                </a:solidFill>
+              </a:rPr>
+              <a:t>Model</a:t>
+            </a:r>
+            <a:endParaRPr lang="en-US" sz="2400" dirty="0">
+              <a:solidFill>
+                <a:prstClr val="white"/>
+              </a:solidFill>
+            </a:endParaRPr>
+          </a:p>
+          <a:p>
+            <a:pPr marL="914400" lvl="1" indent="-457200">
+              <a:lnSpc>
+                <a:spcPct val="120000"/>
+              </a:lnSpc>
+              <a:spcBef>
+                <a:spcPts val="500"/>
+              </a:spcBef>
+              <a:buSzPct val="125000"/>
+              <a:buFont typeface="+mj-lt"/>
+              <a:buAutoNum type="arabicPeriod" startAt="2"/>
+            </a:pPr>
+            <a:r>
+              <a:rPr lang="en-US" sz="2000" dirty="0" smtClean="0">
+                <a:solidFill>
+                  <a:prstClr val="white"/>
+                </a:solidFill>
+              </a:rPr>
+              <a:t>Bank</a:t>
+            </a:r>
+            <a:endParaRPr lang="en-US" sz="2000" dirty="0">
+              <a:solidFill>
+                <a:prstClr val="white"/>
+              </a:solidFill>
+            </a:endParaRPr>
+          </a:p>
+          <a:p>
+            <a:pPr marL="228600" lvl="0" indent="-228600">
+              <a:lnSpc>
+                <a:spcPct val="120000"/>
+              </a:lnSpc>
+              <a:spcBef>
+                <a:spcPts val="1000"/>
+              </a:spcBef>
+              <a:buSzPct val="125000"/>
+              <a:buFont typeface="Arial" panose="020B0604020202020204" pitchFamily="34" charset="0"/>
+              <a:buChar char="•"/>
+            </a:pPr>
+            <a:endParaRPr lang="en-US" sz="2400" dirty="0" smtClean="0">
+              <a:solidFill>
+                <a:prstClr val="white"/>
+              </a:solidFill>
+            </a:endParaRPr>
+          </a:p>
+        </p:txBody>
+      </p:sp>
+      <p:graphicFrame>
+        <p:nvGraphicFramePr>
+          <p:cNvPr id="6" name="Table 5"/>
+          <p:cNvGraphicFramePr>
+            <a:graphicFrameLocks noGrp="1"/>
+          </p:cNvGraphicFramePr>
+          <p:nvPr>
+            <p:extLst>
+              <p:ext uri="{D42A27DB-BD31-4B8C-83A1-F6EECF244321}">
+                <p14:modId xmlns:p14="http://schemas.microsoft.com/office/powerpoint/2010/main" val="1307393178"/>
+              </p:ext>
+            </p:extLst>
+          </p:nvPr>
+        </p:nvGraphicFramePr>
+        <p:xfrm>
+          <a:off x="2151506" y="3222904"/>
+          <a:ext cx="3143508" cy="2133600"/>
+        </p:xfrm>
+        <a:graphic>
+          <a:graphicData uri="http://schemas.openxmlformats.org/drawingml/2006/table">
+            <a:tbl>
+              <a:tblPr firstRow="1" firstCol="1" bandRow="1">
+                <a:tableStyleId>{5C22544A-7EE6-4342-B048-85BDC9FD1C3A}</a:tableStyleId>
+              </a:tblPr>
+              <a:tblGrid>
+                <a:gridCol w="3143508">
+                  <a:extLst>
+                    <a:ext uri="{9D8B030D-6E8A-4147-A177-3AD203B41FA5}">
+                      <a16:colId xmlns:a16="http://schemas.microsoft.com/office/drawing/2014/main" val="4095620489"/>
+                    </a:ext>
+                  </a:extLst>
+                </a:gridCol>
+              </a:tblGrid>
+              <a:tr h="418675">
+                <a:tc>
+                  <a:txBody>
+                    <a:bodyPr/>
+                    <a:lstStyle/>
+                    <a:p>
+                      <a:pPr marL="0" marR="0" algn="ctr">
+                        <a:lnSpc>
+                          <a:spcPct val="200000"/>
+                        </a:lnSpc>
+                        <a:spcBef>
+                          <a:spcPts val="0"/>
+                        </a:spcBef>
+                        <a:spcAft>
+                          <a:spcPts val="0"/>
+                        </a:spcAft>
+                      </a:pPr>
+                      <a:r>
+                        <a:rPr lang="en-US" sz="1400">
+                          <a:effectLst/>
+                        </a:rPr>
+                        <a:t>Flight Control Instructions</a:t>
+                      </a:r>
+                      <a:endParaRPr lang="en-US" sz="1400">
+                        <a:effectLst/>
+                        <a:latin typeface="Times New Roman" panose="02020603050405020304" pitchFamily="18" charset="0"/>
+                        <a:ea typeface="Times New Roman" panose="02020603050405020304" pitchFamily="18" charset="0"/>
+                      </a:endParaRPr>
+                    </a:p>
+                  </a:txBody>
+                  <a:tcPr marL="68580" marR="68580" marT="0" marB="0"/>
+                </a:tc>
+                <a:extLst>
+                  <a:ext uri="{0D108BD9-81ED-4DB2-BD59-A6C34878D82A}">
+                    <a16:rowId xmlns:a16="http://schemas.microsoft.com/office/drawing/2014/main" val="894754491"/>
+                  </a:ext>
+                </a:extLst>
+              </a:tr>
+              <a:tr h="418675">
+                <a:tc>
+                  <a:txBody>
+                    <a:bodyPr/>
+                    <a:lstStyle/>
+                    <a:p>
+                      <a:pPr marL="0" marR="0" indent="228600">
+                        <a:lnSpc>
+                          <a:spcPct val="200000"/>
+                        </a:lnSpc>
+                        <a:spcBef>
+                          <a:spcPts val="0"/>
+                        </a:spcBef>
+                        <a:spcAft>
+                          <a:spcPts val="0"/>
+                        </a:spcAft>
+                      </a:pPr>
+                      <a:r>
+                        <a:rPr lang="en-US" sz="1400">
+                          <a:effectLst/>
+                        </a:rPr>
+                        <a:t> Throttle (%): 100        </a:t>
+                      </a:r>
+                      <a:endParaRPr lang="en-US" sz="1400">
+                        <a:effectLst/>
+                        <a:latin typeface="Times New Roman" panose="02020603050405020304" pitchFamily="18" charset="0"/>
+                        <a:ea typeface="Times New Roman" panose="02020603050405020304" pitchFamily="18" charset="0"/>
+                      </a:endParaRPr>
+                    </a:p>
+                  </a:txBody>
+                  <a:tcPr marL="68580" marR="68580" marT="0" marB="0"/>
+                </a:tc>
+                <a:extLst>
+                  <a:ext uri="{0D108BD9-81ED-4DB2-BD59-A6C34878D82A}">
+                    <a16:rowId xmlns:a16="http://schemas.microsoft.com/office/drawing/2014/main" val="2959471108"/>
+                  </a:ext>
+                </a:extLst>
+              </a:tr>
+              <a:tr h="418675">
+                <a:tc>
+                  <a:txBody>
+                    <a:bodyPr/>
+                    <a:lstStyle/>
+                    <a:p>
+                      <a:pPr marL="0" marR="0" indent="228600">
+                        <a:lnSpc>
+                          <a:spcPct val="200000"/>
+                        </a:lnSpc>
+                        <a:spcBef>
+                          <a:spcPts val="0"/>
+                        </a:spcBef>
+                        <a:spcAft>
+                          <a:spcPts val="0"/>
+                        </a:spcAft>
+                      </a:pPr>
+                      <a:r>
+                        <a:rPr lang="en-US" sz="1400" dirty="0">
+                          <a:effectLst/>
+                        </a:rPr>
+                        <a:t> Angle of Attack (deg): 10.0      </a:t>
+                      </a:r>
+                      <a:endParaRPr lang="en-US" sz="1400" dirty="0">
+                        <a:effectLst/>
+                        <a:latin typeface="Times New Roman" panose="02020603050405020304" pitchFamily="18" charset="0"/>
+                        <a:ea typeface="Times New Roman" panose="02020603050405020304" pitchFamily="18" charset="0"/>
+                      </a:endParaRPr>
+                    </a:p>
+                  </a:txBody>
+                  <a:tcPr marL="68580" marR="68580" marT="0" marB="0"/>
+                </a:tc>
+                <a:extLst>
+                  <a:ext uri="{0D108BD9-81ED-4DB2-BD59-A6C34878D82A}">
+                    <a16:rowId xmlns:a16="http://schemas.microsoft.com/office/drawing/2014/main" val="2117567927"/>
+                  </a:ext>
+                </a:extLst>
+              </a:tr>
+              <a:tr h="418675">
+                <a:tc>
+                  <a:txBody>
+                    <a:bodyPr/>
+                    <a:lstStyle/>
+                    <a:p>
+                      <a:pPr marL="0" marR="0" indent="228600">
+                        <a:lnSpc>
+                          <a:spcPct val="200000"/>
+                        </a:lnSpc>
+                        <a:spcBef>
+                          <a:spcPts val="0"/>
+                        </a:spcBef>
+                        <a:spcAft>
+                          <a:spcPts val="0"/>
+                        </a:spcAft>
+                      </a:pPr>
+                      <a:r>
+                        <a:rPr lang="en-US" sz="1400" dirty="0">
+                          <a:effectLst/>
+                        </a:rPr>
+                        <a:t> Bank Angle (deg): 5.0   </a:t>
+                      </a:r>
+                      <a:endParaRPr lang="en-US" sz="1400" dirty="0">
+                        <a:effectLst/>
+                        <a:latin typeface="Times New Roman" panose="02020603050405020304" pitchFamily="18" charset="0"/>
+                        <a:ea typeface="Times New Roman" panose="02020603050405020304" pitchFamily="18" charset="0"/>
+                      </a:endParaRPr>
+                    </a:p>
+                  </a:txBody>
+                  <a:tcPr marL="68580" marR="68580" marT="0" marB="0"/>
+                </a:tc>
+                <a:extLst>
+                  <a:ext uri="{0D108BD9-81ED-4DB2-BD59-A6C34878D82A}">
+                    <a16:rowId xmlns:a16="http://schemas.microsoft.com/office/drawing/2014/main" val="2591030900"/>
+                  </a:ext>
+                </a:extLst>
+              </a:tr>
+              <a:tr h="418675">
+                <a:tc>
+                  <a:txBody>
+                    <a:bodyPr/>
+                    <a:lstStyle/>
+                    <a:p>
+                      <a:pPr marL="0" marR="0" indent="228600">
+                        <a:lnSpc>
+                          <a:spcPct val="200000"/>
+                        </a:lnSpc>
+                        <a:spcBef>
+                          <a:spcPts val="0"/>
+                        </a:spcBef>
+                        <a:spcAft>
+                          <a:spcPts val="0"/>
+                        </a:spcAft>
+                      </a:pPr>
+                      <a:r>
+                        <a:rPr lang="en-US" sz="1400" dirty="0">
+                          <a:effectLst/>
+                        </a:rPr>
+                        <a:t> Flaps Angle (deg): 0.0</a:t>
+                      </a:r>
+                      <a:endParaRPr lang="en-US" sz="1400" dirty="0">
+                        <a:effectLst/>
+                        <a:latin typeface="Times New Roman" panose="02020603050405020304" pitchFamily="18" charset="0"/>
+                        <a:ea typeface="Times New Roman" panose="02020603050405020304" pitchFamily="18" charset="0"/>
+                      </a:endParaRPr>
+                    </a:p>
+                  </a:txBody>
+                  <a:tcPr marL="68580" marR="68580" marT="0" marB="0"/>
+                </a:tc>
+                <a:extLst>
+                  <a:ext uri="{0D108BD9-81ED-4DB2-BD59-A6C34878D82A}">
+                    <a16:rowId xmlns:a16="http://schemas.microsoft.com/office/drawing/2014/main" val="2047475468"/>
+                  </a:ext>
+                </a:extLst>
+              </a:tr>
+            </a:tbl>
+          </a:graphicData>
+        </a:graphic>
+      </p:graphicFrame>
     </p:spTree>
     <p:extLst>
       <p:ext uri="{BB962C8B-B14F-4D97-AF65-F5344CB8AC3E}">
-        <p14:creationId xmlns:p14="http://schemas.microsoft.com/office/powerpoint/2010/main" val="3470249509"/>
+        <p14:creationId xmlns:p14="http://schemas.microsoft.com/office/powerpoint/2010/main" val="2339343888"/>
+      </p:ext>
+    </p:extLst>
+  </p:cSld>
+  <p:clrMapOvr>
+    <a:masterClrMapping/>
+  </p:clrMapOvr>
+  <p:timing>
+    <p:tnLst>
+      <p:par>
+        <p:cTn id="1" dur="indefinite" restart="never" nodeType="tmRoot"/>
+      </p:par>
+    </p:tnLst>
+  </p:timing>
+</p:sld>
+</file>
+
+<file path=ppt/slides/slide25.xml><?xml version="1.0" encoding="utf-8"?>
+<p:sld xmlns:a="http://schemas.openxmlformats.org/drawingml/2006/main" xmlns:r="http://schemas.openxmlformats.org/officeDocument/2006/relationships" xmlns:p="http://schemas.openxmlformats.org/presentationml/2006/main">
+  <p:cSld>
+    <p:spTree>
+      <p:nvGrpSpPr>
+        <p:cNvPr id="1" name=""/>
+        <p:cNvGrpSpPr/>
+        <p:nvPr/>
+      </p:nvGrpSpPr>
+      <p:grpSpPr>
+        <a:xfrm>
+          <a:off x="0" y="0"/>
+          <a:ext cx="0" cy="0"/>
+          <a:chOff x="0" y="0"/>
+          <a:chExt cx="0" cy="0"/>
+        </a:xfrm>
+      </p:grpSpPr>
+      <p:sp>
+        <p:nvSpPr>
+          <p:cNvPr id="2" name="Title 1"/>
+          <p:cNvSpPr>
+            <a:spLocks noGrp="1"/>
+          </p:cNvSpPr>
+          <p:nvPr>
+            <p:ph type="title"/>
+          </p:nvPr>
+        </p:nvSpPr>
+        <p:spPr/>
+        <p:txBody>
+          <a:bodyPr/>
+          <a:lstStyle/>
+          <a:p>
+            <a:r>
+              <a:rPr lang="en-US" dirty="0" smtClean="0"/>
+              <a:t>Experiment </a:t>
+            </a:r>
+            <a:r>
+              <a:rPr lang="en-US" dirty="0" smtClean="0"/>
+              <a:t>design Supplemental</a:t>
+            </a:r>
+            <a:endParaRPr lang="en-US" dirty="0"/>
+          </a:p>
+        </p:txBody>
+      </p:sp>
+      <p:sp>
+        <p:nvSpPr>
+          <p:cNvPr id="5" name="Rectangle 4"/>
+          <p:cNvSpPr/>
+          <p:nvPr/>
+        </p:nvSpPr>
+        <p:spPr>
+          <a:xfrm>
+            <a:off x="1141413" y="2097088"/>
+            <a:ext cx="6096000" cy="1540422"/>
+          </a:xfrm>
+          <a:prstGeom prst="rect">
+            <a:avLst/>
+          </a:prstGeom>
+        </p:spPr>
+        <p:txBody>
+          <a:bodyPr>
+            <a:spAutoFit/>
+          </a:bodyPr>
+          <a:lstStyle/>
+          <a:p>
+            <a:pPr marL="228600" lvl="0" indent="-228600">
+              <a:lnSpc>
+                <a:spcPct val="120000"/>
+              </a:lnSpc>
+              <a:spcBef>
+                <a:spcPts val="1000"/>
+              </a:spcBef>
+              <a:buSzPct val="125000"/>
+              <a:buFont typeface="Arial" panose="020B0604020202020204" pitchFamily="34" charset="0"/>
+              <a:buChar char="•"/>
+            </a:pPr>
+            <a:r>
+              <a:rPr lang="en-US" sz="2400" dirty="0">
+                <a:solidFill>
+                  <a:prstClr val="white"/>
+                </a:solidFill>
+              </a:rPr>
+              <a:t>Palmer-based Flight Dynamics </a:t>
+            </a:r>
+            <a:r>
+              <a:rPr lang="en-US" sz="2400" dirty="0" smtClean="0">
+                <a:solidFill>
+                  <a:prstClr val="white"/>
+                </a:solidFill>
+              </a:rPr>
+              <a:t>Model</a:t>
+            </a:r>
+            <a:endParaRPr lang="en-US" sz="2400" dirty="0">
+              <a:solidFill>
+                <a:prstClr val="white"/>
+              </a:solidFill>
+            </a:endParaRPr>
+          </a:p>
+          <a:p>
+            <a:pPr marL="914400" lvl="1" indent="-457200">
+              <a:lnSpc>
+                <a:spcPct val="120000"/>
+              </a:lnSpc>
+              <a:spcBef>
+                <a:spcPts val="500"/>
+              </a:spcBef>
+              <a:buSzPct val="125000"/>
+              <a:buFont typeface="+mj-lt"/>
+              <a:buAutoNum type="arabicPeriod" startAt="3"/>
+            </a:pPr>
+            <a:r>
+              <a:rPr lang="en-US" sz="2000" dirty="0" smtClean="0">
+                <a:solidFill>
+                  <a:prstClr val="white"/>
+                </a:solidFill>
+              </a:rPr>
+              <a:t>Flaps</a:t>
+            </a:r>
+            <a:endParaRPr lang="en-US" sz="2000" dirty="0">
+              <a:solidFill>
+                <a:prstClr val="white"/>
+              </a:solidFill>
+            </a:endParaRPr>
+          </a:p>
+          <a:p>
+            <a:pPr marL="228600" lvl="0" indent="-228600">
+              <a:lnSpc>
+                <a:spcPct val="120000"/>
+              </a:lnSpc>
+              <a:spcBef>
+                <a:spcPts val="1000"/>
+              </a:spcBef>
+              <a:buSzPct val="125000"/>
+              <a:buFont typeface="Arial" panose="020B0604020202020204" pitchFamily="34" charset="0"/>
+              <a:buChar char="•"/>
+            </a:pPr>
+            <a:endParaRPr lang="en-US" sz="2400" dirty="0" smtClean="0">
+              <a:solidFill>
+                <a:prstClr val="white"/>
+              </a:solidFill>
+            </a:endParaRPr>
+          </a:p>
+        </p:txBody>
+      </p:sp>
+      <p:graphicFrame>
+        <p:nvGraphicFramePr>
+          <p:cNvPr id="3" name="Table 2"/>
+          <p:cNvGraphicFramePr>
+            <a:graphicFrameLocks noGrp="1"/>
+          </p:cNvGraphicFramePr>
+          <p:nvPr>
+            <p:extLst>
+              <p:ext uri="{D42A27DB-BD31-4B8C-83A1-F6EECF244321}">
+                <p14:modId xmlns:p14="http://schemas.microsoft.com/office/powerpoint/2010/main" val="3707202061"/>
+              </p:ext>
+            </p:extLst>
+          </p:nvPr>
+        </p:nvGraphicFramePr>
+        <p:xfrm>
+          <a:off x="2130241" y="3191005"/>
+          <a:ext cx="3005285" cy="2133600"/>
+        </p:xfrm>
+        <a:graphic>
+          <a:graphicData uri="http://schemas.openxmlformats.org/drawingml/2006/table">
+            <a:tbl>
+              <a:tblPr firstRow="1" firstCol="1" bandRow="1">
+                <a:tableStyleId>{5C22544A-7EE6-4342-B048-85BDC9FD1C3A}</a:tableStyleId>
+              </a:tblPr>
+              <a:tblGrid>
+                <a:gridCol w="3005285">
+                  <a:extLst>
+                    <a:ext uri="{9D8B030D-6E8A-4147-A177-3AD203B41FA5}">
+                      <a16:colId xmlns:a16="http://schemas.microsoft.com/office/drawing/2014/main" val="2109334829"/>
+                    </a:ext>
+                  </a:extLst>
+                </a:gridCol>
+              </a:tblGrid>
+              <a:tr h="402027">
+                <a:tc>
+                  <a:txBody>
+                    <a:bodyPr/>
+                    <a:lstStyle/>
+                    <a:p>
+                      <a:pPr marL="0" marR="0" algn="ctr">
+                        <a:lnSpc>
+                          <a:spcPct val="200000"/>
+                        </a:lnSpc>
+                        <a:spcBef>
+                          <a:spcPts val="0"/>
+                        </a:spcBef>
+                        <a:spcAft>
+                          <a:spcPts val="0"/>
+                        </a:spcAft>
+                      </a:pPr>
+                      <a:r>
+                        <a:rPr lang="en-US" sz="1400">
+                          <a:effectLst/>
+                        </a:rPr>
+                        <a:t>Flight Control Instructions</a:t>
+                      </a:r>
+                      <a:endParaRPr lang="en-US" sz="1400">
+                        <a:effectLst/>
+                        <a:latin typeface="Times New Roman" panose="02020603050405020304" pitchFamily="18" charset="0"/>
+                        <a:ea typeface="Times New Roman" panose="02020603050405020304" pitchFamily="18" charset="0"/>
+                      </a:endParaRPr>
+                    </a:p>
+                  </a:txBody>
+                  <a:tcPr marL="68580" marR="68580" marT="0" marB="0"/>
+                </a:tc>
+                <a:extLst>
+                  <a:ext uri="{0D108BD9-81ED-4DB2-BD59-A6C34878D82A}">
+                    <a16:rowId xmlns:a16="http://schemas.microsoft.com/office/drawing/2014/main" val="3028829871"/>
+                  </a:ext>
+                </a:extLst>
+              </a:tr>
+              <a:tr h="402027">
+                <a:tc>
+                  <a:txBody>
+                    <a:bodyPr/>
+                    <a:lstStyle/>
+                    <a:p>
+                      <a:pPr marL="0" marR="0" indent="228600">
+                        <a:lnSpc>
+                          <a:spcPct val="200000"/>
+                        </a:lnSpc>
+                        <a:spcBef>
+                          <a:spcPts val="0"/>
+                        </a:spcBef>
+                        <a:spcAft>
+                          <a:spcPts val="0"/>
+                        </a:spcAft>
+                      </a:pPr>
+                      <a:r>
+                        <a:rPr lang="en-US" sz="1400">
+                          <a:effectLst/>
+                        </a:rPr>
+                        <a:t> Throttle (%): 100        </a:t>
+                      </a:r>
+                      <a:endParaRPr lang="en-US" sz="1400">
+                        <a:effectLst/>
+                        <a:latin typeface="Times New Roman" panose="02020603050405020304" pitchFamily="18" charset="0"/>
+                        <a:ea typeface="Times New Roman" panose="02020603050405020304" pitchFamily="18" charset="0"/>
+                      </a:endParaRPr>
+                    </a:p>
+                  </a:txBody>
+                  <a:tcPr marL="68580" marR="68580" marT="0" marB="0"/>
+                </a:tc>
+                <a:extLst>
+                  <a:ext uri="{0D108BD9-81ED-4DB2-BD59-A6C34878D82A}">
+                    <a16:rowId xmlns:a16="http://schemas.microsoft.com/office/drawing/2014/main" val="619675633"/>
+                  </a:ext>
+                </a:extLst>
+              </a:tr>
+              <a:tr h="402027">
+                <a:tc>
+                  <a:txBody>
+                    <a:bodyPr/>
+                    <a:lstStyle/>
+                    <a:p>
+                      <a:pPr marL="0" marR="0" indent="228600">
+                        <a:lnSpc>
+                          <a:spcPct val="200000"/>
+                        </a:lnSpc>
+                        <a:spcBef>
+                          <a:spcPts val="0"/>
+                        </a:spcBef>
+                        <a:spcAft>
+                          <a:spcPts val="0"/>
+                        </a:spcAft>
+                      </a:pPr>
+                      <a:r>
+                        <a:rPr lang="en-US" sz="1400" dirty="0">
+                          <a:effectLst/>
+                        </a:rPr>
+                        <a:t> Angle of Attack (deg): 4.0      </a:t>
+                      </a:r>
+                      <a:endParaRPr lang="en-US" sz="1400" dirty="0">
+                        <a:effectLst/>
+                        <a:latin typeface="Times New Roman" panose="02020603050405020304" pitchFamily="18" charset="0"/>
+                        <a:ea typeface="Times New Roman" panose="02020603050405020304" pitchFamily="18" charset="0"/>
+                      </a:endParaRPr>
+                    </a:p>
+                  </a:txBody>
+                  <a:tcPr marL="68580" marR="68580" marT="0" marB="0"/>
+                </a:tc>
+                <a:extLst>
+                  <a:ext uri="{0D108BD9-81ED-4DB2-BD59-A6C34878D82A}">
+                    <a16:rowId xmlns:a16="http://schemas.microsoft.com/office/drawing/2014/main" val="1044111509"/>
+                  </a:ext>
+                </a:extLst>
+              </a:tr>
+              <a:tr h="402027">
+                <a:tc>
+                  <a:txBody>
+                    <a:bodyPr/>
+                    <a:lstStyle/>
+                    <a:p>
+                      <a:pPr marL="0" marR="0" indent="228600">
+                        <a:lnSpc>
+                          <a:spcPct val="200000"/>
+                        </a:lnSpc>
+                        <a:spcBef>
+                          <a:spcPts val="0"/>
+                        </a:spcBef>
+                        <a:spcAft>
+                          <a:spcPts val="0"/>
+                        </a:spcAft>
+                      </a:pPr>
+                      <a:r>
+                        <a:rPr lang="en-US" sz="1400" dirty="0">
+                          <a:effectLst/>
+                        </a:rPr>
+                        <a:t> Bank Angle (deg): 0.0   </a:t>
+                      </a:r>
+                      <a:endParaRPr lang="en-US" sz="1400" dirty="0">
+                        <a:effectLst/>
+                        <a:latin typeface="Times New Roman" panose="02020603050405020304" pitchFamily="18" charset="0"/>
+                        <a:ea typeface="Times New Roman" panose="02020603050405020304" pitchFamily="18" charset="0"/>
+                      </a:endParaRPr>
+                    </a:p>
+                  </a:txBody>
+                  <a:tcPr marL="68580" marR="68580" marT="0" marB="0"/>
+                </a:tc>
+                <a:extLst>
+                  <a:ext uri="{0D108BD9-81ED-4DB2-BD59-A6C34878D82A}">
+                    <a16:rowId xmlns:a16="http://schemas.microsoft.com/office/drawing/2014/main" val="1316210591"/>
+                  </a:ext>
+                </a:extLst>
+              </a:tr>
+              <a:tr h="402027">
+                <a:tc>
+                  <a:txBody>
+                    <a:bodyPr/>
+                    <a:lstStyle/>
+                    <a:p>
+                      <a:pPr marL="0" marR="0" indent="228600">
+                        <a:lnSpc>
+                          <a:spcPct val="200000"/>
+                        </a:lnSpc>
+                        <a:spcBef>
+                          <a:spcPts val="0"/>
+                        </a:spcBef>
+                        <a:spcAft>
+                          <a:spcPts val="0"/>
+                        </a:spcAft>
+                      </a:pPr>
+                      <a:r>
+                        <a:rPr lang="en-US" sz="1400" dirty="0">
+                          <a:effectLst/>
+                        </a:rPr>
+                        <a:t> Flaps Angle (deg): 20.0</a:t>
+                      </a:r>
+                      <a:endParaRPr lang="en-US" sz="1400" dirty="0">
+                        <a:effectLst/>
+                        <a:latin typeface="Times New Roman" panose="02020603050405020304" pitchFamily="18" charset="0"/>
+                        <a:ea typeface="Times New Roman" panose="02020603050405020304" pitchFamily="18" charset="0"/>
+                      </a:endParaRPr>
+                    </a:p>
+                  </a:txBody>
+                  <a:tcPr marL="68580" marR="68580" marT="0" marB="0"/>
+                </a:tc>
+                <a:extLst>
+                  <a:ext uri="{0D108BD9-81ED-4DB2-BD59-A6C34878D82A}">
+                    <a16:rowId xmlns:a16="http://schemas.microsoft.com/office/drawing/2014/main" val="1988642291"/>
+                  </a:ext>
+                </a:extLst>
+              </a:tr>
+            </a:tbl>
+          </a:graphicData>
+        </a:graphic>
+      </p:graphicFrame>
+    </p:spTree>
+    <p:extLst>
+      <p:ext uri="{BB962C8B-B14F-4D97-AF65-F5344CB8AC3E}">
+        <p14:creationId xmlns:p14="http://schemas.microsoft.com/office/powerpoint/2010/main" val="248053162"/>
+      </p:ext>
+    </p:extLst>
+  </p:cSld>
+  <p:clrMapOvr>
+    <a:masterClrMapping/>
+  </p:clrMapOvr>
+  <p:timing>
+    <p:tnLst>
+      <p:par>
+        <p:cTn id="1" dur="indefinite" restart="never" nodeType="tmRoot"/>
+      </p:par>
+    </p:tnLst>
+  </p:timing>
+</p:sld>
+</file>
+
+<file path=ppt/slides/slide26.xml><?xml version="1.0" encoding="utf-8"?>
+<p:sld xmlns:a="http://schemas.openxmlformats.org/drawingml/2006/main" xmlns:r="http://schemas.openxmlformats.org/officeDocument/2006/relationships" xmlns:p="http://schemas.openxmlformats.org/presentationml/2006/main">
+  <p:cSld>
+    <p:spTree>
+      <p:nvGrpSpPr>
+        <p:cNvPr id="1" name=""/>
+        <p:cNvGrpSpPr/>
+        <p:nvPr/>
+      </p:nvGrpSpPr>
+      <p:grpSpPr>
+        <a:xfrm>
+          <a:off x="0" y="0"/>
+          <a:ext cx="0" cy="0"/>
+          <a:chOff x="0" y="0"/>
+          <a:chExt cx="0" cy="0"/>
+        </a:xfrm>
+      </p:grpSpPr>
+      <p:sp>
+        <p:nvSpPr>
+          <p:cNvPr id="2" name="Title 1"/>
+          <p:cNvSpPr>
+            <a:spLocks noGrp="1"/>
+          </p:cNvSpPr>
+          <p:nvPr>
+            <p:ph type="title"/>
+          </p:nvPr>
+        </p:nvSpPr>
+        <p:spPr/>
+        <p:txBody>
+          <a:bodyPr/>
+          <a:lstStyle/>
+          <a:p>
+            <a:r>
+              <a:rPr lang="en-US" dirty="0" smtClean="0"/>
+              <a:t>Experiment </a:t>
+            </a:r>
+            <a:r>
+              <a:rPr lang="en-US" dirty="0" smtClean="0"/>
+              <a:t>design Supplemental</a:t>
+            </a:r>
+            <a:endParaRPr lang="en-US" dirty="0"/>
+          </a:p>
+        </p:txBody>
+      </p:sp>
+      <p:sp>
+        <p:nvSpPr>
+          <p:cNvPr id="5" name="Rectangle 4"/>
+          <p:cNvSpPr/>
+          <p:nvPr/>
+        </p:nvSpPr>
+        <p:spPr>
+          <a:xfrm>
+            <a:off x="1141413" y="2097088"/>
+            <a:ext cx="6096000" cy="1540422"/>
+          </a:xfrm>
+          <a:prstGeom prst="rect">
+            <a:avLst/>
+          </a:prstGeom>
+        </p:spPr>
+        <p:txBody>
+          <a:bodyPr>
+            <a:spAutoFit/>
+          </a:bodyPr>
+          <a:lstStyle/>
+          <a:p>
+            <a:pPr marL="228600" lvl="0" indent="-228600">
+              <a:lnSpc>
+                <a:spcPct val="120000"/>
+              </a:lnSpc>
+              <a:spcBef>
+                <a:spcPts val="1000"/>
+              </a:spcBef>
+              <a:buSzPct val="125000"/>
+              <a:buFont typeface="Arial" panose="020B0604020202020204" pitchFamily="34" charset="0"/>
+              <a:buChar char="•"/>
+            </a:pPr>
+            <a:r>
+              <a:rPr lang="en-US" sz="2400" dirty="0">
+                <a:solidFill>
+                  <a:prstClr val="white"/>
+                </a:solidFill>
+              </a:rPr>
+              <a:t>Palmer-based Flight Dynamics </a:t>
+            </a:r>
+            <a:r>
+              <a:rPr lang="en-US" sz="2400" dirty="0" smtClean="0">
+                <a:solidFill>
+                  <a:prstClr val="white"/>
+                </a:solidFill>
+              </a:rPr>
+              <a:t>Model</a:t>
+            </a:r>
+            <a:endParaRPr lang="en-US" sz="2400" dirty="0">
+              <a:solidFill>
+                <a:prstClr val="white"/>
+              </a:solidFill>
+            </a:endParaRPr>
+          </a:p>
+          <a:p>
+            <a:pPr marL="914400" lvl="1" indent="-457200">
+              <a:lnSpc>
+                <a:spcPct val="120000"/>
+              </a:lnSpc>
+              <a:spcBef>
+                <a:spcPts val="500"/>
+              </a:spcBef>
+              <a:buSzPct val="125000"/>
+              <a:buFont typeface="+mj-lt"/>
+              <a:buAutoNum type="arabicPeriod" startAt="4"/>
+            </a:pPr>
+            <a:r>
+              <a:rPr lang="en-US" sz="2000" dirty="0" smtClean="0">
+                <a:solidFill>
+                  <a:prstClr val="white"/>
+                </a:solidFill>
+              </a:rPr>
+              <a:t>Everything</a:t>
+            </a:r>
+            <a:endParaRPr lang="en-US" sz="2000" dirty="0">
+              <a:solidFill>
+                <a:prstClr val="white"/>
+              </a:solidFill>
+            </a:endParaRPr>
+          </a:p>
+          <a:p>
+            <a:pPr marL="228600" lvl="0" indent="-228600">
+              <a:lnSpc>
+                <a:spcPct val="120000"/>
+              </a:lnSpc>
+              <a:spcBef>
+                <a:spcPts val="1000"/>
+              </a:spcBef>
+              <a:buSzPct val="125000"/>
+              <a:buFont typeface="Arial" panose="020B0604020202020204" pitchFamily="34" charset="0"/>
+              <a:buChar char="•"/>
+            </a:pPr>
+            <a:endParaRPr lang="en-US" sz="2400" dirty="0" smtClean="0">
+              <a:solidFill>
+                <a:prstClr val="white"/>
+              </a:solidFill>
+            </a:endParaRPr>
+          </a:p>
+        </p:txBody>
+      </p:sp>
+      <p:graphicFrame>
+        <p:nvGraphicFramePr>
+          <p:cNvPr id="4" name="Table 3"/>
+          <p:cNvGraphicFramePr>
+            <a:graphicFrameLocks noGrp="1"/>
+          </p:cNvGraphicFramePr>
+          <p:nvPr>
+            <p:extLst>
+              <p:ext uri="{D42A27DB-BD31-4B8C-83A1-F6EECF244321}">
+                <p14:modId xmlns:p14="http://schemas.microsoft.com/office/powerpoint/2010/main" val="2738351654"/>
+              </p:ext>
+            </p:extLst>
+          </p:nvPr>
+        </p:nvGraphicFramePr>
+        <p:xfrm>
+          <a:off x="2162138" y="3265433"/>
+          <a:ext cx="2941490" cy="2157170"/>
+        </p:xfrm>
+        <a:graphic>
+          <a:graphicData uri="http://schemas.openxmlformats.org/drawingml/2006/table">
+            <a:tbl>
+              <a:tblPr firstRow="1" firstCol="1" bandRow="1">
+                <a:tableStyleId>{5C22544A-7EE6-4342-B048-85BDC9FD1C3A}</a:tableStyleId>
+              </a:tblPr>
+              <a:tblGrid>
+                <a:gridCol w="2941490">
+                  <a:extLst>
+                    <a:ext uri="{9D8B030D-6E8A-4147-A177-3AD203B41FA5}">
+                      <a16:colId xmlns:a16="http://schemas.microsoft.com/office/drawing/2014/main" val="3926192181"/>
+                    </a:ext>
+                  </a:extLst>
+                </a:gridCol>
+              </a:tblGrid>
+              <a:tr h="431434">
+                <a:tc>
+                  <a:txBody>
+                    <a:bodyPr/>
+                    <a:lstStyle/>
+                    <a:p>
+                      <a:pPr marL="0" marR="0" algn="ctr">
+                        <a:lnSpc>
+                          <a:spcPct val="200000"/>
+                        </a:lnSpc>
+                        <a:spcBef>
+                          <a:spcPts val="0"/>
+                        </a:spcBef>
+                        <a:spcAft>
+                          <a:spcPts val="0"/>
+                        </a:spcAft>
+                      </a:pPr>
+                      <a:r>
+                        <a:rPr lang="en-US" sz="1400" dirty="0">
+                          <a:effectLst/>
+                        </a:rPr>
+                        <a:t>Flight Control Instructions</a:t>
+                      </a:r>
+                      <a:endParaRPr lang="en-US" sz="1400" dirty="0">
+                        <a:effectLst/>
+                        <a:latin typeface="Times New Roman" panose="02020603050405020304" pitchFamily="18" charset="0"/>
+                        <a:ea typeface="Times New Roman" panose="02020603050405020304" pitchFamily="18" charset="0"/>
+                      </a:endParaRPr>
+                    </a:p>
+                  </a:txBody>
+                  <a:tcPr marL="68580" marR="68580" marT="0" marB="0"/>
+                </a:tc>
+                <a:extLst>
+                  <a:ext uri="{0D108BD9-81ED-4DB2-BD59-A6C34878D82A}">
+                    <a16:rowId xmlns:a16="http://schemas.microsoft.com/office/drawing/2014/main" val="1270280685"/>
+                  </a:ext>
+                </a:extLst>
+              </a:tr>
+              <a:tr h="431434">
+                <a:tc>
+                  <a:txBody>
+                    <a:bodyPr/>
+                    <a:lstStyle/>
+                    <a:p>
+                      <a:pPr marL="0" marR="0" indent="228600">
+                        <a:lnSpc>
+                          <a:spcPct val="200000"/>
+                        </a:lnSpc>
+                        <a:spcBef>
+                          <a:spcPts val="0"/>
+                        </a:spcBef>
+                        <a:spcAft>
+                          <a:spcPts val="0"/>
+                        </a:spcAft>
+                      </a:pPr>
+                      <a:r>
+                        <a:rPr lang="en-US" sz="1400">
+                          <a:effectLst/>
+                        </a:rPr>
+                        <a:t> Throttle (%): 100        </a:t>
+                      </a:r>
+                      <a:endParaRPr lang="en-US" sz="1400">
+                        <a:effectLst/>
+                        <a:latin typeface="Times New Roman" panose="02020603050405020304" pitchFamily="18" charset="0"/>
+                        <a:ea typeface="Times New Roman" panose="02020603050405020304" pitchFamily="18" charset="0"/>
+                      </a:endParaRPr>
+                    </a:p>
+                  </a:txBody>
+                  <a:tcPr marL="68580" marR="68580" marT="0" marB="0"/>
+                </a:tc>
+                <a:extLst>
+                  <a:ext uri="{0D108BD9-81ED-4DB2-BD59-A6C34878D82A}">
+                    <a16:rowId xmlns:a16="http://schemas.microsoft.com/office/drawing/2014/main" val="2987125772"/>
+                  </a:ext>
+                </a:extLst>
+              </a:tr>
+              <a:tr h="431434">
+                <a:tc>
+                  <a:txBody>
+                    <a:bodyPr/>
+                    <a:lstStyle/>
+                    <a:p>
+                      <a:pPr marL="0" marR="0" indent="228600">
+                        <a:lnSpc>
+                          <a:spcPct val="200000"/>
+                        </a:lnSpc>
+                        <a:spcBef>
+                          <a:spcPts val="0"/>
+                        </a:spcBef>
+                        <a:spcAft>
+                          <a:spcPts val="0"/>
+                        </a:spcAft>
+                      </a:pPr>
+                      <a:r>
+                        <a:rPr lang="en-US" sz="1400" dirty="0">
+                          <a:effectLst/>
+                        </a:rPr>
+                        <a:t> Angle of Attack (deg): 4.0      </a:t>
+                      </a:r>
+                      <a:endParaRPr lang="en-US" sz="1400" dirty="0">
+                        <a:effectLst/>
+                        <a:latin typeface="Times New Roman" panose="02020603050405020304" pitchFamily="18" charset="0"/>
+                        <a:ea typeface="Times New Roman" panose="02020603050405020304" pitchFamily="18" charset="0"/>
+                      </a:endParaRPr>
+                    </a:p>
+                  </a:txBody>
+                  <a:tcPr marL="68580" marR="68580" marT="0" marB="0"/>
+                </a:tc>
+                <a:extLst>
+                  <a:ext uri="{0D108BD9-81ED-4DB2-BD59-A6C34878D82A}">
+                    <a16:rowId xmlns:a16="http://schemas.microsoft.com/office/drawing/2014/main" val="2000214489"/>
+                  </a:ext>
+                </a:extLst>
+              </a:tr>
+              <a:tr h="431434">
+                <a:tc>
+                  <a:txBody>
+                    <a:bodyPr/>
+                    <a:lstStyle/>
+                    <a:p>
+                      <a:pPr marL="0" marR="0" indent="228600">
+                        <a:lnSpc>
+                          <a:spcPct val="200000"/>
+                        </a:lnSpc>
+                        <a:spcBef>
+                          <a:spcPts val="0"/>
+                        </a:spcBef>
+                        <a:spcAft>
+                          <a:spcPts val="0"/>
+                        </a:spcAft>
+                      </a:pPr>
+                      <a:r>
+                        <a:rPr lang="en-US" sz="1400" dirty="0">
+                          <a:effectLst/>
+                        </a:rPr>
+                        <a:t> Bank Angle (deg): 5.0   </a:t>
+                      </a:r>
+                      <a:endParaRPr lang="en-US" sz="1400" dirty="0">
+                        <a:effectLst/>
+                        <a:latin typeface="Times New Roman" panose="02020603050405020304" pitchFamily="18" charset="0"/>
+                        <a:ea typeface="Times New Roman" panose="02020603050405020304" pitchFamily="18" charset="0"/>
+                      </a:endParaRPr>
+                    </a:p>
+                  </a:txBody>
+                  <a:tcPr marL="68580" marR="68580" marT="0" marB="0"/>
+                </a:tc>
+                <a:extLst>
+                  <a:ext uri="{0D108BD9-81ED-4DB2-BD59-A6C34878D82A}">
+                    <a16:rowId xmlns:a16="http://schemas.microsoft.com/office/drawing/2014/main" val="2022729360"/>
+                  </a:ext>
+                </a:extLst>
+              </a:tr>
+              <a:tr h="431434">
+                <a:tc>
+                  <a:txBody>
+                    <a:bodyPr/>
+                    <a:lstStyle/>
+                    <a:p>
+                      <a:pPr marL="0" marR="0" indent="228600">
+                        <a:lnSpc>
+                          <a:spcPct val="200000"/>
+                        </a:lnSpc>
+                        <a:spcBef>
+                          <a:spcPts val="0"/>
+                        </a:spcBef>
+                        <a:spcAft>
+                          <a:spcPts val="0"/>
+                        </a:spcAft>
+                      </a:pPr>
+                      <a:r>
+                        <a:rPr lang="en-US" sz="1400" dirty="0">
+                          <a:effectLst/>
+                        </a:rPr>
+                        <a:t> Flaps Angle (deg): 20.0</a:t>
+                      </a:r>
+                      <a:endParaRPr lang="en-US" sz="1400" dirty="0">
+                        <a:effectLst/>
+                        <a:latin typeface="Times New Roman" panose="02020603050405020304" pitchFamily="18" charset="0"/>
+                        <a:ea typeface="Times New Roman" panose="02020603050405020304" pitchFamily="18" charset="0"/>
+                      </a:endParaRPr>
+                    </a:p>
+                  </a:txBody>
+                  <a:tcPr marL="68580" marR="68580" marT="0" marB="0"/>
+                </a:tc>
+                <a:extLst>
+                  <a:ext uri="{0D108BD9-81ED-4DB2-BD59-A6C34878D82A}">
+                    <a16:rowId xmlns:a16="http://schemas.microsoft.com/office/drawing/2014/main" val="2510383120"/>
+                  </a:ext>
+                </a:extLst>
+              </a:tr>
+            </a:tbl>
+          </a:graphicData>
+        </a:graphic>
+      </p:graphicFrame>
+    </p:spTree>
+    <p:extLst>
+      <p:ext uri="{BB962C8B-B14F-4D97-AF65-F5344CB8AC3E}">
+        <p14:creationId xmlns:p14="http://schemas.microsoft.com/office/powerpoint/2010/main" val="2177116447"/>
+      </p:ext>
+    </p:extLst>
+  </p:cSld>
+  <p:clrMapOvr>
+    <a:masterClrMapping/>
+  </p:clrMapOvr>
+  <p:timing>
+    <p:tnLst>
+      <p:par>
+        <p:cTn id="1" dur="indefinite" restart="never" nodeType="tmRoot"/>
+      </p:par>
+    </p:tnLst>
+  </p:timing>
+</p:sld>
+</file>
+
+<file path=ppt/slides/slide27.xml><?xml version="1.0" encoding="utf-8"?>
+<p:sld xmlns:a="http://schemas.openxmlformats.org/drawingml/2006/main" xmlns:r="http://schemas.openxmlformats.org/officeDocument/2006/relationships" xmlns:p="http://schemas.openxmlformats.org/presentationml/2006/main">
+  <p:cSld>
+    <p:spTree>
+      <p:nvGrpSpPr>
+        <p:cNvPr id="1" name=""/>
+        <p:cNvGrpSpPr/>
+        <p:nvPr/>
+      </p:nvGrpSpPr>
+      <p:grpSpPr>
+        <a:xfrm>
+          <a:off x="0" y="0"/>
+          <a:ext cx="0" cy="0"/>
+          <a:chOff x="0" y="0"/>
+          <a:chExt cx="0" cy="0"/>
+        </a:xfrm>
+      </p:grpSpPr>
+      <p:sp>
+        <p:nvSpPr>
+          <p:cNvPr id="2" name="Title 1"/>
+          <p:cNvSpPr>
+            <a:spLocks noGrp="1"/>
+          </p:cNvSpPr>
+          <p:nvPr>
+            <p:ph type="title"/>
+          </p:nvPr>
+        </p:nvSpPr>
+        <p:spPr/>
+        <p:txBody>
+          <a:bodyPr/>
+          <a:lstStyle/>
+          <a:p>
+            <a:r>
+              <a:rPr lang="en-US" dirty="0" smtClean="0"/>
+              <a:t>Experiment </a:t>
+            </a:r>
+            <a:r>
+              <a:rPr lang="en-US" dirty="0" smtClean="0"/>
+              <a:t>design Supplemental</a:t>
+            </a:r>
+            <a:endParaRPr lang="en-US" dirty="0"/>
+          </a:p>
+        </p:txBody>
+      </p:sp>
+      <p:sp>
+        <p:nvSpPr>
+          <p:cNvPr id="5" name="Rectangle 4"/>
+          <p:cNvSpPr/>
+          <p:nvPr/>
+        </p:nvSpPr>
+        <p:spPr>
+          <a:xfrm>
+            <a:off x="1141413" y="2097088"/>
+            <a:ext cx="6096000" cy="1540422"/>
+          </a:xfrm>
+          <a:prstGeom prst="rect">
+            <a:avLst/>
+          </a:prstGeom>
+        </p:spPr>
+        <p:txBody>
+          <a:bodyPr>
+            <a:spAutoFit/>
+          </a:bodyPr>
+          <a:lstStyle/>
+          <a:p>
+            <a:pPr marL="228600" lvl="0" indent="-228600">
+              <a:lnSpc>
+                <a:spcPct val="120000"/>
+              </a:lnSpc>
+              <a:spcBef>
+                <a:spcPts val="1000"/>
+              </a:spcBef>
+              <a:buSzPct val="125000"/>
+              <a:buFont typeface="Arial" panose="020B0604020202020204" pitchFamily="34" charset="0"/>
+              <a:buChar char="•"/>
+            </a:pPr>
+            <a:r>
+              <a:rPr lang="en-US" sz="2400" dirty="0" smtClean="0">
+                <a:solidFill>
+                  <a:prstClr val="white"/>
+                </a:solidFill>
+              </a:rPr>
+              <a:t>Bourg-based </a:t>
+            </a:r>
+            <a:r>
+              <a:rPr lang="en-US" sz="2400" dirty="0">
+                <a:solidFill>
+                  <a:prstClr val="white"/>
+                </a:solidFill>
+              </a:rPr>
+              <a:t>Flight Dynamics </a:t>
+            </a:r>
+            <a:r>
+              <a:rPr lang="en-US" sz="2400" dirty="0" smtClean="0">
+                <a:solidFill>
+                  <a:prstClr val="white"/>
+                </a:solidFill>
+              </a:rPr>
+              <a:t>Model</a:t>
+            </a:r>
+            <a:endParaRPr lang="en-US" sz="2400" dirty="0">
+              <a:solidFill>
+                <a:prstClr val="white"/>
+              </a:solidFill>
+            </a:endParaRPr>
+          </a:p>
+          <a:p>
+            <a:pPr marL="914400" lvl="1" indent="-457200">
+              <a:lnSpc>
+                <a:spcPct val="120000"/>
+              </a:lnSpc>
+              <a:spcBef>
+                <a:spcPts val="500"/>
+              </a:spcBef>
+              <a:buSzPct val="125000"/>
+              <a:buFont typeface="+mj-lt"/>
+              <a:buAutoNum type="arabicPeriod"/>
+            </a:pPr>
+            <a:r>
+              <a:rPr lang="en-US" sz="2000" dirty="0" smtClean="0">
+                <a:solidFill>
+                  <a:prstClr val="white"/>
+                </a:solidFill>
+              </a:rPr>
+              <a:t>Nothing</a:t>
+            </a:r>
+            <a:endParaRPr lang="en-US" sz="2000" dirty="0">
+              <a:solidFill>
+                <a:prstClr val="white"/>
+              </a:solidFill>
+            </a:endParaRPr>
+          </a:p>
+          <a:p>
+            <a:pPr marL="228600" lvl="0" indent="-228600">
+              <a:lnSpc>
+                <a:spcPct val="120000"/>
+              </a:lnSpc>
+              <a:spcBef>
+                <a:spcPts val="1000"/>
+              </a:spcBef>
+              <a:buSzPct val="125000"/>
+              <a:buFont typeface="Arial" panose="020B0604020202020204" pitchFamily="34" charset="0"/>
+              <a:buChar char="•"/>
+            </a:pPr>
+            <a:endParaRPr lang="en-US" sz="2400" dirty="0" smtClean="0">
+              <a:solidFill>
+                <a:prstClr val="white"/>
+              </a:solidFill>
+            </a:endParaRPr>
+          </a:p>
+        </p:txBody>
+      </p:sp>
+      <p:graphicFrame>
+        <p:nvGraphicFramePr>
+          <p:cNvPr id="3" name="Table 2"/>
+          <p:cNvGraphicFramePr>
+            <a:graphicFrameLocks noGrp="1"/>
+          </p:cNvGraphicFramePr>
+          <p:nvPr>
+            <p:extLst>
+              <p:ext uri="{D42A27DB-BD31-4B8C-83A1-F6EECF244321}">
+                <p14:modId xmlns:p14="http://schemas.microsoft.com/office/powerpoint/2010/main" val="3625331479"/>
+              </p:ext>
+            </p:extLst>
+          </p:nvPr>
+        </p:nvGraphicFramePr>
+        <p:xfrm>
+          <a:off x="2160459" y="3356874"/>
+          <a:ext cx="3634285" cy="954837"/>
+        </p:xfrm>
+        <a:graphic>
+          <a:graphicData uri="http://schemas.openxmlformats.org/drawingml/2006/table">
+            <a:tbl>
+              <a:tblPr firstRow="1" firstCol="1" bandRow="1">
+                <a:tableStyleId>{5C22544A-7EE6-4342-B048-85BDC9FD1C3A}</a:tableStyleId>
+              </a:tblPr>
+              <a:tblGrid>
+                <a:gridCol w="3634285">
+                  <a:extLst>
+                    <a:ext uri="{9D8B030D-6E8A-4147-A177-3AD203B41FA5}">
+                      <a16:colId xmlns:a16="http://schemas.microsoft.com/office/drawing/2014/main" val="2217981269"/>
+                    </a:ext>
+                  </a:extLst>
+                </a:gridCol>
+              </a:tblGrid>
+              <a:tr h="528117">
+                <a:tc>
+                  <a:txBody>
+                    <a:bodyPr/>
+                    <a:lstStyle/>
+                    <a:p>
+                      <a:pPr marL="0" marR="0" algn="ctr">
+                        <a:lnSpc>
+                          <a:spcPct val="200000"/>
+                        </a:lnSpc>
+                        <a:spcBef>
+                          <a:spcPts val="0"/>
+                        </a:spcBef>
+                        <a:spcAft>
+                          <a:spcPts val="0"/>
+                        </a:spcAft>
+                      </a:pPr>
+                      <a:r>
+                        <a:rPr lang="en-US" sz="1400" dirty="0">
+                          <a:effectLst/>
+                        </a:rPr>
+                        <a:t>Frame by Frame Flight Control Instructions</a:t>
+                      </a:r>
+                      <a:endParaRPr lang="en-US" sz="1400" dirty="0">
+                        <a:effectLst/>
+                        <a:latin typeface="Times New Roman" panose="02020603050405020304" pitchFamily="18" charset="0"/>
+                        <a:ea typeface="Times New Roman" panose="02020603050405020304" pitchFamily="18" charset="0"/>
+                      </a:endParaRPr>
+                    </a:p>
+                  </a:txBody>
+                  <a:tcPr marL="68580" marR="68580" marT="0" marB="0"/>
+                </a:tc>
+                <a:extLst>
+                  <a:ext uri="{0D108BD9-81ED-4DB2-BD59-A6C34878D82A}">
+                    <a16:rowId xmlns:a16="http://schemas.microsoft.com/office/drawing/2014/main" val="3016702737"/>
+                  </a:ext>
+                </a:extLst>
+              </a:tr>
+              <a:tr h="293605">
+                <a:tc>
+                  <a:txBody>
+                    <a:bodyPr/>
+                    <a:lstStyle/>
+                    <a:p>
+                      <a:pPr marL="0" marR="0" indent="228600">
+                        <a:lnSpc>
+                          <a:spcPct val="200000"/>
+                        </a:lnSpc>
+                        <a:spcBef>
+                          <a:spcPts val="0"/>
+                        </a:spcBef>
+                        <a:spcAft>
+                          <a:spcPts val="0"/>
+                        </a:spcAft>
+                      </a:pPr>
+                      <a:r>
+                        <a:rPr lang="en-US" sz="1400" dirty="0">
+                          <a:effectLst/>
+                        </a:rPr>
+                        <a:t>None</a:t>
+                      </a:r>
+                      <a:endParaRPr lang="en-US" sz="1400" dirty="0">
+                        <a:effectLst/>
+                        <a:latin typeface="Times New Roman" panose="02020603050405020304" pitchFamily="18" charset="0"/>
+                        <a:ea typeface="Times New Roman" panose="02020603050405020304" pitchFamily="18" charset="0"/>
+                      </a:endParaRPr>
+                    </a:p>
+                  </a:txBody>
+                  <a:tcPr marL="68580" marR="68580" marT="0" marB="0"/>
+                </a:tc>
+                <a:extLst>
+                  <a:ext uri="{0D108BD9-81ED-4DB2-BD59-A6C34878D82A}">
+                    <a16:rowId xmlns:a16="http://schemas.microsoft.com/office/drawing/2014/main" val="1539848316"/>
+                  </a:ext>
+                </a:extLst>
+              </a:tr>
+            </a:tbl>
+          </a:graphicData>
+        </a:graphic>
+      </p:graphicFrame>
+    </p:spTree>
+    <p:extLst>
+      <p:ext uri="{BB962C8B-B14F-4D97-AF65-F5344CB8AC3E}">
+        <p14:creationId xmlns:p14="http://schemas.microsoft.com/office/powerpoint/2010/main" val="1824356096"/>
+      </p:ext>
+    </p:extLst>
+  </p:cSld>
+  <p:clrMapOvr>
+    <a:masterClrMapping/>
+  </p:clrMapOvr>
+  <p:timing>
+    <p:tnLst>
+      <p:par>
+        <p:cTn id="1" dur="indefinite" restart="never" nodeType="tmRoot"/>
+      </p:par>
+    </p:tnLst>
+  </p:timing>
+</p:sld>
+</file>
+
+<file path=ppt/slides/slide28.xml><?xml version="1.0" encoding="utf-8"?>
+<p:sld xmlns:a="http://schemas.openxmlformats.org/drawingml/2006/main" xmlns:r="http://schemas.openxmlformats.org/officeDocument/2006/relationships" xmlns:p="http://schemas.openxmlformats.org/presentationml/2006/main">
+  <p:cSld>
+    <p:spTree>
+      <p:nvGrpSpPr>
+        <p:cNvPr id="1" name=""/>
+        <p:cNvGrpSpPr/>
+        <p:nvPr/>
+      </p:nvGrpSpPr>
+      <p:grpSpPr>
+        <a:xfrm>
+          <a:off x="0" y="0"/>
+          <a:ext cx="0" cy="0"/>
+          <a:chOff x="0" y="0"/>
+          <a:chExt cx="0" cy="0"/>
+        </a:xfrm>
+      </p:grpSpPr>
+      <p:sp>
+        <p:nvSpPr>
+          <p:cNvPr id="2" name="Title 1"/>
+          <p:cNvSpPr>
+            <a:spLocks noGrp="1"/>
+          </p:cNvSpPr>
+          <p:nvPr>
+            <p:ph type="title"/>
+          </p:nvPr>
+        </p:nvSpPr>
+        <p:spPr/>
+        <p:txBody>
+          <a:bodyPr/>
+          <a:lstStyle/>
+          <a:p>
+            <a:r>
+              <a:rPr lang="en-US" dirty="0" smtClean="0"/>
+              <a:t>Experiment </a:t>
+            </a:r>
+            <a:r>
+              <a:rPr lang="en-US" dirty="0" smtClean="0"/>
+              <a:t>design Supplemental</a:t>
+            </a:r>
+            <a:endParaRPr lang="en-US" dirty="0"/>
+          </a:p>
+        </p:txBody>
+      </p:sp>
+      <p:sp>
+        <p:nvSpPr>
+          <p:cNvPr id="5" name="Rectangle 4"/>
+          <p:cNvSpPr/>
+          <p:nvPr/>
+        </p:nvSpPr>
+        <p:spPr>
+          <a:xfrm>
+            <a:off x="1141413" y="2097088"/>
+            <a:ext cx="6096000" cy="1540422"/>
+          </a:xfrm>
+          <a:prstGeom prst="rect">
+            <a:avLst/>
+          </a:prstGeom>
+        </p:spPr>
+        <p:txBody>
+          <a:bodyPr>
+            <a:spAutoFit/>
+          </a:bodyPr>
+          <a:lstStyle/>
+          <a:p>
+            <a:pPr marL="228600" lvl="0" indent="-228600">
+              <a:lnSpc>
+                <a:spcPct val="120000"/>
+              </a:lnSpc>
+              <a:spcBef>
+                <a:spcPts val="1000"/>
+              </a:spcBef>
+              <a:buSzPct val="125000"/>
+              <a:buFont typeface="Arial" panose="020B0604020202020204" pitchFamily="34" charset="0"/>
+              <a:buChar char="•"/>
+            </a:pPr>
+            <a:r>
+              <a:rPr lang="en-US" sz="2400" dirty="0" smtClean="0">
+                <a:solidFill>
+                  <a:prstClr val="white"/>
+                </a:solidFill>
+              </a:rPr>
+              <a:t>Bourg-based </a:t>
+            </a:r>
+            <a:r>
+              <a:rPr lang="en-US" sz="2400" dirty="0">
+                <a:solidFill>
+                  <a:prstClr val="white"/>
+                </a:solidFill>
+              </a:rPr>
+              <a:t>Flight Dynamics </a:t>
+            </a:r>
+            <a:r>
+              <a:rPr lang="en-US" sz="2400" dirty="0" smtClean="0">
+                <a:solidFill>
+                  <a:prstClr val="white"/>
+                </a:solidFill>
+              </a:rPr>
+              <a:t>Model</a:t>
+            </a:r>
+            <a:endParaRPr lang="en-US" sz="2400" dirty="0">
+              <a:solidFill>
+                <a:prstClr val="white"/>
+              </a:solidFill>
+            </a:endParaRPr>
+          </a:p>
+          <a:p>
+            <a:pPr marL="914400" lvl="1" indent="-457200">
+              <a:lnSpc>
+                <a:spcPct val="120000"/>
+              </a:lnSpc>
+              <a:spcBef>
+                <a:spcPts val="500"/>
+              </a:spcBef>
+              <a:buSzPct val="125000"/>
+              <a:buFont typeface="+mj-lt"/>
+              <a:buAutoNum type="arabicPeriod" startAt="2"/>
+            </a:pPr>
+            <a:r>
+              <a:rPr lang="en-US" sz="2000" dirty="0" smtClean="0">
+                <a:solidFill>
+                  <a:prstClr val="white"/>
+                </a:solidFill>
+              </a:rPr>
+              <a:t>Roll</a:t>
+            </a:r>
+            <a:endParaRPr lang="en-US" sz="2000" dirty="0">
+              <a:solidFill>
+                <a:prstClr val="white"/>
+              </a:solidFill>
+            </a:endParaRPr>
+          </a:p>
+          <a:p>
+            <a:pPr marL="228600" lvl="0" indent="-228600">
+              <a:lnSpc>
+                <a:spcPct val="120000"/>
+              </a:lnSpc>
+              <a:spcBef>
+                <a:spcPts val="1000"/>
+              </a:spcBef>
+              <a:buSzPct val="125000"/>
+              <a:buFont typeface="Arial" panose="020B0604020202020204" pitchFamily="34" charset="0"/>
+              <a:buChar char="•"/>
+            </a:pPr>
+            <a:endParaRPr lang="en-US" sz="2400" dirty="0" smtClean="0">
+              <a:solidFill>
+                <a:prstClr val="white"/>
+              </a:solidFill>
+            </a:endParaRPr>
+          </a:p>
+        </p:txBody>
+      </p:sp>
+      <p:graphicFrame>
+        <p:nvGraphicFramePr>
+          <p:cNvPr id="4" name="Table 3"/>
+          <p:cNvGraphicFramePr>
+            <a:graphicFrameLocks noGrp="1"/>
+          </p:cNvGraphicFramePr>
+          <p:nvPr>
+            <p:extLst>
+              <p:ext uri="{D42A27DB-BD31-4B8C-83A1-F6EECF244321}">
+                <p14:modId xmlns:p14="http://schemas.microsoft.com/office/powerpoint/2010/main" val="2566571946"/>
+              </p:ext>
+            </p:extLst>
+          </p:nvPr>
+        </p:nvGraphicFramePr>
+        <p:xfrm>
+          <a:off x="2077078" y="3318595"/>
+          <a:ext cx="3664503" cy="2284765"/>
+        </p:xfrm>
+        <a:graphic>
+          <a:graphicData uri="http://schemas.openxmlformats.org/drawingml/2006/table">
+            <a:tbl>
+              <a:tblPr firstRow="1" firstCol="1" bandRow="1">
+                <a:tableStyleId>{5C22544A-7EE6-4342-B048-85BDC9FD1C3A}</a:tableStyleId>
+              </a:tblPr>
+              <a:tblGrid>
+                <a:gridCol w="3664503">
+                  <a:extLst>
+                    <a:ext uri="{9D8B030D-6E8A-4147-A177-3AD203B41FA5}">
+                      <a16:colId xmlns:a16="http://schemas.microsoft.com/office/drawing/2014/main" val="4211344084"/>
+                    </a:ext>
+                  </a:extLst>
+                </a:gridCol>
+              </a:tblGrid>
+              <a:tr h="456953">
+                <a:tc>
+                  <a:txBody>
+                    <a:bodyPr/>
+                    <a:lstStyle/>
+                    <a:p>
+                      <a:pPr marL="0" marR="0" algn="ctr">
+                        <a:lnSpc>
+                          <a:spcPct val="200000"/>
+                        </a:lnSpc>
+                        <a:spcBef>
+                          <a:spcPts val="0"/>
+                        </a:spcBef>
+                        <a:spcAft>
+                          <a:spcPts val="0"/>
+                        </a:spcAft>
+                      </a:pPr>
+                      <a:r>
+                        <a:rPr lang="en-US" sz="1400" dirty="0">
+                          <a:effectLst/>
+                        </a:rPr>
+                        <a:t>Frame by Frame Flight Control Instructions</a:t>
+                      </a:r>
+                      <a:endParaRPr lang="en-US" sz="1400" dirty="0">
+                        <a:effectLst/>
+                        <a:latin typeface="Times New Roman" panose="02020603050405020304" pitchFamily="18" charset="0"/>
+                        <a:ea typeface="Times New Roman" panose="02020603050405020304" pitchFamily="18" charset="0"/>
+                      </a:endParaRPr>
+                    </a:p>
+                  </a:txBody>
+                  <a:tcPr marL="68580" marR="68580" marT="0" marB="0"/>
+                </a:tc>
+                <a:extLst>
+                  <a:ext uri="{0D108BD9-81ED-4DB2-BD59-A6C34878D82A}">
+                    <a16:rowId xmlns:a16="http://schemas.microsoft.com/office/drawing/2014/main" val="20602174"/>
+                  </a:ext>
+                </a:extLst>
+              </a:tr>
+              <a:tr h="456953">
+                <a:tc>
+                  <a:txBody>
+                    <a:bodyPr/>
+                    <a:lstStyle/>
+                    <a:p>
+                      <a:pPr marL="0" marR="0" indent="228600">
+                        <a:lnSpc>
+                          <a:spcPct val="200000"/>
+                        </a:lnSpc>
+                        <a:spcBef>
+                          <a:spcPts val="0"/>
+                        </a:spcBef>
+                        <a:spcAft>
+                          <a:spcPts val="0"/>
+                        </a:spcAft>
+                      </a:pPr>
+                      <a:r>
+                        <a:rPr lang="en-US" sz="1400">
+                          <a:effectLst/>
+                        </a:rPr>
+                        <a:t>1 – 5: Increase Thrust</a:t>
+                      </a:r>
+                      <a:endParaRPr lang="en-US" sz="1400">
+                        <a:effectLst/>
+                        <a:latin typeface="Times New Roman" panose="02020603050405020304" pitchFamily="18" charset="0"/>
+                        <a:ea typeface="Times New Roman" panose="02020603050405020304" pitchFamily="18" charset="0"/>
+                      </a:endParaRPr>
+                    </a:p>
+                  </a:txBody>
+                  <a:tcPr marL="68580" marR="68580" marT="0" marB="0"/>
+                </a:tc>
+                <a:extLst>
+                  <a:ext uri="{0D108BD9-81ED-4DB2-BD59-A6C34878D82A}">
+                    <a16:rowId xmlns:a16="http://schemas.microsoft.com/office/drawing/2014/main" val="1698868539"/>
+                  </a:ext>
+                </a:extLst>
+              </a:tr>
+              <a:tr h="456953">
+                <a:tc>
+                  <a:txBody>
+                    <a:bodyPr/>
+                    <a:lstStyle/>
+                    <a:p>
+                      <a:pPr marL="0" marR="0" indent="228600">
+                        <a:lnSpc>
+                          <a:spcPct val="200000"/>
+                        </a:lnSpc>
+                        <a:spcBef>
+                          <a:spcPts val="0"/>
+                        </a:spcBef>
+                        <a:spcAft>
+                          <a:spcPts val="0"/>
+                        </a:spcAft>
+                      </a:pPr>
+                      <a:r>
+                        <a:rPr lang="en-US" sz="1400">
+                          <a:effectLst/>
+                        </a:rPr>
+                        <a:t>6 – 246: Pitch Up </a:t>
+                      </a:r>
+                      <a:endParaRPr lang="en-US" sz="1400">
+                        <a:effectLst/>
+                        <a:latin typeface="Times New Roman" panose="02020603050405020304" pitchFamily="18" charset="0"/>
+                        <a:ea typeface="Times New Roman" panose="02020603050405020304" pitchFamily="18" charset="0"/>
+                      </a:endParaRPr>
+                    </a:p>
+                  </a:txBody>
+                  <a:tcPr marL="68580" marR="68580" marT="0" marB="0"/>
+                </a:tc>
+                <a:extLst>
+                  <a:ext uri="{0D108BD9-81ED-4DB2-BD59-A6C34878D82A}">
+                    <a16:rowId xmlns:a16="http://schemas.microsoft.com/office/drawing/2014/main" val="188826534"/>
+                  </a:ext>
+                </a:extLst>
+              </a:tr>
+              <a:tr h="456953">
+                <a:tc>
+                  <a:txBody>
+                    <a:bodyPr/>
+                    <a:lstStyle/>
+                    <a:p>
+                      <a:pPr marL="0" marR="0" indent="228600">
+                        <a:lnSpc>
+                          <a:spcPct val="200000"/>
+                        </a:lnSpc>
+                        <a:spcBef>
+                          <a:spcPts val="0"/>
+                        </a:spcBef>
+                        <a:spcAft>
+                          <a:spcPts val="0"/>
+                        </a:spcAft>
+                      </a:pPr>
+                      <a:r>
+                        <a:rPr lang="en-US" sz="1400">
+                          <a:effectLst/>
+                        </a:rPr>
+                        <a:t>247 – 307: Roll Right</a:t>
+                      </a:r>
+                      <a:endParaRPr lang="en-US" sz="1400">
+                        <a:effectLst/>
+                        <a:latin typeface="Times New Roman" panose="02020603050405020304" pitchFamily="18" charset="0"/>
+                        <a:ea typeface="Times New Roman" panose="02020603050405020304" pitchFamily="18" charset="0"/>
+                      </a:endParaRPr>
+                    </a:p>
+                  </a:txBody>
+                  <a:tcPr marL="68580" marR="68580" marT="0" marB="0"/>
+                </a:tc>
+                <a:extLst>
+                  <a:ext uri="{0D108BD9-81ED-4DB2-BD59-A6C34878D82A}">
+                    <a16:rowId xmlns:a16="http://schemas.microsoft.com/office/drawing/2014/main" val="1984307750"/>
+                  </a:ext>
+                </a:extLst>
+              </a:tr>
+              <a:tr h="456953">
+                <a:tc>
+                  <a:txBody>
+                    <a:bodyPr/>
+                    <a:lstStyle/>
+                    <a:p>
+                      <a:pPr marL="0" marR="0" indent="228600">
+                        <a:lnSpc>
+                          <a:spcPct val="200000"/>
+                        </a:lnSpc>
+                        <a:spcBef>
+                          <a:spcPts val="0"/>
+                        </a:spcBef>
+                        <a:spcAft>
+                          <a:spcPts val="0"/>
+                        </a:spcAft>
+                      </a:pPr>
+                      <a:r>
+                        <a:rPr lang="en-US" sz="1400" dirty="0">
+                          <a:effectLst/>
+                        </a:rPr>
+                        <a:t>308 – 900: None</a:t>
+                      </a:r>
+                      <a:endParaRPr lang="en-US" sz="1400" dirty="0">
+                        <a:effectLst/>
+                        <a:latin typeface="Times New Roman" panose="02020603050405020304" pitchFamily="18" charset="0"/>
+                        <a:ea typeface="Times New Roman" panose="02020603050405020304" pitchFamily="18" charset="0"/>
+                      </a:endParaRPr>
+                    </a:p>
+                  </a:txBody>
+                  <a:tcPr marL="68580" marR="68580" marT="0" marB="0"/>
+                </a:tc>
+                <a:extLst>
+                  <a:ext uri="{0D108BD9-81ED-4DB2-BD59-A6C34878D82A}">
+                    <a16:rowId xmlns:a16="http://schemas.microsoft.com/office/drawing/2014/main" val="2364146952"/>
+                  </a:ext>
+                </a:extLst>
+              </a:tr>
+            </a:tbl>
+          </a:graphicData>
+        </a:graphic>
+      </p:graphicFrame>
+    </p:spTree>
+    <p:extLst>
+      <p:ext uri="{BB962C8B-B14F-4D97-AF65-F5344CB8AC3E}">
+        <p14:creationId xmlns:p14="http://schemas.microsoft.com/office/powerpoint/2010/main" val="133982590"/>
+      </p:ext>
+    </p:extLst>
+  </p:cSld>
+  <p:clrMapOvr>
+    <a:masterClrMapping/>
+  </p:clrMapOvr>
+  <p:timing>
+    <p:tnLst>
+      <p:par>
+        <p:cTn id="1" dur="indefinite" restart="never" nodeType="tmRoot"/>
+      </p:par>
+    </p:tnLst>
+  </p:timing>
+</p:sld>
+</file>
+
+<file path=ppt/slides/slide29.xml><?xml version="1.0" encoding="utf-8"?>
+<p:sld xmlns:a="http://schemas.openxmlformats.org/drawingml/2006/main" xmlns:r="http://schemas.openxmlformats.org/officeDocument/2006/relationships" xmlns:p="http://schemas.openxmlformats.org/presentationml/2006/main">
+  <p:cSld>
+    <p:spTree>
+      <p:nvGrpSpPr>
+        <p:cNvPr id="1" name=""/>
+        <p:cNvGrpSpPr/>
+        <p:nvPr/>
+      </p:nvGrpSpPr>
+      <p:grpSpPr>
+        <a:xfrm>
+          <a:off x="0" y="0"/>
+          <a:ext cx="0" cy="0"/>
+          <a:chOff x="0" y="0"/>
+          <a:chExt cx="0" cy="0"/>
+        </a:xfrm>
+      </p:grpSpPr>
+      <p:sp>
+        <p:nvSpPr>
+          <p:cNvPr id="2" name="Title 1"/>
+          <p:cNvSpPr>
+            <a:spLocks noGrp="1"/>
+          </p:cNvSpPr>
+          <p:nvPr>
+            <p:ph type="title"/>
+          </p:nvPr>
+        </p:nvSpPr>
+        <p:spPr/>
+        <p:txBody>
+          <a:bodyPr/>
+          <a:lstStyle/>
+          <a:p>
+            <a:r>
+              <a:rPr lang="en-US" dirty="0" smtClean="0"/>
+              <a:t>Experiment </a:t>
+            </a:r>
+            <a:r>
+              <a:rPr lang="en-US" dirty="0" smtClean="0"/>
+              <a:t>design Supplemental</a:t>
+            </a:r>
+            <a:endParaRPr lang="en-US" dirty="0"/>
+          </a:p>
+        </p:txBody>
+      </p:sp>
+      <p:sp>
+        <p:nvSpPr>
+          <p:cNvPr id="5" name="Rectangle 4"/>
+          <p:cNvSpPr/>
+          <p:nvPr/>
+        </p:nvSpPr>
+        <p:spPr>
+          <a:xfrm>
+            <a:off x="1141413" y="2097088"/>
+            <a:ext cx="6096000" cy="1540422"/>
+          </a:xfrm>
+          <a:prstGeom prst="rect">
+            <a:avLst/>
+          </a:prstGeom>
+        </p:spPr>
+        <p:txBody>
+          <a:bodyPr>
+            <a:spAutoFit/>
+          </a:bodyPr>
+          <a:lstStyle/>
+          <a:p>
+            <a:pPr marL="228600" lvl="0" indent="-228600">
+              <a:lnSpc>
+                <a:spcPct val="120000"/>
+              </a:lnSpc>
+              <a:spcBef>
+                <a:spcPts val="1000"/>
+              </a:spcBef>
+              <a:buSzPct val="125000"/>
+              <a:buFont typeface="Arial" panose="020B0604020202020204" pitchFamily="34" charset="0"/>
+              <a:buChar char="•"/>
+            </a:pPr>
+            <a:r>
+              <a:rPr lang="en-US" sz="2400" dirty="0" smtClean="0">
+                <a:solidFill>
+                  <a:prstClr val="white"/>
+                </a:solidFill>
+              </a:rPr>
+              <a:t>Bourg-based </a:t>
+            </a:r>
+            <a:r>
+              <a:rPr lang="en-US" sz="2400" dirty="0">
+                <a:solidFill>
+                  <a:prstClr val="white"/>
+                </a:solidFill>
+              </a:rPr>
+              <a:t>Flight Dynamics </a:t>
+            </a:r>
+            <a:r>
+              <a:rPr lang="en-US" sz="2400" dirty="0" smtClean="0">
+                <a:solidFill>
+                  <a:prstClr val="white"/>
+                </a:solidFill>
+              </a:rPr>
+              <a:t>Model</a:t>
+            </a:r>
+            <a:endParaRPr lang="en-US" sz="2400" dirty="0">
+              <a:solidFill>
+                <a:prstClr val="white"/>
+              </a:solidFill>
+            </a:endParaRPr>
+          </a:p>
+          <a:p>
+            <a:pPr marL="914400" lvl="1" indent="-457200">
+              <a:lnSpc>
+                <a:spcPct val="120000"/>
+              </a:lnSpc>
+              <a:spcBef>
+                <a:spcPts val="500"/>
+              </a:spcBef>
+              <a:buSzPct val="125000"/>
+              <a:buFont typeface="+mj-lt"/>
+              <a:buAutoNum type="arabicPeriod" startAt="3"/>
+            </a:pPr>
+            <a:r>
+              <a:rPr lang="en-US" sz="2000" dirty="0" smtClean="0">
+                <a:solidFill>
+                  <a:prstClr val="white"/>
+                </a:solidFill>
+              </a:rPr>
+              <a:t>Pitch</a:t>
+            </a:r>
+            <a:endParaRPr lang="en-US" sz="2000" dirty="0">
+              <a:solidFill>
+                <a:prstClr val="white"/>
+              </a:solidFill>
+            </a:endParaRPr>
+          </a:p>
+          <a:p>
+            <a:pPr marL="228600" lvl="0" indent="-228600">
+              <a:lnSpc>
+                <a:spcPct val="120000"/>
+              </a:lnSpc>
+              <a:spcBef>
+                <a:spcPts val="1000"/>
+              </a:spcBef>
+              <a:buSzPct val="125000"/>
+              <a:buFont typeface="Arial" panose="020B0604020202020204" pitchFamily="34" charset="0"/>
+              <a:buChar char="•"/>
+            </a:pPr>
+            <a:endParaRPr lang="en-US" sz="2400" dirty="0" smtClean="0">
+              <a:solidFill>
+                <a:prstClr val="white"/>
+              </a:solidFill>
+            </a:endParaRPr>
+          </a:p>
+        </p:txBody>
+      </p:sp>
+      <p:graphicFrame>
+        <p:nvGraphicFramePr>
+          <p:cNvPr id="6" name="Table 5"/>
+          <p:cNvGraphicFramePr>
+            <a:graphicFrameLocks noGrp="1"/>
+          </p:cNvGraphicFramePr>
+          <p:nvPr>
+            <p:extLst>
+              <p:ext uri="{D42A27DB-BD31-4B8C-83A1-F6EECF244321}">
+                <p14:modId xmlns:p14="http://schemas.microsoft.com/office/powerpoint/2010/main" val="4137133318"/>
+              </p:ext>
+            </p:extLst>
+          </p:nvPr>
+        </p:nvGraphicFramePr>
+        <p:xfrm>
+          <a:off x="2183403" y="3386643"/>
+          <a:ext cx="3590075" cy="1483068"/>
+        </p:xfrm>
+        <a:graphic>
+          <a:graphicData uri="http://schemas.openxmlformats.org/drawingml/2006/table">
+            <a:tbl>
+              <a:tblPr firstRow="1" firstCol="1" bandRow="1">
+                <a:tableStyleId>{5C22544A-7EE6-4342-B048-85BDC9FD1C3A}</a:tableStyleId>
+              </a:tblPr>
+              <a:tblGrid>
+                <a:gridCol w="3590075">
+                  <a:extLst>
+                    <a:ext uri="{9D8B030D-6E8A-4147-A177-3AD203B41FA5}">
+                      <a16:colId xmlns:a16="http://schemas.microsoft.com/office/drawing/2014/main" val="2788398275"/>
+                    </a:ext>
+                  </a:extLst>
+                </a:gridCol>
+              </a:tblGrid>
+              <a:tr h="494356">
+                <a:tc>
+                  <a:txBody>
+                    <a:bodyPr/>
+                    <a:lstStyle/>
+                    <a:p>
+                      <a:pPr marL="0" marR="0" algn="ctr">
+                        <a:lnSpc>
+                          <a:spcPct val="200000"/>
+                        </a:lnSpc>
+                        <a:spcBef>
+                          <a:spcPts val="0"/>
+                        </a:spcBef>
+                        <a:spcAft>
+                          <a:spcPts val="0"/>
+                        </a:spcAft>
+                      </a:pPr>
+                      <a:r>
+                        <a:rPr lang="en-US" sz="1400" dirty="0">
+                          <a:effectLst/>
+                        </a:rPr>
+                        <a:t>Frame by Frame Flight Control Instructions</a:t>
+                      </a:r>
+                      <a:endParaRPr lang="en-US" sz="1400" dirty="0">
+                        <a:effectLst/>
+                        <a:latin typeface="Times New Roman" panose="02020603050405020304" pitchFamily="18" charset="0"/>
+                        <a:ea typeface="Times New Roman" panose="02020603050405020304" pitchFamily="18" charset="0"/>
+                      </a:endParaRPr>
+                    </a:p>
+                  </a:txBody>
+                  <a:tcPr marL="68580" marR="68580" marT="0" marB="0"/>
+                </a:tc>
+                <a:extLst>
+                  <a:ext uri="{0D108BD9-81ED-4DB2-BD59-A6C34878D82A}">
+                    <a16:rowId xmlns:a16="http://schemas.microsoft.com/office/drawing/2014/main" val="2055046269"/>
+                  </a:ext>
+                </a:extLst>
+              </a:tr>
+              <a:tr h="494356">
+                <a:tc>
+                  <a:txBody>
+                    <a:bodyPr/>
+                    <a:lstStyle/>
+                    <a:p>
+                      <a:pPr marL="0" marR="0" indent="228600">
+                        <a:lnSpc>
+                          <a:spcPct val="200000"/>
+                        </a:lnSpc>
+                        <a:spcBef>
+                          <a:spcPts val="0"/>
+                        </a:spcBef>
+                        <a:spcAft>
+                          <a:spcPts val="0"/>
+                        </a:spcAft>
+                      </a:pPr>
+                      <a:r>
+                        <a:rPr lang="en-US" sz="1400">
+                          <a:effectLst/>
+                        </a:rPr>
+                        <a:t>1 – 5: Increase Thrust</a:t>
+                      </a:r>
+                      <a:endParaRPr lang="en-US" sz="1400">
+                        <a:effectLst/>
+                        <a:latin typeface="Times New Roman" panose="02020603050405020304" pitchFamily="18" charset="0"/>
+                        <a:ea typeface="Times New Roman" panose="02020603050405020304" pitchFamily="18" charset="0"/>
+                      </a:endParaRPr>
+                    </a:p>
+                  </a:txBody>
+                  <a:tcPr marL="68580" marR="68580" marT="0" marB="0"/>
+                </a:tc>
+                <a:extLst>
+                  <a:ext uri="{0D108BD9-81ED-4DB2-BD59-A6C34878D82A}">
+                    <a16:rowId xmlns:a16="http://schemas.microsoft.com/office/drawing/2014/main" val="2242080506"/>
+                  </a:ext>
+                </a:extLst>
+              </a:tr>
+              <a:tr h="494356">
+                <a:tc>
+                  <a:txBody>
+                    <a:bodyPr/>
+                    <a:lstStyle/>
+                    <a:p>
+                      <a:pPr marL="0" marR="0" indent="228600">
+                        <a:lnSpc>
+                          <a:spcPct val="200000"/>
+                        </a:lnSpc>
+                        <a:spcBef>
+                          <a:spcPts val="0"/>
+                        </a:spcBef>
+                        <a:spcAft>
+                          <a:spcPts val="0"/>
+                        </a:spcAft>
+                      </a:pPr>
+                      <a:r>
+                        <a:rPr lang="en-US" sz="1400" dirty="0">
+                          <a:effectLst/>
+                        </a:rPr>
+                        <a:t>6 – 900: Pitch Up</a:t>
+                      </a:r>
+                      <a:endParaRPr lang="en-US" sz="1400" dirty="0">
+                        <a:effectLst/>
+                        <a:latin typeface="Times New Roman" panose="02020603050405020304" pitchFamily="18" charset="0"/>
+                        <a:ea typeface="Times New Roman" panose="02020603050405020304" pitchFamily="18" charset="0"/>
+                      </a:endParaRPr>
+                    </a:p>
+                  </a:txBody>
+                  <a:tcPr marL="68580" marR="68580" marT="0" marB="0"/>
+                </a:tc>
+                <a:extLst>
+                  <a:ext uri="{0D108BD9-81ED-4DB2-BD59-A6C34878D82A}">
+                    <a16:rowId xmlns:a16="http://schemas.microsoft.com/office/drawing/2014/main" val="3400528519"/>
+                  </a:ext>
+                </a:extLst>
+              </a:tr>
+            </a:tbl>
+          </a:graphicData>
+        </a:graphic>
+      </p:graphicFrame>
+    </p:spTree>
+    <p:extLst>
+      <p:ext uri="{BB962C8B-B14F-4D97-AF65-F5344CB8AC3E}">
+        <p14:creationId xmlns:p14="http://schemas.microsoft.com/office/powerpoint/2010/main" val="4078435552"/>
       </p:ext>
     </p:extLst>
   </p:cSld>
@@ -16790,7 +19438,6 @@
               <a:rPr lang="en-US" dirty="0" smtClean="0"/>
               <a:t>Data-Oriented Design and Entity-Component-System architecture</a:t>
             </a:r>
-            <a:endParaRPr lang="en-US" dirty="0" smtClean="0"/>
           </a:p>
           <a:p>
             <a:r>
@@ -16816,6 +19463,2446 @@
     <p:extLst>
       <p:ext uri="{BB962C8B-B14F-4D97-AF65-F5344CB8AC3E}">
         <p14:creationId xmlns:p14="http://schemas.microsoft.com/office/powerpoint/2010/main" val="2588575399"/>
+      </p:ext>
+    </p:extLst>
+  </p:cSld>
+  <p:clrMapOvr>
+    <a:masterClrMapping/>
+  </p:clrMapOvr>
+  <p:timing>
+    <p:tnLst>
+      <p:par>
+        <p:cTn id="1" dur="indefinite" restart="never" nodeType="tmRoot"/>
+      </p:par>
+    </p:tnLst>
+  </p:timing>
+</p:sld>
+</file>
+
+<file path=ppt/slides/slide30.xml><?xml version="1.0" encoding="utf-8"?>
+<p:sld xmlns:a="http://schemas.openxmlformats.org/drawingml/2006/main" xmlns:r="http://schemas.openxmlformats.org/officeDocument/2006/relationships" xmlns:p="http://schemas.openxmlformats.org/presentationml/2006/main">
+  <p:cSld>
+    <p:spTree>
+      <p:nvGrpSpPr>
+        <p:cNvPr id="1" name=""/>
+        <p:cNvGrpSpPr/>
+        <p:nvPr/>
+      </p:nvGrpSpPr>
+      <p:grpSpPr>
+        <a:xfrm>
+          <a:off x="0" y="0"/>
+          <a:ext cx="0" cy="0"/>
+          <a:chOff x="0" y="0"/>
+          <a:chExt cx="0" cy="0"/>
+        </a:xfrm>
+      </p:grpSpPr>
+      <p:sp>
+        <p:nvSpPr>
+          <p:cNvPr id="2" name="Title 1"/>
+          <p:cNvSpPr>
+            <a:spLocks noGrp="1"/>
+          </p:cNvSpPr>
+          <p:nvPr>
+            <p:ph type="title"/>
+          </p:nvPr>
+        </p:nvSpPr>
+        <p:spPr/>
+        <p:txBody>
+          <a:bodyPr/>
+          <a:lstStyle/>
+          <a:p>
+            <a:r>
+              <a:rPr lang="en-US" dirty="0" smtClean="0"/>
+              <a:t>Experiment </a:t>
+            </a:r>
+            <a:r>
+              <a:rPr lang="en-US" dirty="0" smtClean="0"/>
+              <a:t>design Supplemental</a:t>
+            </a:r>
+            <a:endParaRPr lang="en-US" dirty="0"/>
+          </a:p>
+        </p:txBody>
+      </p:sp>
+      <p:sp>
+        <p:nvSpPr>
+          <p:cNvPr id="5" name="Rectangle 4"/>
+          <p:cNvSpPr/>
+          <p:nvPr/>
+        </p:nvSpPr>
+        <p:spPr>
+          <a:xfrm>
+            <a:off x="1141413" y="2097088"/>
+            <a:ext cx="6096000" cy="1540422"/>
+          </a:xfrm>
+          <a:prstGeom prst="rect">
+            <a:avLst/>
+          </a:prstGeom>
+        </p:spPr>
+        <p:txBody>
+          <a:bodyPr>
+            <a:spAutoFit/>
+          </a:bodyPr>
+          <a:lstStyle/>
+          <a:p>
+            <a:pPr marL="228600" lvl="0" indent="-228600">
+              <a:lnSpc>
+                <a:spcPct val="120000"/>
+              </a:lnSpc>
+              <a:spcBef>
+                <a:spcPts val="1000"/>
+              </a:spcBef>
+              <a:buSzPct val="125000"/>
+              <a:buFont typeface="Arial" panose="020B0604020202020204" pitchFamily="34" charset="0"/>
+              <a:buChar char="•"/>
+            </a:pPr>
+            <a:r>
+              <a:rPr lang="en-US" sz="2400" dirty="0" smtClean="0">
+                <a:solidFill>
+                  <a:prstClr val="white"/>
+                </a:solidFill>
+              </a:rPr>
+              <a:t>Bourg-based </a:t>
+            </a:r>
+            <a:r>
+              <a:rPr lang="en-US" sz="2400" dirty="0">
+                <a:solidFill>
+                  <a:prstClr val="white"/>
+                </a:solidFill>
+              </a:rPr>
+              <a:t>Flight Dynamics </a:t>
+            </a:r>
+            <a:r>
+              <a:rPr lang="en-US" sz="2400" dirty="0" smtClean="0">
+                <a:solidFill>
+                  <a:prstClr val="white"/>
+                </a:solidFill>
+              </a:rPr>
+              <a:t>Model</a:t>
+            </a:r>
+            <a:endParaRPr lang="en-US" sz="2400" dirty="0">
+              <a:solidFill>
+                <a:prstClr val="white"/>
+              </a:solidFill>
+            </a:endParaRPr>
+          </a:p>
+          <a:p>
+            <a:pPr marL="914400" lvl="1" indent="-457200">
+              <a:lnSpc>
+                <a:spcPct val="120000"/>
+              </a:lnSpc>
+              <a:spcBef>
+                <a:spcPts val="500"/>
+              </a:spcBef>
+              <a:buSzPct val="125000"/>
+              <a:buFont typeface="+mj-lt"/>
+              <a:buAutoNum type="arabicPeriod" startAt="4"/>
+            </a:pPr>
+            <a:r>
+              <a:rPr lang="en-US" sz="2000" dirty="0" smtClean="0">
+                <a:solidFill>
+                  <a:prstClr val="white"/>
+                </a:solidFill>
+              </a:rPr>
+              <a:t>Yaw</a:t>
+            </a:r>
+            <a:endParaRPr lang="en-US" sz="2000" dirty="0">
+              <a:solidFill>
+                <a:prstClr val="white"/>
+              </a:solidFill>
+            </a:endParaRPr>
+          </a:p>
+          <a:p>
+            <a:pPr marL="228600" lvl="0" indent="-228600">
+              <a:lnSpc>
+                <a:spcPct val="120000"/>
+              </a:lnSpc>
+              <a:spcBef>
+                <a:spcPts val="1000"/>
+              </a:spcBef>
+              <a:buSzPct val="125000"/>
+              <a:buFont typeface="Arial" panose="020B0604020202020204" pitchFamily="34" charset="0"/>
+              <a:buChar char="•"/>
+            </a:pPr>
+            <a:endParaRPr lang="en-US" sz="2400" dirty="0" smtClean="0">
+              <a:solidFill>
+                <a:prstClr val="white"/>
+              </a:solidFill>
+            </a:endParaRPr>
+          </a:p>
+        </p:txBody>
+      </p:sp>
+      <p:graphicFrame>
+        <p:nvGraphicFramePr>
+          <p:cNvPr id="3" name="Table 2"/>
+          <p:cNvGraphicFramePr>
+            <a:graphicFrameLocks noGrp="1"/>
+          </p:cNvGraphicFramePr>
+          <p:nvPr>
+            <p:extLst>
+              <p:ext uri="{D42A27DB-BD31-4B8C-83A1-F6EECF244321}">
+                <p14:modId xmlns:p14="http://schemas.microsoft.com/office/powerpoint/2010/main" val="1927415949"/>
+              </p:ext>
+            </p:extLst>
+          </p:nvPr>
+        </p:nvGraphicFramePr>
+        <p:xfrm>
+          <a:off x="2140872" y="3339860"/>
+          <a:ext cx="3494383" cy="2263497"/>
+        </p:xfrm>
+        <a:graphic>
+          <a:graphicData uri="http://schemas.openxmlformats.org/drawingml/2006/table">
+            <a:tbl>
+              <a:tblPr firstRow="1" firstCol="1" bandRow="1">
+                <a:tableStyleId>{5C22544A-7EE6-4342-B048-85BDC9FD1C3A}</a:tableStyleId>
+              </a:tblPr>
+              <a:tblGrid>
+                <a:gridCol w="3494383">
+                  <a:extLst>
+                    <a:ext uri="{9D8B030D-6E8A-4147-A177-3AD203B41FA5}">
+                      <a16:colId xmlns:a16="http://schemas.microsoft.com/office/drawing/2014/main" val="318039968"/>
+                    </a:ext>
+                  </a:extLst>
+                </a:gridCol>
+              </a:tblGrid>
+              <a:tr h="431497">
+                <a:tc>
+                  <a:txBody>
+                    <a:bodyPr/>
+                    <a:lstStyle/>
+                    <a:p>
+                      <a:pPr marL="0" marR="0" algn="ctr">
+                        <a:lnSpc>
+                          <a:spcPct val="200000"/>
+                        </a:lnSpc>
+                        <a:spcBef>
+                          <a:spcPts val="0"/>
+                        </a:spcBef>
+                        <a:spcAft>
+                          <a:spcPts val="0"/>
+                        </a:spcAft>
+                      </a:pPr>
+                      <a:r>
+                        <a:rPr lang="en-US" sz="1400" dirty="0">
+                          <a:effectLst/>
+                        </a:rPr>
+                        <a:t>Frame by Frame Flight Control Instructions</a:t>
+                      </a:r>
+                      <a:endParaRPr lang="en-US" sz="1400" dirty="0">
+                        <a:effectLst/>
+                        <a:latin typeface="Times New Roman" panose="02020603050405020304" pitchFamily="18" charset="0"/>
+                        <a:ea typeface="Times New Roman" panose="02020603050405020304" pitchFamily="18" charset="0"/>
+                      </a:endParaRPr>
+                    </a:p>
+                  </a:txBody>
+                  <a:tcPr marL="68580" marR="68580" marT="0" marB="0"/>
+                </a:tc>
+                <a:extLst>
+                  <a:ext uri="{0D108BD9-81ED-4DB2-BD59-A6C34878D82A}">
+                    <a16:rowId xmlns:a16="http://schemas.microsoft.com/office/drawing/2014/main" val="2090625498"/>
+                  </a:ext>
+                </a:extLst>
+              </a:tr>
+              <a:tr h="458000">
+                <a:tc>
+                  <a:txBody>
+                    <a:bodyPr/>
+                    <a:lstStyle/>
+                    <a:p>
+                      <a:pPr marL="0" marR="0" indent="228600">
+                        <a:lnSpc>
+                          <a:spcPct val="200000"/>
+                        </a:lnSpc>
+                        <a:spcBef>
+                          <a:spcPts val="0"/>
+                        </a:spcBef>
+                        <a:spcAft>
+                          <a:spcPts val="0"/>
+                        </a:spcAft>
+                      </a:pPr>
+                      <a:r>
+                        <a:rPr lang="en-US" sz="1400">
+                          <a:effectLst/>
+                        </a:rPr>
+                        <a:t>1 – 5: Increase Thrust</a:t>
+                      </a:r>
+                      <a:endParaRPr lang="en-US" sz="1400">
+                        <a:effectLst/>
+                        <a:latin typeface="Times New Roman" panose="02020603050405020304" pitchFamily="18" charset="0"/>
+                        <a:ea typeface="Times New Roman" panose="02020603050405020304" pitchFamily="18" charset="0"/>
+                      </a:endParaRPr>
+                    </a:p>
+                  </a:txBody>
+                  <a:tcPr marL="68580" marR="68580" marT="0" marB="0"/>
+                </a:tc>
+                <a:extLst>
+                  <a:ext uri="{0D108BD9-81ED-4DB2-BD59-A6C34878D82A}">
+                    <a16:rowId xmlns:a16="http://schemas.microsoft.com/office/drawing/2014/main" val="3468057400"/>
+                  </a:ext>
+                </a:extLst>
+              </a:tr>
+              <a:tr h="458000">
+                <a:tc>
+                  <a:txBody>
+                    <a:bodyPr/>
+                    <a:lstStyle/>
+                    <a:p>
+                      <a:pPr marL="0" marR="0" indent="228600">
+                        <a:lnSpc>
+                          <a:spcPct val="200000"/>
+                        </a:lnSpc>
+                        <a:spcBef>
+                          <a:spcPts val="0"/>
+                        </a:spcBef>
+                        <a:spcAft>
+                          <a:spcPts val="0"/>
+                        </a:spcAft>
+                      </a:pPr>
+                      <a:r>
+                        <a:rPr lang="en-US" sz="1400">
+                          <a:effectLst/>
+                        </a:rPr>
+                        <a:t>6 – 246: Pitch Up</a:t>
+                      </a:r>
+                      <a:endParaRPr lang="en-US" sz="1400">
+                        <a:effectLst/>
+                        <a:latin typeface="Times New Roman" panose="02020603050405020304" pitchFamily="18" charset="0"/>
+                        <a:ea typeface="Times New Roman" panose="02020603050405020304" pitchFamily="18" charset="0"/>
+                      </a:endParaRPr>
+                    </a:p>
+                  </a:txBody>
+                  <a:tcPr marL="68580" marR="68580" marT="0" marB="0"/>
+                </a:tc>
+                <a:extLst>
+                  <a:ext uri="{0D108BD9-81ED-4DB2-BD59-A6C34878D82A}">
+                    <a16:rowId xmlns:a16="http://schemas.microsoft.com/office/drawing/2014/main" val="2988802909"/>
+                  </a:ext>
+                </a:extLst>
+              </a:tr>
+              <a:tr h="458000">
+                <a:tc>
+                  <a:txBody>
+                    <a:bodyPr/>
+                    <a:lstStyle/>
+                    <a:p>
+                      <a:pPr marL="0" marR="0" indent="228600">
+                        <a:lnSpc>
+                          <a:spcPct val="200000"/>
+                        </a:lnSpc>
+                        <a:spcBef>
+                          <a:spcPts val="0"/>
+                        </a:spcBef>
+                        <a:spcAft>
+                          <a:spcPts val="0"/>
+                        </a:spcAft>
+                      </a:pPr>
+                      <a:r>
+                        <a:rPr lang="en-US" sz="1400" dirty="0">
+                          <a:effectLst/>
+                        </a:rPr>
+                        <a:t>247 – 307: Yaw Right</a:t>
+                      </a:r>
+                      <a:endParaRPr lang="en-US" sz="1400" dirty="0">
+                        <a:effectLst/>
+                        <a:latin typeface="Times New Roman" panose="02020603050405020304" pitchFamily="18" charset="0"/>
+                        <a:ea typeface="Times New Roman" panose="02020603050405020304" pitchFamily="18" charset="0"/>
+                      </a:endParaRPr>
+                    </a:p>
+                  </a:txBody>
+                  <a:tcPr marL="68580" marR="68580" marT="0" marB="0"/>
+                </a:tc>
+                <a:extLst>
+                  <a:ext uri="{0D108BD9-81ED-4DB2-BD59-A6C34878D82A}">
+                    <a16:rowId xmlns:a16="http://schemas.microsoft.com/office/drawing/2014/main" val="619260600"/>
+                  </a:ext>
+                </a:extLst>
+              </a:tr>
+              <a:tr h="458000">
+                <a:tc>
+                  <a:txBody>
+                    <a:bodyPr/>
+                    <a:lstStyle/>
+                    <a:p>
+                      <a:pPr marL="0" marR="0" indent="228600">
+                        <a:lnSpc>
+                          <a:spcPct val="200000"/>
+                        </a:lnSpc>
+                        <a:spcBef>
+                          <a:spcPts val="0"/>
+                        </a:spcBef>
+                        <a:spcAft>
+                          <a:spcPts val="0"/>
+                        </a:spcAft>
+                      </a:pPr>
+                      <a:r>
+                        <a:rPr lang="en-US" sz="1400" dirty="0">
+                          <a:effectLst/>
+                        </a:rPr>
+                        <a:t>308 – 900: None</a:t>
+                      </a:r>
+                      <a:endParaRPr lang="en-US" sz="1400" dirty="0">
+                        <a:effectLst/>
+                        <a:latin typeface="Times New Roman" panose="02020603050405020304" pitchFamily="18" charset="0"/>
+                        <a:ea typeface="Times New Roman" panose="02020603050405020304" pitchFamily="18" charset="0"/>
+                      </a:endParaRPr>
+                    </a:p>
+                  </a:txBody>
+                  <a:tcPr marL="68580" marR="68580" marT="0" marB="0"/>
+                </a:tc>
+                <a:extLst>
+                  <a:ext uri="{0D108BD9-81ED-4DB2-BD59-A6C34878D82A}">
+                    <a16:rowId xmlns:a16="http://schemas.microsoft.com/office/drawing/2014/main" val="727016206"/>
+                  </a:ext>
+                </a:extLst>
+              </a:tr>
+            </a:tbl>
+          </a:graphicData>
+        </a:graphic>
+      </p:graphicFrame>
+    </p:spTree>
+    <p:extLst>
+      <p:ext uri="{BB962C8B-B14F-4D97-AF65-F5344CB8AC3E}">
+        <p14:creationId xmlns:p14="http://schemas.microsoft.com/office/powerpoint/2010/main" val="4269502039"/>
+      </p:ext>
+    </p:extLst>
+  </p:cSld>
+  <p:clrMapOvr>
+    <a:masterClrMapping/>
+  </p:clrMapOvr>
+  <p:timing>
+    <p:tnLst>
+      <p:par>
+        <p:cTn id="1" dur="indefinite" restart="never" nodeType="tmRoot"/>
+      </p:par>
+    </p:tnLst>
+  </p:timing>
+</p:sld>
+</file>
+
+<file path=ppt/slides/slide31.xml><?xml version="1.0" encoding="utf-8"?>
+<p:sld xmlns:a="http://schemas.openxmlformats.org/drawingml/2006/main" xmlns:r="http://schemas.openxmlformats.org/officeDocument/2006/relationships" xmlns:p="http://schemas.openxmlformats.org/presentationml/2006/main">
+  <p:cSld>
+    <p:spTree>
+      <p:nvGrpSpPr>
+        <p:cNvPr id="1" name=""/>
+        <p:cNvGrpSpPr/>
+        <p:nvPr/>
+      </p:nvGrpSpPr>
+      <p:grpSpPr>
+        <a:xfrm>
+          <a:off x="0" y="0"/>
+          <a:ext cx="0" cy="0"/>
+          <a:chOff x="0" y="0"/>
+          <a:chExt cx="0" cy="0"/>
+        </a:xfrm>
+      </p:grpSpPr>
+      <p:sp>
+        <p:nvSpPr>
+          <p:cNvPr id="2" name="Title 1"/>
+          <p:cNvSpPr>
+            <a:spLocks noGrp="1"/>
+          </p:cNvSpPr>
+          <p:nvPr>
+            <p:ph type="title"/>
+          </p:nvPr>
+        </p:nvSpPr>
+        <p:spPr/>
+        <p:txBody>
+          <a:bodyPr/>
+          <a:lstStyle/>
+          <a:p>
+            <a:r>
+              <a:rPr lang="en-US" dirty="0" smtClean="0"/>
+              <a:t>Experiment </a:t>
+            </a:r>
+            <a:r>
+              <a:rPr lang="en-US" dirty="0" smtClean="0"/>
+              <a:t>design Supplemental</a:t>
+            </a:r>
+            <a:endParaRPr lang="en-US" dirty="0"/>
+          </a:p>
+        </p:txBody>
+      </p:sp>
+      <p:sp>
+        <p:nvSpPr>
+          <p:cNvPr id="5" name="Rectangle 4"/>
+          <p:cNvSpPr/>
+          <p:nvPr/>
+        </p:nvSpPr>
+        <p:spPr>
+          <a:xfrm>
+            <a:off x="1141413" y="2097088"/>
+            <a:ext cx="6096000" cy="1540422"/>
+          </a:xfrm>
+          <a:prstGeom prst="rect">
+            <a:avLst/>
+          </a:prstGeom>
+        </p:spPr>
+        <p:txBody>
+          <a:bodyPr>
+            <a:spAutoFit/>
+          </a:bodyPr>
+          <a:lstStyle/>
+          <a:p>
+            <a:pPr marL="228600" lvl="0" indent="-228600">
+              <a:lnSpc>
+                <a:spcPct val="120000"/>
+              </a:lnSpc>
+              <a:spcBef>
+                <a:spcPts val="1000"/>
+              </a:spcBef>
+              <a:buSzPct val="125000"/>
+              <a:buFont typeface="Arial" panose="020B0604020202020204" pitchFamily="34" charset="0"/>
+              <a:buChar char="•"/>
+            </a:pPr>
+            <a:r>
+              <a:rPr lang="en-US" sz="2400" dirty="0" smtClean="0">
+                <a:solidFill>
+                  <a:prstClr val="white"/>
+                </a:solidFill>
+              </a:rPr>
+              <a:t>Bourg-based </a:t>
+            </a:r>
+            <a:r>
+              <a:rPr lang="en-US" sz="2400" dirty="0">
+                <a:solidFill>
+                  <a:prstClr val="white"/>
+                </a:solidFill>
+              </a:rPr>
+              <a:t>Flight Dynamics </a:t>
+            </a:r>
+            <a:r>
+              <a:rPr lang="en-US" sz="2400" dirty="0" smtClean="0">
+                <a:solidFill>
+                  <a:prstClr val="white"/>
+                </a:solidFill>
+              </a:rPr>
+              <a:t>Model</a:t>
+            </a:r>
+            <a:endParaRPr lang="en-US" sz="2400" dirty="0">
+              <a:solidFill>
+                <a:prstClr val="white"/>
+              </a:solidFill>
+            </a:endParaRPr>
+          </a:p>
+          <a:p>
+            <a:pPr marL="914400" lvl="1" indent="-457200">
+              <a:lnSpc>
+                <a:spcPct val="120000"/>
+              </a:lnSpc>
+              <a:spcBef>
+                <a:spcPts val="500"/>
+              </a:spcBef>
+              <a:buSzPct val="125000"/>
+              <a:buFont typeface="+mj-lt"/>
+              <a:buAutoNum type="arabicPeriod" startAt="5"/>
+            </a:pPr>
+            <a:r>
+              <a:rPr lang="en-US" sz="2000" dirty="0" smtClean="0">
+                <a:solidFill>
+                  <a:prstClr val="white"/>
+                </a:solidFill>
+              </a:rPr>
+              <a:t>Flaps</a:t>
+            </a:r>
+            <a:endParaRPr lang="en-US" sz="2000" dirty="0">
+              <a:solidFill>
+                <a:prstClr val="white"/>
+              </a:solidFill>
+            </a:endParaRPr>
+          </a:p>
+          <a:p>
+            <a:pPr marL="228600" lvl="0" indent="-228600">
+              <a:lnSpc>
+                <a:spcPct val="120000"/>
+              </a:lnSpc>
+              <a:spcBef>
+                <a:spcPts val="1000"/>
+              </a:spcBef>
+              <a:buSzPct val="125000"/>
+              <a:buFont typeface="Arial" panose="020B0604020202020204" pitchFamily="34" charset="0"/>
+              <a:buChar char="•"/>
+            </a:pPr>
+            <a:endParaRPr lang="en-US" sz="2400" dirty="0" smtClean="0">
+              <a:solidFill>
+                <a:prstClr val="white"/>
+              </a:solidFill>
+            </a:endParaRPr>
+          </a:p>
+        </p:txBody>
+      </p:sp>
+      <p:graphicFrame>
+        <p:nvGraphicFramePr>
+          <p:cNvPr id="4" name="Table 3"/>
+          <p:cNvGraphicFramePr>
+            <a:graphicFrameLocks noGrp="1"/>
+          </p:cNvGraphicFramePr>
+          <p:nvPr>
+            <p:extLst>
+              <p:ext uri="{D42A27DB-BD31-4B8C-83A1-F6EECF244321}">
+                <p14:modId xmlns:p14="http://schemas.microsoft.com/office/powerpoint/2010/main" val="4151586422"/>
+              </p:ext>
+            </p:extLst>
+          </p:nvPr>
+        </p:nvGraphicFramePr>
+        <p:xfrm>
+          <a:off x="2119608" y="3324975"/>
+          <a:ext cx="3419954" cy="885518"/>
+        </p:xfrm>
+        <a:graphic>
+          <a:graphicData uri="http://schemas.openxmlformats.org/drawingml/2006/table">
+            <a:tbl>
+              <a:tblPr firstRow="1" firstCol="1" bandRow="1">
+                <a:tableStyleId>{5C22544A-7EE6-4342-B048-85BDC9FD1C3A}</a:tableStyleId>
+              </a:tblPr>
+              <a:tblGrid>
+                <a:gridCol w="3419954">
+                  <a:extLst>
+                    <a:ext uri="{9D8B030D-6E8A-4147-A177-3AD203B41FA5}">
+                      <a16:colId xmlns:a16="http://schemas.microsoft.com/office/drawing/2014/main" val="1790005396"/>
+                    </a:ext>
+                  </a:extLst>
+                </a:gridCol>
+              </a:tblGrid>
+              <a:tr h="442759">
+                <a:tc>
+                  <a:txBody>
+                    <a:bodyPr/>
+                    <a:lstStyle/>
+                    <a:p>
+                      <a:pPr marL="0" marR="0" algn="ctr">
+                        <a:lnSpc>
+                          <a:spcPct val="200000"/>
+                        </a:lnSpc>
+                        <a:spcBef>
+                          <a:spcPts val="0"/>
+                        </a:spcBef>
+                        <a:spcAft>
+                          <a:spcPts val="0"/>
+                        </a:spcAft>
+                      </a:pPr>
+                      <a:r>
+                        <a:rPr lang="en-US" sz="1400" dirty="0">
+                          <a:effectLst/>
+                        </a:rPr>
+                        <a:t>Frame by Frame Flight Control Instructions</a:t>
+                      </a:r>
+                      <a:endParaRPr lang="en-US" sz="1400" dirty="0">
+                        <a:effectLst/>
+                        <a:latin typeface="Times New Roman" panose="02020603050405020304" pitchFamily="18" charset="0"/>
+                        <a:ea typeface="Times New Roman" panose="02020603050405020304" pitchFamily="18" charset="0"/>
+                      </a:endParaRPr>
+                    </a:p>
+                  </a:txBody>
+                  <a:tcPr marL="68580" marR="68580" marT="0" marB="0"/>
+                </a:tc>
+                <a:extLst>
+                  <a:ext uri="{0D108BD9-81ED-4DB2-BD59-A6C34878D82A}">
+                    <a16:rowId xmlns:a16="http://schemas.microsoft.com/office/drawing/2014/main" val="563693715"/>
+                  </a:ext>
+                </a:extLst>
+              </a:tr>
+              <a:tr h="442759">
+                <a:tc>
+                  <a:txBody>
+                    <a:bodyPr/>
+                    <a:lstStyle/>
+                    <a:p>
+                      <a:pPr marL="0" marR="0" indent="228600">
+                        <a:lnSpc>
+                          <a:spcPct val="200000"/>
+                        </a:lnSpc>
+                        <a:spcBef>
+                          <a:spcPts val="0"/>
+                        </a:spcBef>
+                        <a:spcAft>
+                          <a:spcPts val="0"/>
+                        </a:spcAft>
+                      </a:pPr>
+                      <a:r>
+                        <a:rPr lang="en-US" sz="1400" dirty="0">
+                          <a:effectLst/>
+                        </a:rPr>
+                        <a:t>1 – 900: Flaps Down</a:t>
+                      </a:r>
+                      <a:endParaRPr lang="en-US" sz="1400" dirty="0">
+                        <a:effectLst/>
+                        <a:latin typeface="Times New Roman" panose="02020603050405020304" pitchFamily="18" charset="0"/>
+                        <a:ea typeface="Times New Roman" panose="02020603050405020304" pitchFamily="18" charset="0"/>
+                      </a:endParaRPr>
+                    </a:p>
+                  </a:txBody>
+                  <a:tcPr marL="68580" marR="68580" marT="0" marB="0"/>
+                </a:tc>
+                <a:extLst>
+                  <a:ext uri="{0D108BD9-81ED-4DB2-BD59-A6C34878D82A}">
+                    <a16:rowId xmlns:a16="http://schemas.microsoft.com/office/drawing/2014/main" val="2521947146"/>
+                  </a:ext>
+                </a:extLst>
+              </a:tr>
+            </a:tbl>
+          </a:graphicData>
+        </a:graphic>
+      </p:graphicFrame>
+    </p:spTree>
+    <p:extLst>
+      <p:ext uri="{BB962C8B-B14F-4D97-AF65-F5344CB8AC3E}">
+        <p14:creationId xmlns:p14="http://schemas.microsoft.com/office/powerpoint/2010/main" val="96771250"/>
+      </p:ext>
+    </p:extLst>
+  </p:cSld>
+  <p:clrMapOvr>
+    <a:masterClrMapping/>
+  </p:clrMapOvr>
+  <p:timing>
+    <p:tnLst>
+      <p:par>
+        <p:cTn id="1" dur="indefinite" restart="never" nodeType="tmRoot"/>
+      </p:par>
+    </p:tnLst>
+  </p:timing>
+</p:sld>
+</file>
+
+<file path=ppt/slides/slide32.xml><?xml version="1.0" encoding="utf-8"?>
+<p:sld xmlns:a="http://schemas.openxmlformats.org/drawingml/2006/main" xmlns:r="http://schemas.openxmlformats.org/officeDocument/2006/relationships" xmlns:p="http://schemas.openxmlformats.org/presentationml/2006/main">
+  <p:cSld>
+    <p:spTree>
+      <p:nvGrpSpPr>
+        <p:cNvPr id="1" name=""/>
+        <p:cNvGrpSpPr/>
+        <p:nvPr/>
+      </p:nvGrpSpPr>
+      <p:grpSpPr>
+        <a:xfrm>
+          <a:off x="0" y="0"/>
+          <a:ext cx="0" cy="0"/>
+          <a:chOff x="0" y="0"/>
+          <a:chExt cx="0" cy="0"/>
+        </a:xfrm>
+      </p:grpSpPr>
+      <p:sp>
+        <p:nvSpPr>
+          <p:cNvPr id="2" name="Title 1"/>
+          <p:cNvSpPr>
+            <a:spLocks noGrp="1"/>
+          </p:cNvSpPr>
+          <p:nvPr>
+            <p:ph type="title"/>
+          </p:nvPr>
+        </p:nvSpPr>
+        <p:spPr/>
+        <p:txBody>
+          <a:bodyPr/>
+          <a:lstStyle/>
+          <a:p>
+            <a:r>
+              <a:rPr lang="en-US" dirty="0" smtClean="0"/>
+              <a:t>Experiment </a:t>
+            </a:r>
+            <a:r>
+              <a:rPr lang="en-US" dirty="0" smtClean="0"/>
+              <a:t>design Supplemental</a:t>
+            </a:r>
+            <a:endParaRPr lang="en-US" dirty="0"/>
+          </a:p>
+        </p:txBody>
+      </p:sp>
+      <p:sp>
+        <p:nvSpPr>
+          <p:cNvPr id="5" name="Rectangle 4"/>
+          <p:cNvSpPr/>
+          <p:nvPr/>
+        </p:nvSpPr>
+        <p:spPr>
+          <a:xfrm>
+            <a:off x="1141413" y="2097088"/>
+            <a:ext cx="6096000" cy="1540422"/>
+          </a:xfrm>
+          <a:prstGeom prst="rect">
+            <a:avLst/>
+          </a:prstGeom>
+        </p:spPr>
+        <p:txBody>
+          <a:bodyPr>
+            <a:spAutoFit/>
+          </a:bodyPr>
+          <a:lstStyle/>
+          <a:p>
+            <a:pPr marL="228600" lvl="0" indent="-228600">
+              <a:lnSpc>
+                <a:spcPct val="120000"/>
+              </a:lnSpc>
+              <a:spcBef>
+                <a:spcPts val="1000"/>
+              </a:spcBef>
+              <a:buSzPct val="125000"/>
+              <a:buFont typeface="Arial" panose="020B0604020202020204" pitchFamily="34" charset="0"/>
+              <a:buChar char="•"/>
+            </a:pPr>
+            <a:r>
+              <a:rPr lang="en-US" sz="2400" dirty="0" smtClean="0">
+                <a:solidFill>
+                  <a:prstClr val="white"/>
+                </a:solidFill>
+              </a:rPr>
+              <a:t>Bourg-based </a:t>
+            </a:r>
+            <a:r>
+              <a:rPr lang="en-US" sz="2400" dirty="0">
+                <a:solidFill>
+                  <a:prstClr val="white"/>
+                </a:solidFill>
+              </a:rPr>
+              <a:t>Flight Dynamics </a:t>
+            </a:r>
+            <a:r>
+              <a:rPr lang="en-US" sz="2400" dirty="0" smtClean="0">
+                <a:solidFill>
+                  <a:prstClr val="white"/>
+                </a:solidFill>
+              </a:rPr>
+              <a:t>Model</a:t>
+            </a:r>
+            <a:endParaRPr lang="en-US" sz="2400" dirty="0">
+              <a:solidFill>
+                <a:prstClr val="white"/>
+              </a:solidFill>
+            </a:endParaRPr>
+          </a:p>
+          <a:p>
+            <a:pPr marL="914400" lvl="1" indent="-457200">
+              <a:lnSpc>
+                <a:spcPct val="120000"/>
+              </a:lnSpc>
+              <a:spcBef>
+                <a:spcPts val="500"/>
+              </a:spcBef>
+              <a:buSzPct val="125000"/>
+              <a:buFont typeface="+mj-lt"/>
+              <a:buAutoNum type="arabicPeriod" startAt="6"/>
+            </a:pPr>
+            <a:r>
+              <a:rPr lang="en-US" sz="2000" dirty="0" smtClean="0">
+                <a:solidFill>
+                  <a:prstClr val="white"/>
+                </a:solidFill>
+              </a:rPr>
+              <a:t>Everything</a:t>
+            </a:r>
+            <a:endParaRPr lang="en-US" sz="2000" dirty="0">
+              <a:solidFill>
+                <a:prstClr val="white"/>
+              </a:solidFill>
+            </a:endParaRPr>
+          </a:p>
+          <a:p>
+            <a:pPr marL="228600" lvl="0" indent="-228600">
+              <a:lnSpc>
+                <a:spcPct val="120000"/>
+              </a:lnSpc>
+              <a:spcBef>
+                <a:spcPts val="1000"/>
+              </a:spcBef>
+              <a:buSzPct val="125000"/>
+              <a:buFont typeface="Arial" panose="020B0604020202020204" pitchFamily="34" charset="0"/>
+              <a:buChar char="•"/>
+            </a:pPr>
+            <a:endParaRPr lang="en-US" sz="2400" dirty="0" smtClean="0">
+              <a:solidFill>
+                <a:prstClr val="white"/>
+              </a:solidFill>
+            </a:endParaRPr>
+          </a:p>
+        </p:txBody>
+      </p:sp>
+      <p:graphicFrame>
+        <p:nvGraphicFramePr>
+          <p:cNvPr id="3" name="Table 2"/>
+          <p:cNvGraphicFramePr>
+            <a:graphicFrameLocks noGrp="1"/>
+          </p:cNvGraphicFramePr>
+          <p:nvPr>
+            <p:extLst>
+              <p:ext uri="{D42A27DB-BD31-4B8C-83A1-F6EECF244321}">
+                <p14:modId xmlns:p14="http://schemas.microsoft.com/office/powerpoint/2010/main" val="2802862535"/>
+              </p:ext>
+            </p:extLst>
+          </p:nvPr>
+        </p:nvGraphicFramePr>
+        <p:xfrm>
+          <a:off x="6508298" y="2097088"/>
+          <a:ext cx="3550101" cy="4335606"/>
+        </p:xfrm>
+        <a:graphic>
+          <a:graphicData uri="http://schemas.openxmlformats.org/drawingml/2006/table">
+            <a:tbl>
+              <a:tblPr firstRow="1" firstCol="1" bandRow="1">
+                <a:tableStyleId>{5C22544A-7EE6-4342-B048-85BDC9FD1C3A}</a:tableStyleId>
+              </a:tblPr>
+              <a:tblGrid>
+                <a:gridCol w="3550101">
+                  <a:extLst>
+                    <a:ext uri="{9D8B030D-6E8A-4147-A177-3AD203B41FA5}">
+                      <a16:colId xmlns:a16="http://schemas.microsoft.com/office/drawing/2014/main" val="1465200755"/>
+                    </a:ext>
+                  </a:extLst>
+                </a:gridCol>
+              </a:tblGrid>
+              <a:tr h="376173">
+                <a:tc>
+                  <a:txBody>
+                    <a:bodyPr/>
+                    <a:lstStyle/>
+                    <a:p>
+                      <a:pPr marL="0" marR="0" algn="ctr">
+                        <a:lnSpc>
+                          <a:spcPct val="200000"/>
+                        </a:lnSpc>
+                        <a:spcBef>
+                          <a:spcPts val="0"/>
+                        </a:spcBef>
+                        <a:spcAft>
+                          <a:spcPts val="0"/>
+                        </a:spcAft>
+                      </a:pPr>
+                      <a:r>
+                        <a:rPr lang="en-US" sz="1400" dirty="0">
+                          <a:effectLst/>
+                        </a:rPr>
+                        <a:t>Frame by Frame Flight Control Instructions</a:t>
+                      </a:r>
+                      <a:endParaRPr lang="en-US" sz="1400" dirty="0">
+                        <a:effectLst/>
+                        <a:latin typeface="Times New Roman" panose="02020603050405020304" pitchFamily="18" charset="0"/>
+                        <a:ea typeface="Times New Roman" panose="02020603050405020304" pitchFamily="18" charset="0"/>
+                      </a:endParaRPr>
+                    </a:p>
+                  </a:txBody>
+                  <a:tcPr marL="66407" marR="66407" marT="0" marB="0"/>
+                </a:tc>
+                <a:extLst>
+                  <a:ext uri="{0D108BD9-81ED-4DB2-BD59-A6C34878D82A}">
+                    <a16:rowId xmlns:a16="http://schemas.microsoft.com/office/drawing/2014/main" val="2399066695"/>
+                  </a:ext>
+                </a:extLst>
+              </a:tr>
+              <a:tr h="439937">
+                <a:tc>
+                  <a:txBody>
+                    <a:bodyPr/>
+                    <a:lstStyle/>
+                    <a:p>
+                      <a:pPr marL="0" marR="0" indent="228600">
+                        <a:lnSpc>
+                          <a:spcPct val="200000"/>
+                        </a:lnSpc>
+                        <a:spcBef>
+                          <a:spcPts val="0"/>
+                        </a:spcBef>
+                        <a:spcAft>
+                          <a:spcPts val="0"/>
+                        </a:spcAft>
+                      </a:pPr>
+                      <a:r>
+                        <a:rPr lang="en-US" sz="1400">
+                          <a:effectLst/>
+                        </a:rPr>
+                        <a:t>1 – 5: Increase Thrust</a:t>
+                      </a:r>
+                      <a:endParaRPr lang="en-US" sz="1400">
+                        <a:effectLst/>
+                        <a:latin typeface="Times New Roman" panose="02020603050405020304" pitchFamily="18" charset="0"/>
+                        <a:ea typeface="Times New Roman" panose="02020603050405020304" pitchFamily="18" charset="0"/>
+                      </a:endParaRPr>
+                    </a:p>
+                  </a:txBody>
+                  <a:tcPr marL="66407" marR="66407" marT="0" marB="0"/>
+                </a:tc>
+                <a:extLst>
+                  <a:ext uri="{0D108BD9-81ED-4DB2-BD59-A6C34878D82A}">
+                    <a16:rowId xmlns:a16="http://schemas.microsoft.com/office/drawing/2014/main" val="1982087173"/>
+                  </a:ext>
+                </a:extLst>
+              </a:tr>
+              <a:tr h="439937">
+                <a:tc>
+                  <a:txBody>
+                    <a:bodyPr/>
+                    <a:lstStyle/>
+                    <a:p>
+                      <a:pPr marL="0" marR="0" indent="228600">
+                        <a:lnSpc>
+                          <a:spcPct val="200000"/>
+                        </a:lnSpc>
+                        <a:spcBef>
+                          <a:spcPts val="0"/>
+                        </a:spcBef>
+                        <a:spcAft>
+                          <a:spcPts val="0"/>
+                        </a:spcAft>
+                      </a:pPr>
+                      <a:r>
+                        <a:rPr lang="en-US" sz="1400">
+                          <a:effectLst/>
+                        </a:rPr>
+                        <a:t>6 – 246: Pitch Up</a:t>
+                      </a:r>
+                      <a:endParaRPr lang="en-US" sz="1400">
+                        <a:effectLst/>
+                        <a:latin typeface="Times New Roman" panose="02020603050405020304" pitchFamily="18" charset="0"/>
+                        <a:ea typeface="Times New Roman" panose="02020603050405020304" pitchFamily="18" charset="0"/>
+                      </a:endParaRPr>
+                    </a:p>
+                  </a:txBody>
+                  <a:tcPr marL="66407" marR="66407" marT="0" marB="0"/>
+                </a:tc>
+                <a:extLst>
+                  <a:ext uri="{0D108BD9-81ED-4DB2-BD59-A6C34878D82A}">
+                    <a16:rowId xmlns:a16="http://schemas.microsoft.com/office/drawing/2014/main" val="3031788939"/>
+                  </a:ext>
+                </a:extLst>
+              </a:tr>
+              <a:tr h="439937">
+                <a:tc>
+                  <a:txBody>
+                    <a:bodyPr/>
+                    <a:lstStyle/>
+                    <a:p>
+                      <a:pPr marL="0" marR="0" indent="228600">
+                        <a:lnSpc>
+                          <a:spcPct val="200000"/>
+                        </a:lnSpc>
+                        <a:spcBef>
+                          <a:spcPts val="0"/>
+                        </a:spcBef>
+                        <a:spcAft>
+                          <a:spcPts val="0"/>
+                        </a:spcAft>
+                      </a:pPr>
+                      <a:r>
+                        <a:rPr lang="en-US" sz="1400">
+                          <a:effectLst/>
+                        </a:rPr>
+                        <a:t>247 – 307: Yaw Left</a:t>
+                      </a:r>
+                      <a:endParaRPr lang="en-US" sz="1400">
+                        <a:effectLst/>
+                        <a:latin typeface="Times New Roman" panose="02020603050405020304" pitchFamily="18" charset="0"/>
+                        <a:ea typeface="Times New Roman" panose="02020603050405020304" pitchFamily="18" charset="0"/>
+                      </a:endParaRPr>
+                    </a:p>
+                  </a:txBody>
+                  <a:tcPr marL="66407" marR="66407" marT="0" marB="0"/>
+                </a:tc>
+                <a:extLst>
+                  <a:ext uri="{0D108BD9-81ED-4DB2-BD59-A6C34878D82A}">
+                    <a16:rowId xmlns:a16="http://schemas.microsoft.com/office/drawing/2014/main" val="708057266"/>
+                  </a:ext>
+                </a:extLst>
+              </a:tr>
+              <a:tr h="439937">
+                <a:tc>
+                  <a:txBody>
+                    <a:bodyPr/>
+                    <a:lstStyle/>
+                    <a:p>
+                      <a:pPr marL="0" marR="0" indent="228600">
+                        <a:lnSpc>
+                          <a:spcPct val="200000"/>
+                        </a:lnSpc>
+                        <a:spcBef>
+                          <a:spcPts val="0"/>
+                        </a:spcBef>
+                        <a:spcAft>
+                          <a:spcPts val="0"/>
+                        </a:spcAft>
+                      </a:pPr>
+                      <a:r>
+                        <a:rPr lang="en-US" sz="1400" dirty="0">
+                          <a:effectLst/>
+                        </a:rPr>
+                        <a:t>308 – 368: Yaw Right</a:t>
+                      </a:r>
+                      <a:endParaRPr lang="en-US" sz="1400" dirty="0">
+                        <a:effectLst/>
+                        <a:latin typeface="Times New Roman" panose="02020603050405020304" pitchFamily="18" charset="0"/>
+                        <a:ea typeface="Times New Roman" panose="02020603050405020304" pitchFamily="18" charset="0"/>
+                      </a:endParaRPr>
+                    </a:p>
+                  </a:txBody>
+                  <a:tcPr marL="66407" marR="66407" marT="0" marB="0"/>
+                </a:tc>
+                <a:extLst>
+                  <a:ext uri="{0D108BD9-81ED-4DB2-BD59-A6C34878D82A}">
+                    <a16:rowId xmlns:a16="http://schemas.microsoft.com/office/drawing/2014/main" val="450508690"/>
+                  </a:ext>
+                </a:extLst>
+              </a:tr>
+              <a:tr h="439937">
+                <a:tc>
+                  <a:txBody>
+                    <a:bodyPr/>
+                    <a:lstStyle/>
+                    <a:p>
+                      <a:pPr marL="0" marR="0" indent="228600">
+                        <a:lnSpc>
+                          <a:spcPct val="200000"/>
+                        </a:lnSpc>
+                        <a:spcBef>
+                          <a:spcPts val="0"/>
+                        </a:spcBef>
+                        <a:spcAft>
+                          <a:spcPts val="0"/>
+                        </a:spcAft>
+                      </a:pPr>
+                      <a:r>
+                        <a:rPr lang="en-US" sz="1400">
+                          <a:effectLst/>
+                        </a:rPr>
+                        <a:t>369 – 429: Roll Right</a:t>
+                      </a:r>
+                      <a:endParaRPr lang="en-US" sz="1400">
+                        <a:effectLst/>
+                        <a:latin typeface="Times New Roman" panose="02020603050405020304" pitchFamily="18" charset="0"/>
+                        <a:ea typeface="Times New Roman" panose="02020603050405020304" pitchFamily="18" charset="0"/>
+                      </a:endParaRPr>
+                    </a:p>
+                  </a:txBody>
+                  <a:tcPr marL="66407" marR="66407" marT="0" marB="0"/>
+                </a:tc>
+                <a:extLst>
+                  <a:ext uri="{0D108BD9-81ED-4DB2-BD59-A6C34878D82A}">
+                    <a16:rowId xmlns:a16="http://schemas.microsoft.com/office/drawing/2014/main" val="1004517672"/>
+                  </a:ext>
+                </a:extLst>
+              </a:tr>
+              <a:tr h="439937">
+                <a:tc>
+                  <a:txBody>
+                    <a:bodyPr/>
+                    <a:lstStyle/>
+                    <a:p>
+                      <a:pPr marL="0" marR="0" indent="228600">
+                        <a:lnSpc>
+                          <a:spcPct val="200000"/>
+                        </a:lnSpc>
+                        <a:spcBef>
+                          <a:spcPts val="0"/>
+                        </a:spcBef>
+                        <a:spcAft>
+                          <a:spcPts val="0"/>
+                        </a:spcAft>
+                      </a:pPr>
+                      <a:r>
+                        <a:rPr lang="en-US" sz="1400">
+                          <a:effectLst/>
+                        </a:rPr>
+                        <a:t>430 – 490: Roll Left</a:t>
+                      </a:r>
+                      <a:endParaRPr lang="en-US" sz="1400">
+                        <a:effectLst/>
+                        <a:latin typeface="Times New Roman" panose="02020603050405020304" pitchFamily="18" charset="0"/>
+                        <a:ea typeface="Times New Roman" panose="02020603050405020304" pitchFamily="18" charset="0"/>
+                      </a:endParaRPr>
+                    </a:p>
+                  </a:txBody>
+                  <a:tcPr marL="66407" marR="66407" marT="0" marB="0"/>
+                </a:tc>
+                <a:extLst>
+                  <a:ext uri="{0D108BD9-81ED-4DB2-BD59-A6C34878D82A}">
+                    <a16:rowId xmlns:a16="http://schemas.microsoft.com/office/drawing/2014/main" val="2651890327"/>
+                  </a:ext>
+                </a:extLst>
+              </a:tr>
+              <a:tr h="439937">
+                <a:tc>
+                  <a:txBody>
+                    <a:bodyPr/>
+                    <a:lstStyle/>
+                    <a:p>
+                      <a:pPr marL="0" marR="0" indent="228600">
+                        <a:lnSpc>
+                          <a:spcPct val="200000"/>
+                        </a:lnSpc>
+                        <a:spcBef>
+                          <a:spcPts val="0"/>
+                        </a:spcBef>
+                        <a:spcAft>
+                          <a:spcPts val="0"/>
+                        </a:spcAft>
+                      </a:pPr>
+                      <a:r>
+                        <a:rPr lang="en-US" sz="1400">
+                          <a:effectLst/>
+                        </a:rPr>
+                        <a:t>491 – 505: Pitch Down</a:t>
+                      </a:r>
+                      <a:endParaRPr lang="en-US" sz="1400">
+                        <a:effectLst/>
+                        <a:latin typeface="Times New Roman" panose="02020603050405020304" pitchFamily="18" charset="0"/>
+                        <a:ea typeface="Times New Roman" panose="02020603050405020304" pitchFamily="18" charset="0"/>
+                      </a:endParaRPr>
+                    </a:p>
+                  </a:txBody>
+                  <a:tcPr marL="66407" marR="66407" marT="0" marB="0"/>
+                </a:tc>
+                <a:extLst>
+                  <a:ext uri="{0D108BD9-81ED-4DB2-BD59-A6C34878D82A}">
+                    <a16:rowId xmlns:a16="http://schemas.microsoft.com/office/drawing/2014/main" val="3441601925"/>
+                  </a:ext>
+                </a:extLst>
+              </a:tr>
+              <a:tr h="439937">
+                <a:tc>
+                  <a:txBody>
+                    <a:bodyPr/>
+                    <a:lstStyle/>
+                    <a:p>
+                      <a:pPr marL="0" marR="0" indent="228600">
+                        <a:lnSpc>
+                          <a:spcPct val="200000"/>
+                        </a:lnSpc>
+                        <a:spcBef>
+                          <a:spcPts val="0"/>
+                        </a:spcBef>
+                        <a:spcAft>
+                          <a:spcPts val="0"/>
+                        </a:spcAft>
+                      </a:pPr>
+                      <a:r>
+                        <a:rPr lang="en-US" sz="1400">
+                          <a:effectLst/>
+                        </a:rPr>
+                        <a:t>506 – 511: Thrust Down</a:t>
+                      </a:r>
+                      <a:endParaRPr lang="en-US" sz="1400">
+                        <a:effectLst/>
+                        <a:latin typeface="Times New Roman" panose="02020603050405020304" pitchFamily="18" charset="0"/>
+                        <a:ea typeface="Times New Roman" panose="02020603050405020304" pitchFamily="18" charset="0"/>
+                      </a:endParaRPr>
+                    </a:p>
+                  </a:txBody>
+                  <a:tcPr marL="66407" marR="66407" marT="0" marB="0"/>
+                </a:tc>
+                <a:extLst>
+                  <a:ext uri="{0D108BD9-81ED-4DB2-BD59-A6C34878D82A}">
+                    <a16:rowId xmlns:a16="http://schemas.microsoft.com/office/drawing/2014/main" val="259672653"/>
+                  </a:ext>
+                </a:extLst>
+              </a:tr>
+              <a:tr h="439937">
+                <a:tc>
+                  <a:txBody>
+                    <a:bodyPr/>
+                    <a:lstStyle/>
+                    <a:p>
+                      <a:pPr marL="0" marR="0" indent="228600">
+                        <a:lnSpc>
+                          <a:spcPct val="200000"/>
+                        </a:lnSpc>
+                        <a:spcBef>
+                          <a:spcPts val="0"/>
+                        </a:spcBef>
+                        <a:spcAft>
+                          <a:spcPts val="0"/>
+                        </a:spcAft>
+                      </a:pPr>
+                      <a:r>
+                        <a:rPr lang="en-US" sz="1400" dirty="0">
+                          <a:effectLst/>
+                        </a:rPr>
+                        <a:t>512 – 900: Flaps Deflected</a:t>
+                      </a:r>
+                      <a:endParaRPr lang="en-US" sz="1400" dirty="0">
+                        <a:effectLst/>
+                        <a:latin typeface="Times New Roman" panose="02020603050405020304" pitchFamily="18" charset="0"/>
+                        <a:ea typeface="Times New Roman" panose="02020603050405020304" pitchFamily="18" charset="0"/>
+                      </a:endParaRPr>
+                    </a:p>
+                  </a:txBody>
+                  <a:tcPr marL="66407" marR="66407" marT="0" marB="0"/>
+                </a:tc>
+                <a:extLst>
+                  <a:ext uri="{0D108BD9-81ED-4DB2-BD59-A6C34878D82A}">
+                    <a16:rowId xmlns:a16="http://schemas.microsoft.com/office/drawing/2014/main" val="1961208724"/>
+                  </a:ext>
+                </a:extLst>
+              </a:tr>
+            </a:tbl>
+          </a:graphicData>
+        </a:graphic>
+      </p:graphicFrame>
+    </p:spTree>
+    <p:extLst>
+      <p:ext uri="{BB962C8B-B14F-4D97-AF65-F5344CB8AC3E}">
+        <p14:creationId xmlns:p14="http://schemas.microsoft.com/office/powerpoint/2010/main" val="1304955552"/>
+      </p:ext>
+    </p:extLst>
+  </p:cSld>
+  <p:clrMapOvr>
+    <a:masterClrMapping/>
+  </p:clrMapOvr>
+  <p:timing>
+    <p:tnLst>
+      <p:par>
+        <p:cTn id="1" dur="indefinite" restart="never" nodeType="tmRoot"/>
+      </p:par>
+    </p:tnLst>
+  </p:timing>
+</p:sld>
+</file>
+
+<file path=ppt/slides/slide33.xml><?xml version="1.0" encoding="utf-8"?>
+<p:sld xmlns:a="http://schemas.openxmlformats.org/drawingml/2006/main" xmlns:r="http://schemas.openxmlformats.org/officeDocument/2006/relationships" xmlns:p="http://schemas.openxmlformats.org/presentationml/2006/main">
+  <p:cSld>
+    <p:spTree>
+      <p:nvGrpSpPr>
+        <p:cNvPr id="1" name=""/>
+        <p:cNvGrpSpPr/>
+        <p:nvPr/>
+      </p:nvGrpSpPr>
+      <p:grpSpPr>
+        <a:xfrm>
+          <a:off x="0" y="0"/>
+          <a:ext cx="0" cy="0"/>
+          <a:chOff x="0" y="0"/>
+          <a:chExt cx="0" cy="0"/>
+        </a:xfrm>
+      </p:grpSpPr>
+      <p:sp>
+        <p:nvSpPr>
+          <p:cNvPr id="2" name="Title 1"/>
+          <p:cNvSpPr>
+            <a:spLocks noGrp="1"/>
+          </p:cNvSpPr>
+          <p:nvPr>
+            <p:ph type="title"/>
+          </p:nvPr>
+        </p:nvSpPr>
+        <p:spPr/>
+        <p:txBody>
+          <a:bodyPr/>
+          <a:lstStyle/>
+          <a:p>
+            <a:r>
+              <a:rPr lang="en-US" dirty="0" smtClean="0"/>
+              <a:t>Experiment </a:t>
+            </a:r>
+            <a:r>
+              <a:rPr lang="en-US" dirty="0" smtClean="0"/>
+              <a:t>design Supplemental</a:t>
+            </a:r>
+            <a:endParaRPr lang="en-US" dirty="0"/>
+          </a:p>
+        </p:txBody>
+      </p:sp>
+      <p:sp>
+        <p:nvSpPr>
+          <p:cNvPr id="5" name="Rectangle 4"/>
+          <p:cNvSpPr/>
+          <p:nvPr/>
+        </p:nvSpPr>
+        <p:spPr>
+          <a:xfrm>
+            <a:off x="1141413" y="2097088"/>
+            <a:ext cx="6096000" cy="1604542"/>
+          </a:xfrm>
+          <a:prstGeom prst="rect">
+            <a:avLst/>
+          </a:prstGeom>
+        </p:spPr>
+        <p:txBody>
+          <a:bodyPr>
+            <a:spAutoFit/>
+          </a:bodyPr>
+          <a:lstStyle/>
+          <a:p>
+            <a:pPr marL="228600" lvl="0" indent="-228600">
+              <a:lnSpc>
+                <a:spcPct val="120000"/>
+              </a:lnSpc>
+              <a:spcBef>
+                <a:spcPts val="1000"/>
+              </a:spcBef>
+              <a:buSzPct val="125000"/>
+              <a:buFont typeface="Arial" panose="020B0604020202020204" pitchFamily="34" charset="0"/>
+              <a:buChar char="•"/>
+            </a:pPr>
+            <a:r>
+              <a:rPr lang="en-US" sz="2400" dirty="0" smtClean="0">
+                <a:solidFill>
+                  <a:prstClr val="white"/>
+                </a:solidFill>
+              </a:rPr>
+              <a:t>Bourg-based </a:t>
+            </a:r>
+            <a:r>
+              <a:rPr lang="en-US" sz="2400" dirty="0">
+                <a:solidFill>
+                  <a:prstClr val="white"/>
+                </a:solidFill>
+              </a:rPr>
+              <a:t>Flight Dynamics </a:t>
+            </a:r>
+            <a:r>
+              <a:rPr lang="en-US" sz="2400" dirty="0" smtClean="0">
+                <a:solidFill>
+                  <a:prstClr val="white"/>
+                </a:solidFill>
+              </a:rPr>
+              <a:t>Model</a:t>
+            </a:r>
+          </a:p>
+          <a:p>
+            <a:pPr marL="685800" lvl="1" indent="-228600">
+              <a:lnSpc>
+                <a:spcPct val="120000"/>
+              </a:lnSpc>
+              <a:spcBef>
+                <a:spcPts val="1000"/>
+              </a:spcBef>
+              <a:buSzPct val="125000"/>
+              <a:buFont typeface="Arial" panose="020B0604020202020204" pitchFamily="34" charset="0"/>
+              <a:buChar char="•"/>
+            </a:pPr>
+            <a:r>
+              <a:rPr lang="en-US" sz="2000" dirty="0" smtClean="0">
+                <a:solidFill>
+                  <a:prstClr val="white"/>
+                </a:solidFill>
+              </a:rPr>
+              <a:t>Custom Type Modules</a:t>
+            </a:r>
+            <a:endParaRPr lang="en-US" sz="2000" dirty="0">
+              <a:solidFill>
+                <a:prstClr val="white"/>
+              </a:solidFill>
+            </a:endParaRPr>
+          </a:p>
+          <a:p>
+            <a:pPr marL="228600" lvl="0" indent="-228600">
+              <a:lnSpc>
+                <a:spcPct val="120000"/>
+              </a:lnSpc>
+              <a:spcBef>
+                <a:spcPts val="1000"/>
+              </a:spcBef>
+              <a:buSzPct val="125000"/>
+              <a:buFont typeface="Arial" panose="020B0604020202020204" pitchFamily="34" charset="0"/>
+              <a:buChar char="•"/>
+            </a:pPr>
+            <a:endParaRPr lang="en-US" sz="2400" dirty="0" smtClean="0">
+              <a:solidFill>
+                <a:prstClr val="white"/>
+              </a:solidFill>
+            </a:endParaRPr>
+          </a:p>
+        </p:txBody>
+      </p:sp>
+      <p:sp>
+        <p:nvSpPr>
+          <p:cNvPr id="4" name="Rectangle 3"/>
+          <p:cNvSpPr/>
+          <p:nvPr/>
+        </p:nvSpPr>
+        <p:spPr>
+          <a:xfrm>
+            <a:off x="1141413" y="3284589"/>
+            <a:ext cx="3639880" cy="3452227"/>
+          </a:xfrm>
+          <a:prstGeom prst="rect">
+            <a:avLst/>
+          </a:prstGeom>
+        </p:spPr>
+        <p:txBody>
+          <a:bodyPr wrap="square">
+            <a:spAutoFit/>
+          </a:bodyPr>
+          <a:lstStyle/>
+          <a:p>
+            <a:pPr marL="228600" lvl="0" indent="-228600">
+              <a:lnSpc>
+                <a:spcPct val="120000"/>
+              </a:lnSpc>
+              <a:spcBef>
+                <a:spcPts val="1000"/>
+              </a:spcBef>
+              <a:buSzPct val="125000"/>
+              <a:buFont typeface="Arial" panose="020B0604020202020204" pitchFamily="34" charset="0"/>
+              <a:buChar char="•"/>
+            </a:pPr>
+            <a:r>
+              <a:rPr lang="en-US" sz="2000" dirty="0" smtClean="0">
+                <a:solidFill>
+                  <a:prstClr val="white"/>
+                </a:solidFill>
+              </a:rPr>
+              <a:t>Vector</a:t>
+            </a:r>
+          </a:p>
+          <a:p>
+            <a:pPr marL="800100" lvl="1" indent="-342900">
+              <a:buFont typeface="+mj-lt"/>
+              <a:buAutoNum type="arabicPeriod"/>
+            </a:pPr>
+            <a:r>
+              <a:rPr lang="en-US" dirty="0"/>
+              <a:t>Magnitude</a:t>
+            </a:r>
+          </a:p>
+          <a:p>
+            <a:pPr marL="800100" lvl="1" indent="-342900">
+              <a:buFont typeface="+mj-lt"/>
+              <a:buAutoNum type="arabicPeriod"/>
+            </a:pPr>
+            <a:r>
+              <a:rPr lang="en-US" dirty="0"/>
+              <a:t>Normalization</a:t>
+            </a:r>
+          </a:p>
+          <a:p>
+            <a:pPr marL="800100" lvl="1" indent="-342900">
+              <a:buFont typeface="+mj-lt"/>
+              <a:buAutoNum type="arabicPeriod"/>
+            </a:pPr>
+            <a:r>
+              <a:rPr lang="en-US" dirty="0"/>
+              <a:t>Reversal</a:t>
+            </a:r>
+          </a:p>
+          <a:p>
+            <a:pPr marL="800100" lvl="1" indent="-342900">
+              <a:buFont typeface="+mj-lt"/>
+              <a:buAutoNum type="arabicPeriod"/>
+            </a:pPr>
+            <a:r>
+              <a:rPr lang="en-US" dirty="0"/>
+              <a:t>Addition</a:t>
+            </a:r>
+          </a:p>
+          <a:p>
+            <a:pPr marL="800100" lvl="1" indent="-342900">
+              <a:buFont typeface="+mj-lt"/>
+              <a:buAutoNum type="arabicPeriod"/>
+            </a:pPr>
+            <a:r>
+              <a:rPr lang="en-US" dirty="0"/>
+              <a:t>Subtraction</a:t>
+            </a:r>
+          </a:p>
+          <a:p>
+            <a:pPr marL="800100" lvl="1" indent="-342900">
+              <a:buFont typeface="+mj-lt"/>
+              <a:buAutoNum type="arabicPeriod"/>
+            </a:pPr>
+            <a:r>
+              <a:rPr lang="en-US" dirty="0"/>
+              <a:t>Cross product</a:t>
+            </a:r>
+          </a:p>
+          <a:p>
+            <a:pPr marL="800100" lvl="1" indent="-342900">
+              <a:buFont typeface="+mj-lt"/>
+              <a:buAutoNum type="arabicPeriod"/>
+            </a:pPr>
+            <a:r>
+              <a:rPr lang="en-US" dirty="0"/>
+              <a:t>Dot product</a:t>
+            </a:r>
+          </a:p>
+          <a:p>
+            <a:pPr marL="800100" lvl="1" indent="-342900">
+              <a:buFont typeface="+mj-lt"/>
+              <a:buAutoNum type="arabicPeriod"/>
+            </a:pPr>
+            <a:r>
+              <a:rPr lang="en-US" dirty="0"/>
+              <a:t>Multiplication by scalar</a:t>
+            </a:r>
+          </a:p>
+          <a:p>
+            <a:pPr marL="800100" lvl="1" indent="-342900">
+              <a:buFont typeface="+mj-lt"/>
+              <a:buAutoNum type="arabicPeriod"/>
+            </a:pPr>
+            <a:r>
+              <a:rPr lang="en-US" dirty="0"/>
+              <a:t>Division by scalar</a:t>
+            </a:r>
+          </a:p>
+          <a:p>
+            <a:pPr marL="228600" lvl="0" indent="-228600">
+              <a:lnSpc>
+                <a:spcPct val="120000"/>
+              </a:lnSpc>
+              <a:spcBef>
+                <a:spcPts val="1000"/>
+              </a:spcBef>
+              <a:buSzPct val="125000"/>
+              <a:buFont typeface="Arial" panose="020B0604020202020204" pitchFamily="34" charset="0"/>
+              <a:buChar char="•"/>
+            </a:pPr>
+            <a:endParaRPr lang="en-US" sz="2000" dirty="0">
+              <a:solidFill>
+                <a:prstClr val="white"/>
+              </a:solidFill>
+            </a:endParaRPr>
+          </a:p>
+        </p:txBody>
+      </p:sp>
+      <p:sp>
+        <p:nvSpPr>
+          <p:cNvPr id="6" name="Rectangle 5"/>
+          <p:cNvSpPr/>
+          <p:nvPr/>
+        </p:nvSpPr>
+        <p:spPr>
+          <a:xfrm>
+            <a:off x="4109483" y="3284589"/>
+            <a:ext cx="6096000" cy="1513235"/>
+          </a:xfrm>
+          <a:prstGeom prst="rect">
+            <a:avLst/>
+          </a:prstGeom>
+        </p:spPr>
+        <p:txBody>
+          <a:bodyPr>
+            <a:spAutoFit/>
+          </a:bodyPr>
+          <a:lstStyle/>
+          <a:p>
+            <a:pPr marL="228600" lvl="0" indent="-228600">
+              <a:lnSpc>
+                <a:spcPct val="120000"/>
+              </a:lnSpc>
+              <a:spcBef>
+                <a:spcPts val="1000"/>
+              </a:spcBef>
+              <a:buSzPct val="125000"/>
+              <a:buFont typeface="Arial" panose="020B0604020202020204" pitchFamily="34" charset="0"/>
+              <a:buChar char="•"/>
+            </a:pPr>
+            <a:r>
+              <a:rPr lang="en-US" sz="2000" dirty="0" smtClean="0">
+                <a:solidFill>
+                  <a:prstClr val="white"/>
+                </a:solidFill>
+              </a:rPr>
+              <a:t>Matrix</a:t>
+            </a:r>
+          </a:p>
+          <a:p>
+            <a:pPr marL="800100" lvl="1" indent="-342900">
+              <a:buFont typeface="+mj-lt"/>
+              <a:buAutoNum type="arabicPeriod"/>
+            </a:pPr>
+            <a:r>
+              <a:rPr lang="en-US" dirty="0"/>
+              <a:t>Inverse </a:t>
+            </a:r>
+          </a:p>
+          <a:p>
+            <a:pPr marL="800100" lvl="1" indent="-342900">
+              <a:buFont typeface="+mj-lt"/>
+              <a:buAutoNum type="arabicPeriod"/>
+            </a:pPr>
+            <a:r>
+              <a:rPr lang="en-US" dirty="0"/>
+              <a:t>Multiplication by vector</a:t>
+            </a:r>
+          </a:p>
+          <a:p>
+            <a:pPr marL="228600" lvl="0" indent="-228600">
+              <a:lnSpc>
+                <a:spcPct val="120000"/>
+              </a:lnSpc>
+              <a:spcBef>
+                <a:spcPts val="1000"/>
+              </a:spcBef>
+              <a:buSzPct val="125000"/>
+              <a:buFont typeface="Arial" panose="020B0604020202020204" pitchFamily="34" charset="0"/>
+              <a:buChar char="•"/>
+            </a:pPr>
+            <a:endParaRPr lang="en-US" sz="2000" dirty="0">
+              <a:solidFill>
+                <a:prstClr val="white"/>
+              </a:solidFill>
+            </a:endParaRPr>
+          </a:p>
+        </p:txBody>
+      </p:sp>
+      <p:sp>
+        <p:nvSpPr>
+          <p:cNvPr id="7" name="Rectangle 6"/>
+          <p:cNvSpPr/>
+          <p:nvPr/>
+        </p:nvSpPr>
+        <p:spPr>
+          <a:xfrm>
+            <a:off x="7354978" y="3284589"/>
+            <a:ext cx="6096000" cy="3729226"/>
+          </a:xfrm>
+          <a:prstGeom prst="rect">
+            <a:avLst/>
+          </a:prstGeom>
+        </p:spPr>
+        <p:txBody>
+          <a:bodyPr>
+            <a:spAutoFit/>
+          </a:bodyPr>
+          <a:lstStyle/>
+          <a:p>
+            <a:pPr marL="228600" lvl="0" indent="-228600">
+              <a:lnSpc>
+                <a:spcPct val="120000"/>
+              </a:lnSpc>
+              <a:spcBef>
+                <a:spcPts val="1000"/>
+              </a:spcBef>
+              <a:buSzPct val="125000"/>
+              <a:buFont typeface="Arial" panose="020B0604020202020204" pitchFamily="34" charset="0"/>
+              <a:buChar char="•"/>
+            </a:pPr>
+            <a:r>
+              <a:rPr lang="en-US" sz="2000" dirty="0" smtClean="0">
+                <a:solidFill>
+                  <a:prstClr val="white"/>
+                </a:solidFill>
+              </a:rPr>
+              <a:t>Quaternion</a:t>
+            </a:r>
+          </a:p>
+          <a:p>
+            <a:pPr marL="800100" lvl="1" indent="-342900">
+              <a:buFont typeface="+mj-lt"/>
+              <a:buAutoNum type="arabicPeriod"/>
+            </a:pPr>
+            <a:r>
+              <a:rPr lang="en-US" dirty="0"/>
+              <a:t>Magnitude</a:t>
+            </a:r>
+          </a:p>
+          <a:p>
+            <a:pPr marL="800100" lvl="1" indent="-342900">
+              <a:buFont typeface="+mj-lt"/>
+              <a:buAutoNum type="arabicPeriod"/>
+            </a:pPr>
+            <a:r>
+              <a:rPr lang="en-US" dirty="0"/>
+              <a:t>Addition</a:t>
+            </a:r>
+          </a:p>
+          <a:p>
+            <a:pPr marL="800100" lvl="1" indent="-342900">
+              <a:buFont typeface="+mj-lt"/>
+              <a:buAutoNum type="arabicPeriod"/>
+            </a:pPr>
+            <a:r>
+              <a:rPr lang="en-US" dirty="0"/>
+              <a:t>Multiplication by scalar</a:t>
+            </a:r>
+          </a:p>
+          <a:p>
+            <a:pPr marL="800100" lvl="1" indent="-342900">
+              <a:buFont typeface="+mj-lt"/>
+              <a:buAutoNum type="arabicPeriod"/>
+            </a:pPr>
+            <a:r>
+              <a:rPr lang="en-US" dirty="0"/>
+              <a:t>Division by scalar</a:t>
+            </a:r>
+          </a:p>
+          <a:p>
+            <a:pPr marL="800100" lvl="1" indent="-342900">
+              <a:buFont typeface="+mj-lt"/>
+              <a:buAutoNum type="arabicPeriod"/>
+            </a:pPr>
+            <a:r>
+              <a:rPr lang="en-US" dirty="0"/>
+              <a:t>Conjugate</a:t>
+            </a:r>
+          </a:p>
+          <a:p>
+            <a:pPr marL="800100" lvl="1" indent="-342900">
+              <a:buFont typeface="+mj-lt"/>
+              <a:buAutoNum type="arabicPeriod"/>
+            </a:pPr>
+            <a:r>
+              <a:rPr lang="en-US" dirty="0"/>
+              <a:t>Multiplication</a:t>
+            </a:r>
+          </a:p>
+          <a:p>
+            <a:pPr marL="800100" lvl="1" indent="-342900">
+              <a:buFont typeface="+mj-lt"/>
+              <a:buAutoNum type="arabicPeriod"/>
+            </a:pPr>
+            <a:r>
+              <a:rPr lang="en-US" dirty="0"/>
+              <a:t>Multiplication by vector</a:t>
+            </a:r>
+          </a:p>
+          <a:p>
+            <a:pPr marL="800100" lvl="1" indent="-342900">
+              <a:buFont typeface="+mj-lt"/>
+              <a:buAutoNum type="arabicPeriod"/>
+            </a:pPr>
+            <a:r>
+              <a:rPr lang="en-US" dirty="0"/>
+              <a:t>Rotation by vector</a:t>
+            </a:r>
+          </a:p>
+          <a:p>
+            <a:pPr marL="800100" lvl="1" indent="-342900">
+              <a:buFont typeface="+mj-lt"/>
+              <a:buAutoNum type="arabicPeriod"/>
+            </a:pPr>
+            <a:r>
+              <a:rPr lang="en-US" dirty="0"/>
+              <a:t>Construction by Euler angles</a:t>
+            </a:r>
+          </a:p>
+          <a:p>
+            <a:pPr marL="800100" lvl="1" indent="-342900">
+              <a:buFont typeface="+mj-lt"/>
+              <a:buAutoNum type="arabicPeriod"/>
+            </a:pPr>
+            <a:r>
+              <a:rPr lang="en-US" dirty="0"/>
+              <a:t>Euler angle extraction</a:t>
+            </a:r>
+          </a:p>
+          <a:p>
+            <a:pPr marL="228600" lvl="0" indent="-228600">
+              <a:lnSpc>
+                <a:spcPct val="120000"/>
+              </a:lnSpc>
+              <a:spcBef>
+                <a:spcPts val="1000"/>
+              </a:spcBef>
+              <a:buSzPct val="125000"/>
+              <a:buFont typeface="Arial" panose="020B0604020202020204" pitchFamily="34" charset="0"/>
+              <a:buChar char="•"/>
+            </a:pPr>
+            <a:endParaRPr lang="en-US" sz="2000" dirty="0">
+              <a:solidFill>
+                <a:prstClr val="white"/>
+              </a:solidFill>
+            </a:endParaRPr>
+          </a:p>
+        </p:txBody>
+      </p:sp>
+    </p:spTree>
+    <p:extLst>
+      <p:ext uri="{BB962C8B-B14F-4D97-AF65-F5344CB8AC3E}">
+        <p14:creationId xmlns:p14="http://schemas.microsoft.com/office/powerpoint/2010/main" val="2338212628"/>
+      </p:ext>
+    </p:extLst>
+  </p:cSld>
+  <p:clrMapOvr>
+    <a:masterClrMapping/>
+  </p:clrMapOvr>
+  <p:timing>
+    <p:tnLst>
+      <p:par>
+        <p:cTn id="1" dur="indefinite" restart="never" nodeType="tmRoot"/>
+      </p:par>
+    </p:tnLst>
+  </p:timing>
+</p:sld>
+</file>
+
+<file path=ppt/slides/slide34.xml><?xml version="1.0" encoding="utf-8"?>
+<p:sld xmlns:a="http://schemas.openxmlformats.org/drawingml/2006/main" xmlns:r="http://schemas.openxmlformats.org/officeDocument/2006/relationships" xmlns:p="http://schemas.openxmlformats.org/presentationml/2006/main">
+  <p:cSld>
+    <p:spTree>
+      <p:nvGrpSpPr>
+        <p:cNvPr id="1" name=""/>
+        <p:cNvGrpSpPr/>
+        <p:nvPr/>
+      </p:nvGrpSpPr>
+      <p:grpSpPr>
+        <a:xfrm>
+          <a:off x="0" y="0"/>
+          <a:ext cx="0" cy="0"/>
+          <a:chOff x="0" y="0"/>
+          <a:chExt cx="0" cy="0"/>
+        </a:xfrm>
+      </p:grpSpPr>
+      <p:sp>
+        <p:nvSpPr>
+          <p:cNvPr id="2" name="Title 1"/>
+          <p:cNvSpPr>
+            <a:spLocks noGrp="1"/>
+          </p:cNvSpPr>
+          <p:nvPr>
+            <p:ph type="title"/>
+          </p:nvPr>
+        </p:nvSpPr>
+        <p:spPr/>
+        <p:txBody>
+          <a:bodyPr/>
+          <a:lstStyle/>
+          <a:p>
+            <a:r>
+              <a:rPr lang="en-US" dirty="0" smtClean="0"/>
+              <a:t>Experiment </a:t>
+            </a:r>
+            <a:r>
+              <a:rPr lang="en-US" dirty="0" smtClean="0"/>
+              <a:t>design Supplemental</a:t>
+            </a:r>
+            <a:endParaRPr lang="en-US" dirty="0"/>
+          </a:p>
+        </p:txBody>
+      </p:sp>
+      <p:sp>
+        <p:nvSpPr>
+          <p:cNvPr id="5" name="Rectangle 4"/>
+          <p:cNvSpPr/>
+          <p:nvPr/>
+        </p:nvSpPr>
+        <p:spPr>
+          <a:xfrm>
+            <a:off x="1141413" y="2097088"/>
+            <a:ext cx="6096000" cy="1106970"/>
+          </a:xfrm>
+          <a:prstGeom prst="rect">
+            <a:avLst/>
+          </a:prstGeom>
+        </p:spPr>
+        <p:txBody>
+          <a:bodyPr>
+            <a:spAutoFit/>
+          </a:bodyPr>
+          <a:lstStyle/>
+          <a:p>
+            <a:pPr marL="228600" lvl="0" indent="-228600">
+              <a:lnSpc>
+                <a:spcPct val="120000"/>
+              </a:lnSpc>
+              <a:spcBef>
+                <a:spcPts val="1000"/>
+              </a:spcBef>
+              <a:buSzPct val="125000"/>
+              <a:buFont typeface="Arial" panose="020B0604020202020204" pitchFamily="34" charset="0"/>
+              <a:buChar char="•"/>
+            </a:pPr>
+            <a:r>
+              <a:rPr lang="en-US" sz="2400" dirty="0" smtClean="0">
+                <a:solidFill>
+                  <a:prstClr val="white"/>
+                </a:solidFill>
+              </a:rPr>
+              <a:t>Bourg-based </a:t>
+            </a:r>
+            <a:r>
+              <a:rPr lang="en-US" sz="2400" dirty="0">
+                <a:solidFill>
+                  <a:prstClr val="white"/>
+                </a:solidFill>
+              </a:rPr>
+              <a:t>Flight Dynamics </a:t>
+            </a:r>
+            <a:r>
+              <a:rPr lang="en-US" sz="2400" dirty="0" smtClean="0">
+                <a:solidFill>
+                  <a:prstClr val="white"/>
+                </a:solidFill>
+              </a:rPr>
+              <a:t>Model</a:t>
+            </a:r>
+            <a:endParaRPr lang="en-US" sz="2400" dirty="0">
+              <a:solidFill>
+                <a:prstClr val="white"/>
+              </a:solidFill>
+            </a:endParaRPr>
+          </a:p>
+          <a:p>
+            <a:pPr marL="685800" lvl="1" indent="-228600">
+              <a:lnSpc>
+                <a:spcPct val="120000"/>
+              </a:lnSpc>
+              <a:spcBef>
+                <a:spcPts val="1000"/>
+              </a:spcBef>
+              <a:buSzPct val="125000"/>
+              <a:buFont typeface="Arial" panose="020B0604020202020204" pitchFamily="34" charset="0"/>
+              <a:buChar char="•"/>
+            </a:pPr>
+            <a:r>
+              <a:rPr lang="en-US" sz="2400" dirty="0" smtClean="0">
+                <a:solidFill>
+                  <a:prstClr val="white"/>
+                </a:solidFill>
+              </a:rPr>
+              <a:t>Initial flight parameters for each test</a:t>
+            </a:r>
+          </a:p>
+        </p:txBody>
+      </p:sp>
+      <p:graphicFrame>
+        <p:nvGraphicFramePr>
+          <p:cNvPr id="4" name="Table 3"/>
+          <p:cNvGraphicFramePr>
+            <a:graphicFrameLocks noGrp="1"/>
+          </p:cNvGraphicFramePr>
+          <p:nvPr>
+            <p:extLst>
+              <p:ext uri="{D42A27DB-BD31-4B8C-83A1-F6EECF244321}">
+                <p14:modId xmlns:p14="http://schemas.microsoft.com/office/powerpoint/2010/main" val="1212608571"/>
+              </p:ext>
+            </p:extLst>
+          </p:nvPr>
+        </p:nvGraphicFramePr>
+        <p:xfrm>
+          <a:off x="1836165" y="3402468"/>
+          <a:ext cx="4706496" cy="2560320"/>
+        </p:xfrm>
+        <a:graphic>
+          <a:graphicData uri="http://schemas.openxmlformats.org/drawingml/2006/table">
+            <a:tbl>
+              <a:tblPr firstRow="1" firstCol="1" bandRow="1">
+                <a:tableStyleId>{5C22544A-7EE6-4342-B048-85BDC9FD1C3A}</a:tableStyleId>
+              </a:tblPr>
+              <a:tblGrid>
+                <a:gridCol w="2353248">
+                  <a:extLst>
+                    <a:ext uri="{9D8B030D-6E8A-4147-A177-3AD203B41FA5}">
+                      <a16:colId xmlns:a16="http://schemas.microsoft.com/office/drawing/2014/main" val="1151636036"/>
+                    </a:ext>
+                  </a:extLst>
+                </a:gridCol>
+                <a:gridCol w="2353248">
+                  <a:extLst>
+                    <a:ext uri="{9D8B030D-6E8A-4147-A177-3AD203B41FA5}">
+                      <a16:colId xmlns:a16="http://schemas.microsoft.com/office/drawing/2014/main" val="3425000198"/>
+                    </a:ext>
+                  </a:extLst>
+                </a:gridCol>
+              </a:tblGrid>
+              <a:tr h="0">
+                <a:tc>
+                  <a:txBody>
+                    <a:bodyPr/>
+                    <a:lstStyle/>
+                    <a:p>
+                      <a:pPr marL="0" marR="0" algn="ctr">
+                        <a:lnSpc>
+                          <a:spcPct val="200000"/>
+                        </a:lnSpc>
+                        <a:spcBef>
+                          <a:spcPts val="0"/>
+                        </a:spcBef>
+                        <a:spcAft>
+                          <a:spcPts val="0"/>
+                        </a:spcAft>
+                      </a:pPr>
+                      <a:r>
+                        <a:rPr lang="en-US" sz="1400" dirty="0">
+                          <a:effectLst/>
+                        </a:rPr>
+                        <a:t>Variables</a:t>
+                      </a:r>
+                      <a:endParaRPr lang="en-US" sz="1400" dirty="0">
+                        <a:effectLst/>
+                        <a:latin typeface="Times New Roman" panose="02020603050405020304" pitchFamily="18" charset="0"/>
+                        <a:ea typeface="Times New Roman" panose="02020603050405020304" pitchFamily="18" charset="0"/>
+                      </a:endParaRPr>
+                    </a:p>
+                  </a:txBody>
+                  <a:tcPr marL="68580" marR="68580" marT="0" marB="0"/>
+                </a:tc>
+                <a:tc>
+                  <a:txBody>
+                    <a:bodyPr/>
+                    <a:lstStyle/>
+                    <a:p>
+                      <a:pPr marL="0" marR="0" algn="ctr">
+                        <a:lnSpc>
+                          <a:spcPct val="200000"/>
+                        </a:lnSpc>
+                        <a:spcBef>
+                          <a:spcPts val="0"/>
+                        </a:spcBef>
+                        <a:spcAft>
+                          <a:spcPts val="0"/>
+                        </a:spcAft>
+                      </a:pPr>
+                      <a:r>
+                        <a:rPr lang="en-US" sz="1400" dirty="0">
+                          <a:effectLst/>
+                        </a:rPr>
+                        <a:t>Initial Values</a:t>
+                      </a:r>
+                      <a:endParaRPr lang="en-US" sz="1400" dirty="0">
+                        <a:effectLst/>
+                        <a:latin typeface="Times New Roman" panose="02020603050405020304" pitchFamily="18" charset="0"/>
+                        <a:ea typeface="Times New Roman" panose="02020603050405020304" pitchFamily="18" charset="0"/>
+                      </a:endParaRPr>
+                    </a:p>
+                  </a:txBody>
+                  <a:tcPr marL="68580" marR="68580" marT="0" marB="0"/>
+                </a:tc>
+                <a:extLst>
+                  <a:ext uri="{0D108BD9-81ED-4DB2-BD59-A6C34878D82A}">
+                    <a16:rowId xmlns:a16="http://schemas.microsoft.com/office/drawing/2014/main" val="525288658"/>
+                  </a:ext>
+                </a:extLst>
+              </a:tr>
+              <a:tr h="0">
+                <a:tc>
+                  <a:txBody>
+                    <a:bodyPr/>
+                    <a:lstStyle/>
+                    <a:p>
+                      <a:pPr marL="0" marR="0">
+                        <a:lnSpc>
+                          <a:spcPct val="200000"/>
+                        </a:lnSpc>
+                        <a:spcBef>
+                          <a:spcPts val="0"/>
+                        </a:spcBef>
+                        <a:spcAft>
+                          <a:spcPts val="0"/>
+                        </a:spcAft>
+                      </a:pPr>
+                      <a:r>
+                        <a:rPr lang="en-US" sz="1400" dirty="0">
+                          <a:effectLst/>
+                        </a:rPr>
+                        <a:t>Position Coordinates (x, y, z)</a:t>
+                      </a:r>
+                      <a:endParaRPr lang="en-US" sz="1400" dirty="0">
+                        <a:effectLst/>
+                        <a:latin typeface="Times New Roman" panose="02020603050405020304" pitchFamily="18" charset="0"/>
+                        <a:ea typeface="Times New Roman" panose="02020603050405020304" pitchFamily="18" charset="0"/>
+                      </a:endParaRPr>
+                    </a:p>
+                  </a:txBody>
+                  <a:tcPr marL="68580" marR="68580" marT="0" marB="0"/>
+                </a:tc>
+                <a:tc>
+                  <a:txBody>
+                    <a:bodyPr/>
+                    <a:lstStyle/>
+                    <a:p>
+                      <a:pPr marL="0" marR="0">
+                        <a:lnSpc>
+                          <a:spcPct val="200000"/>
+                        </a:lnSpc>
+                        <a:spcBef>
+                          <a:spcPts val="0"/>
+                        </a:spcBef>
+                        <a:spcAft>
+                          <a:spcPts val="0"/>
+                        </a:spcAft>
+                      </a:pPr>
+                      <a:r>
+                        <a:rPr lang="en-US" sz="1400" dirty="0">
+                          <a:effectLst/>
+                        </a:rPr>
+                        <a:t>-5000.0, 0.0, 2000.0</a:t>
+                      </a:r>
+                      <a:endParaRPr lang="en-US" sz="1400" dirty="0">
+                        <a:effectLst/>
+                        <a:latin typeface="Times New Roman" panose="02020603050405020304" pitchFamily="18" charset="0"/>
+                        <a:ea typeface="Times New Roman" panose="02020603050405020304" pitchFamily="18" charset="0"/>
+                      </a:endParaRPr>
+                    </a:p>
+                  </a:txBody>
+                  <a:tcPr marL="68580" marR="68580" marT="0" marB="0"/>
+                </a:tc>
+                <a:extLst>
+                  <a:ext uri="{0D108BD9-81ED-4DB2-BD59-A6C34878D82A}">
+                    <a16:rowId xmlns:a16="http://schemas.microsoft.com/office/drawing/2014/main" val="2499422864"/>
+                  </a:ext>
+                </a:extLst>
+              </a:tr>
+              <a:tr h="0">
+                <a:tc>
+                  <a:txBody>
+                    <a:bodyPr/>
+                    <a:lstStyle/>
+                    <a:p>
+                      <a:pPr marL="0" marR="0">
+                        <a:lnSpc>
+                          <a:spcPct val="200000"/>
+                        </a:lnSpc>
+                        <a:spcBef>
+                          <a:spcPts val="0"/>
+                        </a:spcBef>
+                        <a:spcAft>
+                          <a:spcPts val="0"/>
+                        </a:spcAft>
+                      </a:pPr>
+                      <a:r>
+                        <a:rPr lang="en-US" sz="1400" dirty="0">
+                          <a:effectLst/>
+                        </a:rPr>
+                        <a:t>Velocity Vector (x, y, z)</a:t>
+                      </a:r>
+                      <a:endParaRPr lang="en-US" sz="1400" dirty="0">
+                        <a:effectLst/>
+                        <a:latin typeface="Times New Roman" panose="02020603050405020304" pitchFamily="18" charset="0"/>
+                        <a:ea typeface="Times New Roman" panose="02020603050405020304" pitchFamily="18" charset="0"/>
+                      </a:endParaRPr>
+                    </a:p>
+                  </a:txBody>
+                  <a:tcPr marL="68580" marR="68580" marT="0" marB="0"/>
+                </a:tc>
+                <a:tc>
+                  <a:txBody>
+                    <a:bodyPr/>
+                    <a:lstStyle/>
+                    <a:p>
+                      <a:pPr marL="0" marR="0">
+                        <a:lnSpc>
+                          <a:spcPct val="200000"/>
+                        </a:lnSpc>
+                        <a:spcBef>
+                          <a:spcPts val="0"/>
+                        </a:spcBef>
+                        <a:spcAft>
+                          <a:spcPts val="0"/>
+                        </a:spcAft>
+                      </a:pPr>
+                      <a:r>
+                        <a:rPr lang="en-US" sz="1400" dirty="0">
+                          <a:effectLst/>
+                        </a:rPr>
+                        <a:t>60.0, 0.0, 0.0</a:t>
+                      </a:r>
+                      <a:endParaRPr lang="en-US" sz="1400" dirty="0">
+                        <a:effectLst/>
+                        <a:latin typeface="Times New Roman" panose="02020603050405020304" pitchFamily="18" charset="0"/>
+                        <a:ea typeface="Times New Roman" panose="02020603050405020304" pitchFamily="18" charset="0"/>
+                      </a:endParaRPr>
+                    </a:p>
+                  </a:txBody>
+                  <a:tcPr marL="68580" marR="68580" marT="0" marB="0"/>
+                </a:tc>
+                <a:extLst>
+                  <a:ext uri="{0D108BD9-81ED-4DB2-BD59-A6C34878D82A}">
+                    <a16:rowId xmlns:a16="http://schemas.microsoft.com/office/drawing/2014/main" val="2040469728"/>
+                  </a:ext>
+                </a:extLst>
+              </a:tr>
+              <a:tr h="0">
+                <a:tc>
+                  <a:txBody>
+                    <a:bodyPr/>
+                    <a:lstStyle/>
+                    <a:p>
+                      <a:pPr marL="0" marR="0">
+                        <a:lnSpc>
+                          <a:spcPct val="200000"/>
+                        </a:lnSpc>
+                        <a:spcBef>
+                          <a:spcPts val="0"/>
+                        </a:spcBef>
+                        <a:spcAft>
+                          <a:spcPts val="0"/>
+                        </a:spcAft>
+                      </a:pPr>
+                      <a:r>
+                        <a:rPr lang="en-US" sz="1400">
+                          <a:effectLst/>
+                        </a:rPr>
+                        <a:t>Force Vector (x, y, z)</a:t>
+                      </a:r>
+                      <a:endParaRPr lang="en-US" sz="1400">
+                        <a:effectLst/>
+                        <a:latin typeface="Times New Roman" panose="02020603050405020304" pitchFamily="18" charset="0"/>
+                        <a:ea typeface="Times New Roman" panose="02020603050405020304" pitchFamily="18" charset="0"/>
+                      </a:endParaRPr>
+                    </a:p>
+                  </a:txBody>
+                  <a:tcPr marL="68580" marR="68580" marT="0" marB="0"/>
+                </a:tc>
+                <a:tc>
+                  <a:txBody>
+                    <a:bodyPr/>
+                    <a:lstStyle/>
+                    <a:p>
+                      <a:pPr marL="0" marR="0">
+                        <a:lnSpc>
+                          <a:spcPct val="200000"/>
+                        </a:lnSpc>
+                        <a:spcBef>
+                          <a:spcPts val="0"/>
+                        </a:spcBef>
+                        <a:spcAft>
+                          <a:spcPts val="0"/>
+                        </a:spcAft>
+                      </a:pPr>
+                      <a:r>
+                        <a:rPr lang="en-US" sz="1400">
+                          <a:effectLst/>
+                        </a:rPr>
+                        <a:t>500.0, 0.0, 0.0</a:t>
+                      </a:r>
+                      <a:endParaRPr lang="en-US" sz="1400">
+                        <a:effectLst/>
+                        <a:latin typeface="Times New Roman" panose="02020603050405020304" pitchFamily="18" charset="0"/>
+                        <a:ea typeface="Times New Roman" panose="02020603050405020304" pitchFamily="18" charset="0"/>
+                      </a:endParaRPr>
+                    </a:p>
+                  </a:txBody>
+                  <a:tcPr marL="68580" marR="68580" marT="0" marB="0"/>
+                </a:tc>
+                <a:extLst>
+                  <a:ext uri="{0D108BD9-81ED-4DB2-BD59-A6C34878D82A}">
+                    <a16:rowId xmlns:a16="http://schemas.microsoft.com/office/drawing/2014/main" val="2185469706"/>
+                  </a:ext>
+                </a:extLst>
+              </a:tr>
+              <a:tr h="0">
+                <a:tc>
+                  <a:txBody>
+                    <a:bodyPr/>
+                    <a:lstStyle/>
+                    <a:p>
+                      <a:pPr marL="0" marR="0">
+                        <a:lnSpc>
+                          <a:spcPct val="200000"/>
+                        </a:lnSpc>
+                        <a:spcBef>
+                          <a:spcPts val="0"/>
+                        </a:spcBef>
+                        <a:spcAft>
+                          <a:spcPts val="0"/>
+                        </a:spcAft>
+                      </a:pPr>
+                      <a:r>
+                        <a:rPr lang="en-US" sz="1400">
+                          <a:effectLst/>
+                        </a:rPr>
+                        <a:t>Thrust Force (pounds)</a:t>
+                      </a:r>
+                      <a:endParaRPr lang="en-US" sz="1400">
+                        <a:effectLst/>
+                        <a:latin typeface="Times New Roman" panose="02020603050405020304" pitchFamily="18" charset="0"/>
+                        <a:ea typeface="Times New Roman" panose="02020603050405020304" pitchFamily="18" charset="0"/>
+                      </a:endParaRPr>
+                    </a:p>
+                  </a:txBody>
+                  <a:tcPr marL="68580" marR="68580" marT="0" marB="0"/>
+                </a:tc>
+                <a:tc>
+                  <a:txBody>
+                    <a:bodyPr/>
+                    <a:lstStyle/>
+                    <a:p>
+                      <a:pPr marL="0" marR="0">
+                        <a:lnSpc>
+                          <a:spcPct val="200000"/>
+                        </a:lnSpc>
+                        <a:spcBef>
+                          <a:spcPts val="0"/>
+                        </a:spcBef>
+                        <a:spcAft>
+                          <a:spcPts val="0"/>
+                        </a:spcAft>
+                      </a:pPr>
+                      <a:r>
+                        <a:rPr lang="en-US" sz="1400">
+                          <a:effectLst/>
+                        </a:rPr>
+                        <a:t>500.0</a:t>
+                      </a:r>
+                      <a:endParaRPr lang="en-US" sz="1400">
+                        <a:effectLst/>
+                        <a:latin typeface="Times New Roman" panose="02020603050405020304" pitchFamily="18" charset="0"/>
+                        <a:ea typeface="Times New Roman" panose="02020603050405020304" pitchFamily="18" charset="0"/>
+                      </a:endParaRPr>
+                    </a:p>
+                  </a:txBody>
+                  <a:tcPr marL="68580" marR="68580" marT="0" marB="0"/>
+                </a:tc>
+                <a:extLst>
+                  <a:ext uri="{0D108BD9-81ED-4DB2-BD59-A6C34878D82A}">
+                    <a16:rowId xmlns:a16="http://schemas.microsoft.com/office/drawing/2014/main" val="25547207"/>
+                  </a:ext>
+                </a:extLst>
+              </a:tr>
+              <a:tr h="0">
+                <a:tc>
+                  <a:txBody>
+                    <a:bodyPr/>
+                    <a:lstStyle/>
+                    <a:p>
+                      <a:pPr marL="0" marR="0">
+                        <a:lnSpc>
+                          <a:spcPct val="200000"/>
+                        </a:lnSpc>
+                        <a:spcBef>
+                          <a:spcPts val="0"/>
+                        </a:spcBef>
+                        <a:spcAft>
+                          <a:spcPts val="0"/>
+                        </a:spcAft>
+                      </a:pPr>
+                      <a:r>
+                        <a:rPr lang="en-US" sz="1400">
+                          <a:effectLst/>
+                        </a:rPr>
+                        <a:t>Airspeed (knots)</a:t>
+                      </a:r>
+                      <a:endParaRPr lang="en-US" sz="1400">
+                        <a:effectLst/>
+                        <a:latin typeface="Times New Roman" panose="02020603050405020304" pitchFamily="18" charset="0"/>
+                        <a:ea typeface="Times New Roman" panose="02020603050405020304" pitchFamily="18" charset="0"/>
+                      </a:endParaRPr>
+                    </a:p>
+                  </a:txBody>
+                  <a:tcPr marL="68580" marR="68580" marT="0" marB="0"/>
+                </a:tc>
+                <a:tc>
+                  <a:txBody>
+                    <a:bodyPr/>
+                    <a:lstStyle/>
+                    <a:p>
+                      <a:pPr marL="0" marR="0">
+                        <a:lnSpc>
+                          <a:spcPct val="200000"/>
+                        </a:lnSpc>
+                        <a:spcBef>
+                          <a:spcPts val="0"/>
+                        </a:spcBef>
+                        <a:spcAft>
+                          <a:spcPts val="0"/>
+                        </a:spcAft>
+                      </a:pPr>
+                      <a:r>
+                        <a:rPr lang="en-US" sz="1400" dirty="0">
+                          <a:effectLst/>
+                        </a:rPr>
+                        <a:t>60.0</a:t>
+                      </a:r>
+                      <a:endParaRPr lang="en-US" sz="1400" dirty="0">
+                        <a:effectLst/>
+                        <a:latin typeface="Times New Roman" panose="02020603050405020304" pitchFamily="18" charset="0"/>
+                        <a:ea typeface="Times New Roman" panose="02020603050405020304" pitchFamily="18" charset="0"/>
+                      </a:endParaRPr>
+                    </a:p>
+                  </a:txBody>
+                  <a:tcPr marL="68580" marR="68580" marT="0" marB="0"/>
+                </a:tc>
+                <a:extLst>
+                  <a:ext uri="{0D108BD9-81ED-4DB2-BD59-A6C34878D82A}">
+                    <a16:rowId xmlns:a16="http://schemas.microsoft.com/office/drawing/2014/main" val="1342460769"/>
+                  </a:ext>
+                </a:extLst>
+              </a:tr>
+            </a:tbl>
+          </a:graphicData>
+        </a:graphic>
+      </p:graphicFrame>
+    </p:spTree>
+    <p:extLst>
+      <p:ext uri="{BB962C8B-B14F-4D97-AF65-F5344CB8AC3E}">
+        <p14:creationId xmlns:p14="http://schemas.microsoft.com/office/powerpoint/2010/main" val="3659468029"/>
       </p:ext>
     </p:extLst>
   </p:cSld>
@@ -16999,8 +22086,21 @@
                   <a:prstClr val="white"/>
                 </a:solidFill>
               </a:rPr>
-              <a:t>by Palmer </a:t>
-            </a:r>
+              <a:t>by </a:t>
+            </a:r>
+            <a:r>
+              <a:rPr lang="en-US" sz="2400" dirty="0" smtClean="0">
+                <a:solidFill>
+                  <a:prstClr val="white"/>
+                </a:solidFill>
+              </a:rPr>
+              <a:t>Grant Palmer </a:t>
+            </a:r>
+            <a:endParaRPr lang="en-US" sz="2400" dirty="0" smtClean="0">
+              <a:solidFill>
+                <a:prstClr val="white"/>
+              </a:solidFill>
+            </a:endParaRPr>
           </a:p>
           <a:p>
             <a:pPr marL="685800" lvl="1" indent="-228600">
@@ -17028,8 +22128,21 @@
                   <a:prstClr val="white"/>
                 </a:solidFill>
               </a:rPr>
-              <a:t>by Bourg</a:t>
-            </a:r>
+              <a:t>by </a:t>
+            </a:r>
+            <a:r>
+              <a:rPr lang="en-US" sz="2400" dirty="0" smtClean="0">
+                <a:solidFill>
+                  <a:prstClr val="white"/>
+                </a:solidFill>
+              </a:rPr>
+              <a:t>David Bourg</a:t>
+            </a:r>
+            <a:endParaRPr lang="en-US" sz="2400" dirty="0" smtClean="0">
+              <a:solidFill>
+                <a:prstClr val="white"/>
+              </a:solidFill>
+            </a:endParaRPr>
           </a:p>
           <a:p>
             <a:pPr marL="228600" lvl="0" indent="-228600">
@@ -17049,23 +22162,7 @@
                   <a:prstClr val="white"/>
                 </a:solidFill>
               </a:rPr>
-              <a:t>Flight </a:t>
-            </a:r>
-            <a:r>
-              <a:rPr lang="en-US" sz="2400" dirty="0" smtClean="0">
-                <a:solidFill>
-                  <a:prstClr val="white"/>
-                </a:solidFill>
-              </a:rPr>
-              <a:t>Dynamics </a:t>
-            </a:r>
-            <a:r>
-              <a:rPr lang="en-US" sz="2400" dirty="0" smtClean="0">
-                <a:solidFill>
-                  <a:prstClr val="white"/>
-                </a:solidFill>
-              </a:rPr>
-              <a:t>Models</a:t>
+              <a:t>Flight Dynamics Models</a:t>
             </a:r>
           </a:p>
           <a:p>
@@ -17189,7 +22286,7 @@
         <p:spPr>
           <a:xfrm>
             <a:off x="1141413" y="2097088"/>
-            <a:ext cx="6096000" cy="3264483"/>
+            <a:ext cx="6096000" cy="3835922"/>
           </a:xfrm>
           <a:prstGeom prst="rect">
             <a:avLst/>
@@ -17345,6 +22442,24 @@
               </a:rPr>
               <a:t>state</a:t>
             </a:r>
+          </a:p>
+          <a:p>
+            <a:pPr marL="228600" lvl="0" indent="-228600">
+              <a:lnSpc>
+                <a:spcPct val="120000"/>
+              </a:lnSpc>
+              <a:spcBef>
+                <a:spcPts val="1000"/>
+              </a:spcBef>
+              <a:buSzPct val="125000"/>
+              <a:buFont typeface="Arial" panose="020B0604020202020204" pitchFamily="34" charset="0"/>
+              <a:buChar char="•"/>
+            </a:pPr>
+            <a:endParaRPr lang="en-US" sz="2400" dirty="0">
+              <a:solidFill>
+                <a:prstClr val="white"/>
+              </a:solidFill>
+            </a:endParaRPr>
           </a:p>
         </p:txBody>
       </p:sp>
@@ -17469,11 +22584,6 @@
               </a:rPr>
               <a:t>Crates</a:t>
             </a:r>
-            <a:endParaRPr lang="en-US" sz="2400" dirty="0" smtClean="0">
-              <a:solidFill>
-                <a:prstClr val="white"/>
-              </a:solidFill>
-            </a:endParaRPr>
           </a:p>
           <a:p>
             <a:pPr marL="685800" lvl="1" indent="-228600">
@@ -17724,11 +22834,6 @@
               </a:rPr>
               <a:t>Organization</a:t>
             </a:r>
-            <a:endParaRPr lang="en-US" sz="2400" dirty="0" smtClean="0">
-              <a:solidFill>
-                <a:prstClr val="white"/>
-              </a:solidFill>
-            </a:endParaRPr>
           </a:p>
         </p:txBody>
       </p:sp>

--- a/Defense.pptx
+++ b/Defense.pptx
@@ -241,7 +241,7 @@
           <a:p>
             <a:fld id="{E6E560A3-ED6B-4C00-B17E-7ABCD66651D0}" type="datetimeFigureOut">
               <a:rPr lang="en-US" smtClean="0"/>
-              <a:t>1/31/2021</a:t>
+              <a:t>2/9/2021</a:t>
             </a:fld>
             <a:endParaRPr lang="en-US"/>
           </a:p>
@@ -655,23 +655,7 @@
           <a:p>
             <a:r>
               <a:rPr lang="en-US" baseline="0" dirty="0" smtClean="0"/>
-              <a:t>-Discuss the refactoring/organizing to make the application </a:t>
-            </a:r>
-            <a:r>
-              <a:rPr lang="en-US" baseline="0" dirty="0" smtClean="0"/>
-              <a:t>flexible for many </a:t>
-            </a:r>
-            <a:r>
-              <a:rPr lang="en-US" baseline="0" dirty="0" smtClean="0"/>
-              <a:t>people to use it </a:t>
-            </a:r>
-            <a:r>
-              <a:rPr lang="en-US" baseline="0" dirty="0" smtClean="0"/>
-              <a:t>in many </a:t>
-            </a:r>
-            <a:r>
-              <a:rPr lang="en-US" baseline="0" dirty="0" smtClean="0"/>
-              <a:t>ways (Rust like)</a:t>
+              <a:t>-Discuss the refactoring/organizing to make the application flexible for many people to use it in many ways (Rust like)</a:t>
             </a:r>
             <a:endParaRPr lang="en-US" dirty="0"/>
           </a:p>
@@ -759,19 +743,7 @@
           <a:p>
             <a:r>
               <a:rPr lang="en-US" dirty="0" smtClean="0"/>
-              <a:t>-The </a:t>
-            </a:r>
-            <a:r>
-              <a:rPr lang="en-US" dirty="0" smtClean="0"/>
-              <a:t>Entity, Components, </a:t>
-            </a:r>
-            <a:r>
-              <a:rPr lang="en-US" dirty="0" smtClean="0"/>
-              <a:t>and Systems used in the flight </a:t>
-            </a:r>
-            <a:r>
-              <a:rPr lang="en-US" dirty="0" smtClean="0"/>
-              <a:t>simulators</a:t>
+              <a:t>-The Entity, Components, and Systems used in the flight simulators</a:t>
             </a:r>
             <a:endParaRPr lang="en-US" dirty="0"/>
           </a:p>
@@ -1540,17 +1512,23 @@
             </a:r>
             <a:r>
               <a:rPr lang="en-US" baseline="0" dirty="0" smtClean="0"/>
-              <a:t> for </a:t>
-            </a:r>
+              <a:t> for simulation</a:t>
+            </a:r>
+          </a:p>
+          <a:p>
             <a:r>
               <a:rPr lang="en-US" baseline="0" dirty="0" smtClean="0"/>
-              <a:t>simulation</a:t>
-            </a:r>
-          </a:p>
-          <a:p>
+              <a:t>-Restate that ECS provides optimized performance and can make editing coding a more seamless </a:t>
+            </a:r>
             <a:r>
               <a:rPr lang="en-US" baseline="0" dirty="0" smtClean="0"/>
-              <a:t>-Restate that ECS provides optimized performance and can make editing coding a more seamless process</a:t>
+              <a:t>process</a:t>
+            </a:r>
+          </a:p>
+          <a:p>
+            <a:r>
+              <a:rPr lang="en-US" baseline="0" dirty="0" smtClean="0"/>
+              <a:t>-The resulting software package is a flight dynamics model library that is structured in a way that makes it flexible for different uses</a:t>
             </a:r>
             <a:endParaRPr lang="en-US" dirty="0"/>
           </a:p>
@@ -2132,14 +2110,30 @@
           <a:p>
             <a:r>
               <a:rPr lang="en-US" baseline="0" dirty="0" smtClean="0"/>
-              <a:t>-Use two public textbooks containing the flight models</a:t>
+              <a:t>-Use two </a:t>
+            </a:r>
+            <a:r>
+              <a:rPr lang="en-US" baseline="0" dirty="0" smtClean="0"/>
+              <a:t>published </a:t>
+            </a:r>
+            <a:r>
+              <a:rPr lang="en-US" baseline="0" dirty="0" smtClean="0"/>
+              <a:t>textbooks containing the flight models</a:t>
             </a:r>
             <a:br>
               <a:rPr lang="en-US" baseline="0" dirty="0" smtClean="0"/>
             </a:br>
             <a:r>
               <a:rPr lang="en-US" baseline="0" dirty="0" smtClean="0"/>
-              <a:t>-Explain the FDMs: both 6-DoF and seek to update position and orientation by considering forces and integrating the equations of motion</a:t>
+              <a:t>-Explain the FDMs: </a:t>
+            </a:r>
+            <a:r>
+              <a:rPr lang="en-US" baseline="0" dirty="0" smtClean="0"/>
+              <a:t>both </a:t>
+            </a:r>
+            <a:r>
+              <a:rPr lang="en-US" baseline="0" dirty="0" smtClean="0"/>
+              <a:t>seek to update position and orientation by considering forces and integrating the equations of motion</a:t>
             </a:r>
           </a:p>
         </p:txBody>
@@ -2226,23 +2220,11 @@
           <a:p>
             <a:r>
               <a:rPr lang="en-US" dirty="0" smtClean="0"/>
-              <a:t>-</a:t>
-            </a:r>
-            <a:r>
-              <a:rPr lang="en-US" dirty="0" smtClean="0"/>
-              <a:t>Explain</a:t>
+              <a:t>-Explain</a:t>
             </a:r>
             <a:r>
               <a:rPr lang="en-US" baseline="0" dirty="0" smtClean="0"/>
-              <a:t> briefly </a:t>
-            </a:r>
-            <a:r>
-              <a:rPr lang="en-US" baseline="0" dirty="0" smtClean="0"/>
-              <a:t>DOD and </a:t>
-            </a:r>
-            <a:r>
-              <a:rPr lang="en-US" baseline="0" dirty="0" smtClean="0"/>
-              <a:t>ECS</a:t>
+              <a:t> briefly DOD and ECS</a:t>
             </a:r>
           </a:p>
           <a:p>
@@ -2250,7 +2232,6 @@
               <a:rPr lang="en-US" baseline="0" dirty="0" smtClean="0"/>
               <a:t>-Ease of programming and performance benefits</a:t>
             </a:r>
-            <a:endParaRPr lang="en-US" baseline="0" dirty="0" smtClean="0"/>
           </a:p>
         </p:txBody>
       </p:sp>
@@ -2747,7 +2728,7 @@
           <a:noFill/>
           <a:extLst>
             <a:ext uri="{909E8E84-426E-40dd-AFC4-6F175D3DCCD1}">
-              <a14:hiddenFill xmlns="" xmlns:a14="http://schemas.microsoft.com/office/drawing/2010/main">
+              <a14:hiddenFill xmlns:a14="http://schemas.microsoft.com/office/drawing/2010/main" xmlns="">
                 <a:solidFill>
                   <a:srgbClr val="FFFFFF"/>
                 </a:solidFill>
@@ -2806,7 +2787,7 @@
             </a:ln>
             <a:extLst>
               <a:ext uri="{91240B29-F687-4f45-9708-019B960494DF}">
-                <a14:hiddenLine xmlns="" xmlns:a14="http://schemas.microsoft.com/office/drawing/2010/main" w="9525">
+                <a14:hiddenLine xmlns:a14="http://schemas.microsoft.com/office/drawing/2010/main" xmlns="" w="9525">
                   <a:solidFill>
                     <a:srgbClr val="000000"/>
                   </a:solidFill>
@@ -2896,7 +2877,7 @@
             </a:ln>
             <a:extLst>
               <a:ext uri="{91240B29-F687-4f45-9708-019B960494DF}">
-                <a14:hiddenLine xmlns="" xmlns:a14="http://schemas.microsoft.com/office/drawing/2010/main" w="9525">
+                <a14:hiddenLine xmlns:a14="http://schemas.microsoft.com/office/drawing/2010/main" xmlns="" w="9525">
                   <a:solidFill>
                     <a:srgbClr val="000000"/>
                   </a:solidFill>
@@ -2986,7 +2967,7 @@
             </a:ln>
             <a:extLst>
               <a:ext uri="{91240B29-F687-4f45-9708-019B960494DF}">
-                <a14:hiddenLine xmlns="" xmlns:a14="http://schemas.microsoft.com/office/drawing/2010/main" w="9525">
+                <a14:hiddenLine xmlns:a14="http://schemas.microsoft.com/office/drawing/2010/main" xmlns="" w="9525">
                   <a:solidFill>
                     <a:srgbClr val="000000"/>
                   </a:solidFill>
@@ -3020,7 +3001,7 @@
             </a:ln>
             <a:extLst>
               <a:ext uri="{91240B29-F687-4f45-9708-019B960494DF}">
-                <a14:hiddenLine xmlns="" xmlns:a14="http://schemas.microsoft.com/office/drawing/2010/main" w="9525">
+                <a14:hiddenLine xmlns:a14="http://schemas.microsoft.com/office/drawing/2010/main" xmlns="" w="9525">
                   <a:solidFill>
                     <a:srgbClr val="000000"/>
                   </a:solidFill>
@@ -3110,7 +3091,7 @@
             </a:ln>
             <a:extLst>
               <a:ext uri="{91240B29-F687-4f45-9708-019B960494DF}">
-                <a14:hiddenLine xmlns="" xmlns:a14="http://schemas.microsoft.com/office/drawing/2010/main" w="9525">
+                <a14:hiddenLine xmlns:a14="http://schemas.microsoft.com/office/drawing/2010/main" xmlns="" w="9525">
                   <a:solidFill>
                     <a:srgbClr val="000000"/>
                   </a:solidFill>
@@ -3172,7 +3153,7 @@
             </a:ln>
             <a:extLst>
               <a:ext uri="{91240B29-F687-4f45-9708-019B960494DF}">
-                <a14:hiddenLine xmlns="" xmlns:a14="http://schemas.microsoft.com/office/drawing/2010/main" w="9525">
+                <a14:hiddenLine xmlns:a14="http://schemas.microsoft.com/office/drawing/2010/main" xmlns="" w="9525">
                   <a:solidFill>
                     <a:srgbClr val="000000"/>
                   </a:solidFill>
@@ -3234,7 +3215,7 @@
             </a:ln>
             <a:extLst>
               <a:ext uri="{91240B29-F687-4f45-9708-019B960494DF}">
-                <a14:hiddenLine xmlns="" xmlns:a14="http://schemas.microsoft.com/office/drawing/2010/main" w="9525">
+                <a14:hiddenLine xmlns:a14="http://schemas.microsoft.com/office/drawing/2010/main" xmlns="" w="9525">
                   <a:solidFill>
                     <a:srgbClr val="000000"/>
                   </a:solidFill>
@@ -3324,7 +3305,7 @@
             </a:ln>
             <a:extLst>
               <a:ext uri="{91240B29-F687-4f45-9708-019B960494DF}">
-                <a14:hiddenLine xmlns="" xmlns:a14="http://schemas.microsoft.com/office/drawing/2010/main" w="9525">
+                <a14:hiddenLine xmlns:a14="http://schemas.microsoft.com/office/drawing/2010/main" xmlns="" w="9525">
                   <a:solidFill>
                     <a:srgbClr val="000000"/>
                   </a:solidFill>
@@ -3386,7 +3367,7 @@
             </a:ln>
             <a:extLst>
               <a:ext uri="{91240B29-F687-4f45-9708-019B960494DF}">
-                <a14:hiddenLine xmlns="" xmlns:a14="http://schemas.microsoft.com/office/drawing/2010/main" w="9525">
+                <a14:hiddenLine xmlns:a14="http://schemas.microsoft.com/office/drawing/2010/main" xmlns="" w="9525">
                   <a:solidFill>
                     <a:srgbClr val="000000"/>
                   </a:solidFill>
@@ -3448,7 +3429,7 @@
             </a:ln>
             <a:extLst>
               <a:ext uri="{91240B29-F687-4f45-9708-019B960494DF}">
-                <a14:hiddenLine xmlns="" xmlns:a14="http://schemas.microsoft.com/office/drawing/2010/main" w="9525">
+                <a14:hiddenLine xmlns:a14="http://schemas.microsoft.com/office/drawing/2010/main" xmlns="" w="9525">
                   <a:solidFill>
                     <a:srgbClr val="000000"/>
                   </a:solidFill>
@@ -3538,7 +3519,7 @@
             </a:ln>
             <a:extLst>
               <a:ext uri="{91240B29-F687-4f45-9708-019B960494DF}">
-                <a14:hiddenLine xmlns="" xmlns:a14="http://schemas.microsoft.com/office/drawing/2010/main" w="9525">
+                <a14:hiddenLine xmlns:a14="http://schemas.microsoft.com/office/drawing/2010/main" xmlns="" w="9525">
                   <a:solidFill>
                     <a:srgbClr val="000000"/>
                   </a:solidFill>
@@ -3628,7 +3609,7 @@
             </a:ln>
             <a:extLst>
               <a:ext uri="{91240B29-F687-4f45-9708-019B960494DF}">
-                <a14:hiddenLine xmlns="" xmlns:a14="http://schemas.microsoft.com/office/drawing/2010/main" w="9525">
+                <a14:hiddenLine xmlns:a14="http://schemas.microsoft.com/office/drawing/2010/main" xmlns="" w="9525">
                   <a:solidFill>
                     <a:srgbClr val="000000"/>
                   </a:solidFill>
@@ -3690,7 +3671,7 @@
             </a:ln>
             <a:extLst>
               <a:ext uri="{91240B29-F687-4f45-9708-019B960494DF}">
-                <a14:hiddenLine xmlns="" xmlns:a14="http://schemas.microsoft.com/office/drawing/2010/main" w="9525">
+                <a14:hiddenLine xmlns:a14="http://schemas.microsoft.com/office/drawing/2010/main" xmlns="" w="9525">
                   <a:solidFill>
                     <a:srgbClr val="000000"/>
                   </a:solidFill>
@@ -3800,7 +3781,7 @@
             </a:ln>
             <a:extLst>
               <a:ext uri="{91240B29-F687-4f45-9708-019B960494DF}">
-                <a14:hiddenLine xmlns="" xmlns:a14="http://schemas.microsoft.com/office/drawing/2010/main" w="9525">
+                <a14:hiddenLine xmlns:a14="http://schemas.microsoft.com/office/drawing/2010/main" xmlns="" w="9525">
                   <a:solidFill>
                     <a:srgbClr val="000000"/>
                   </a:solidFill>
@@ -3862,7 +3843,7 @@
             </a:ln>
             <a:extLst>
               <a:ext uri="{91240B29-F687-4f45-9708-019B960494DF}">
-                <a14:hiddenLine xmlns="" xmlns:a14="http://schemas.microsoft.com/office/drawing/2010/main" w="9525">
+                <a14:hiddenLine xmlns:a14="http://schemas.microsoft.com/office/drawing/2010/main" xmlns="" w="9525">
                   <a:solidFill>
                     <a:srgbClr val="000000"/>
                   </a:solidFill>
@@ -3952,7 +3933,7 @@
             </a:ln>
             <a:extLst>
               <a:ext uri="{91240B29-F687-4f45-9708-019B960494DF}">
-                <a14:hiddenLine xmlns="" xmlns:a14="http://schemas.microsoft.com/office/drawing/2010/main" w="9525">
+                <a14:hiddenLine xmlns:a14="http://schemas.microsoft.com/office/drawing/2010/main" xmlns="" w="9525">
                   <a:solidFill>
                     <a:srgbClr val="000000"/>
                   </a:solidFill>
@@ -4042,7 +4023,7 @@
             </a:ln>
             <a:extLst>
               <a:ext uri="{91240B29-F687-4f45-9708-019B960494DF}">
-                <a14:hiddenLine xmlns="" xmlns:a14="http://schemas.microsoft.com/office/drawing/2010/main" w="9525">
+                <a14:hiddenLine xmlns:a14="http://schemas.microsoft.com/office/drawing/2010/main" xmlns="" w="9525">
                   <a:solidFill>
                     <a:srgbClr val="000000"/>
                   </a:solidFill>
@@ -4104,7 +4085,7 @@
             </a:ln>
             <a:extLst>
               <a:ext uri="{91240B29-F687-4f45-9708-019B960494DF}">
-                <a14:hiddenLine xmlns="" xmlns:a14="http://schemas.microsoft.com/office/drawing/2010/main" w="9525">
+                <a14:hiddenLine xmlns:a14="http://schemas.microsoft.com/office/drawing/2010/main" xmlns="" w="9525">
                   <a:solidFill>
                     <a:srgbClr val="000000"/>
                   </a:solidFill>
@@ -4194,7 +4175,7 @@
             </a:ln>
             <a:extLst>
               <a:ext uri="{91240B29-F687-4f45-9708-019B960494DF}">
-                <a14:hiddenLine xmlns="" xmlns:a14="http://schemas.microsoft.com/office/drawing/2010/main" w="9525">
+                <a14:hiddenLine xmlns:a14="http://schemas.microsoft.com/office/drawing/2010/main" xmlns="" w="9525">
                   <a:solidFill>
                     <a:srgbClr val="000000"/>
                   </a:solidFill>
@@ -4284,7 +4265,7 @@
             </a:ln>
             <a:extLst>
               <a:ext uri="{91240B29-F687-4f45-9708-019B960494DF}">
-                <a14:hiddenLine xmlns="" xmlns:a14="http://schemas.microsoft.com/office/drawing/2010/main" w="9525">
+                <a14:hiddenLine xmlns:a14="http://schemas.microsoft.com/office/drawing/2010/main" xmlns="" w="9525">
                   <a:solidFill>
                     <a:srgbClr val="000000"/>
                   </a:solidFill>
@@ -4340,7 +4321,7 @@
             </a:ln>
             <a:extLst>
               <a:ext uri="{91240B29-F687-4f45-9708-019B960494DF}">
-                <a14:hiddenLine xmlns="" xmlns:a14="http://schemas.microsoft.com/office/drawing/2010/main" w="9525">
+                <a14:hiddenLine xmlns:a14="http://schemas.microsoft.com/office/drawing/2010/main" xmlns="" w="9525">
                   <a:solidFill>
                     <a:srgbClr val="000000"/>
                   </a:solidFill>
@@ -4430,7 +4411,7 @@
             </a:ln>
             <a:extLst>
               <a:ext uri="{91240B29-F687-4f45-9708-019B960494DF}">
-                <a14:hiddenLine xmlns="" xmlns:a14="http://schemas.microsoft.com/office/drawing/2010/main" w="9525">
+                <a14:hiddenLine xmlns:a14="http://schemas.microsoft.com/office/drawing/2010/main" xmlns="" w="9525">
                   <a:solidFill>
                     <a:srgbClr val="000000"/>
                   </a:solidFill>
@@ -4486,7 +4467,7 @@
             </a:ln>
             <a:extLst>
               <a:ext uri="{91240B29-F687-4f45-9708-019B960494DF}">
-                <a14:hiddenLine xmlns="" xmlns:a14="http://schemas.microsoft.com/office/drawing/2010/main" w="9525">
+                <a14:hiddenLine xmlns:a14="http://schemas.microsoft.com/office/drawing/2010/main" xmlns="" w="9525">
                   <a:solidFill>
                     <a:srgbClr val="000000"/>
                   </a:solidFill>
@@ -4576,7 +4557,7 @@
             </a:ln>
             <a:extLst>
               <a:ext uri="{91240B29-F687-4f45-9708-019B960494DF}">
-                <a14:hiddenLine xmlns="" xmlns:a14="http://schemas.microsoft.com/office/drawing/2010/main" w="9525">
+                <a14:hiddenLine xmlns:a14="http://schemas.microsoft.com/office/drawing/2010/main" xmlns="" w="9525">
                   <a:solidFill>
                     <a:srgbClr val="000000"/>
                   </a:solidFill>
@@ -4644,7 +4625,7 @@
             </a:ln>
             <a:extLst>
               <a:ext uri="{91240B29-F687-4f45-9708-019B960494DF}">
-                <a14:hiddenLine xmlns="" xmlns:a14="http://schemas.microsoft.com/office/drawing/2010/main" w="9525">
+                <a14:hiddenLine xmlns:a14="http://schemas.microsoft.com/office/drawing/2010/main" xmlns="" w="9525">
                   <a:solidFill>
                     <a:srgbClr val="000000"/>
                   </a:solidFill>
@@ -4734,7 +4715,7 @@
             </a:ln>
             <a:extLst>
               <a:ext uri="{91240B29-F687-4f45-9708-019B960494DF}">
-                <a14:hiddenLine xmlns="" xmlns:a14="http://schemas.microsoft.com/office/drawing/2010/main" w="9525">
+                <a14:hiddenLine xmlns:a14="http://schemas.microsoft.com/office/drawing/2010/main" xmlns="" w="9525">
                   <a:solidFill>
                     <a:srgbClr val="000000"/>
                   </a:solidFill>
@@ -4802,7 +4783,7 @@
             </a:ln>
             <a:extLst>
               <a:ext uri="{91240B29-F687-4f45-9708-019B960494DF}">
-                <a14:hiddenLine xmlns="" xmlns:a14="http://schemas.microsoft.com/office/drawing/2010/main" w="9525">
+                <a14:hiddenLine xmlns:a14="http://schemas.microsoft.com/office/drawing/2010/main" xmlns="" w="9525">
                   <a:solidFill>
                     <a:srgbClr val="000000"/>
                   </a:solidFill>
@@ -4892,7 +4873,7 @@
             </a:ln>
             <a:extLst>
               <a:ext uri="{91240B29-F687-4f45-9708-019B960494DF}">
-                <a14:hiddenLine xmlns="" xmlns:a14="http://schemas.microsoft.com/office/drawing/2010/main" w="9525">
+                <a14:hiddenLine xmlns:a14="http://schemas.microsoft.com/office/drawing/2010/main" xmlns="" w="9525">
                   <a:solidFill>
                     <a:srgbClr val="000000"/>
                   </a:solidFill>
@@ -4926,7 +4907,7 @@
             </a:ln>
             <a:extLst>
               <a:ext uri="{91240B29-F687-4f45-9708-019B960494DF}">
-                <a14:hiddenLine xmlns="" xmlns:a14="http://schemas.microsoft.com/office/drawing/2010/main" w="9525">
+                <a14:hiddenLine xmlns:a14="http://schemas.microsoft.com/office/drawing/2010/main" xmlns="" w="9525">
                   <a:solidFill>
                     <a:srgbClr val="000000"/>
                   </a:solidFill>
@@ -5016,7 +4997,7 @@
             </a:ln>
             <a:extLst>
               <a:ext uri="{91240B29-F687-4f45-9708-019B960494DF}">
-                <a14:hiddenLine xmlns="" xmlns:a14="http://schemas.microsoft.com/office/drawing/2010/main" w="9525">
+                <a14:hiddenLine xmlns:a14="http://schemas.microsoft.com/office/drawing/2010/main" xmlns="" w="9525">
                   <a:solidFill>
                     <a:srgbClr val="000000"/>
                   </a:solidFill>
@@ -5078,7 +5059,7 @@
             </a:ln>
             <a:extLst>
               <a:ext uri="{91240B29-F687-4f45-9708-019B960494DF}">
-                <a14:hiddenLine xmlns="" xmlns:a14="http://schemas.microsoft.com/office/drawing/2010/main" w="9525">
+                <a14:hiddenLine xmlns:a14="http://schemas.microsoft.com/office/drawing/2010/main" xmlns="" w="9525">
                   <a:solidFill>
                     <a:srgbClr val="000000"/>
                   </a:solidFill>
@@ -5140,7 +5121,7 @@
             </a:ln>
             <a:extLst>
               <a:ext uri="{91240B29-F687-4f45-9708-019B960494DF}">
-                <a14:hiddenLine xmlns="" xmlns:a14="http://schemas.microsoft.com/office/drawing/2010/main" w="9525">
+                <a14:hiddenLine xmlns:a14="http://schemas.microsoft.com/office/drawing/2010/main" xmlns="" w="9525">
                   <a:solidFill>
                     <a:srgbClr val="000000"/>
                   </a:solidFill>
@@ -5230,7 +5211,7 @@
             </a:ln>
             <a:extLst>
               <a:ext uri="{91240B29-F687-4f45-9708-019B960494DF}">
-                <a14:hiddenLine xmlns="" xmlns:a14="http://schemas.microsoft.com/office/drawing/2010/main" w="9525">
+                <a14:hiddenLine xmlns:a14="http://schemas.microsoft.com/office/drawing/2010/main" xmlns="" w="9525">
                   <a:solidFill>
                     <a:srgbClr val="000000"/>
                   </a:solidFill>
@@ -5298,7 +5279,7 @@
             </a:ln>
             <a:extLst>
               <a:ext uri="{91240B29-F687-4f45-9708-019B960494DF}">
-                <a14:hiddenLine xmlns="" xmlns:a14="http://schemas.microsoft.com/office/drawing/2010/main" w="9525">
+                <a14:hiddenLine xmlns:a14="http://schemas.microsoft.com/office/drawing/2010/main" xmlns="" w="9525">
                   <a:solidFill>
                     <a:srgbClr val="000000"/>
                   </a:solidFill>
@@ -5360,7 +5341,7 @@
             </a:ln>
             <a:extLst>
               <a:ext uri="{91240B29-F687-4f45-9708-019B960494DF}">
-                <a14:hiddenLine xmlns="" xmlns:a14="http://schemas.microsoft.com/office/drawing/2010/main" w="9525">
+                <a14:hiddenLine xmlns:a14="http://schemas.microsoft.com/office/drawing/2010/main" xmlns="" w="9525">
                   <a:solidFill>
                     <a:srgbClr val="000000"/>
                   </a:solidFill>
@@ -5450,7 +5431,7 @@
             </a:ln>
             <a:extLst>
               <a:ext uri="{91240B29-F687-4f45-9708-019B960494DF}">
-                <a14:hiddenLine xmlns="" xmlns:a14="http://schemas.microsoft.com/office/drawing/2010/main" w="9525">
+                <a14:hiddenLine xmlns:a14="http://schemas.microsoft.com/office/drawing/2010/main" xmlns="" w="9525">
                   <a:solidFill>
                     <a:srgbClr val="000000"/>
                   </a:solidFill>
@@ -5512,7 +5493,7 @@
             </a:ln>
             <a:extLst>
               <a:ext uri="{91240B29-F687-4f45-9708-019B960494DF}">
-                <a14:hiddenLine xmlns="" xmlns:a14="http://schemas.microsoft.com/office/drawing/2010/main" w="9525">
+                <a14:hiddenLine xmlns:a14="http://schemas.microsoft.com/office/drawing/2010/main" xmlns="" w="9525">
                   <a:solidFill>
                     <a:srgbClr val="000000"/>
                   </a:solidFill>
@@ -5602,7 +5583,7 @@
             </a:ln>
             <a:extLst>
               <a:ext uri="{91240B29-F687-4f45-9708-019B960494DF}">
-                <a14:hiddenLine xmlns="" xmlns:a14="http://schemas.microsoft.com/office/drawing/2010/main" w="9525">
+                <a14:hiddenLine xmlns:a14="http://schemas.microsoft.com/office/drawing/2010/main" xmlns="" w="9525">
                   <a:solidFill>
                     <a:srgbClr val="000000"/>
                   </a:solidFill>
@@ -5664,7 +5645,7 @@
             </a:ln>
             <a:extLst>
               <a:ext uri="{91240B29-F687-4f45-9708-019B960494DF}">
-                <a14:hiddenLine xmlns="" xmlns:a14="http://schemas.microsoft.com/office/drawing/2010/main" w="9525">
+                <a14:hiddenLine xmlns:a14="http://schemas.microsoft.com/office/drawing/2010/main" xmlns="" w="9525">
                   <a:solidFill>
                     <a:srgbClr val="000000"/>
                   </a:solidFill>
@@ -5754,7 +5735,7 @@
             </a:ln>
             <a:extLst>
               <a:ext uri="{91240B29-F687-4f45-9708-019B960494DF}">
-                <a14:hiddenLine xmlns="" xmlns:a14="http://schemas.microsoft.com/office/drawing/2010/main" w="9525">
+                <a14:hiddenLine xmlns:a14="http://schemas.microsoft.com/office/drawing/2010/main" xmlns="" w="9525">
                   <a:solidFill>
                     <a:srgbClr val="000000"/>
                   </a:solidFill>
@@ -5788,7 +5769,7 @@
             </a:ln>
             <a:extLst>
               <a:ext uri="{91240B29-F687-4f45-9708-019B960494DF}">
-                <a14:hiddenLine xmlns="" xmlns:a14="http://schemas.microsoft.com/office/drawing/2010/main" w="9525">
+                <a14:hiddenLine xmlns:a14="http://schemas.microsoft.com/office/drawing/2010/main" xmlns="" w="9525">
                   <a:solidFill>
                     <a:srgbClr val="000000"/>
                   </a:solidFill>
@@ -5853,7 +5834,7 @@
             </a:ln>
             <a:extLst>
               <a:ext uri="{91240B29-F687-4f45-9708-019B960494DF}">
-                <a14:hiddenLine xmlns="" xmlns:a14="http://schemas.microsoft.com/office/drawing/2010/main" w="9525">
+                <a14:hiddenLine xmlns:a14="http://schemas.microsoft.com/office/drawing/2010/main" xmlns="" w="9525">
                   <a:solidFill>
                     <a:srgbClr val="000000"/>
                   </a:solidFill>
@@ -5943,7 +5924,7 @@
             </a:ln>
             <a:extLst>
               <a:ext uri="{91240B29-F687-4f45-9708-019B960494DF}">
-                <a14:hiddenLine xmlns="" xmlns:a14="http://schemas.microsoft.com/office/drawing/2010/main" w="9525">
+                <a14:hiddenLine xmlns:a14="http://schemas.microsoft.com/office/drawing/2010/main" xmlns="" w="9525">
                   <a:solidFill>
                     <a:srgbClr val="000000"/>
                   </a:solidFill>
@@ -6005,7 +5986,7 @@
             </a:ln>
             <a:extLst>
               <a:ext uri="{91240B29-F687-4f45-9708-019B960494DF}">
-                <a14:hiddenLine xmlns="" xmlns:a14="http://schemas.microsoft.com/office/drawing/2010/main" w="9525">
+                <a14:hiddenLine xmlns:a14="http://schemas.microsoft.com/office/drawing/2010/main" xmlns="" w="9525">
                   <a:solidFill>
                     <a:srgbClr val="000000"/>
                   </a:solidFill>
@@ -6095,7 +6076,7 @@
             </a:ln>
             <a:extLst>
               <a:ext uri="{91240B29-F687-4f45-9708-019B960494DF}">
-                <a14:hiddenLine xmlns="" xmlns:a14="http://schemas.microsoft.com/office/drawing/2010/main" w="9525">
+                <a14:hiddenLine xmlns:a14="http://schemas.microsoft.com/office/drawing/2010/main" xmlns="" w="9525">
                   <a:solidFill>
                     <a:srgbClr val="000000"/>
                   </a:solidFill>
@@ -6185,7 +6166,7 @@
             </a:ln>
             <a:extLst>
               <a:ext uri="{91240B29-F687-4f45-9708-019B960494DF}">
-                <a14:hiddenLine xmlns="" xmlns:a14="http://schemas.microsoft.com/office/drawing/2010/main" w="9525">
+                <a14:hiddenLine xmlns:a14="http://schemas.microsoft.com/office/drawing/2010/main" xmlns="" w="9525">
                   <a:solidFill>
                     <a:srgbClr val="000000"/>
                   </a:solidFill>
@@ -6250,7 +6231,7 @@
             </a:ln>
             <a:extLst>
               <a:ext uri="{91240B29-F687-4f45-9708-019B960494DF}">
-                <a14:hiddenLine xmlns="" xmlns:a14="http://schemas.microsoft.com/office/drawing/2010/main" w="9525">
+                <a14:hiddenLine xmlns:a14="http://schemas.microsoft.com/office/drawing/2010/main" xmlns="" w="9525">
                   <a:solidFill>
                     <a:srgbClr val="000000"/>
                   </a:solidFill>
@@ -6312,7 +6293,7 @@
             </a:ln>
             <a:extLst>
               <a:ext uri="{91240B29-F687-4f45-9708-019B960494DF}">
-                <a14:hiddenLine xmlns="" xmlns:a14="http://schemas.microsoft.com/office/drawing/2010/main" w="9525">
+                <a14:hiddenLine xmlns:a14="http://schemas.microsoft.com/office/drawing/2010/main" xmlns="" w="9525">
                   <a:solidFill>
                     <a:srgbClr val="000000"/>
                   </a:solidFill>
@@ -6402,7 +6383,7 @@
             </a:ln>
             <a:extLst>
               <a:ext uri="{91240B29-F687-4f45-9708-019B960494DF}">
-                <a14:hiddenLine xmlns="" xmlns:a14="http://schemas.microsoft.com/office/drawing/2010/main" w="9525">
+                <a14:hiddenLine xmlns:a14="http://schemas.microsoft.com/office/drawing/2010/main" xmlns="" w="9525">
                   <a:solidFill>
                     <a:srgbClr val="000000"/>
                   </a:solidFill>
@@ -6492,7 +6473,7 @@
             </a:ln>
             <a:extLst>
               <a:ext uri="{91240B29-F687-4f45-9708-019B960494DF}">
-                <a14:hiddenLine xmlns="" xmlns:a14="http://schemas.microsoft.com/office/drawing/2010/main" w="9525">
+                <a14:hiddenLine xmlns:a14="http://schemas.microsoft.com/office/drawing/2010/main" xmlns="" w="9525">
                   <a:solidFill>
                     <a:srgbClr val="000000"/>
                   </a:solidFill>
@@ -6554,7 +6535,7 @@
             </a:ln>
             <a:extLst>
               <a:ext uri="{91240B29-F687-4f45-9708-019B960494DF}">
-                <a14:hiddenLine xmlns="" xmlns:a14="http://schemas.microsoft.com/office/drawing/2010/main" w="9525">
+                <a14:hiddenLine xmlns:a14="http://schemas.microsoft.com/office/drawing/2010/main" xmlns="" w="9525">
                   <a:solidFill>
                     <a:srgbClr val="000000"/>
                   </a:solidFill>
@@ -6674,7 +6655,7 @@
             </a:ln>
             <a:extLst>
               <a:ext uri="{91240B29-F687-4f45-9708-019B960494DF}">
-                <a14:hiddenLine xmlns="" xmlns:a14="http://schemas.microsoft.com/office/drawing/2010/main" w="9525">
+                <a14:hiddenLine xmlns:a14="http://schemas.microsoft.com/office/drawing/2010/main" xmlns="" w="9525">
                   <a:solidFill>
                     <a:srgbClr val="000000"/>
                   </a:solidFill>
@@ -6742,7 +6723,7 @@
             </a:ln>
             <a:extLst>
               <a:ext uri="{91240B29-F687-4f45-9708-019B960494DF}">
-                <a14:hiddenLine xmlns="" xmlns:a14="http://schemas.microsoft.com/office/drawing/2010/main" w="9525">
+                <a14:hiddenLine xmlns:a14="http://schemas.microsoft.com/office/drawing/2010/main" xmlns="" w="9525">
                   <a:solidFill>
                     <a:srgbClr val="000000"/>
                   </a:solidFill>
@@ -6832,7 +6813,7 @@
             </a:ln>
             <a:extLst>
               <a:ext uri="{91240B29-F687-4f45-9708-019B960494DF}">
-                <a14:hiddenLine xmlns="" xmlns:a14="http://schemas.microsoft.com/office/drawing/2010/main" w="9525">
+                <a14:hiddenLine xmlns:a14="http://schemas.microsoft.com/office/drawing/2010/main" xmlns="" w="9525">
                   <a:solidFill>
                     <a:srgbClr val="000000"/>
                   </a:solidFill>
@@ -6972,7 +6953,7 @@
           <a:p>
             <a:fld id="{EA2E5030-8CDF-47DB-BC9E-6F3E03A9C925}" type="datetimeFigureOut">
               <a:rPr lang="en-US" smtClean="0"/>
-              <a:t>1/31/2021</a:t>
+              <a:t>2/9/2021</a:t>
             </a:fld>
             <a:endParaRPr lang="en-US"/>
           </a:p>
@@ -7239,7 +7220,7 @@
           <a:p>
             <a:fld id="{EA2E5030-8CDF-47DB-BC9E-6F3E03A9C925}" type="datetimeFigureOut">
               <a:rPr lang="en-US" smtClean="0"/>
-              <a:t>1/31/2021</a:t>
+              <a:t>2/9/2021</a:t>
             </a:fld>
             <a:endParaRPr lang="en-US"/>
           </a:p>
@@ -7435,7 +7416,7 @@
           <a:p>
             <a:fld id="{EA2E5030-8CDF-47DB-BC9E-6F3E03A9C925}" type="datetimeFigureOut">
               <a:rPr lang="en-US" smtClean="0"/>
-              <a:t>1/31/2021</a:t>
+              <a:t>2/9/2021</a:t>
             </a:fld>
             <a:endParaRPr lang="en-US"/>
           </a:p>
@@ -7698,7 +7679,7 @@
           <a:p>
             <a:fld id="{EA2E5030-8CDF-47DB-BC9E-6F3E03A9C925}" type="datetimeFigureOut">
               <a:rPr lang="en-US" smtClean="0"/>
-              <a:t>1/31/2021</a:t>
+              <a:t>2/9/2021</a:t>
             </a:fld>
             <a:endParaRPr lang="en-US"/>
           </a:p>
@@ -8132,7 +8113,7 @@
           <a:p>
             <a:fld id="{EA2E5030-8CDF-47DB-BC9E-6F3E03A9C925}" type="datetimeFigureOut">
               <a:rPr lang="en-US" smtClean="0"/>
-              <a:t>1/31/2021</a:t>
+              <a:t>2/9/2021</a:t>
             </a:fld>
             <a:endParaRPr lang="en-US"/>
           </a:p>
@@ -8678,7 +8659,7 @@
           <a:p>
             <a:fld id="{EA2E5030-8CDF-47DB-BC9E-6F3E03A9C925}" type="datetimeFigureOut">
               <a:rPr lang="en-US" smtClean="0"/>
-              <a:t>1/31/2021</a:t>
+              <a:t>2/9/2021</a:t>
             </a:fld>
             <a:endParaRPr lang="en-US"/>
           </a:p>
@@ -9398,7 +9379,7 @@
           <a:p>
             <a:fld id="{EA2E5030-8CDF-47DB-BC9E-6F3E03A9C925}" type="datetimeFigureOut">
               <a:rPr lang="en-US" smtClean="0"/>
-              <a:t>1/31/2021</a:t>
+              <a:t>2/9/2021</a:t>
             </a:fld>
             <a:endParaRPr lang="en-US"/>
           </a:p>
@@ -9568,7 +9549,7 @@
           <a:p>
             <a:fld id="{EA2E5030-8CDF-47DB-BC9E-6F3E03A9C925}" type="datetimeFigureOut">
               <a:rPr lang="en-US" smtClean="0"/>
-              <a:t>1/31/2021</a:t>
+              <a:t>2/9/2021</a:t>
             </a:fld>
             <a:endParaRPr lang="en-US"/>
           </a:p>
@@ -9748,7 +9729,7 @@
           <a:p>
             <a:fld id="{EA2E5030-8CDF-47DB-BC9E-6F3E03A9C925}" type="datetimeFigureOut">
               <a:rPr lang="en-US" smtClean="0"/>
-              <a:t>1/31/2021</a:t>
+              <a:t>2/9/2021</a:t>
             </a:fld>
             <a:endParaRPr lang="en-US"/>
           </a:p>
@@ -9918,7 +9899,7 @@
           <a:p>
             <a:fld id="{EA2E5030-8CDF-47DB-BC9E-6F3E03A9C925}" type="datetimeFigureOut">
               <a:rPr lang="en-US" smtClean="0"/>
-              <a:t>1/31/2021</a:t>
+              <a:t>2/9/2021</a:t>
             </a:fld>
             <a:endParaRPr lang="en-US"/>
           </a:p>
@@ -10168,7 +10149,7 @@
           <a:p>
             <a:fld id="{EA2E5030-8CDF-47DB-BC9E-6F3E03A9C925}" type="datetimeFigureOut">
               <a:rPr lang="en-US" smtClean="0"/>
-              <a:t>1/31/2021</a:t>
+              <a:t>2/9/2021</a:t>
             </a:fld>
             <a:endParaRPr lang="en-US"/>
           </a:p>
@@ -10400,7 +10381,7 @@
           <a:p>
             <a:fld id="{EA2E5030-8CDF-47DB-BC9E-6F3E03A9C925}" type="datetimeFigureOut">
               <a:rPr lang="en-US" smtClean="0"/>
-              <a:t>1/31/2021</a:t>
+              <a:t>2/9/2021</a:t>
             </a:fld>
             <a:endParaRPr lang="en-US"/>
           </a:p>
@@ -10781,7 +10762,7 @@
           <a:p>
             <a:fld id="{EA2E5030-8CDF-47DB-BC9E-6F3E03A9C925}" type="datetimeFigureOut">
               <a:rPr lang="en-US" smtClean="0"/>
-              <a:t>1/31/2021</a:t>
+              <a:t>2/9/2021</a:t>
             </a:fld>
             <a:endParaRPr lang="en-US"/>
           </a:p>
@@ -10899,7 +10880,7 @@
           <a:p>
             <a:fld id="{EA2E5030-8CDF-47DB-BC9E-6F3E03A9C925}" type="datetimeFigureOut">
               <a:rPr lang="en-US" smtClean="0"/>
-              <a:t>1/31/2021</a:t>
+              <a:t>2/9/2021</a:t>
             </a:fld>
             <a:endParaRPr lang="en-US"/>
           </a:p>
@@ -10994,7 +10975,7 @@
           <a:p>
             <a:fld id="{EA2E5030-8CDF-47DB-BC9E-6F3E03A9C925}" type="datetimeFigureOut">
               <a:rPr lang="en-US" smtClean="0"/>
-              <a:t>1/31/2021</a:t>
+              <a:t>2/9/2021</a:t>
             </a:fld>
             <a:endParaRPr lang="en-US"/>
           </a:p>
@@ -11243,7 +11224,7 @@
           <a:p>
             <a:fld id="{EA2E5030-8CDF-47DB-BC9E-6F3E03A9C925}" type="datetimeFigureOut">
               <a:rPr lang="en-US" smtClean="0"/>
-              <a:t>1/31/2021</a:t>
+              <a:t>2/9/2021</a:t>
             </a:fld>
             <a:endParaRPr lang="en-US"/>
           </a:p>
@@ -11523,7 +11504,7 @@
           <a:p>
             <a:fld id="{EA2E5030-8CDF-47DB-BC9E-6F3E03A9C925}" type="datetimeFigureOut">
               <a:rPr lang="en-US" smtClean="0"/>
-              <a:t>1/31/2021</a:t>
+              <a:t>2/9/2021</a:t>
             </a:fld>
             <a:endParaRPr lang="en-US"/>
           </a:p>
@@ -11646,7 +11627,7 @@
           <a:noFill/>
           <a:extLst>
             <a:ext uri="{909E8E84-426E-40dd-AFC4-6F175D3DCCD1}">
-              <a14:hiddenFill xmlns="" xmlns:a14="http://schemas.microsoft.com/office/drawing/2010/main">
+              <a14:hiddenFill xmlns:a14="http://schemas.microsoft.com/office/drawing/2010/main" xmlns="">
                 <a:solidFill>
                   <a:srgbClr val="FFFFFF"/>
                 </a:solidFill>
@@ -11720,7 +11701,7 @@
               </a:ln>
               <a:extLst>
                 <a:ext uri="{91240B29-F687-4f45-9708-019B960494DF}">
-                  <a14:hiddenLine xmlns="" xmlns:a14="http://schemas.microsoft.com/office/drawing/2010/main" w="9525">
+                  <a14:hiddenLine xmlns:a14="http://schemas.microsoft.com/office/drawing/2010/main" xmlns="" w="9525">
                     <a:solidFill>
                       <a:srgbClr val="000000"/>
                     </a:solidFill>
@@ -11810,7 +11791,7 @@
               </a:ln>
               <a:extLst>
                 <a:ext uri="{91240B29-F687-4f45-9708-019B960494DF}">
-                  <a14:hiddenLine xmlns="" xmlns:a14="http://schemas.microsoft.com/office/drawing/2010/main" w="9525">
+                  <a14:hiddenLine xmlns:a14="http://schemas.microsoft.com/office/drawing/2010/main" xmlns="" w="9525">
                     <a:solidFill>
                       <a:srgbClr val="000000"/>
                     </a:solidFill>
@@ -11900,7 +11881,7 @@
               </a:ln>
               <a:extLst>
                 <a:ext uri="{91240B29-F687-4f45-9708-019B960494DF}">
-                  <a14:hiddenLine xmlns="" xmlns:a14="http://schemas.microsoft.com/office/drawing/2010/main" w="9525">
+                  <a14:hiddenLine xmlns:a14="http://schemas.microsoft.com/office/drawing/2010/main" xmlns="" w="9525">
                     <a:solidFill>
                       <a:srgbClr val="000000"/>
                     </a:solidFill>
@@ -11962,7 +11943,7 @@
               </a:ln>
               <a:extLst>
                 <a:ext uri="{91240B29-F687-4f45-9708-019B960494DF}">
-                  <a14:hiddenLine xmlns="" xmlns:a14="http://schemas.microsoft.com/office/drawing/2010/main" w="9525">
+                  <a14:hiddenLine xmlns:a14="http://schemas.microsoft.com/office/drawing/2010/main" xmlns="" w="9525">
                     <a:solidFill>
                       <a:srgbClr val="000000"/>
                     </a:solidFill>
@@ -12052,7 +12033,7 @@
               </a:ln>
               <a:extLst>
                 <a:ext uri="{91240B29-F687-4f45-9708-019B960494DF}">
-                  <a14:hiddenLine xmlns="" xmlns:a14="http://schemas.microsoft.com/office/drawing/2010/main" w="9525">
+                  <a14:hiddenLine xmlns:a14="http://schemas.microsoft.com/office/drawing/2010/main" xmlns="" w="9525">
                     <a:solidFill>
                       <a:srgbClr val="000000"/>
                     </a:solidFill>
@@ -12114,7 +12095,7 @@
               </a:ln>
               <a:extLst>
                 <a:ext uri="{91240B29-F687-4f45-9708-019B960494DF}">
-                  <a14:hiddenLine xmlns="" xmlns:a14="http://schemas.microsoft.com/office/drawing/2010/main" w="9525">
+                  <a14:hiddenLine xmlns:a14="http://schemas.microsoft.com/office/drawing/2010/main" xmlns="" w="9525">
                     <a:solidFill>
                       <a:srgbClr val="000000"/>
                     </a:solidFill>
@@ -12176,7 +12157,7 @@
               </a:ln>
               <a:extLst>
                 <a:ext uri="{91240B29-F687-4f45-9708-019B960494DF}">
-                  <a14:hiddenLine xmlns="" xmlns:a14="http://schemas.microsoft.com/office/drawing/2010/main" w="9525">
+                  <a14:hiddenLine xmlns:a14="http://schemas.microsoft.com/office/drawing/2010/main" xmlns="" w="9525">
                     <a:solidFill>
                       <a:srgbClr val="000000"/>
                     </a:solidFill>
@@ -12266,7 +12247,7 @@
               </a:ln>
               <a:extLst>
                 <a:ext uri="{91240B29-F687-4f45-9708-019B960494DF}">
-                  <a14:hiddenLine xmlns="" xmlns:a14="http://schemas.microsoft.com/office/drawing/2010/main" w="9525">
+                  <a14:hiddenLine xmlns:a14="http://schemas.microsoft.com/office/drawing/2010/main" xmlns="" w="9525">
                     <a:solidFill>
                       <a:srgbClr val="000000"/>
                     </a:solidFill>
@@ -12356,7 +12337,7 @@
               </a:ln>
               <a:extLst>
                 <a:ext uri="{91240B29-F687-4f45-9708-019B960494DF}">
-                  <a14:hiddenLine xmlns="" xmlns:a14="http://schemas.microsoft.com/office/drawing/2010/main" w="9525">
+                  <a14:hiddenLine xmlns:a14="http://schemas.microsoft.com/office/drawing/2010/main" xmlns="" w="9525">
                     <a:solidFill>
                       <a:srgbClr val="000000"/>
                     </a:solidFill>
@@ -12418,7 +12399,7 @@
               </a:ln>
               <a:extLst>
                 <a:ext uri="{91240B29-F687-4f45-9708-019B960494DF}">
-                  <a14:hiddenLine xmlns="" xmlns:a14="http://schemas.microsoft.com/office/drawing/2010/main" w="9525">
+                  <a14:hiddenLine xmlns:a14="http://schemas.microsoft.com/office/drawing/2010/main" xmlns="" w="9525">
                     <a:solidFill>
                       <a:srgbClr val="000000"/>
                     </a:solidFill>
@@ -12528,7 +12509,7 @@
               </a:ln>
               <a:extLst>
                 <a:ext uri="{91240B29-F687-4f45-9708-019B960494DF}">
-                  <a14:hiddenLine xmlns="" xmlns:a14="http://schemas.microsoft.com/office/drawing/2010/main" w="9525">
+                  <a14:hiddenLine xmlns:a14="http://schemas.microsoft.com/office/drawing/2010/main" xmlns="" w="9525">
                     <a:solidFill>
                       <a:srgbClr val="000000"/>
                     </a:solidFill>
@@ -12612,7 +12593,7 @@
               </a:ln>
               <a:extLst>
                 <a:ext uri="{91240B29-F687-4f45-9708-019B960494DF}">
-                  <a14:hiddenLine xmlns="" xmlns:a14="http://schemas.microsoft.com/office/drawing/2010/main" w="9525">
+                  <a14:hiddenLine xmlns:a14="http://schemas.microsoft.com/office/drawing/2010/main" xmlns="" w="9525">
                     <a:solidFill>
                       <a:srgbClr val="000000"/>
                     </a:solidFill>
@@ -12674,7 +12655,7 @@
               </a:ln>
               <a:extLst>
                 <a:ext uri="{91240B29-F687-4f45-9708-019B960494DF}">
-                  <a14:hiddenLine xmlns="" xmlns:a14="http://schemas.microsoft.com/office/drawing/2010/main" w="9525">
+                  <a14:hiddenLine xmlns:a14="http://schemas.microsoft.com/office/drawing/2010/main" xmlns="" w="9525">
                     <a:solidFill>
                       <a:srgbClr val="000000"/>
                     </a:solidFill>
@@ -12736,7 +12717,7 @@
               </a:ln>
               <a:extLst>
                 <a:ext uri="{91240B29-F687-4f45-9708-019B960494DF}">
-                  <a14:hiddenLine xmlns="" xmlns:a14="http://schemas.microsoft.com/office/drawing/2010/main" w="9525">
+                  <a14:hiddenLine xmlns:a14="http://schemas.microsoft.com/office/drawing/2010/main" xmlns="" w="9525">
                     <a:solidFill>
                       <a:srgbClr val="000000"/>
                     </a:solidFill>
@@ -12826,7 +12807,7 @@
               </a:ln>
               <a:extLst>
                 <a:ext uri="{91240B29-F687-4f45-9708-019B960494DF}">
-                  <a14:hiddenLine xmlns="" xmlns:a14="http://schemas.microsoft.com/office/drawing/2010/main" w="9525">
+                  <a14:hiddenLine xmlns:a14="http://schemas.microsoft.com/office/drawing/2010/main" xmlns="" w="9525">
                     <a:solidFill>
                       <a:srgbClr val="000000"/>
                     </a:solidFill>
@@ -12860,7 +12841,7 @@
               </a:ln>
               <a:extLst>
                 <a:ext uri="{91240B29-F687-4f45-9708-019B960494DF}">
-                  <a14:hiddenLine xmlns="" xmlns:a14="http://schemas.microsoft.com/office/drawing/2010/main" w="9525">
+                  <a14:hiddenLine xmlns:a14="http://schemas.microsoft.com/office/drawing/2010/main" xmlns="" w="9525">
                     <a:solidFill>
                       <a:srgbClr val="000000"/>
                     </a:solidFill>
@@ -12925,7 +12906,7 @@
               </a:ln>
               <a:extLst>
                 <a:ext uri="{91240B29-F687-4f45-9708-019B960494DF}">
-                  <a14:hiddenLine xmlns="" xmlns:a14="http://schemas.microsoft.com/office/drawing/2010/main" w="9525">
+                  <a14:hiddenLine xmlns:a14="http://schemas.microsoft.com/office/drawing/2010/main" xmlns="" w="9525">
                     <a:solidFill>
                       <a:srgbClr val="000000"/>
                     </a:solidFill>
@@ -13015,7 +12996,7 @@
               </a:ln>
               <a:extLst>
                 <a:ext uri="{91240B29-F687-4f45-9708-019B960494DF}">
-                  <a14:hiddenLine xmlns="" xmlns:a14="http://schemas.microsoft.com/office/drawing/2010/main" w="9525">
+                  <a14:hiddenLine xmlns:a14="http://schemas.microsoft.com/office/drawing/2010/main" xmlns="" w="9525">
                     <a:solidFill>
                       <a:srgbClr val="000000"/>
                     </a:solidFill>
@@ -13077,7 +13058,7 @@
               </a:ln>
               <a:extLst>
                 <a:ext uri="{91240B29-F687-4f45-9708-019B960494DF}">
-                  <a14:hiddenLine xmlns="" xmlns:a14="http://schemas.microsoft.com/office/drawing/2010/main" w="9525">
+                  <a14:hiddenLine xmlns:a14="http://schemas.microsoft.com/office/drawing/2010/main" xmlns="" w="9525">
                     <a:solidFill>
                       <a:srgbClr val="000000"/>
                     </a:solidFill>
@@ -13167,7 +13148,7 @@
               </a:ln>
               <a:extLst>
                 <a:ext uri="{91240B29-F687-4f45-9708-019B960494DF}">
-                  <a14:hiddenLine xmlns="" xmlns:a14="http://schemas.microsoft.com/office/drawing/2010/main" w="9525">
+                  <a14:hiddenLine xmlns:a14="http://schemas.microsoft.com/office/drawing/2010/main" xmlns="" w="9525">
                     <a:solidFill>
                       <a:srgbClr val="000000"/>
                     </a:solidFill>
@@ -13232,7 +13213,7 @@
               </a:ln>
               <a:extLst>
                 <a:ext uri="{91240B29-F687-4f45-9708-019B960494DF}">
-                  <a14:hiddenLine xmlns="" xmlns:a14="http://schemas.microsoft.com/office/drawing/2010/main" w="9525">
+                  <a14:hiddenLine xmlns:a14="http://schemas.microsoft.com/office/drawing/2010/main" xmlns="" w="9525">
                     <a:solidFill>
                       <a:srgbClr val="000000"/>
                     </a:solidFill>
@@ -13294,7 +13275,7 @@
               </a:ln>
               <a:extLst>
                 <a:ext uri="{91240B29-F687-4f45-9708-019B960494DF}">
-                  <a14:hiddenLine xmlns="" xmlns:a14="http://schemas.microsoft.com/office/drawing/2010/main" w="9525">
+                  <a14:hiddenLine xmlns:a14="http://schemas.microsoft.com/office/drawing/2010/main" xmlns="" w="9525">
                     <a:solidFill>
                       <a:srgbClr val="000000"/>
                     </a:solidFill>
@@ -13384,7 +13365,7 @@
               </a:ln>
               <a:extLst>
                 <a:ext uri="{91240B29-F687-4f45-9708-019B960494DF}">
-                  <a14:hiddenLine xmlns="" xmlns:a14="http://schemas.microsoft.com/office/drawing/2010/main" w="9525">
+                  <a14:hiddenLine xmlns:a14="http://schemas.microsoft.com/office/drawing/2010/main" xmlns="" w="9525">
                     <a:solidFill>
                       <a:srgbClr val="000000"/>
                     </a:solidFill>
@@ -13474,7 +13455,7 @@
               </a:ln>
               <a:extLst>
                 <a:ext uri="{91240B29-F687-4f45-9708-019B960494DF}">
-                  <a14:hiddenLine xmlns="" xmlns:a14="http://schemas.microsoft.com/office/drawing/2010/main" w="9525">
+                  <a14:hiddenLine xmlns:a14="http://schemas.microsoft.com/office/drawing/2010/main" xmlns="" w="9525">
                     <a:solidFill>
                       <a:srgbClr val="000000"/>
                     </a:solidFill>
@@ -13539,7 +13520,7 @@
               </a:ln>
               <a:extLst>
                 <a:ext uri="{91240B29-F687-4f45-9708-019B960494DF}">
-                  <a14:hiddenLine xmlns="" xmlns:a14="http://schemas.microsoft.com/office/drawing/2010/main" w="9525">
+                  <a14:hiddenLine xmlns:a14="http://schemas.microsoft.com/office/drawing/2010/main" xmlns="" w="9525">
                     <a:solidFill>
                       <a:srgbClr val="000000"/>
                     </a:solidFill>
@@ -13659,7 +13640,7 @@
               </a:ln>
               <a:extLst>
                 <a:ext uri="{91240B29-F687-4f45-9708-019B960494DF}">
-                  <a14:hiddenLine xmlns="" xmlns:a14="http://schemas.microsoft.com/office/drawing/2010/main" w="9525">
+                  <a14:hiddenLine xmlns:a14="http://schemas.microsoft.com/office/drawing/2010/main" xmlns="" w="9525">
                     <a:solidFill>
                       <a:srgbClr val="000000"/>
                     </a:solidFill>
@@ -13740,7 +13721,7 @@
               </a:ln>
               <a:extLst>
                 <a:ext uri="{91240B29-F687-4f45-9708-019B960494DF}">
-                  <a14:hiddenLine xmlns="" xmlns:a14="http://schemas.microsoft.com/office/drawing/2010/main" w="9525">
+                  <a14:hiddenLine xmlns:a14="http://schemas.microsoft.com/office/drawing/2010/main" xmlns="" w="9525">
                     <a:solidFill>
                       <a:srgbClr val="000000"/>
                     </a:solidFill>
@@ -13855,7 +13836,7 @@
               </a:ln>
               <a:extLst>
                 <a:ext uri="{91240B29-F687-4f45-9708-019B960494DF}">
-                  <a14:hiddenLine xmlns="" xmlns:a14="http://schemas.microsoft.com/office/drawing/2010/main" w="9525">
+                  <a14:hiddenLine xmlns:a14="http://schemas.microsoft.com/office/drawing/2010/main" xmlns="" w="9525">
                     <a:solidFill>
                       <a:srgbClr val="000000"/>
                     </a:solidFill>
@@ -13945,7 +13926,7 @@
               </a:ln>
               <a:extLst>
                 <a:ext uri="{91240B29-F687-4f45-9708-019B960494DF}">
-                  <a14:hiddenLine xmlns="" xmlns:a14="http://schemas.microsoft.com/office/drawing/2010/main" w="9525">
+                  <a14:hiddenLine xmlns:a14="http://schemas.microsoft.com/office/drawing/2010/main" xmlns="" w="9525">
                     <a:solidFill>
                       <a:srgbClr val="000000"/>
                     </a:solidFill>
@@ -14010,7 +13991,7 @@
               </a:ln>
               <a:extLst>
                 <a:ext uri="{91240B29-F687-4f45-9708-019B960494DF}">
-                  <a14:hiddenLine xmlns="" xmlns:a14="http://schemas.microsoft.com/office/drawing/2010/main" w="9525">
+                  <a14:hiddenLine xmlns:a14="http://schemas.microsoft.com/office/drawing/2010/main" xmlns="" w="9525">
                     <a:solidFill>
                       <a:srgbClr val="000000"/>
                     </a:solidFill>
@@ -14100,7 +14081,7 @@
               </a:ln>
               <a:extLst>
                 <a:ext uri="{91240B29-F687-4f45-9708-019B960494DF}">
-                  <a14:hiddenLine xmlns="" xmlns:a14="http://schemas.microsoft.com/office/drawing/2010/main" w="9525">
+                  <a14:hiddenLine xmlns:a14="http://schemas.microsoft.com/office/drawing/2010/main" xmlns="" w="9525">
                     <a:solidFill>
                       <a:srgbClr val="000000"/>
                     </a:solidFill>
@@ -14168,7 +14149,7 @@
               </a:ln>
               <a:extLst>
                 <a:ext uri="{91240B29-F687-4f45-9708-019B960494DF}">
-                  <a14:hiddenLine xmlns="" xmlns:a14="http://schemas.microsoft.com/office/drawing/2010/main" w="9525">
+                  <a14:hiddenLine xmlns:a14="http://schemas.microsoft.com/office/drawing/2010/main" xmlns="" w="9525">
                     <a:solidFill>
                       <a:srgbClr val="000000"/>
                     </a:solidFill>
@@ -14258,7 +14239,7 @@
               </a:ln>
               <a:extLst>
                 <a:ext uri="{91240B29-F687-4f45-9708-019B960494DF}">
-                  <a14:hiddenLine xmlns="" xmlns:a14="http://schemas.microsoft.com/office/drawing/2010/main" w="9525">
+                  <a14:hiddenLine xmlns:a14="http://schemas.microsoft.com/office/drawing/2010/main" xmlns="" w="9525">
                     <a:solidFill>
                       <a:srgbClr val="000000"/>
                     </a:solidFill>
@@ -14326,7 +14307,7 @@
               </a:ln>
               <a:extLst>
                 <a:ext uri="{91240B29-F687-4f45-9708-019B960494DF}">
-                  <a14:hiddenLine xmlns="" xmlns:a14="http://schemas.microsoft.com/office/drawing/2010/main" w="9525">
+                  <a14:hiddenLine xmlns:a14="http://schemas.microsoft.com/office/drawing/2010/main" xmlns="" w="9525">
                     <a:solidFill>
                       <a:srgbClr val="000000"/>
                     </a:solidFill>
@@ -14416,7 +14397,7 @@
               </a:ln>
               <a:extLst>
                 <a:ext uri="{91240B29-F687-4f45-9708-019B960494DF}">
-                  <a14:hiddenLine xmlns="" xmlns:a14="http://schemas.microsoft.com/office/drawing/2010/main" w="9525">
+                  <a14:hiddenLine xmlns:a14="http://schemas.microsoft.com/office/drawing/2010/main" xmlns="" w="9525">
                     <a:solidFill>
                       <a:srgbClr val="000000"/>
                     </a:solidFill>
@@ -14450,7 +14431,7 @@
               </a:ln>
               <a:extLst>
                 <a:ext uri="{91240B29-F687-4f45-9708-019B960494DF}">
-                  <a14:hiddenLine xmlns="" xmlns:a14="http://schemas.microsoft.com/office/drawing/2010/main" w="9525">
+                  <a14:hiddenLine xmlns:a14="http://schemas.microsoft.com/office/drawing/2010/main" xmlns="" w="9525">
                     <a:solidFill>
                       <a:srgbClr val="000000"/>
                     </a:solidFill>
@@ -14590,7 +14571,7 @@
           <a:p>
             <a:fld id="{EA2E5030-8CDF-47DB-BC9E-6F3E03A9C925}" type="datetimeFigureOut">
               <a:rPr lang="en-US" smtClean="0"/>
-              <a:t>1/31/2021</a:t>
+              <a:t>2/9/2021</a:t>
             </a:fld>
             <a:endParaRPr lang="en-US"/>
           </a:p>
@@ -15310,15 +15291,7 @@
                   <a:prstClr val="white"/>
                 </a:solidFill>
               </a:rPr>
-              <a:t>e-implementation </a:t>
-            </a:r>
-            <a:r>
-              <a:rPr lang="en-US" sz="2400" dirty="0" smtClean="0">
-                <a:solidFill>
-                  <a:prstClr val="white"/>
-                </a:solidFill>
-              </a:rPr>
-              <a:t>process</a:t>
+              <a:t>e-implementation process</a:t>
             </a:r>
           </a:p>
           <a:p>
@@ -16644,8 +16617,19 @@
             </a:r>
             <a:r>
               <a:rPr lang="en-US" dirty="0" smtClean="0"/>
-              <a:t>ptimized systems with little extra work by the programmer</a:t>
-            </a:r>
+              <a:t>ptimized systems with little extra work by the </a:t>
+            </a:r>
+            <a:r>
+              <a:rPr lang="en-US" dirty="0" smtClean="0"/>
+              <a:t>programmer</a:t>
+            </a:r>
+          </a:p>
+          <a:p>
+            <a:r>
+              <a:rPr lang="en-US" dirty="0" smtClean="0"/>
+              <a:t>Flexible Flight Dynamics Model library</a:t>
+            </a:r>
+            <a:endParaRPr lang="en-US" dirty="0" smtClean="0"/>
           </a:p>
         </p:txBody>
       </p:sp>
@@ -16859,11 +16843,7 @@
           <a:p>
             <a:r>
               <a:rPr lang="en-US" dirty="0" smtClean="0"/>
-              <a:t>Experiment </a:t>
-            </a:r>
-            <a:r>
-              <a:rPr lang="en-US" dirty="0" smtClean="0"/>
-              <a:t>design Supplemental</a:t>
+              <a:t>Experiment design Supplemental</a:t>
             </a:r>
             <a:endParaRPr lang="en-US" dirty="0"/>
           </a:p>
@@ -17228,11 +17208,7 @@
           <a:p>
             <a:r>
               <a:rPr lang="en-US" dirty="0" smtClean="0"/>
-              <a:t>Experiment </a:t>
-            </a:r>
-            <a:r>
-              <a:rPr lang="en-US" dirty="0" smtClean="0"/>
-              <a:t>design Supplemental</a:t>
+              <a:t>Experiment design Supplemental</a:t>
             </a:r>
             <a:endParaRPr lang="en-US" dirty="0"/>
           </a:p>
@@ -17619,11 +17595,7 @@
           <a:p>
             <a:r>
               <a:rPr lang="en-US" dirty="0" smtClean="0"/>
-              <a:t>Experiment </a:t>
-            </a:r>
-            <a:r>
-              <a:rPr lang="en-US" dirty="0" smtClean="0"/>
-              <a:t>design Supplemental</a:t>
+              <a:t>Experiment design Supplemental</a:t>
             </a:r>
             <a:endParaRPr lang="en-US" dirty="0"/>
           </a:p>
@@ -18010,11 +17982,7 @@
           <a:p>
             <a:r>
               <a:rPr lang="en-US" dirty="0" smtClean="0"/>
-              <a:t>Experiment </a:t>
-            </a:r>
-            <a:r>
-              <a:rPr lang="en-US" dirty="0" smtClean="0"/>
-              <a:t>design Supplemental</a:t>
+              <a:t>Experiment design Supplemental</a:t>
             </a:r>
             <a:endParaRPr lang="en-US" dirty="0"/>
           </a:p>
@@ -18401,11 +18369,7 @@
           <a:p>
             <a:r>
               <a:rPr lang="en-US" dirty="0" smtClean="0"/>
-              <a:t>Experiment </a:t>
-            </a:r>
-            <a:r>
-              <a:rPr lang="en-US" dirty="0" smtClean="0"/>
-              <a:t>design Supplemental</a:t>
+              <a:t>Experiment design Supplemental</a:t>
             </a:r>
             <a:endParaRPr lang="en-US" dirty="0"/>
           </a:p>
@@ -18686,11 +18650,7 @@
           <a:p>
             <a:r>
               <a:rPr lang="en-US" dirty="0" smtClean="0"/>
-              <a:t>Experiment </a:t>
-            </a:r>
-            <a:r>
-              <a:rPr lang="en-US" dirty="0" smtClean="0"/>
-              <a:t>design Supplemental</a:t>
+              <a:t>Experiment design Supplemental</a:t>
             </a:r>
             <a:endParaRPr lang="en-US" dirty="0"/>
           </a:p>
@@ -19085,11 +19045,7 @@
           <a:p>
             <a:r>
               <a:rPr lang="en-US" dirty="0" smtClean="0"/>
-              <a:t>Experiment </a:t>
-            </a:r>
-            <a:r>
-              <a:rPr lang="en-US" dirty="0" smtClean="0"/>
-              <a:t>design Supplemental</a:t>
+              <a:t>Experiment design Supplemental</a:t>
             </a:r>
             <a:endParaRPr lang="en-US" dirty="0"/>
           </a:p>
@@ -19513,11 +19469,7 @@
           <a:p>
             <a:r>
               <a:rPr lang="en-US" dirty="0" smtClean="0"/>
-              <a:t>Experiment </a:t>
-            </a:r>
-            <a:r>
-              <a:rPr lang="en-US" dirty="0" smtClean="0"/>
-              <a:t>design Supplemental</a:t>
+              <a:t>Experiment design Supplemental</a:t>
             </a:r>
             <a:endParaRPr lang="en-US" dirty="0"/>
           </a:p>
@@ -19912,11 +19864,7 @@
           <a:p>
             <a:r>
               <a:rPr lang="en-US" dirty="0" smtClean="0"/>
-              <a:t>Experiment </a:t>
-            </a:r>
-            <a:r>
-              <a:rPr lang="en-US" dirty="0" smtClean="0"/>
-              <a:t>design Supplemental</a:t>
+              <a:t>Experiment design Supplemental</a:t>
             </a:r>
             <a:endParaRPr lang="en-US" dirty="0"/>
           </a:p>
@@ -20197,11 +20145,7 @@
           <a:p>
             <a:r>
               <a:rPr lang="en-US" dirty="0" smtClean="0"/>
-              <a:t>Experiment </a:t>
-            </a:r>
-            <a:r>
-              <a:rPr lang="en-US" dirty="0" smtClean="0"/>
-              <a:t>design Supplemental</a:t>
+              <a:t>Experiment design Supplemental</a:t>
             </a:r>
             <a:endParaRPr lang="en-US" dirty="0"/>
           </a:p>
@@ -20786,11 +20730,7 @@
           <a:p>
             <a:r>
               <a:rPr lang="en-US" dirty="0" smtClean="0"/>
-              <a:t>Experiment </a:t>
-            </a:r>
-            <a:r>
-              <a:rPr lang="en-US" dirty="0" smtClean="0"/>
-              <a:t>design Supplemental</a:t>
+              <a:t>Experiment design Supplemental</a:t>
             </a:r>
             <a:endParaRPr lang="en-US" dirty="0"/>
           </a:p>
@@ -21346,11 +21286,7 @@
           <a:p>
             <a:r>
               <a:rPr lang="en-US" dirty="0" smtClean="0"/>
-              <a:t>Experiment </a:t>
-            </a:r>
-            <a:r>
-              <a:rPr lang="en-US" dirty="0" smtClean="0"/>
-              <a:t>design Supplemental</a:t>
+              <a:t>Experiment design Supplemental</a:t>
             </a:r>
             <a:endParaRPr lang="en-US" dirty="0"/>
           </a:p>
@@ -22028,7 +21964,7 @@
         <p:spPr>
           <a:xfrm>
             <a:off x="1141412" y="2097088"/>
-            <a:ext cx="7311471" cy="3392724"/>
+            <a:ext cx="7311471" cy="2821285"/>
           </a:xfrm>
           <a:prstGeom prst="rect">
             <a:avLst/>
@@ -22086,21 +22022,8 @@
                   <a:prstClr val="white"/>
                 </a:solidFill>
               </a:rPr>
-              <a:t>by </a:t>
-            </a:r>
-            <a:r>
-              <a:rPr lang="en-US" sz="2400" dirty="0" smtClean="0">
-                <a:solidFill>
-                  <a:prstClr val="white"/>
-                </a:solidFill>
-              </a:rPr>
-              <a:t>Grant Palmer </a:t>
-            </a:r>
-            <a:endParaRPr lang="en-US" sz="2400" dirty="0" smtClean="0">
-              <a:solidFill>
-                <a:prstClr val="white"/>
-              </a:solidFill>
-            </a:endParaRPr>
+              <a:t>by Grant Palmer </a:t>
+            </a:r>
           </a:p>
           <a:p>
             <a:pPr marL="685800" lvl="1" indent="-228600">
@@ -22128,21 +22051,8 @@
                   <a:prstClr val="white"/>
                 </a:solidFill>
               </a:rPr>
-              <a:t>by </a:t>
-            </a:r>
-            <a:r>
-              <a:rPr lang="en-US" sz="2400" dirty="0" smtClean="0">
-                <a:solidFill>
-                  <a:prstClr val="white"/>
-                </a:solidFill>
-              </a:rPr>
-              <a:t>David Bourg</a:t>
-            </a:r>
-            <a:endParaRPr lang="en-US" sz="2400" dirty="0" smtClean="0">
-              <a:solidFill>
-                <a:prstClr val="white"/>
-              </a:solidFill>
-            </a:endParaRPr>
+              <a:t>by David Bourg</a:t>
+            </a:r>
           </a:p>
           <a:p>
             <a:pPr marL="228600" lvl="0" indent="-228600">
@@ -22183,28 +22093,15 @@
                   <a:prstClr val="white"/>
                 </a:solidFill>
               </a:rPr>
-              <a:t>6 Degrees of Freedom</a:t>
-            </a:r>
-          </a:p>
-          <a:p>
-            <a:pPr marL="685800" lvl="1" indent="-228600">
-              <a:lnSpc>
-                <a:spcPct val="120000"/>
-              </a:lnSpc>
-              <a:spcBef>
-                <a:spcPts val="1000"/>
-              </a:spcBef>
-              <a:buSzPct val="125000"/>
-              <a:buFont typeface="Arial" panose="020B0604020202020204" pitchFamily="34" charset="0"/>
-              <a:buChar char="•"/>
-            </a:pPr>
+              <a:t>Calculate </a:t>
+            </a:r>
             <a:r>
               <a:rPr lang="en-US" sz="2400" dirty="0" smtClean="0">
                 <a:solidFill>
                   <a:prstClr val="white"/>
                 </a:solidFill>
               </a:rPr>
-              <a:t>Calculate external forces and equations of motion</a:t>
+              <a:t>external forces and equations of motion</a:t>
             </a:r>
           </a:p>
         </p:txBody>

--- a/Defense.pptx
+++ b/Defense.pptx
@@ -2,46 +2,49 @@
 <file path=ppt/presentation.xml><?xml version="1.0" encoding="utf-8"?>
 <p:presentation xmlns:a="http://schemas.openxmlformats.org/drawingml/2006/main" xmlns:r="http://schemas.openxmlformats.org/officeDocument/2006/relationships" xmlns:p="http://schemas.openxmlformats.org/presentationml/2006/main" saveSubsetFonts="1">
   <p:sldMasterIdLst>
-    <p:sldMasterId id="2147483678" r:id="rId1"/>
+    <p:sldMasterId id="2147483678" r:id="rId4"/>
   </p:sldMasterIdLst>
   <p:notesMasterIdLst>
-    <p:notesMasterId r:id="rId36"/>
+    <p:notesMasterId r:id="rId42"/>
   </p:notesMasterIdLst>
   <p:sldIdLst>
-    <p:sldId id="257" r:id="rId2"/>
-    <p:sldId id="264" r:id="rId3"/>
-    <p:sldId id="265" r:id="rId4"/>
-    <p:sldId id="294" r:id="rId5"/>
-    <p:sldId id="266" r:id="rId6"/>
-    <p:sldId id="295" r:id="rId7"/>
-    <p:sldId id="297" r:id="rId8"/>
-    <p:sldId id="313" r:id="rId9"/>
-    <p:sldId id="298" r:id="rId10"/>
-    <p:sldId id="301" r:id="rId11"/>
-    <p:sldId id="307" r:id="rId12"/>
-    <p:sldId id="308" r:id="rId13"/>
-    <p:sldId id="303" r:id="rId14"/>
-    <p:sldId id="306" r:id="rId15"/>
-    <p:sldId id="309" r:id="rId16"/>
-    <p:sldId id="310" r:id="rId17"/>
-    <p:sldId id="268" r:id="rId18"/>
-    <p:sldId id="299" r:id="rId19"/>
-    <p:sldId id="300" r:id="rId20"/>
-    <p:sldId id="296" r:id="rId21"/>
-    <p:sldId id="267" r:id="rId22"/>
-    <p:sldId id="311" r:id="rId23"/>
-    <p:sldId id="312" r:id="rId24"/>
-    <p:sldId id="314" r:id="rId25"/>
-    <p:sldId id="315" r:id="rId26"/>
-    <p:sldId id="316" r:id="rId27"/>
-    <p:sldId id="317" r:id="rId28"/>
-    <p:sldId id="318" r:id="rId29"/>
-    <p:sldId id="319" r:id="rId30"/>
-    <p:sldId id="320" r:id="rId31"/>
-    <p:sldId id="321" r:id="rId32"/>
-    <p:sldId id="322" r:id="rId33"/>
-    <p:sldId id="323" r:id="rId34"/>
-    <p:sldId id="324" r:id="rId35"/>
+    <p:sldId id="257" r:id="rId5"/>
+    <p:sldId id="264" r:id="rId6"/>
+    <p:sldId id="265" r:id="rId7"/>
+    <p:sldId id="325" r:id="rId8"/>
+    <p:sldId id="294" r:id="rId9"/>
+    <p:sldId id="266" r:id="rId10"/>
+    <p:sldId id="295" r:id="rId11"/>
+    <p:sldId id="298" r:id="rId12"/>
+    <p:sldId id="301" r:id="rId13"/>
+    <p:sldId id="297" r:id="rId14"/>
+    <p:sldId id="313" r:id="rId15"/>
+    <p:sldId id="307" r:id="rId16"/>
+    <p:sldId id="308" r:id="rId17"/>
+    <p:sldId id="327" r:id="rId18"/>
+    <p:sldId id="303" r:id="rId19"/>
+    <p:sldId id="306" r:id="rId20"/>
+    <p:sldId id="309" r:id="rId21"/>
+    <p:sldId id="310" r:id="rId22"/>
+    <p:sldId id="268" r:id="rId23"/>
+    <p:sldId id="326" r:id="rId24"/>
+    <p:sldId id="299" r:id="rId25"/>
+    <p:sldId id="300" r:id="rId26"/>
+    <p:sldId id="296" r:id="rId27"/>
+    <p:sldId id="267" r:id="rId28"/>
+    <p:sldId id="311" r:id="rId29"/>
+    <p:sldId id="312" r:id="rId30"/>
+    <p:sldId id="314" r:id="rId31"/>
+    <p:sldId id="315" r:id="rId32"/>
+    <p:sldId id="316" r:id="rId33"/>
+    <p:sldId id="317" r:id="rId34"/>
+    <p:sldId id="318" r:id="rId35"/>
+    <p:sldId id="319" r:id="rId36"/>
+    <p:sldId id="320" r:id="rId37"/>
+    <p:sldId id="321" r:id="rId38"/>
+    <p:sldId id="322" r:id="rId39"/>
+    <p:sldId id="323" r:id="rId40"/>
+    <p:sldId id="324" r:id="rId41"/>
   </p:sldIdLst>
   <p:sldSz cx="12192000" cy="6858000"/>
   <p:notesSz cx="6858000" cy="9144000"/>
@@ -241,7 +244,7 @@
           <a:p>
             <a:fld id="{E6E560A3-ED6B-4C00-B17E-7ABCD66651D0}" type="datetimeFigureOut">
               <a:rPr lang="en-US" smtClean="0"/>
-              <a:t>2/9/2021</a:t>
+              <a:t>2/19/2021</a:t>
             </a:fld>
             <a:endParaRPr lang="en-US"/>
           </a:p>
@@ -574,7 +577,7 @@
           <a:p>
             <a:fld id="{2E19DE28-8325-455D-B7C9-D422F83ABE18}" type="slidenum">
               <a:rPr lang="en-US" smtClean="0"/>
-              <a:t>2</a:t>
+              <a:t>1</a:t>
             </a:fld>
             <a:endParaRPr lang="en-US"/>
           </a:p>
@@ -583,7 +586,7 @@
     </p:spTree>
     <p:extLst>
       <p:ext uri="{BB962C8B-B14F-4D97-AF65-F5344CB8AC3E}">
-        <p14:creationId xmlns:p14="http://schemas.microsoft.com/office/powerpoint/2010/main" val="3710915633"/>
+        <p14:creationId xmlns:p14="http://schemas.microsoft.com/office/powerpoint/2010/main" val="2668172477"/>
       </p:ext>
     </p:extLst>
   </p:cSld>
@@ -637,27 +640,7 @@
           <a:bodyPr/>
           <a:lstStyle/>
           <a:p>
-            <a:r>
-              <a:rPr lang="en-US" dirty="0" smtClean="0"/>
-              <a:t>-General process</a:t>
-            </a:r>
-            <a:r>
-              <a:rPr lang="en-US" baseline="0" dirty="0" smtClean="0"/>
-              <a:t> of re-implementing the FDMs</a:t>
-            </a:r>
-          </a:p>
-          <a:p>
-            <a:r>
-              <a:rPr lang="en-US" baseline="0" dirty="0" smtClean="0"/>
-              <a:t>-Discuss the debugging problems I had</a:t>
-            </a:r>
-          </a:p>
-          <a:p>
-            <a:r>
-              <a:rPr lang="en-US" baseline="0" dirty="0" smtClean="0"/>
-              <a:t>-Discuss the refactoring/organizing to make the application flexible for many people to use it in many ways (Rust like)</a:t>
-            </a:r>
-            <a:endParaRPr lang="en-US" dirty="0"/>
+            <a:endParaRPr lang="en-US" baseline="0" dirty="0" smtClean="0"/>
           </a:p>
         </p:txBody>
       </p:sp>
@@ -678,7 +661,7 @@
           <a:p>
             <a:fld id="{2E19DE28-8325-455D-B7C9-D422F83ABE18}" type="slidenum">
               <a:rPr lang="en-US" smtClean="0"/>
-              <a:t>11</a:t>
+              <a:t>10</a:t>
             </a:fld>
             <a:endParaRPr lang="en-US"/>
           </a:p>
@@ -687,7 +670,7 @@
     </p:spTree>
     <p:extLst>
       <p:ext uri="{BB962C8B-B14F-4D97-AF65-F5344CB8AC3E}">
-        <p14:creationId xmlns:p14="http://schemas.microsoft.com/office/powerpoint/2010/main" val="1022390419"/>
+        <p14:creationId xmlns:p14="http://schemas.microsoft.com/office/powerpoint/2010/main" val="2242876689"/>
       </p:ext>
     </p:extLst>
   </p:cSld>
@@ -741,11 +724,7 @@
           <a:bodyPr/>
           <a:lstStyle/>
           <a:p>
-            <a:r>
-              <a:rPr lang="en-US" dirty="0" smtClean="0"/>
-              <a:t>-The Entity, Components, and Systems used in the flight simulators</a:t>
-            </a:r>
-            <a:endParaRPr lang="en-US" dirty="0"/>
+            <a:endParaRPr lang="en-US" baseline="0" dirty="0" smtClean="0"/>
           </a:p>
         </p:txBody>
       </p:sp>
@@ -766,7 +745,7 @@
           <a:p>
             <a:fld id="{2E19DE28-8325-455D-B7C9-D422F83ABE18}" type="slidenum">
               <a:rPr lang="en-US" smtClean="0"/>
-              <a:t>12</a:t>
+              <a:t>11</a:t>
             </a:fld>
             <a:endParaRPr lang="en-US"/>
           </a:p>
@@ -775,7 +754,7 @@
     </p:spTree>
     <p:extLst>
       <p:ext uri="{BB962C8B-B14F-4D97-AF65-F5344CB8AC3E}">
-        <p14:creationId xmlns:p14="http://schemas.microsoft.com/office/powerpoint/2010/main" val="3575428572"/>
+        <p14:creationId xmlns:p14="http://schemas.microsoft.com/office/powerpoint/2010/main" val="322290651"/>
       </p:ext>
     </p:extLst>
   </p:cSld>
@@ -829,14 +808,7 @@
           <a:bodyPr/>
           <a:lstStyle/>
           <a:p>
-            <a:r>
-              <a:rPr lang="en-US" dirty="0" smtClean="0"/>
-              <a:t>-How</a:t>
-            </a:r>
-            <a:r>
-              <a:rPr lang="en-US" baseline="0" dirty="0" smtClean="0"/>
-              <a:t> Components are created</a:t>
-            </a:r>
+            <a:endParaRPr lang="en-US" baseline="0" dirty="0" smtClean="0"/>
           </a:p>
         </p:txBody>
       </p:sp>
@@ -857,7 +829,7 @@
           <a:p>
             <a:fld id="{2E19DE28-8325-455D-B7C9-D422F83ABE18}" type="slidenum">
               <a:rPr lang="en-US" smtClean="0"/>
-              <a:t>13</a:t>
+              <a:t>12</a:t>
             </a:fld>
             <a:endParaRPr lang="en-US"/>
           </a:p>
@@ -866,7 +838,7 @@
     </p:spTree>
     <p:extLst>
       <p:ext uri="{BB962C8B-B14F-4D97-AF65-F5344CB8AC3E}">
-        <p14:creationId xmlns:p14="http://schemas.microsoft.com/office/powerpoint/2010/main" val="2497797182"/>
+        <p14:creationId xmlns:p14="http://schemas.microsoft.com/office/powerpoint/2010/main" val="1022390419"/>
       </p:ext>
     </p:extLst>
   </p:cSld>
@@ -920,15 +892,7 @@
           <a:bodyPr/>
           <a:lstStyle/>
           <a:p>
-            <a:r>
-              <a:rPr lang="en-US" dirty="0" smtClean="0"/>
-              <a:t>-How a</a:t>
-            </a:r>
-            <a:r>
-              <a:rPr lang="en-US" baseline="0" dirty="0" smtClean="0"/>
-              <a:t> System is created</a:t>
-            </a:r>
-            <a:endParaRPr lang="en-US" dirty="0"/>
+            <a:endParaRPr lang="en-US" baseline="0" dirty="0" smtClean="0"/>
           </a:p>
         </p:txBody>
       </p:sp>
@@ -949,7 +913,7 @@
           <a:p>
             <a:fld id="{2E19DE28-8325-455D-B7C9-D422F83ABE18}" type="slidenum">
               <a:rPr lang="en-US" smtClean="0"/>
-              <a:t>14</a:t>
+              <a:t>13</a:t>
             </a:fld>
             <a:endParaRPr lang="en-US"/>
           </a:p>
@@ -958,7 +922,7 @@
     </p:spTree>
     <p:extLst>
       <p:ext uri="{BB962C8B-B14F-4D97-AF65-F5344CB8AC3E}">
-        <p14:creationId xmlns:p14="http://schemas.microsoft.com/office/powerpoint/2010/main" val="2389946740"/>
+        <p14:creationId xmlns:p14="http://schemas.microsoft.com/office/powerpoint/2010/main" val="3575428572"/>
       </p:ext>
     </p:extLst>
   </p:cSld>
@@ -1012,14 +976,10 @@
           <a:bodyPr/>
           <a:lstStyle/>
           <a:p>
-            <a:r>
-              <a:rPr lang="en-US" dirty="0" smtClean="0"/>
-              <a:t>-How the Palmer-based example</a:t>
-            </a:r>
-            <a:r>
-              <a:rPr lang="en-US" baseline="0" dirty="0" smtClean="0"/>
-              <a:t> initializes the airplane Entity</a:t>
-            </a:r>
+            <a:pPr marL="0" indent="0">
+              <a:buFontTx/>
+              <a:buNone/>
+            </a:pPr>
             <a:endParaRPr lang="en-US" dirty="0"/>
           </a:p>
         </p:txBody>
@@ -1041,7 +1001,7 @@
           <a:p>
             <a:fld id="{2E19DE28-8325-455D-B7C9-D422F83ABE18}" type="slidenum">
               <a:rPr lang="en-US" smtClean="0"/>
-              <a:t>15</a:t>
+              <a:t>14</a:t>
             </a:fld>
             <a:endParaRPr lang="en-US"/>
           </a:p>
@@ -1050,7 +1010,7 @@
     </p:spTree>
     <p:extLst>
       <p:ext uri="{BB962C8B-B14F-4D97-AF65-F5344CB8AC3E}">
-        <p14:creationId xmlns:p14="http://schemas.microsoft.com/office/powerpoint/2010/main" val="2090332524"/>
+        <p14:creationId xmlns:p14="http://schemas.microsoft.com/office/powerpoint/2010/main" val="2320803999"/>
       </p:ext>
     </p:extLst>
   </p:cSld>
@@ -1104,35 +1064,7 @@
           <a:bodyPr/>
           <a:lstStyle/>
           <a:p>
-            <a:pPr marL="0" marR="0" indent="0" algn="l" defTabSz="914400" rtl="0" eaLnBrk="1" fontAlgn="auto" latinLnBrk="0" hangingPunct="1">
-              <a:lnSpc>
-                <a:spcPct val="100000"/>
-              </a:lnSpc>
-              <a:spcBef>
-                <a:spcPts val="0"/>
-              </a:spcBef>
-              <a:spcAft>
-                <a:spcPts val="0"/>
-              </a:spcAft>
-              <a:buClrTx/>
-              <a:buSzTx/>
-              <a:buFontTx/>
-              <a:buNone/>
-              <a:tabLst/>
-              <a:defRPr/>
-            </a:pPr>
-            <a:r>
-              <a:rPr lang="en-US" dirty="0" smtClean="0"/>
-              <a:t>-How the Bourg-based example</a:t>
-            </a:r>
-            <a:r>
-              <a:rPr lang="en-US" baseline="0" dirty="0" smtClean="0"/>
-              <a:t> initializes the airplane Entity</a:t>
-            </a:r>
-            <a:endParaRPr lang="en-US" dirty="0" smtClean="0"/>
-          </a:p>
-          <a:p>
-            <a:endParaRPr lang="en-US" dirty="0"/>
+            <a:endParaRPr lang="en-US" baseline="0" dirty="0" smtClean="0"/>
           </a:p>
         </p:txBody>
       </p:sp>
@@ -1153,7 +1085,7 @@
           <a:p>
             <a:fld id="{2E19DE28-8325-455D-B7C9-D422F83ABE18}" type="slidenum">
               <a:rPr lang="en-US" smtClean="0"/>
-              <a:t>16</a:t>
+              <a:t>15</a:t>
             </a:fld>
             <a:endParaRPr lang="en-US"/>
           </a:p>
@@ -1162,7 +1094,7 @@
     </p:spTree>
     <p:extLst>
       <p:ext uri="{BB962C8B-B14F-4D97-AF65-F5344CB8AC3E}">
-        <p14:creationId xmlns:p14="http://schemas.microsoft.com/office/powerpoint/2010/main" val="3710728239"/>
+        <p14:creationId xmlns:p14="http://schemas.microsoft.com/office/powerpoint/2010/main" val="2497797182"/>
       </p:ext>
     </p:extLst>
   </p:cSld>
@@ -1216,14 +1148,6 @@
           <a:bodyPr/>
           <a:lstStyle/>
           <a:p>
-            <a:r>
-              <a:rPr lang="en-US" dirty="0" smtClean="0"/>
-              <a:t>-The</a:t>
-            </a:r>
-            <a:r>
-              <a:rPr lang="en-US" baseline="0" dirty="0" smtClean="0"/>
-              <a:t> design of the Palmer FDM tests (using Rust integration tests)</a:t>
-            </a:r>
             <a:endParaRPr lang="en-US" dirty="0"/>
           </a:p>
         </p:txBody>
@@ -1245,7 +1169,7 @@
           <a:p>
             <a:fld id="{2E19DE28-8325-455D-B7C9-D422F83ABE18}" type="slidenum">
               <a:rPr lang="en-US" smtClean="0"/>
-              <a:t>17</a:t>
+              <a:t>16</a:t>
             </a:fld>
             <a:endParaRPr lang="en-US"/>
           </a:p>
@@ -1254,7 +1178,7 @@
     </p:spTree>
     <p:extLst>
       <p:ext uri="{BB962C8B-B14F-4D97-AF65-F5344CB8AC3E}">
-        <p14:creationId xmlns:p14="http://schemas.microsoft.com/office/powerpoint/2010/main" val="440269688"/>
+        <p14:creationId xmlns:p14="http://schemas.microsoft.com/office/powerpoint/2010/main" val="2389946740"/>
       </p:ext>
     </p:extLst>
   </p:cSld>
@@ -1308,14 +1232,6 @@
           <a:bodyPr/>
           <a:lstStyle/>
           <a:p>
-            <a:r>
-              <a:rPr lang="en-US" dirty="0" smtClean="0"/>
-              <a:t>-The</a:t>
-            </a:r>
-            <a:r>
-              <a:rPr lang="en-US" baseline="0" dirty="0" smtClean="0"/>
-              <a:t> design of the Bourg FDM tests (using Rust integration tests)</a:t>
-            </a:r>
             <a:endParaRPr lang="en-US" dirty="0"/>
           </a:p>
         </p:txBody>
@@ -1337,7 +1253,7 @@
           <a:p>
             <a:fld id="{2E19DE28-8325-455D-B7C9-D422F83ABE18}" type="slidenum">
               <a:rPr lang="en-US" smtClean="0"/>
-              <a:t>18</a:t>
+              <a:t>17</a:t>
             </a:fld>
             <a:endParaRPr lang="en-US"/>
           </a:p>
@@ -1346,7 +1262,7 @@
     </p:spTree>
     <p:extLst>
       <p:ext uri="{BB962C8B-B14F-4D97-AF65-F5344CB8AC3E}">
-        <p14:creationId xmlns:p14="http://schemas.microsoft.com/office/powerpoint/2010/main" val="1727980575"/>
+        <p14:creationId xmlns:p14="http://schemas.microsoft.com/office/powerpoint/2010/main" val="2090332524"/>
       </p:ext>
     </p:extLst>
   </p:cSld>
@@ -1400,21 +1316,24 @@
           <a:bodyPr/>
           <a:lstStyle/>
           <a:p>
-            <a:r>
-              <a:rPr lang="en-US" dirty="0" smtClean="0"/>
-              <a:t>-The results</a:t>
-            </a:r>
-            <a:r>
-              <a:rPr lang="en-US" baseline="0" dirty="0" smtClean="0"/>
-              <a:t> were accurate to these tolerances in every test for that model</a:t>
-            </a:r>
-          </a:p>
-          <a:p>
-            <a:r>
-              <a:rPr lang="en-US" baseline="0" dirty="0" smtClean="0"/>
-              <a:t>-Possible that Bourg is less accurate due to use of 32-bit floating point numbers instead of 64-bit in Palmer’s model</a:t>
-            </a:r>
-            <a:endParaRPr lang="en-US" dirty="0"/>
+            <a:pPr marL="0" marR="0" indent="0" algn="l" defTabSz="914400" rtl="0" eaLnBrk="1" fontAlgn="auto" latinLnBrk="0" hangingPunct="1">
+              <a:lnSpc>
+                <a:spcPct val="100000"/>
+              </a:lnSpc>
+              <a:spcBef>
+                <a:spcPts val="0"/>
+              </a:spcBef>
+              <a:spcAft>
+                <a:spcPts val="0"/>
+              </a:spcAft>
+              <a:buClrTx/>
+              <a:buSzTx/>
+              <a:buFontTx/>
+              <a:buNone/>
+              <a:tabLst/>
+              <a:defRPr/>
+            </a:pPr>
+            <a:endParaRPr lang="en-US" baseline="0" dirty="0" smtClean="0"/>
           </a:p>
         </p:txBody>
       </p:sp>
@@ -1435,7 +1354,7 @@
           <a:p>
             <a:fld id="{2E19DE28-8325-455D-B7C9-D422F83ABE18}" type="slidenum">
               <a:rPr lang="en-US" smtClean="0"/>
-              <a:t>19</a:t>
+              <a:t>18</a:t>
             </a:fld>
             <a:endParaRPr lang="en-US"/>
           </a:p>
@@ -1444,7 +1363,7 @@
     </p:spTree>
     <p:extLst>
       <p:ext uri="{BB962C8B-B14F-4D97-AF65-F5344CB8AC3E}">
-        <p14:creationId xmlns:p14="http://schemas.microsoft.com/office/powerpoint/2010/main" val="3788586438"/>
+        <p14:creationId xmlns:p14="http://schemas.microsoft.com/office/powerpoint/2010/main" val="3710728239"/>
       </p:ext>
     </p:extLst>
   </p:cSld>
@@ -1498,38 +1417,6 @@
           <a:bodyPr/>
           <a:lstStyle/>
           <a:p>
-            <a:r>
-              <a:rPr lang="en-US" dirty="0" smtClean="0"/>
-              <a:t>-As Joey </a:t>
-            </a:r>
-            <a:r>
-              <a:rPr lang="en-US" dirty="0" err="1" smtClean="0"/>
-              <a:t>Vagedes</a:t>
-            </a:r>
-            <a:r>
-              <a:rPr lang="en-US" dirty="0" smtClean="0"/>
-              <a:t>’ thesis found, ECS is viable</a:t>
-            </a:r>
-            <a:r>
-              <a:rPr lang="en-US" baseline="0" dirty="0" smtClean="0"/>
-              <a:t> for simulation</a:t>
-            </a:r>
-          </a:p>
-          <a:p>
-            <a:r>
-              <a:rPr lang="en-US" baseline="0" dirty="0" smtClean="0"/>
-              <a:t>-Restate that ECS provides optimized performance and can make editing coding a more seamless </a:t>
-            </a:r>
-            <a:r>
-              <a:rPr lang="en-US" baseline="0" dirty="0" smtClean="0"/>
-              <a:t>process</a:t>
-            </a:r>
-          </a:p>
-          <a:p>
-            <a:r>
-              <a:rPr lang="en-US" baseline="0" dirty="0" smtClean="0"/>
-              <a:t>-The resulting software package is a flight dynamics model library that is structured in a way that makes it flexible for different uses</a:t>
-            </a:r>
             <a:endParaRPr lang="en-US" dirty="0"/>
           </a:p>
         </p:txBody>
@@ -1551,7 +1438,7 @@
           <a:p>
             <a:fld id="{2E19DE28-8325-455D-B7C9-D422F83ABE18}" type="slidenum">
               <a:rPr lang="en-US" smtClean="0"/>
-              <a:t>20</a:t>
+              <a:t>19</a:t>
             </a:fld>
             <a:endParaRPr lang="en-US"/>
           </a:p>
@@ -1560,7 +1447,7 @@
     </p:spTree>
     <p:extLst>
       <p:ext uri="{BB962C8B-B14F-4D97-AF65-F5344CB8AC3E}">
-        <p14:creationId xmlns:p14="http://schemas.microsoft.com/office/powerpoint/2010/main" val="1834040615"/>
+        <p14:creationId xmlns:p14="http://schemas.microsoft.com/office/powerpoint/2010/main" val="440269688"/>
       </p:ext>
     </p:extLst>
   </p:cSld>
@@ -1614,35 +1501,6 @@
           <a:bodyPr/>
           <a:lstStyle/>
           <a:p>
-            <a:r>
-              <a:rPr lang="en-US" dirty="0" smtClean="0"/>
-              <a:t>-Extend research upon Joey </a:t>
-            </a:r>
-            <a:r>
-              <a:rPr lang="en-US" dirty="0" err="1" smtClean="0"/>
-              <a:t>Vagedes</a:t>
-            </a:r>
-            <a:r>
-              <a:rPr lang="en-US" dirty="0" smtClean="0"/>
-              <a:t>’ thesis which explores the benefits and applicability of ECS</a:t>
-            </a:r>
-            <a:r>
-              <a:rPr lang="en-US" baseline="0" dirty="0" smtClean="0"/>
-              <a:t> in simulation software</a:t>
-            </a:r>
-          </a:p>
-          <a:p>
-            <a:r>
-              <a:rPr lang="en-US" baseline="0" dirty="0" smtClean="0"/>
-              <a:t>-Explain that this research explores actually re-implementing flight dynamics models into ECS-based, Rust-based software </a:t>
-            </a:r>
-            <a:r>
-              <a:rPr lang="en-US" dirty="0" smtClean="0"/>
-              <a:t/>
-            </a:r>
-            <a:br>
-              <a:rPr lang="en-US" dirty="0" smtClean="0"/>
-            </a:br>
             <a:endParaRPr lang="en-US" dirty="0"/>
           </a:p>
         </p:txBody>
@@ -1664,7 +1522,7 @@
           <a:p>
             <a:fld id="{2E19DE28-8325-455D-B7C9-D422F83ABE18}" type="slidenum">
               <a:rPr lang="en-US" smtClean="0"/>
-              <a:t>3</a:t>
+              <a:t>2</a:t>
             </a:fld>
             <a:endParaRPr lang="en-US"/>
           </a:p>
@@ -1673,7 +1531,7 @@
     </p:spTree>
     <p:extLst>
       <p:ext uri="{BB962C8B-B14F-4D97-AF65-F5344CB8AC3E}">
-        <p14:creationId xmlns:p14="http://schemas.microsoft.com/office/powerpoint/2010/main" val="1421732341"/>
+        <p14:creationId xmlns:p14="http://schemas.microsoft.com/office/powerpoint/2010/main" val="3710915633"/>
       </p:ext>
     </p:extLst>
   </p:cSld>
@@ -1727,28 +1585,6 @@
           <a:bodyPr/>
           <a:lstStyle/>
           <a:p>
-            <a:r>
-              <a:rPr lang="en-US" dirty="0" smtClean="0"/>
-              <a:t>-Find</a:t>
-            </a:r>
-            <a:r>
-              <a:rPr lang="en-US" baseline="0" dirty="0" smtClean="0"/>
-              <a:t> dependencies in FDM to split into more Systems that can run in parallel, also put </a:t>
-            </a:r>
-            <a:r>
-              <a:rPr lang="en-US" baseline="0" dirty="0" err="1" smtClean="0"/>
-              <a:t>DataFDM</a:t>
-            </a:r>
-            <a:r>
-              <a:rPr lang="en-US" baseline="0" dirty="0" smtClean="0"/>
-              <a:t> Component into smaller chunks</a:t>
-            </a:r>
-          </a:p>
-          <a:p>
-            <a:r>
-              <a:rPr lang="en-US" baseline="0" dirty="0" smtClean="0"/>
-              <a:t>-Get rid of Bourg’s custom classes because crates exist that could replace the modules</a:t>
-            </a:r>
             <a:endParaRPr lang="en-US" dirty="0"/>
           </a:p>
         </p:txBody>
@@ -1770,7 +1606,7 @@
           <a:p>
             <a:fld id="{2E19DE28-8325-455D-B7C9-D422F83ABE18}" type="slidenum">
               <a:rPr lang="en-US" smtClean="0"/>
-              <a:t>21</a:t>
+              <a:t>20</a:t>
             </a:fld>
             <a:endParaRPr lang="en-US"/>
           </a:p>
@@ -1779,7 +1615,7 @@
     </p:spTree>
     <p:extLst>
       <p:ext uri="{BB962C8B-B14F-4D97-AF65-F5344CB8AC3E}">
-        <p14:creationId xmlns:p14="http://schemas.microsoft.com/office/powerpoint/2010/main" val="1622676042"/>
+        <p14:creationId xmlns:p14="http://schemas.microsoft.com/office/powerpoint/2010/main" val="587574947"/>
       </p:ext>
     </p:extLst>
   </p:cSld>
@@ -1833,10 +1669,10 @@
           <a:bodyPr/>
           <a:lstStyle/>
           <a:p>
-            <a:r>
-              <a:rPr lang="en-US" dirty="0" smtClean="0"/>
-              <a:t>-These slides show the experiment details</a:t>
-            </a:r>
+            <a:pPr marL="0" indent="0">
+              <a:buFontTx/>
+              <a:buNone/>
+            </a:pPr>
             <a:endParaRPr lang="en-US" dirty="0"/>
           </a:p>
         </p:txBody>
@@ -1858,7 +1694,7 @@
           <a:p>
             <a:fld id="{2E19DE28-8325-455D-B7C9-D422F83ABE18}" type="slidenum">
               <a:rPr lang="en-US" smtClean="0"/>
-              <a:t>23</a:t>
+              <a:t>21</a:t>
             </a:fld>
             <a:endParaRPr lang="en-US"/>
           </a:p>
@@ -1867,7 +1703,7 @@
     </p:spTree>
     <p:extLst>
       <p:ext uri="{BB962C8B-B14F-4D97-AF65-F5344CB8AC3E}">
-        <p14:creationId xmlns:p14="http://schemas.microsoft.com/office/powerpoint/2010/main" val="1598053846"/>
+        <p14:creationId xmlns:p14="http://schemas.microsoft.com/office/powerpoint/2010/main" val="1727980575"/>
       </p:ext>
     </p:extLst>
   </p:cSld>
@@ -1921,22 +1757,7 @@
           <a:bodyPr/>
           <a:lstStyle/>
           <a:p>
-            <a:r>
-              <a:rPr lang="en-US" dirty="0" smtClean="0"/>
-              <a:t>-Initial data when beginning</a:t>
-            </a:r>
-            <a:r>
-              <a:rPr lang="en-US" baseline="0" dirty="0" smtClean="0"/>
-              <a:t> a Bourg test. These values are the same as Bourg’s default code</a:t>
-            </a:r>
-            <a:br>
-              <a:rPr lang="en-US" baseline="0" dirty="0" smtClean="0"/>
-            </a:br>
-            <a:r>
-              <a:rPr lang="en-US" baseline="0" dirty="0" smtClean="0"/>
-              <a:t>-Palmer tests begin stationary at (0,0,0) position, so we won’t include a table showing that</a:t>
-            </a:r>
-            <a:endParaRPr lang="en-US" dirty="0"/>
+            <a:endParaRPr lang="en-US" baseline="0" dirty="0" smtClean="0"/>
           </a:p>
         </p:txBody>
       </p:sp>
@@ -1957,7 +1778,362 @@
           <a:p>
             <a:fld id="{2E19DE28-8325-455D-B7C9-D422F83ABE18}" type="slidenum">
               <a:rPr lang="en-US" smtClean="0"/>
-              <a:t>34</a:t>
+              <a:t>22</a:t>
+            </a:fld>
+            <a:endParaRPr lang="en-US"/>
+          </a:p>
+        </p:txBody>
+      </p:sp>
+    </p:spTree>
+    <p:extLst>
+      <p:ext uri="{BB962C8B-B14F-4D97-AF65-F5344CB8AC3E}">
+        <p14:creationId xmlns:p14="http://schemas.microsoft.com/office/powerpoint/2010/main" val="3788586438"/>
+      </p:ext>
+    </p:extLst>
+  </p:cSld>
+  <p:clrMapOvr>
+    <a:masterClrMapping/>
+  </p:clrMapOvr>
+</p:notes>
+</file>
+
+<file path=ppt/notesSlides/notesSlide23.xml><?xml version="1.0" encoding="utf-8"?>
+<p:notes xmlns:a="http://schemas.openxmlformats.org/drawingml/2006/main" xmlns:r="http://schemas.openxmlformats.org/officeDocument/2006/relationships" xmlns:p="http://schemas.openxmlformats.org/presentationml/2006/main">
+  <p:cSld>
+    <p:spTree>
+      <p:nvGrpSpPr>
+        <p:cNvPr id="1" name=""/>
+        <p:cNvGrpSpPr/>
+        <p:nvPr/>
+      </p:nvGrpSpPr>
+      <p:grpSpPr>
+        <a:xfrm>
+          <a:off x="0" y="0"/>
+          <a:ext cx="0" cy="0"/>
+          <a:chOff x="0" y="0"/>
+          <a:chExt cx="0" cy="0"/>
+        </a:xfrm>
+      </p:grpSpPr>
+      <p:sp>
+        <p:nvSpPr>
+          <p:cNvPr id="2" name="Slide Image Placeholder 1"/>
+          <p:cNvSpPr>
+            <a:spLocks noGrp="1" noRot="1" noChangeAspect="1"/>
+          </p:cNvSpPr>
+          <p:nvPr>
+            <p:ph type="sldImg"/>
+          </p:nvPr>
+        </p:nvSpPr>
+        <p:spPr/>
+      </p:sp>
+      <p:sp>
+        <p:nvSpPr>
+          <p:cNvPr id="3" name="Notes Placeholder 2"/>
+          <p:cNvSpPr>
+            <a:spLocks noGrp="1"/>
+          </p:cNvSpPr>
+          <p:nvPr>
+            <p:ph type="body" idx="1"/>
+          </p:nvPr>
+        </p:nvSpPr>
+        <p:spPr/>
+        <p:txBody>
+          <a:bodyPr/>
+          <a:lstStyle/>
+          <a:p>
+            <a:pPr marL="0" indent="0">
+              <a:buFontTx/>
+              <a:buNone/>
+            </a:pPr>
+            <a:endParaRPr lang="en-US" baseline="0" dirty="0" smtClean="0"/>
+          </a:p>
+        </p:txBody>
+      </p:sp>
+      <p:sp>
+        <p:nvSpPr>
+          <p:cNvPr id="4" name="Slide Number Placeholder 3"/>
+          <p:cNvSpPr>
+            <a:spLocks noGrp="1"/>
+          </p:cNvSpPr>
+          <p:nvPr>
+            <p:ph type="sldNum" sz="quarter" idx="10"/>
+          </p:nvPr>
+        </p:nvSpPr>
+        <p:spPr/>
+        <p:txBody>
+          <a:bodyPr/>
+          <a:lstStyle/>
+          <a:p>
+            <a:fld id="{2E19DE28-8325-455D-B7C9-D422F83ABE18}" type="slidenum">
+              <a:rPr lang="en-US" smtClean="0"/>
+              <a:t>23</a:t>
+            </a:fld>
+            <a:endParaRPr lang="en-US"/>
+          </a:p>
+        </p:txBody>
+      </p:sp>
+    </p:spTree>
+    <p:extLst>
+      <p:ext uri="{BB962C8B-B14F-4D97-AF65-F5344CB8AC3E}">
+        <p14:creationId xmlns:p14="http://schemas.microsoft.com/office/powerpoint/2010/main" val="1834040615"/>
+      </p:ext>
+    </p:extLst>
+  </p:cSld>
+  <p:clrMapOvr>
+    <a:masterClrMapping/>
+  </p:clrMapOvr>
+</p:notes>
+</file>
+
+<file path=ppt/notesSlides/notesSlide24.xml><?xml version="1.0" encoding="utf-8"?>
+<p:notes xmlns:a="http://schemas.openxmlformats.org/drawingml/2006/main" xmlns:r="http://schemas.openxmlformats.org/officeDocument/2006/relationships" xmlns:p="http://schemas.openxmlformats.org/presentationml/2006/main">
+  <p:cSld>
+    <p:spTree>
+      <p:nvGrpSpPr>
+        <p:cNvPr id="1" name=""/>
+        <p:cNvGrpSpPr/>
+        <p:nvPr/>
+      </p:nvGrpSpPr>
+      <p:grpSpPr>
+        <a:xfrm>
+          <a:off x="0" y="0"/>
+          <a:ext cx="0" cy="0"/>
+          <a:chOff x="0" y="0"/>
+          <a:chExt cx="0" cy="0"/>
+        </a:xfrm>
+      </p:grpSpPr>
+      <p:sp>
+        <p:nvSpPr>
+          <p:cNvPr id="2" name="Slide Image Placeholder 1"/>
+          <p:cNvSpPr>
+            <a:spLocks noGrp="1" noRot="1" noChangeAspect="1"/>
+          </p:cNvSpPr>
+          <p:nvPr>
+            <p:ph type="sldImg"/>
+          </p:nvPr>
+        </p:nvSpPr>
+        <p:spPr/>
+      </p:sp>
+      <p:sp>
+        <p:nvSpPr>
+          <p:cNvPr id="3" name="Notes Placeholder 2"/>
+          <p:cNvSpPr>
+            <a:spLocks noGrp="1"/>
+          </p:cNvSpPr>
+          <p:nvPr>
+            <p:ph type="body" idx="1"/>
+          </p:nvPr>
+        </p:nvSpPr>
+        <p:spPr/>
+        <p:txBody>
+          <a:bodyPr/>
+          <a:lstStyle/>
+          <a:p>
+            <a:endParaRPr lang="en-US" dirty="0"/>
+          </a:p>
+        </p:txBody>
+      </p:sp>
+      <p:sp>
+        <p:nvSpPr>
+          <p:cNvPr id="4" name="Slide Number Placeholder 3"/>
+          <p:cNvSpPr>
+            <a:spLocks noGrp="1"/>
+          </p:cNvSpPr>
+          <p:nvPr>
+            <p:ph type="sldNum" sz="quarter" idx="10"/>
+          </p:nvPr>
+        </p:nvSpPr>
+        <p:spPr/>
+        <p:txBody>
+          <a:bodyPr/>
+          <a:lstStyle/>
+          <a:p>
+            <a:fld id="{2E19DE28-8325-455D-B7C9-D422F83ABE18}" type="slidenum">
+              <a:rPr lang="en-US" smtClean="0"/>
+              <a:t>24</a:t>
+            </a:fld>
+            <a:endParaRPr lang="en-US"/>
+          </a:p>
+        </p:txBody>
+      </p:sp>
+    </p:spTree>
+    <p:extLst>
+      <p:ext uri="{BB962C8B-B14F-4D97-AF65-F5344CB8AC3E}">
+        <p14:creationId xmlns:p14="http://schemas.microsoft.com/office/powerpoint/2010/main" val="1622676042"/>
+      </p:ext>
+    </p:extLst>
+  </p:cSld>
+  <p:clrMapOvr>
+    <a:masterClrMapping/>
+  </p:clrMapOvr>
+</p:notes>
+</file>
+
+<file path=ppt/notesSlides/notesSlide25.xml><?xml version="1.0" encoding="utf-8"?>
+<p:notes xmlns:a="http://schemas.openxmlformats.org/drawingml/2006/main" xmlns:r="http://schemas.openxmlformats.org/officeDocument/2006/relationships" xmlns:p="http://schemas.openxmlformats.org/presentationml/2006/main">
+  <p:cSld>
+    <p:spTree>
+      <p:nvGrpSpPr>
+        <p:cNvPr id="1" name=""/>
+        <p:cNvGrpSpPr/>
+        <p:nvPr/>
+      </p:nvGrpSpPr>
+      <p:grpSpPr>
+        <a:xfrm>
+          <a:off x="0" y="0"/>
+          <a:ext cx="0" cy="0"/>
+          <a:chOff x="0" y="0"/>
+          <a:chExt cx="0" cy="0"/>
+        </a:xfrm>
+      </p:grpSpPr>
+      <p:sp>
+        <p:nvSpPr>
+          <p:cNvPr id="2" name="Slide Image Placeholder 1"/>
+          <p:cNvSpPr>
+            <a:spLocks noGrp="1" noRot="1" noChangeAspect="1"/>
+          </p:cNvSpPr>
+          <p:nvPr>
+            <p:ph type="sldImg"/>
+          </p:nvPr>
+        </p:nvSpPr>
+        <p:spPr/>
+      </p:sp>
+      <p:sp>
+        <p:nvSpPr>
+          <p:cNvPr id="3" name="Notes Placeholder 2"/>
+          <p:cNvSpPr>
+            <a:spLocks noGrp="1"/>
+          </p:cNvSpPr>
+          <p:nvPr>
+            <p:ph type="body" idx="1"/>
+          </p:nvPr>
+        </p:nvSpPr>
+        <p:spPr/>
+        <p:txBody>
+          <a:bodyPr/>
+          <a:lstStyle/>
+          <a:p>
+            <a:endParaRPr lang="en-US" dirty="0"/>
+          </a:p>
+        </p:txBody>
+      </p:sp>
+      <p:sp>
+        <p:nvSpPr>
+          <p:cNvPr id="4" name="Slide Number Placeholder 3"/>
+          <p:cNvSpPr>
+            <a:spLocks noGrp="1"/>
+          </p:cNvSpPr>
+          <p:nvPr>
+            <p:ph type="sldNum" sz="quarter" idx="10"/>
+          </p:nvPr>
+        </p:nvSpPr>
+        <p:spPr/>
+        <p:txBody>
+          <a:bodyPr/>
+          <a:lstStyle/>
+          <a:p>
+            <a:fld id="{2E19DE28-8325-455D-B7C9-D422F83ABE18}" type="slidenum">
+              <a:rPr lang="en-US" smtClean="0"/>
+              <a:t>26</a:t>
+            </a:fld>
+            <a:endParaRPr lang="en-US"/>
+          </a:p>
+        </p:txBody>
+      </p:sp>
+    </p:spTree>
+    <p:extLst>
+      <p:ext uri="{BB962C8B-B14F-4D97-AF65-F5344CB8AC3E}">
+        <p14:creationId xmlns:p14="http://schemas.microsoft.com/office/powerpoint/2010/main" val="1598053846"/>
+      </p:ext>
+    </p:extLst>
+  </p:cSld>
+  <p:clrMapOvr>
+    <a:masterClrMapping/>
+  </p:clrMapOvr>
+</p:notes>
+</file>
+
+<file path=ppt/notesSlides/notesSlide26.xml><?xml version="1.0" encoding="utf-8"?>
+<p:notes xmlns:a="http://schemas.openxmlformats.org/drawingml/2006/main" xmlns:r="http://schemas.openxmlformats.org/officeDocument/2006/relationships" xmlns:p="http://schemas.openxmlformats.org/presentationml/2006/main">
+  <p:cSld>
+    <p:spTree>
+      <p:nvGrpSpPr>
+        <p:cNvPr id="1" name=""/>
+        <p:cNvGrpSpPr/>
+        <p:nvPr/>
+      </p:nvGrpSpPr>
+      <p:grpSpPr>
+        <a:xfrm>
+          <a:off x="0" y="0"/>
+          <a:ext cx="0" cy="0"/>
+          <a:chOff x="0" y="0"/>
+          <a:chExt cx="0" cy="0"/>
+        </a:xfrm>
+      </p:grpSpPr>
+      <p:sp>
+        <p:nvSpPr>
+          <p:cNvPr id="2" name="Slide Image Placeholder 1"/>
+          <p:cNvSpPr>
+            <a:spLocks noGrp="1" noRot="1" noChangeAspect="1"/>
+          </p:cNvSpPr>
+          <p:nvPr>
+            <p:ph type="sldImg"/>
+          </p:nvPr>
+        </p:nvSpPr>
+        <p:spPr/>
+      </p:sp>
+      <p:sp>
+        <p:nvSpPr>
+          <p:cNvPr id="3" name="Notes Placeholder 2"/>
+          <p:cNvSpPr>
+            <a:spLocks noGrp="1"/>
+          </p:cNvSpPr>
+          <p:nvPr>
+            <p:ph type="body" idx="1"/>
+          </p:nvPr>
+        </p:nvSpPr>
+        <p:spPr/>
+        <p:txBody>
+          <a:bodyPr/>
+          <a:lstStyle/>
+          <a:p>
+            <a:r>
+              <a:rPr lang="en-US" dirty="0" smtClean="0"/>
+              <a:t>-Initial data when beginning</a:t>
+            </a:r>
+            <a:r>
+              <a:rPr lang="en-US" baseline="0" dirty="0" smtClean="0"/>
+              <a:t> a Bourg test. These values are the same as Bourg’s default code</a:t>
+            </a:r>
+            <a:br>
+              <a:rPr lang="en-US" baseline="0" dirty="0" smtClean="0"/>
+            </a:br>
+            <a:r>
+              <a:rPr lang="en-US" baseline="0" dirty="0" smtClean="0"/>
+              <a:t>-Palmer tests begin stationary at (0,0,0) position, so we won’t include a table showing that</a:t>
+            </a:r>
+            <a:endParaRPr lang="en-US" dirty="0"/>
+          </a:p>
+        </p:txBody>
+      </p:sp>
+      <p:sp>
+        <p:nvSpPr>
+          <p:cNvPr id="4" name="Slide Number Placeholder 3"/>
+          <p:cNvSpPr>
+            <a:spLocks noGrp="1"/>
+          </p:cNvSpPr>
+          <p:nvPr>
+            <p:ph type="sldNum" sz="quarter" idx="10"/>
+          </p:nvPr>
+        </p:nvSpPr>
+        <p:spPr/>
+        <p:txBody>
+          <a:bodyPr/>
+          <a:lstStyle/>
+          <a:p>
+            <a:fld id="{2E19DE28-8325-455D-B7C9-D422F83ABE18}" type="slidenum">
+              <a:rPr lang="en-US" smtClean="0"/>
+              <a:t>37</a:t>
             </a:fld>
             <a:endParaRPr lang="en-US"/>
           </a:p>
@@ -2020,10 +2196,6 @@
           <a:bodyPr/>
           <a:lstStyle/>
           <a:p>
-            <a:r>
-              <a:rPr lang="en-US" dirty="0" smtClean="0"/>
-              <a:t>-We’ll go into some background info…</a:t>
-            </a:r>
             <a:endParaRPr lang="en-US" dirty="0"/>
           </a:p>
         </p:txBody>
@@ -2045,7 +2217,7 @@
           <a:p>
             <a:fld id="{2E19DE28-8325-455D-B7C9-D422F83ABE18}" type="slidenum">
               <a:rPr lang="en-US" smtClean="0"/>
-              <a:t>4</a:t>
+              <a:t>3</a:t>
             </a:fld>
             <a:endParaRPr lang="en-US"/>
           </a:p>
@@ -2054,7 +2226,7 @@
     </p:spTree>
     <p:extLst>
       <p:ext uri="{BB962C8B-B14F-4D97-AF65-F5344CB8AC3E}">
-        <p14:creationId xmlns:p14="http://schemas.microsoft.com/office/powerpoint/2010/main" val="2525935501"/>
+        <p14:creationId xmlns:p14="http://schemas.microsoft.com/office/powerpoint/2010/main" val="1421732341"/>
       </p:ext>
     </p:extLst>
   </p:cSld>
@@ -2109,32 +2281,13 @@
           <a:lstStyle/>
           <a:p>
             <a:r>
-              <a:rPr lang="en-US" baseline="0" dirty="0" smtClean="0"/>
-              <a:t>-Use two </a:t>
-            </a:r>
-            <a:r>
-              <a:rPr lang="en-US" baseline="0" dirty="0" smtClean="0"/>
-              <a:t>published </a:t>
-            </a:r>
-            <a:r>
-              <a:rPr lang="en-US" baseline="0" dirty="0" smtClean="0"/>
-              <a:t>textbooks containing the flight models</a:t>
+              <a:rPr lang="en-US" dirty="0" smtClean="0"/>
+              <a:t/>
             </a:r>
             <a:br>
-              <a:rPr lang="en-US" baseline="0" dirty="0" smtClean="0"/>
+              <a:rPr lang="en-US" dirty="0" smtClean="0"/>
             </a:br>
-            <a:r>
-              <a:rPr lang="en-US" baseline="0" dirty="0" smtClean="0"/>
-              <a:t>-Explain the FDMs: </a:t>
-            </a:r>
-            <a:r>
-              <a:rPr lang="en-US" baseline="0" dirty="0" smtClean="0"/>
-              <a:t>both </a:t>
-            </a:r>
-            <a:r>
-              <a:rPr lang="en-US" baseline="0" dirty="0" smtClean="0"/>
-              <a:t>seek to update position and orientation by considering forces and integrating the equations of motion</a:t>
-            </a:r>
+            <a:endParaRPr lang="en-US" dirty="0"/>
           </a:p>
         </p:txBody>
       </p:sp>
@@ -2155,7 +2308,7 @@
           <a:p>
             <a:fld id="{2E19DE28-8325-455D-B7C9-D422F83ABE18}" type="slidenum">
               <a:rPr lang="en-US" smtClean="0"/>
-              <a:t>5</a:t>
+              <a:t>4</a:t>
             </a:fld>
             <a:endParaRPr lang="en-US"/>
           </a:p>
@@ -2164,7 +2317,7 @@
     </p:spTree>
     <p:extLst>
       <p:ext uri="{BB962C8B-B14F-4D97-AF65-F5344CB8AC3E}">
-        <p14:creationId xmlns:p14="http://schemas.microsoft.com/office/powerpoint/2010/main" val="3906543257"/>
+        <p14:creationId xmlns:p14="http://schemas.microsoft.com/office/powerpoint/2010/main" val="335619608"/>
       </p:ext>
     </p:extLst>
   </p:cSld>
@@ -2218,20 +2371,7 @@
           <a:bodyPr/>
           <a:lstStyle/>
           <a:p>
-            <a:r>
-              <a:rPr lang="en-US" dirty="0" smtClean="0"/>
-              <a:t>-Explain</a:t>
-            </a:r>
-            <a:r>
-              <a:rPr lang="en-US" baseline="0" dirty="0" smtClean="0"/>
-              <a:t> briefly DOD and ECS</a:t>
-            </a:r>
-          </a:p>
-          <a:p>
-            <a:r>
-              <a:rPr lang="en-US" baseline="0" dirty="0" smtClean="0"/>
-              <a:t>-Ease of programming and performance benefits</a:t>
-            </a:r>
+            <a:endParaRPr lang="en-US" dirty="0"/>
           </a:p>
         </p:txBody>
       </p:sp>
@@ -2252,7 +2392,7 @@
           <a:p>
             <a:fld id="{2E19DE28-8325-455D-B7C9-D422F83ABE18}" type="slidenum">
               <a:rPr lang="en-US" smtClean="0"/>
-              <a:t>6</a:t>
+              <a:t>5</a:t>
             </a:fld>
             <a:endParaRPr lang="en-US"/>
           </a:p>
@@ -2261,7 +2401,7 @@
     </p:spTree>
     <p:extLst>
       <p:ext uri="{BB962C8B-B14F-4D97-AF65-F5344CB8AC3E}">
-        <p14:creationId xmlns:p14="http://schemas.microsoft.com/office/powerpoint/2010/main" val="919294234"/>
+        <p14:creationId xmlns:p14="http://schemas.microsoft.com/office/powerpoint/2010/main" val="2525935501"/>
       </p:ext>
     </p:extLst>
   </p:cSld>
@@ -2315,21 +2455,65 @@
           <a:bodyPr/>
           <a:lstStyle/>
           <a:p>
-            <a:r>
-              <a:rPr lang="en-US" dirty="0" smtClean="0"/>
-              <a:t>-Explain</a:t>
-            </a:r>
+            <a:pPr marL="0" marR="0" indent="0" algn="l" defTabSz="914400" rtl="0" eaLnBrk="1" fontAlgn="auto" latinLnBrk="0" hangingPunct="1">
+              <a:lnSpc>
+                <a:spcPct val="100000"/>
+              </a:lnSpc>
+              <a:spcBef>
+                <a:spcPts val="0"/>
+              </a:spcBef>
+              <a:spcAft>
+                <a:spcPts val="0"/>
+              </a:spcAft>
+              <a:buClrTx/>
+              <a:buSzTx/>
+              <a:buFontTx/>
+              <a:buNone/>
+              <a:tabLst/>
+              <a:defRPr/>
+            </a:pPr>
             <a:r>
               <a:rPr lang="en-US" baseline="0" dirty="0" smtClean="0"/>
-              <a:t> what Rust is and the benefits of Rust</a:t>
-            </a:r>
-          </a:p>
-          <a:p>
-            <a:r>
-              <a:rPr lang="en-US" baseline="0" dirty="0" smtClean="0"/>
-              <a:t>-Explain crates and briefly explain the crates used</a:t>
-            </a:r>
-            <a:endParaRPr lang="en-US" dirty="0"/>
+              <a:t>Linear Acceleration is the rate of change of linear velocity and A</a:t>
+            </a:r>
+            <a:r>
+              <a:rPr lang="en-US" sz="1200" b="0" i="0" kern="1200" dirty="0" smtClean="0">
+                <a:solidFill>
+                  <a:schemeClr val="tx1"/>
+                </a:solidFill>
+                <a:effectLst/>
+                <a:latin typeface="+mn-lt"/>
+                <a:ea typeface="+mn-ea"/>
+                <a:cs typeface="+mn-cs"/>
+              </a:rPr>
+              <a:t>ngular Acceleration is the rate of change of angular velocity. </a:t>
+            </a:r>
+            <a:br>
+              <a:rPr lang="en-US" sz="1200" b="0" i="0" kern="1200" dirty="0" smtClean="0">
+                <a:solidFill>
+                  <a:schemeClr val="tx1"/>
+                </a:solidFill>
+                <a:effectLst/>
+                <a:latin typeface="+mn-lt"/>
+                <a:ea typeface="+mn-ea"/>
+                <a:cs typeface="+mn-cs"/>
+              </a:rPr>
+            </a:br>
+            <a:r>
+              <a:rPr lang="en-US" sz="1200" b="0" i="0" kern="1200" dirty="0" smtClean="0">
+                <a:solidFill>
+                  <a:schemeClr val="tx1"/>
+                </a:solidFill>
+                <a:effectLst/>
+                <a:latin typeface="+mn-lt"/>
+                <a:ea typeface="+mn-ea"/>
+                <a:cs typeface="+mn-cs"/>
+              </a:rPr>
+              <a:t>Linear Velocity is how much an object travels in a straight line, and Angular Velocity is how much an object rotates</a:t>
+            </a:r>
+          </a:p>
+          <a:p>
+            <a:endParaRPr lang="en-US" baseline="0" dirty="0" smtClean="0"/>
           </a:p>
         </p:txBody>
       </p:sp>
@@ -2350,7 +2534,7 @@
           <a:p>
             <a:fld id="{2E19DE28-8325-455D-B7C9-D422F83ABE18}" type="slidenum">
               <a:rPr lang="en-US" smtClean="0"/>
-              <a:t>7</a:t>
+              <a:t>6</a:t>
             </a:fld>
             <a:endParaRPr lang="en-US"/>
           </a:p>
@@ -2359,7 +2543,7 @@
     </p:spTree>
     <p:extLst>
       <p:ext uri="{BB962C8B-B14F-4D97-AF65-F5344CB8AC3E}">
-        <p14:creationId xmlns:p14="http://schemas.microsoft.com/office/powerpoint/2010/main" val="2242876689"/>
+        <p14:creationId xmlns:p14="http://schemas.microsoft.com/office/powerpoint/2010/main" val="3906543257"/>
       </p:ext>
     </p:extLst>
   </p:cSld>
@@ -2413,25 +2597,7 @@
           <a:bodyPr/>
           <a:lstStyle/>
           <a:p>
-            <a:r>
-              <a:rPr lang="en-US" dirty="0" smtClean="0"/>
-              <a:t>-Explain the way</a:t>
-            </a:r>
-            <a:r>
-              <a:rPr lang="en-US" baseline="0" dirty="0" smtClean="0"/>
-              <a:t> Rust organizes a package and how this is an improvement upon how the FDM’s were originally designed</a:t>
-            </a:r>
-          </a:p>
-          <a:p>
-            <a:r>
-              <a:rPr lang="en-US" dirty="0" smtClean="0"/>
-              <a:t>-Explain</a:t>
-            </a:r>
-            <a:r>
-              <a:rPr lang="en-US" baseline="0" dirty="0" smtClean="0"/>
-              <a:t> Rust integration and unit testing</a:t>
-            </a:r>
-            <a:endParaRPr lang="en-US" dirty="0"/>
+            <a:endParaRPr lang="en-US" baseline="0" dirty="0" smtClean="0"/>
           </a:p>
         </p:txBody>
       </p:sp>
@@ -2452,7 +2618,7 @@
           <a:p>
             <a:fld id="{2E19DE28-8325-455D-B7C9-D422F83ABE18}" type="slidenum">
               <a:rPr lang="en-US" smtClean="0"/>
-              <a:t>8</a:t>
+              <a:t>7</a:t>
             </a:fld>
             <a:endParaRPr lang="en-US"/>
           </a:p>
@@ -2461,7 +2627,7 @@
     </p:spTree>
     <p:extLst>
       <p:ext uri="{BB962C8B-B14F-4D97-AF65-F5344CB8AC3E}">
-        <p14:creationId xmlns:p14="http://schemas.microsoft.com/office/powerpoint/2010/main" val="322290651"/>
+        <p14:creationId xmlns:p14="http://schemas.microsoft.com/office/powerpoint/2010/main" val="919294234"/>
       </p:ext>
     </p:extLst>
   </p:cSld>
@@ -2515,23 +2681,7 @@
           <a:bodyPr/>
           <a:lstStyle/>
           <a:p>
-            <a:r>
-              <a:rPr lang="en-US" dirty="0" smtClean="0"/>
-              <a:t>-Explain what </a:t>
-            </a:r>
-            <a:r>
-              <a:rPr lang="en-US" dirty="0" err="1" smtClean="0"/>
-              <a:t>FlightGear</a:t>
-            </a:r>
-            <a:r>
-              <a:rPr lang="en-US" baseline="0" dirty="0" smtClean="0"/>
-              <a:t> is an how it </a:t>
-            </a:r>
-            <a:r>
-              <a:rPr lang="en-US" dirty="0" smtClean="0"/>
-              <a:t>was used</a:t>
-            </a:r>
-            <a:endParaRPr lang="en-US" dirty="0"/>
+            <a:endParaRPr lang="en-US" baseline="0" dirty="0" smtClean="0"/>
           </a:p>
         </p:txBody>
       </p:sp>
@@ -2552,7 +2702,7 @@
           <a:p>
             <a:fld id="{2E19DE28-8325-455D-B7C9-D422F83ABE18}" type="slidenum">
               <a:rPr lang="en-US" smtClean="0"/>
-              <a:t>9</a:t>
+              <a:t>8</a:t>
             </a:fld>
             <a:endParaRPr lang="en-US"/>
           </a:p>
@@ -2615,22 +2765,6 @@
           <a:bodyPr/>
           <a:lstStyle/>
           <a:p>
-            <a:r>
-              <a:rPr lang="en-US" dirty="0" smtClean="0"/>
-              <a:t>-Just a</a:t>
-            </a:r>
-            <a:r>
-              <a:rPr lang="en-US" baseline="0" dirty="0" smtClean="0"/>
-              <a:t> snapshot during simulation with </a:t>
-            </a:r>
-            <a:r>
-              <a:rPr lang="en-US" baseline="0" dirty="0" err="1" smtClean="0"/>
-              <a:t>FlightGear</a:t>
-            </a:r>
-            <a:r>
-              <a:rPr lang="en-US" baseline="0" dirty="0" smtClean="0"/>
-              <a:t> (doing a barrel roll) </a:t>
-            </a:r>
             <a:endParaRPr lang="en-US" dirty="0"/>
           </a:p>
         </p:txBody>
@@ -2652,7 +2786,7 @@
           <a:p>
             <a:fld id="{2E19DE28-8325-455D-B7C9-D422F83ABE18}" type="slidenum">
               <a:rPr lang="en-US" smtClean="0"/>
-              <a:t>10</a:t>
+              <a:t>9</a:t>
             </a:fld>
             <a:endParaRPr lang="en-US"/>
           </a:p>
@@ -6953,7 +7087,7 @@
           <a:p>
             <a:fld id="{EA2E5030-8CDF-47DB-BC9E-6F3E03A9C925}" type="datetimeFigureOut">
               <a:rPr lang="en-US" smtClean="0"/>
-              <a:t>2/9/2021</a:t>
+              <a:t>2/19/2021</a:t>
             </a:fld>
             <a:endParaRPr lang="en-US"/>
           </a:p>
@@ -7220,7 +7354,7 @@
           <a:p>
             <a:fld id="{EA2E5030-8CDF-47DB-BC9E-6F3E03A9C925}" type="datetimeFigureOut">
               <a:rPr lang="en-US" smtClean="0"/>
-              <a:t>2/9/2021</a:t>
+              <a:t>2/19/2021</a:t>
             </a:fld>
             <a:endParaRPr lang="en-US"/>
           </a:p>
@@ -7416,7 +7550,7 @@
           <a:p>
             <a:fld id="{EA2E5030-8CDF-47DB-BC9E-6F3E03A9C925}" type="datetimeFigureOut">
               <a:rPr lang="en-US" smtClean="0"/>
-              <a:t>2/9/2021</a:t>
+              <a:t>2/19/2021</a:t>
             </a:fld>
             <a:endParaRPr lang="en-US"/>
           </a:p>
@@ -7679,7 +7813,7 @@
           <a:p>
             <a:fld id="{EA2E5030-8CDF-47DB-BC9E-6F3E03A9C925}" type="datetimeFigureOut">
               <a:rPr lang="en-US" smtClean="0"/>
-              <a:t>2/9/2021</a:t>
+              <a:t>2/19/2021</a:t>
             </a:fld>
             <a:endParaRPr lang="en-US"/>
           </a:p>
@@ -8113,7 +8247,7 @@
           <a:p>
             <a:fld id="{EA2E5030-8CDF-47DB-BC9E-6F3E03A9C925}" type="datetimeFigureOut">
               <a:rPr lang="en-US" smtClean="0"/>
-              <a:t>2/9/2021</a:t>
+              <a:t>2/19/2021</a:t>
             </a:fld>
             <a:endParaRPr lang="en-US"/>
           </a:p>
@@ -8659,7 +8793,7 @@
           <a:p>
             <a:fld id="{EA2E5030-8CDF-47DB-BC9E-6F3E03A9C925}" type="datetimeFigureOut">
               <a:rPr lang="en-US" smtClean="0"/>
-              <a:t>2/9/2021</a:t>
+              <a:t>2/19/2021</a:t>
             </a:fld>
             <a:endParaRPr lang="en-US"/>
           </a:p>
@@ -9379,7 +9513,7 @@
           <a:p>
             <a:fld id="{EA2E5030-8CDF-47DB-BC9E-6F3E03A9C925}" type="datetimeFigureOut">
               <a:rPr lang="en-US" smtClean="0"/>
-              <a:t>2/9/2021</a:t>
+              <a:t>2/19/2021</a:t>
             </a:fld>
             <a:endParaRPr lang="en-US"/>
           </a:p>
@@ -9549,7 +9683,7 @@
           <a:p>
             <a:fld id="{EA2E5030-8CDF-47DB-BC9E-6F3E03A9C925}" type="datetimeFigureOut">
               <a:rPr lang="en-US" smtClean="0"/>
-              <a:t>2/9/2021</a:t>
+              <a:t>2/19/2021</a:t>
             </a:fld>
             <a:endParaRPr lang="en-US"/>
           </a:p>
@@ -9729,7 +9863,7 @@
           <a:p>
             <a:fld id="{EA2E5030-8CDF-47DB-BC9E-6F3E03A9C925}" type="datetimeFigureOut">
               <a:rPr lang="en-US" smtClean="0"/>
-              <a:t>2/9/2021</a:t>
+              <a:t>2/19/2021</a:t>
             </a:fld>
             <a:endParaRPr lang="en-US"/>
           </a:p>
@@ -9899,7 +10033,7 @@
           <a:p>
             <a:fld id="{EA2E5030-8CDF-47DB-BC9E-6F3E03A9C925}" type="datetimeFigureOut">
               <a:rPr lang="en-US" smtClean="0"/>
-              <a:t>2/9/2021</a:t>
+              <a:t>2/19/2021</a:t>
             </a:fld>
             <a:endParaRPr lang="en-US"/>
           </a:p>
@@ -10149,7 +10283,7 @@
           <a:p>
             <a:fld id="{EA2E5030-8CDF-47DB-BC9E-6F3E03A9C925}" type="datetimeFigureOut">
               <a:rPr lang="en-US" smtClean="0"/>
-              <a:t>2/9/2021</a:t>
+              <a:t>2/19/2021</a:t>
             </a:fld>
             <a:endParaRPr lang="en-US"/>
           </a:p>
@@ -10381,7 +10515,7 @@
           <a:p>
             <a:fld id="{EA2E5030-8CDF-47DB-BC9E-6F3E03A9C925}" type="datetimeFigureOut">
               <a:rPr lang="en-US" smtClean="0"/>
-              <a:t>2/9/2021</a:t>
+              <a:t>2/19/2021</a:t>
             </a:fld>
             <a:endParaRPr lang="en-US"/>
           </a:p>
@@ -10762,7 +10896,7 @@
           <a:p>
             <a:fld id="{EA2E5030-8CDF-47DB-BC9E-6F3E03A9C925}" type="datetimeFigureOut">
               <a:rPr lang="en-US" smtClean="0"/>
-              <a:t>2/9/2021</a:t>
+              <a:t>2/19/2021</a:t>
             </a:fld>
             <a:endParaRPr lang="en-US"/>
           </a:p>
@@ -10880,7 +11014,7 @@
           <a:p>
             <a:fld id="{EA2E5030-8CDF-47DB-BC9E-6F3E03A9C925}" type="datetimeFigureOut">
               <a:rPr lang="en-US" smtClean="0"/>
-              <a:t>2/9/2021</a:t>
+              <a:t>2/19/2021</a:t>
             </a:fld>
             <a:endParaRPr lang="en-US"/>
           </a:p>
@@ -10975,7 +11109,7 @@
           <a:p>
             <a:fld id="{EA2E5030-8CDF-47DB-BC9E-6F3E03A9C925}" type="datetimeFigureOut">
               <a:rPr lang="en-US" smtClean="0"/>
-              <a:t>2/9/2021</a:t>
+              <a:t>2/19/2021</a:t>
             </a:fld>
             <a:endParaRPr lang="en-US"/>
           </a:p>
@@ -11224,7 +11358,7 @@
           <a:p>
             <a:fld id="{EA2E5030-8CDF-47DB-BC9E-6F3E03A9C925}" type="datetimeFigureOut">
               <a:rPr lang="en-US" smtClean="0"/>
-              <a:t>2/9/2021</a:t>
+              <a:t>2/19/2021</a:t>
             </a:fld>
             <a:endParaRPr lang="en-US"/>
           </a:p>
@@ -11504,7 +11638,7 @@
           <a:p>
             <a:fld id="{EA2E5030-8CDF-47DB-BC9E-6F3E03A9C925}" type="datetimeFigureOut">
               <a:rPr lang="en-US" smtClean="0"/>
-              <a:t>2/9/2021</a:t>
+              <a:t>2/19/2021</a:t>
             </a:fld>
             <a:endParaRPr lang="en-US"/>
           </a:p>
@@ -14571,7 +14705,7 @@
           <a:p>
             <a:fld id="{EA2E5030-8CDF-47DB-BC9E-6F3E03A9C925}" type="datetimeFigureOut">
               <a:rPr lang="en-US" smtClean="0"/>
-              <a:t>2/9/2021</a:t>
+              <a:t>2/19/2021</a:t>
             </a:fld>
             <a:endParaRPr lang="en-US"/>
           </a:p>
@@ -15004,23 +15138,24 @@
         <p:spPr>
           <a:xfrm>
             <a:off x="1876424" y="1700980"/>
-            <a:ext cx="8791575" cy="1651666"/>
+            <a:ext cx="8394627" cy="1651666"/>
           </a:xfrm>
         </p:spPr>
         <p:txBody>
           <a:bodyPr>
-            <a:normAutofit/>
+            <a:normAutofit fontScale="90000"/>
           </a:bodyPr>
           <a:lstStyle/>
           <a:p>
             <a:r>
               <a:rPr lang="en-US" dirty="0" smtClean="0"/>
-              <a:t>An ECS-BASED </a:t>
-            </a:r>
-            <a:r>
-              <a:rPr lang="en-US" dirty="0"/>
-              <a:t>FLIGHT DYNAMICS MODEL WRITTEN IN RUST</a:t>
-            </a:r>
+              <a:t>Two published flight dynamics models rewritten in rust and structured as an </a:t>
+            </a:r>
+            <a:r>
+              <a:rPr lang="en-US" dirty="0" err="1" smtClean="0"/>
+              <a:t>ecs</a:t>
+            </a:r>
+            <a:endParaRPr lang="en-US" dirty="0"/>
           </a:p>
         </p:txBody>
       </p:sp>
@@ -15137,58 +15272,382 @@
             <p:ph type="title"/>
           </p:nvPr>
         </p:nvSpPr>
-        <p:spPr>
-          <a:xfrm>
-            <a:off x="1170910" y="205564"/>
-            <a:ext cx="9905998" cy="738334"/>
-          </a:xfrm>
-        </p:spPr>
+        <p:spPr/>
         <p:txBody>
           <a:bodyPr/>
           <a:lstStyle/>
           <a:p>
             <a:r>
               <a:rPr lang="en-US" dirty="0" smtClean="0"/>
-              <a:t>Flightgear flight simulator</a:t>
+              <a:t>Build</a:t>
             </a:r>
             <a:endParaRPr lang="en-US" dirty="0"/>
           </a:p>
         </p:txBody>
       </p:sp>
-      <p:pic>
-        <p:nvPicPr>
-          <p:cNvPr id="3" name="Picture 2"/>
-          <p:cNvPicPr>
-            <a:picLocks noChangeAspect="1"/>
-          </p:cNvPicPr>
+      <p:sp>
+        <p:nvSpPr>
+          <p:cNvPr id="4" name="Rectangle 3"/>
+          <p:cNvSpPr/>
           <p:nvPr/>
-        </p:nvPicPr>
-        <p:blipFill>
-          <a:blip r:embed="rId3">
-            <a:extLst>
-              <a:ext uri="{28A0092B-C50C-407E-A947-70E740481C1C}">
-                <a14:useLocalDpi xmlns:a14="http://schemas.microsoft.com/office/drawing/2010/main" val="0"/>
-              </a:ext>
-            </a:extLst>
-          </a:blip>
-          <a:stretch>
-            <a:fillRect/>
-          </a:stretch>
-        </p:blipFill>
+        </p:nvSpPr>
         <p:spPr>
           <a:xfrm>
-            <a:off x="2467524" y="1021091"/>
-            <a:ext cx="6833791" cy="5422901"/>
+            <a:off x="1141413" y="2097088"/>
+            <a:ext cx="10011496" cy="3386312"/>
           </a:xfrm>
           <a:prstGeom prst="rect">
             <a:avLst/>
           </a:prstGeom>
         </p:spPr>
-      </p:pic>
+        <p:txBody>
+          <a:bodyPr wrap="square">
+            <a:spAutoFit/>
+          </a:bodyPr>
+          <a:lstStyle/>
+          <a:p>
+            <a:pPr marL="228600" lvl="0" indent="-228600">
+              <a:lnSpc>
+                <a:spcPct val="120000"/>
+              </a:lnSpc>
+              <a:spcBef>
+                <a:spcPts val="1000"/>
+              </a:spcBef>
+              <a:buSzPct val="125000"/>
+              <a:buFont typeface="Arial" panose="020B0604020202020204" pitchFamily="34" charset="0"/>
+              <a:buChar char="•"/>
+            </a:pPr>
+            <a:r>
+              <a:rPr lang="en-US" sz="2400" dirty="0" smtClean="0">
+                <a:solidFill>
+                  <a:prstClr val="white"/>
+                </a:solidFill>
+              </a:rPr>
+              <a:t>Crates</a:t>
+            </a:r>
+          </a:p>
+          <a:p>
+            <a:pPr marL="685800" lvl="1" indent="-228600">
+              <a:lnSpc>
+                <a:spcPct val="120000"/>
+              </a:lnSpc>
+              <a:spcBef>
+                <a:spcPts val="1000"/>
+              </a:spcBef>
+              <a:buSzPct val="125000"/>
+              <a:buFont typeface="Arial" panose="020B0604020202020204" pitchFamily="34" charset="0"/>
+              <a:buChar char="•"/>
+            </a:pPr>
+            <a:r>
+              <a:rPr lang="en-US" sz="2000" dirty="0" smtClean="0">
+                <a:solidFill>
+                  <a:prstClr val="white"/>
+                </a:solidFill>
+              </a:rPr>
+              <a:t>Specs Parallel ECS (SPECS)</a:t>
+            </a:r>
+          </a:p>
+          <a:p>
+            <a:pPr marL="1143000" lvl="2" indent="-228600">
+              <a:lnSpc>
+                <a:spcPct val="120000"/>
+              </a:lnSpc>
+              <a:spcBef>
+                <a:spcPts val="1000"/>
+              </a:spcBef>
+              <a:buSzPct val="125000"/>
+              <a:buFont typeface="Arial" panose="020B0604020202020204" pitchFamily="34" charset="0"/>
+              <a:buChar char="•"/>
+            </a:pPr>
+            <a:r>
+              <a:rPr lang="en-US" dirty="0" smtClean="0">
+                <a:solidFill>
+                  <a:prstClr val="white"/>
+                </a:solidFill>
+              </a:rPr>
+              <a:t>ECS framework</a:t>
+            </a:r>
+          </a:p>
+          <a:p>
+            <a:pPr marL="685800" lvl="1" indent="-228600">
+              <a:lnSpc>
+                <a:spcPct val="120000"/>
+              </a:lnSpc>
+              <a:spcBef>
+                <a:spcPts val="1000"/>
+              </a:spcBef>
+              <a:buSzPct val="125000"/>
+              <a:buFont typeface="Arial" panose="020B0604020202020204" pitchFamily="34" charset="0"/>
+              <a:buChar char="•"/>
+            </a:pPr>
+            <a:r>
+              <a:rPr lang="en-US" sz="2000" dirty="0" smtClean="0">
+                <a:solidFill>
+                  <a:prstClr val="white"/>
+                </a:solidFill>
+              </a:rPr>
+              <a:t>Device Query</a:t>
+            </a:r>
+          </a:p>
+          <a:p>
+            <a:pPr marL="1143000" lvl="2" indent="-228600">
+              <a:lnSpc>
+                <a:spcPct val="120000"/>
+              </a:lnSpc>
+              <a:spcBef>
+                <a:spcPts val="1000"/>
+              </a:spcBef>
+              <a:buSzPct val="125000"/>
+              <a:buFont typeface="Arial" panose="020B0604020202020204" pitchFamily="34" charset="0"/>
+              <a:buChar char="•"/>
+            </a:pPr>
+            <a:r>
+              <a:rPr lang="en-US" dirty="0" smtClean="0">
+                <a:solidFill>
+                  <a:prstClr val="white"/>
+                </a:solidFill>
+              </a:rPr>
+              <a:t>Keyboard input</a:t>
+            </a:r>
+          </a:p>
+          <a:p>
+            <a:pPr marL="685800" lvl="1" indent="-228600">
+              <a:lnSpc>
+                <a:spcPct val="120000"/>
+              </a:lnSpc>
+              <a:spcBef>
+                <a:spcPts val="1000"/>
+              </a:spcBef>
+              <a:buSzPct val="125000"/>
+              <a:buFont typeface="Arial" panose="020B0604020202020204" pitchFamily="34" charset="0"/>
+              <a:buChar char="•"/>
+            </a:pPr>
+            <a:r>
+              <a:rPr lang="en-US" sz="2000" dirty="0" err="1" smtClean="0">
+                <a:solidFill>
+                  <a:prstClr val="white"/>
+                </a:solidFill>
+              </a:rPr>
+              <a:t>Bincode</a:t>
+            </a:r>
+            <a:r>
+              <a:rPr lang="en-US" sz="2000" dirty="0" smtClean="0">
+                <a:solidFill>
+                  <a:prstClr val="white"/>
+                </a:solidFill>
+              </a:rPr>
+              <a:t> &amp; </a:t>
+            </a:r>
+            <a:r>
+              <a:rPr lang="en-US" sz="2000" dirty="0" err="1" smtClean="0">
+                <a:solidFill>
+                  <a:prstClr val="white"/>
+                </a:solidFill>
+              </a:rPr>
+              <a:t>Serde</a:t>
+            </a:r>
+            <a:endParaRPr lang="en-US" sz="2000" dirty="0" smtClean="0">
+              <a:solidFill>
+                <a:prstClr val="white"/>
+              </a:solidFill>
+            </a:endParaRPr>
+          </a:p>
+          <a:p>
+            <a:pPr marL="1143000" lvl="2" indent="-228600">
+              <a:lnSpc>
+                <a:spcPct val="120000"/>
+              </a:lnSpc>
+              <a:spcBef>
+                <a:spcPts val="1000"/>
+              </a:spcBef>
+              <a:buSzPct val="125000"/>
+              <a:buFont typeface="Arial" panose="020B0604020202020204" pitchFamily="34" charset="0"/>
+              <a:buChar char="•"/>
+            </a:pPr>
+            <a:r>
+              <a:rPr lang="en-US" dirty="0" smtClean="0">
+                <a:solidFill>
+                  <a:prstClr val="white"/>
+                </a:solidFill>
+              </a:rPr>
+              <a:t>Convert </a:t>
+            </a:r>
+            <a:r>
+              <a:rPr lang="en-US" dirty="0" err="1" smtClean="0">
+                <a:solidFill>
+                  <a:prstClr val="white"/>
+                </a:solidFill>
+              </a:rPr>
+              <a:t>struct</a:t>
+            </a:r>
+            <a:r>
+              <a:rPr lang="en-US" dirty="0" smtClean="0">
+                <a:solidFill>
+                  <a:prstClr val="white"/>
+                </a:solidFill>
+              </a:rPr>
+              <a:t> into bytes</a:t>
+            </a:r>
+          </a:p>
+        </p:txBody>
+      </p:sp>
+      <p:sp>
+        <p:nvSpPr>
+          <p:cNvPr id="3" name="Rectangle 2"/>
+          <p:cNvSpPr/>
+          <p:nvPr/>
+        </p:nvSpPr>
+        <p:spPr>
+          <a:xfrm>
+            <a:off x="5347854" y="3242632"/>
+            <a:ext cx="6096000" cy="1880515"/>
+          </a:xfrm>
+          <a:prstGeom prst="rect">
+            <a:avLst/>
+          </a:prstGeom>
+        </p:spPr>
+        <p:txBody>
+          <a:bodyPr>
+            <a:spAutoFit/>
+          </a:bodyPr>
+          <a:lstStyle/>
+          <a:p>
+            <a:pPr marL="685800" lvl="1" indent="-228600">
+              <a:lnSpc>
+                <a:spcPct val="120000"/>
+              </a:lnSpc>
+              <a:spcBef>
+                <a:spcPts val="1000"/>
+              </a:spcBef>
+              <a:buSzPct val="125000"/>
+              <a:buFont typeface="Arial" panose="020B0604020202020204" pitchFamily="34" charset="0"/>
+              <a:buChar char="•"/>
+            </a:pPr>
+            <a:r>
+              <a:rPr lang="en-US" sz="2000" dirty="0" err="1" smtClean="0">
+                <a:solidFill>
+                  <a:prstClr val="white"/>
+                </a:solidFill>
+              </a:rPr>
+              <a:t>Coord</a:t>
+            </a:r>
+            <a:r>
+              <a:rPr lang="en-US" sz="2000" dirty="0" smtClean="0">
+                <a:solidFill>
+                  <a:prstClr val="white"/>
+                </a:solidFill>
+              </a:rPr>
+              <a:t> Transform</a:t>
+            </a:r>
+          </a:p>
+          <a:p>
+            <a:pPr marL="1143000" lvl="2" indent="-228600">
+              <a:lnSpc>
+                <a:spcPct val="120000"/>
+              </a:lnSpc>
+              <a:spcBef>
+                <a:spcPts val="1000"/>
+              </a:spcBef>
+              <a:buSzPct val="125000"/>
+              <a:buFont typeface="Arial" panose="020B0604020202020204" pitchFamily="34" charset="0"/>
+              <a:buChar char="•"/>
+            </a:pPr>
+            <a:r>
+              <a:rPr lang="en-US" dirty="0" smtClean="0">
+                <a:solidFill>
+                  <a:prstClr val="white"/>
+                </a:solidFill>
+              </a:rPr>
+              <a:t>Meters displaced -&gt; East-North-Up -&gt; </a:t>
+            </a:r>
+            <a:r>
+              <a:rPr lang="en-US" dirty="0" err="1" smtClean="0">
+                <a:solidFill>
+                  <a:prstClr val="white"/>
+                </a:solidFill>
+              </a:rPr>
+              <a:t>Lat</a:t>
+            </a:r>
+            <a:r>
+              <a:rPr lang="en-US" dirty="0" smtClean="0">
+                <a:solidFill>
+                  <a:prstClr val="white"/>
+                </a:solidFill>
+              </a:rPr>
+              <a:t>/Lon/Alt</a:t>
+            </a:r>
+            <a:endParaRPr lang="en-US" dirty="0">
+              <a:solidFill>
+                <a:prstClr val="white"/>
+              </a:solidFill>
+            </a:endParaRPr>
+          </a:p>
+          <a:p>
+            <a:pPr marL="685800" lvl="1" indent="-228600">
+              <a:lnSpc>
+                <a:spcPct val="120000"/>
+              </a:lnSpc>
+              <a:spcBef>
+                <a:spcPts val="1000"/>
+              </a:spcBef>
+              <a:buSzPct val="125000"/>
+              <a:buFont typeface="Arial" panose="020B0604020202020204" pitchFamily="34" charset="0"/>
+              <a:buChar char="•"/>
+            </a:pPr>
+            <a:r>
+              <a:rPr lang="en-US" sz="2000" dirty="0">
+                <a:solidFill>
+                  <a:prstClr val="white"/>
+                </a:solidFill>
+              </a:rPr>
+              <a:t>Float </a:t>
+            </a:r>
+            <a:r>
+              <a:rPr lang="en-US" sz="2000" dirty="0" err="1" smtClean="0">
+                <a:solidFill>
+                  <a:prstClr val="white"/>
+                </a:solidFill>
+              </a:rPr>
+              <a:t>Cmp</a:t>
+            </a:r>
+            <a:endParaRPr lang="en-US" sz="2000" dirty="0" smtClean="0">
+              <a:solidFill>
+                <a:prstClr val="white"/>
+              </a:solidFill>
+            </a:endParaRPr>
+          </a:p>
+          <a:p>
+            <a:pPr marL="1143000" lvl="2" indent="-228600">
+              <a:lnSpc>
+                <a:spcPct val="120000"/>
+              </a:lnSpc>
+              <a:spcBef>
+                <a:spcPts val="1000"/>
+              </a:spcBef>
+              <a:buSzPct val="125000"/>
+              <a:buFont typeface="Arial" panose="020B0604020202020204" pitchFamily="34" charset="0"/>
+              <a:buChar char="•"/>
+            </a:pPr>
+            <a:r>
+              <a:rPr lang="en-US" dirty="0" smtClean="0">
+                <a:solidFill>
+                  <a:prstClr val="white"/>
+                </a:solidFill>
+              </a:rPr>
+              <a:t>Compare floating-point numbers for FDM testing</a:t>
+            </a:r>
+            <a:endParaRPr lang="en-US" dirty="0">
+              <a:solidFill>
+                <a:prstClr val="white"/>
+              </a:solidFill>
+            </a:endParaRPr>
+          </a:p>
+        </p:txBody>
+      </p:sp>
     </p:spTree>
     <p:extLst>
       <p:ext uri="{BB962C8B-B14F-4D97-AF65-F5344CB8AC3E}">
-        <p14:creationId xmlns:p14="http://schemas.microsoft.com/office/powerpoint/2010/main" val="3800764724"/>
+        <p14:creationId xmlns:p14="http://schemas.microsoft.com/office/powerpoint/2010/main" val="2502579427"/>
       </p:ext>
     </p:extLst>
   </p:cSld>
@@ -15239,7 +15698,7 @@
           <a:p>
             <a:r>
               <a:rPr lang="en-US" dirty="0" smtClean="0"/>
-              <a:t>build</a:t>
+              <a:t>Build</a:t>
             </a:r>
             <a:endParaRPr lang="en-US" dirty="0"/>
           </a:p>
@@ -15254,14 +15713,14 @@
         <p:spPr>
           <a:xfrm>
             <a:off x="1141413" y="2097088"/>
-            <a:ext cx="7589632" cy="3392724"/>
+            <a:ext cx="6096000" cy="503728"/>
           </a:xfrm>
           <a:prstGeom prst="rect">
             <a:avLst/>
           </a:prstGeom>
         </p:spPr>
         <p:txBody>
-          <a:bodyPr wrap="square">
+          <a:bodyPr>
             <a:spAutoFit/>
           </a:bodyPr>
           <a:lstStyle/>
@@ -15278,24 +15737,68 @@
               <a:buChar char="•"/>
             </a:pPr>
             <a:r>
-              <a:rPr lang="en-US" sz="2400" dirty="0">
-                <a:solidFill>
-                  <a:prstClr val="white"/>
-                </a:solidFill>
-              </a:rPr>
-              <a:t>R</a:t>
-            </a:r>
-            <a:r>
               <a:rPr lang="en-US" sz="2400" dirty="0" smtClean="0">
                 <a:solidFill>
                   <a:prstClr val="white"/>
                 </a:solidFill>
               </a:rPr>
-              <a:t>e-implementation process</a:t>
-            </a:r>
-          </a:p>
-          <a:p>
-            <a:pPr marL="685800" lvl="1" indent="-228600">
+              <a:t>Rust organization</a:t>
+            </a:r>
+          </a:p>
+        </p:txBody>
+      </p:sp>
+      <p:pic>
+        <p:nvPicPr>
+          <p:cNvPr id="3" name="Picture 2"/>
+          <p:cNvPicPr>
+            <a:picLocks noChangeAspect="1"/>
+          </p:cNvPicPr>
+          <p:nvPr/>
+        </p:nvPicPr>
+        <p:blipFill>
+          <a:blip r:embed="rId3">
+            <a:extLst>
+              <a:ext uri="{28A0092B-C50C-407E-A947-70E740481C1C}">
+                <a14:useLocalDpi xmlns:a14="http://schemas.microsoft.com/office/drawing/2010/main" val="0"/>
+              </a:ext>
+            </a:extLst>
+          </a:blip>
+          <a:stretch>
+            <a:fillRect/>
+          </a:stretch>
+        </p:blipFill>
+        <p:spPr>
+          <a:xfrm>
+            <a:off x="1938949" y="2778755"/>
+            <a:ext cx="2016457" cy="2341254"/>
+          </a:xfrm>
+          <a:prstGeom prst="rect">
+            <a:avLst/>
+          </a:prstGeom>
+        </p:spPr>
+      </p:pic>
+      <p:sp>
+        <p:nvSpPr>
+          <p:cNvPr id="6" name="Rectangle 5"/>
+          <p:cNvSpPr/>
+          <p:nvPr/>
+        </p:nvSpPr>
+        <p:spPr>
+          <a:xfrm>
+            <a:off x="4504846" y="2778755"/>
+            <a:ext cx="7687154" cy="3725122"/>
+          </a:xfrm>
+          <a:prstGeom prst="rect">
+            <a:avLst/>
+          </a:prstGeom>
+        </p:spPr>
+        <p:txBody>
+          <a:bodyPr wrap="square">
+            <a:spAutoFit/>
+          </a:bodyPr>
+          <a:lstStyle/>
+          <a:p>
+            <a:pPr marL="228600" indent="-228600">
               <a:lnSpc>
                 <a:spcPct val="120000"/>
               </a:lnSpc>
@@ -15307,16 +15810,33 @@
               <a:buChar char="•"/>
             </a:pPr>
             <a:r>
-              <a:rPr lang="en-US" sz="2400" dirty="0" smtClean="0">
-                <a:solidFill>
-                  <a:prstClr val="white"/>
-                </a:solidFill>
+              <a:rPr lang="en-US" dirty="0" smtClean="0">
+                <a:latin typeface="Courier New" panose="02070309020205020404" pitchFamily="49" charset="0"/>
+                <a:cs typeface="Courier New" panose="02070309020205020404" pitchFamily="49" charset="0"/>
               </a:rPr>
-              <a:t>Translate FDM code from native language to Rust</a:t>
-            </a:r>
-          </a:p>
-          <a:p>
-            <a:pPr marL="685800" lvl="1" indent="-228600">
+              <a:t>cargo.exe</a:t>
+            </a:r>
+            <a:r>
+              <a:rPr lang="en-US" dirty="0">
+                <a:latin typeface="Courier New" panose="02070309020205020404" pitchFamily="49" charset="0"/>
+                <a:cs typeface="Courier New" panose="02070309020205020404" pitchFamily="49" charset="0"/>
+              </a:rPr>
+              <a:t> run --example </a:t>
+            </a:r>
+            <a:r>
+              <a:rPr lang="en-US" dirty="0" err="1" smtClean="0">
+                <a:latin typeface="Courier New" panose="02070309020205020404" pitchFamily="49" charset="0"/>
+                <a:cs typeface="Courier New" panose="02070309020205020404" pitchFamily="49" charset="0"/>
+              </a:rPr>
+              <a:t>bourg</a:t>
+            </a:r>
+            <a:endParaRPr lang="en-US" dirty="0" smtClean="0">
+              <a:latin typeface="Courier New" panose="02070309020205020404" pitchFamily="49" charset="0"/>
+              <a:cs typeface="Courier New" panose="02070309020205020404" pitchFamily="49" charset="0"/>
+            </a:endParaRPr>
+          </a:p>
+          <a:p>
+            <a:pPr marL="228600" indent="-228600">
               <a:lnSpc>
                 <a:spcPct val="120000"/>
               </a:lnSpc>
@@ -15328,16 +15848,15 @@
               <a:buChar char="•"/>
             </a:pPr>
             <a:r>
-              <a:rPr lang="en-US" sz="2400" dirty="0" smtClean="0">
-                <a:solidFill>
-                  <a:prstClr val="white"/>
-                </a:solidFill>
+              <a:rPr lang="en-US" dirty="0" smtClean="0">
+                <a:latin typeface="Courier New" panose="02070309020205020404" pitchFamily="49" charset="0"/>
+                <a:cs typeface="Courier New" panose="02070309020205020404" pitchFamily="49" charset="0"/>
               </a:rPr>
-              <a:t>Structure into ECS</a:t>
-            </a:r>
-          </a:p>
-          <a:p>
-            <a:pPr marL="685800" lvl="1" indent="-228600">
+              <a:t>cargo.exe run –example palmer</a:t>
+            </a:r>
+          </a:p>
+          <a:p>
+            <a:pPr marL="228600" indent="-228600">
               <a:lnSpc>
                 <a:spcPct val="120000"/>
               </a:lnSpc>
@@ -15348,17 +15867,13 @@
               <a:buFont typeface="Arial" panose="020B0604020202020204" pitchFamily="34" charset="0"/>
               <a:buChar char="•"/>
             </a:pPr>
-            <a:r>
-              <a:rPr lang="en-US" sz="2400" dirty="0" smtClean="0">
-                <a:solidFill>
-                  <a:prstClr val="white"/>
-                </a:solidFill>
-              </a:rPr>
-              <a:t>Debug</a:t>
-            </a:r>
-          </a:p>
-          <a:p>
-            <a:pPr marL="685800" lvl="1" indent="-228600">
+            <a:endParaRPr lang="en-US" dirty="0">
+              <a:latin typeface="Courier New" panose="02070309020205020404" pitchFamily="49" charset="0"/>
+              <a:cs typeface="Courier New" panose="02070309020205020404" pitchFamily="49" charset="0"/>
+            </a:endParaRPr>
+          </a:p>
+          <a:p>
+            <a:pPr marL="228600" indent="-228600">
               <a:lnSpc>
                 <a:spcPct val="120000"/>
               </a:lnSpc>
@@ -15370,13 +15885,87 @@
               <a:buChar char="•"/>
             </a:pPr>
             <a:r>
-              <a:rPr lang="en-US" sz="2400" dirty="0" smtClean="0">
-                <a:solidFill>
-                  <a:prstClr val="white"/>
-                </a:solidFill>
+              <a:rPr lang="en-US" dirty="0" smtClean="0">
+                <a:latin typeface="Courier New" panose="02070309020205020404" pitchFamily="49" charset="0"/>
+                <a:cs typeface="Courier New" panose="02070309020205020404" pitchFamily="49" charset="0"/>
               </a:rPr>
-              <a:t>Refactor </a:t>
-            </a:r>
+              <a:t>cargo</a:t>
+            </a:r>
+            <a:r>
+              <a:rPr lang="en-US" dirty="0">
+                <a:latin typeface="Courier New" panose="02070309020205020404" pitchFamily="49" charset="0"/>
+                <a:cs typeface="Courier New" panose="02070309020205020404" pitchFamily="49" charset="0"/>
+              </a:rPr>
+              <a:t> test --test </a:t>
+            </a:r>
+            <a:r>
+              <a:rPr lang="en-US" dirty="0" err="1" smtClean="0">
+                <a:latin typeface="Courier New" panose="02070309020205020404" pitchFamily="49" charset="0"/>
+                <a:cs typeface="Courier New" panose="02070309020205020404" pitchFamily="49" charset="0"/>
+              </a:rPr>
+              <a:t>bourg_integration</a:t>
+            </a:r>
+            <a:endParaRPr lang="en-US" dirty="0">
+              <a:latin typeface="Courier New" panose="02070309020205020404" pitchFamily="49" charset="0"/>
+              <a:cs typeface="Courier New" panose="02070309020205020404" pitchFamily="49" charset="0"/>
+            </a:endParaRPr>
+          </a:p>
+          <a:p>
+            <a:pPr marL="228600" indent="-228600">
+              <a:lnSpc>
+                <a:spcPct val="120000"/>
+              </a:lnSpc>
+              <a:spcBef>
+                <a:spcPts val="1000"/>
+              </a:spcBef>
+              <a:buSzPct val="125000"/>
+              <a:buFont typeface="Arial" panose="020B0604020202020204" pitchFamily="34" charset="0"/>
+              <a:buChar char="•"/>
+            </a:pPr>
+            <a:r>
+              <a:rPr lang="en-US" dirty="0" smtClean="0">
+                <a:latin typeface="Courier New" panose="02070309020205020404" pitchFamily="49" charset="0"/>
+                <a:cs typeface="Courier New" panose="02070309020205020404" pitchFamily="49" charset="0"/>
+              </a:rPr>
+              <a:t>cargo test –test </a:t>
+            </a:r>
+            <a:r>
+              <a:rPr lang="en-US" dirty="0" err="1" smtClean="0">
+                <a:latin typeface="Courier New" panose="02070309020205020404" pitchFamily="49" charset="0"/>
+                <a:cs typeface="Courier New" panose="02070309020205020404" pitchFamily="49" charset="0"/>
+              </a:rPr>
+              <a:t>palmer_integration</a:t>
+            </a:r>
+            <a:r>
+              <a:rPr lang="en-US" sz="2200" dirty="0" smtClean="0">
+                <a:latin typeface="Courier New" panose="02070309020205020404" pitchFamily="49" charset="0"/>
+                <a:cs typeface="Courier New" panose="02070309020205020404" pitchFamily="49" charset="0"/>
+              </a:rPr>
+              <a:t/>
+            </a:r>
+            <a:br>
+              <a:rPr lang="en-US" sz="2200" dirty="0" smtClean="0">
+                <a:latin typeface="Courier New" panose="02070309020205020404" pitchFamily="49" charset="0"/>
+                <a:cs typeface="Courier New" panose="02070309020205020404" pitchFamily="49" charset="0"/>
+              </a:rPr>
+            </a:br>
+            <a:r>
+              <a:rPr lang="en-US" sz="2200" dirty="0" smtClean="0">
+                <a:latin typeface="Courier New" panose="02070309020205020404" pitchFamily="49" charset="0"/>
+                <a:cs typeface="Courier New" panose="02070309020205020404" pitchFamily="49" charset="0"/>
+              </a:rPr>
+              <a:t/>
+            </a:r>
+            <a:br>
+              <a:rPr lang="en-US" sz="2200" dirty="0" smtClean="0">
+                <a:latin typeface="Courier New" panose="02070309020205020404" pitchFamily="49" charset="0"/>
+                <a:cs typeface="Courier New" panose="02070309020205020404" pitchFamily="49" charset="0"/>
+              </a:rPr>
+            </a:br>
+            <a:endParaRPr lang="en-US" sz="2200" dirty="0">
+              <a:latin typeface="Courier New" panose="02070309020205020404" pitchFamily="49" charset="0"/>
+              <a:cs typeface="Courier New" panose="02070309020205020404" pitchFamily="49" charset="0"/>
+            </a:endParaRPr>
           </a:p>
           <a:p>
             <a:pPr marL="228600" lvl="0" indent="-228600">
@@ -15390,7 +15979,7 @@
               <a:buFont typeface="Arial" panose="020B0604020202020204" pitchFamily="34" charset="0"/>
               <a:buChar char="•"/>
             </a:pPr>
-            <a:endParaRPr lang="en-US" sz="2400" dirty="0">
+            <a:endParaRPr lang="en-US" sz="2400" dirty="0" smtClean="0">
               <a:solidFill>
                 <a:prstClr val="white"/>
               </a:solidFill>
@@ -15401,7 +15990,7 @@
     </p:spTree>
     <p:extLst>
       <p:ext uri="{BB962C8B-B14F-4D97-AF65-F5344CB8AC3E}">
-        <p14:creationId xmlns:p14="http://schemas.microsoft.com/office/powerpoint/2010/main" val="854094111"/>
+        <p14:creationId xmlns:p14="http://schemas.microsoft.com/office/powerpoint/2010/main" val="4071188091"/>
       </p:ext>
     </p:extLst>
   </p:cSld>
@@ -15458,6 +16047,303 @@
           </a:p>
         </p:txBody>
       </p:sp>
+      <p:sp>
+        <p:nvSpPr>
+          <p:cNvPr id="4" name="Rectangle 3"/>
+          <p:cNvSpPr/>
+          <p:nvPr/>
+        </p:nvSpPr>
+        <p:spPr>
+          <a:xfrm>
+            <a:off x="1141413" y="2097088"/>
+            <a:ext cx="7589632" cy="5314275"/>
+          </a:xfrm>
+          <a:prstGeom prst="rect">
+            <a:avLst/>
+          </a:prstGeom>
+        </p:spPr>
+        <p:txBody>
+          <a:bodyPr wrap="square">
+            <a:spAutoFit/>
+          </a:bodyPr>
+          <a:lstStyle/>
+          <a:p>
+            <a:pPr marL="228600" lvl="0" indent="-228600">
+              <a:lnSpc>
+                <a:spcPct val="120000"/>
+              </a:lnSpc>
+              <a:spcBef>
+                <a:spcPts val="1000"/>
+              </a:spcBef>
+              <a:buSzPct val="125000"/>
+              <a:buFont typeface="Arial" panose="020B0604020202020204" pitchFamily="34" charset="0"/>
+              <a:buChar char="•"/>
+            </a:pPr>
+            <a:r>
+              <a:rPr lang="en-US" sz="2200" dirty="0">
+                <a:solidFill>
+                  <a:prstClr val="white"/>
+                </a:solidFill>
+              </a:rPr>
+              <a:t>R</a:t>
+            </a:r>
+            <a:r>
+              <a:rPr lang="en-US" sz="2200" dirty="0" smtClean="0">
+                <a:solidFill>
+                  <a:prstClr val="white"/>
+                </a:solidFill>
+              </a:rPr>
+              <a:t>e-implementation process</a:t>
+            </a:r>
+          </a:p>
+          <a:p>
+            <a:pPr marL="685800" lvl="1" indent="-228600">
+              <a:lnSpc>
+                <a:spcPct val="120000"/>
+              </a:lnSpc>
+              <a:spcBef>
+                <a:spcPts val="1000"/>
+              </a:spcBef>
+              <a:buSzPct val="125000"/>
+              <a:buFont typeface="Arial" panose="020B0604020202020204" pitchFamily="34" charset="0"/>
+              <a:buChar char="•"/>
+            </a:pPr>
+            <a:r>
+              <a:rPr lang="en-US" sz="2200" dirty="0" smtClean="0">
+                <a:solidFill>
+                  <a:prstClr val="white"/>
+                </a:solidFill>
+              </a:rPr>
+              <a:t>Translate FDM code from native language to Rust</a:t>
+            </a:r>
+          </a:p>
+          <a:p>
+            <a:pPr marL="1143000" lvl="2" indent="-228600">
+              <a:lnSpc>
+                <a:spcPct val="120000"/>
+              </a:lnSpc>
+              <a:spcBef>
+                <a:spcPts val="1000"/>
+              </a:spcBef>
+              <a:buSzPct val="125000"/>
+              <a:buFont typeface="Arial" panose="020B0604020202020204" pitchFamily="34" charset="0"/>
+              <a:buChar char="•"/>
+            </a:pPr>
+            <a:r>
+              <a:rPr lang="en-US" sz="2000" dirty="0" smtClean="0">
+                <a:solidFill>
+                  <a:prstClr val="white"/>
+                </a:solidFill>
+              </a:rPr>
+              <a:t>Bourg – C++, Palmer – C</a:t>
+            </a:r>
+          </a:p>
+          <a:p>
+            <a:pPr marL="685800" lvl="1" indent="-228600">
+              <a:lnSpc>
+                <a:spcPct val="120000"/>
+              </a:lnSpc>
+              <a:spcBef>
+                <a:spcPts val="1000"/>
+              </a:spcBef>
+              <a:buSzPct val="125000"/>
+              <a:buFont typeface="Arial" panose="020B0604020202020204" pitchFamily="34" charset="0"/>
+              <a:buChar char="•"/>
+            </a:pPr>
+            <a:r>
+              <a:rPr lang="en-US" sz="2200" dirty="0" smtClean="0">
+                <a:solidFill>
+                  <a:prstClr val="white"/>
+                </a:solidFill>
+              </a:rPr>
+              <a:t>Structure into ECS</a:t>
+            </a:r>
+          </a:p>
+          <a:p>
+            <a:pPr marL="685800" lvl="1" indent="-228600">
+              <a:lnSpc>
+                <a:spcPct val="120000"/>
+              </a:lnSpc>
+              <a:spcBef>
+                <a:spcPts val="1000"/>
+              </a:spcBef>
+              <a:buSzPct val="125000"/>
+              <a:buFont typeface="Arial" panose="020B0604020202020204" pitchFamily="34" charset="0"/>
+              <a:buChar char="•"/>
+            </a:pPr>
+            <a:r>
+              <a:rPr lang="en-US" sz="2200" dirty="0" smtClean="0">
+                <a:solidFill>
+                  <a:prstClr val="white"/>
+                </a:solidFill>
+              </a:rPr>
+              <a:t>Add flight simulator aspects</a:t>
+            </a:r>
+          </a:p>
+          <a:p>
+            <a:pPr marL="1143000" lvl="2" indent="-228600">
+              <a:lnSpc>
+                <a:spcPct val="120000"/>
+              </a:lnSpc>
+              <a:spcBef>
+                <a:spcPts val="1000"/>
+              </a:spcBef>
+              <a:buSzPct val="125000"/>
+              <a:buFont typeface="Arial" panose="020B0604020202020204" pitchFamily="34" charset="0"/>
+              <a:buChar char="•"/>
+            </a:pPr>
+            <a:r>
+              <a:rPr lang="en-US" sz="2000" dirty="0" smtClean="0">
+                <a:solidFill>
+                  <a:prstClr val="white"/>
+                </a:solidFill>
+              </a:rPr>
+              <a:t>Keyboard input</a:t>
+            </a:r>
+          </a:p>
+          <a:p>
+            <a:pPr marL="1143000" lvl="2" indent="-228600">
+              <a:lnSpc>
+                <a:spcPct val="120000"/>
+              </a:lnSpc>
+              <a:spcBef>
+                <a:spcPts val="1000"/>
+              </a:spcBef>
+              <a:buSzPct val="125000"/>
+              <a:buFont typeface="Arial" panose="020B0604020202020204" pitchFamily="34" charset="0"/>
+              <a:buChar char="•"/>
+            </a:pPr>
+            <a:r>
+              <a:rPr lang="en-US" sz="2000" dirty="0" smtClean="0">
+                <a:solidFill>
+                  <a:prstClr val="white"/>
+                </a:solidFill>
+              </a:rPr>
+              <a:t>UDP Packet make/send</a:t>
+            </a:r>
+          </a:p>
+          <a:p>
+            <a:pPr marL="685800" lvl="1" indent="-228600">
+              <a:lnSpc>
+                <a:spcPct val="120000"/>
+              </a:lnSpc>
+              <a:spcBef>
+                <a:spcPts val="1000"/>
+              </a:spcBef>
+              <a:buSzPct val="125000"/>
+              <a:buFont typeface="Arial" panose="020B0604020202020204" pitchFamily="34" charset="0"/>
+              <a:buChar char="•"/>
+            </a:pPr>
+            <a:r>
+              <a:rPr lang="en-US" sz="2200" dirty="0" smtClean="0">
+                <a:solidFill>
+                  <a:prstClr val="white"/>
+                </a:solidFill>
+              </a:rPr>
+              <a:t>Debugging</a:t>
+            </a:r>
+          </a:p>
+          <a:p>
+            <a:pPr marL="685800" lvl="1" indent="-228600">
+              <a:lnSpc>
+                <a:spcPct val="120000"/>
+              </a:lnSpc>
+              <a:spcBef>
+                <a:spcPts val="1000"/>
+              </a:spcBef>
+              <a:buSzPct val="125000"/>
+              <a:buFont typeface="Arial" panose="020B0604020202020204" pitchFamily="34" charset="0"/>
+              <a:buChar char="•"/>
+            </a:pPr>
+            <a:r>
+              <a:rPr lang="en-US" sz="2200" dirty="0" smtClean="0">
+                <a:solidFill>
+                  <a:prstClr val="white"/>
+                </a:solidFill>
+              </a:rPr>
+              <a:t>Refactoring</a:t>
+            </a:r>
+          </a:p>
+          <a:p>
+            <a:pPr marL="228600" lvl="0" indent="-228600">
+              <a:lnSpc>
+                <a:spcPct val="120000"/>
+              </a:lnSpc>
+              <a:spcBef>
+                <a:spcPts val="1000"/>
+              </a:spcBef>
+              <a:buSzPct val="125000"/>
+              <a:buFont typeface="Arial" panose="020B0604020202020204" pitchFamily="34" charset="0"/>
+              <a:buChar char="•"/>
+            </a:pPr>
+            <a:endParaRPr lang="en-US" sz="2400" dirty="0">
+              <a:solidFill>
+                <a:prstClr val="white"/>
+              </a:solidFill>
+            </a:endParaRPr>
+          </a:p>
+        </p:txBody>
+      </p:sp>
+    </p:spTree>
+    <p:extLst>
+      <p:ext uri="{BB962C8B-B14F-4D97-AF65-F5344CB8AC3E}">
+        <p14:creationId xmlns:p14="http://schemas.microsoft.com/office/powerpoint/2010/main" val="854094111"/>
+      </p:ext>
+    </p:extLst>
+  </p:cSld>
+  <p:clrMapOvr>
+    <a:masterClrMapping/>
+  </p:clrMapOvr>
+  <p:timing>
+    <p:tnLst>
+      <p:par>
+        <p:cTn id="1" dur="indefinite" restart="never" nodeType="tmRoot"/>
+      </p:par>
+    </p:tnLst>
+  </p:timing>
+</p:sld>
+</file>
+
+<file path=ppt/slides/slide13.xml><?xml version="1.0" encoding="utf-8"?>
+<p:sld xmlns:a="http://schemas.openxmlformats.org/drawingml/2006/main" xmlns:r="http://schemas.openxmlformats.org/officeDocument/2006/relationships" xmlns:p="http://schemas.openxmlformats.org/presentationml/2006/main">
+  <p:cSld>
+    <p:spTree>
+      <p:nvGrpSpPr>
+        <p:cNvPr id="1" name=""/>
+        <p:cNvGrpSpPr/>
+        <p:nvPr/>
+      </p:nvGrpSpPr>
+      <p:grpSpPr>
+        <a:xfrm>
+          <a:off x="0" y="0"/>
+          <a:ext cx="0" cy="0"/>
+          <a:chOff x="0" y="0"/>
+          <a:chExt cx="0" cy="0"/>
+        </a:xfrm>
+      </p:grpSpPr>
+      <p:sp>
+        <p:nvSpPr>
+          <p:cNvPr id="2" name="Title 1"/>
+          <p:cNvSpPr>
+            <a:spLocks noGrp="1"/>
+          </p:cNvSpPr>
+          <p:nvPr>
+            <p:ph type="title"/>
+          </p:nvPr>
+        </p:nvSpPr>
+        <p:spPr/>
+        <p:txBody>
+          <a:bodyPr/>
+          <a:lstStyle/>
+          <a:p>
+            <a:r>
+              <a:rPr lang="en-US" dirty="0" smtClean="0"/>
+              <a:t>build</a:t>
+            </a:r>
+            <a:endParaRPr lang="en-US" dirty="0"/>
+          </a:p>
+        </p:txBody>
+      </p:sp>
       <p:pic>
         <p:nvPicPr>
           <p:cNvPr id="5" name="Picture 4"/>
@@ -15478,7 +16364,7 @@
         </p:blipFill>
         <p:spPr>
           <a:xfrm>
-            <a:off x="3351212" y="1357803"/>
+            <a:off x="902479" y="1357803"/>
             <a:ext cx="5486400" cy="4689475"/>
           </a:xfrm>
           <a:prstGeom prst="rect">
@@ -15486,6 +16372,152 @@
           </a:prstGeom>
         </p:spPr>
       </p:pic>
+      <p:sp>
+        <p:nvSpPr>
+          <p:cNvPr id="3" name="Rectangle 2"/>
+          <p:cNvSpPr/>
+          <p:nvPr/>
+        </p:nvSpPr>
+        <p:spPr>
+          <a:xfrm>
+            <a:off x="6094412" y="2384230"/>
+            <a:ext cx="6096000" cy="2218043"/>
+          </a:xfrm>
+          <a:prstGeom prst="rect">
+            <a:avLst/>
+          </a:prstGeom>
+        </p:spPr>
+        <p:txBody>
+          <a:bodyPr>
+            <a:spAutoFit/>
+          </a:bodyPr>
+          <a:lstStyle/>
+          <a:p>
+            <a:pPr marL="228600" lvl="0" indent="-228600">
+              <a:lnSpc>
+                <a:spcPct val="120000"/>
+              </a:lnSpc>
+              <a:spcBef>
+                <a:spcPts val="1000"/>
+              </a:spcBef>
+              <a:buSzPct val="125000"/>
+              <a:buFont typeface="Arial" panose="020B0604020202020204" pitchFamily="34" charset="0"/>
+              <a:buChar char="•"/>
+            </a:pPr>
+            <a:r>
+              <a:rPr lang="en-US" sz="2400" dirty="0" smtClean="0">
+                <a:solidFill>
+                  <a:prstClr val="white"/>
+                </a:solidFill>
+              </a:rPr>
+              <a:t>Components</a:t>
+            </a:r>
+          </a:p>
+          <a:p>
+            <a:pPr marL="685800" lvl="1" indent="-228600">
+              <a:lnSpc>
+                <a:spcPct val="120000"/>
+              </a:lnSpc>
+              <a:spcBef>
+                <a:spcPts val="1000"/>
+              </a:spcBef>
+              <a:buSzPct val="125000"/>
+              <a:buFont typeface="Arial" panose="020B0604020202020204" pitchFamily="34" charset="0"/>
+              <a:buChar char="•"/>
+            </a:pPr>
+            <a:r>
+              <a:rPr lang="en-US" sz="2200" dirty="0" err="1" smtClean="0">
+                <a:solidFill>
+                  <a:prstClr val="white"/>
+                </a:solidFill>
+              </a:rPr>
+              <a:t>DataFDM</a:t>
+            </a:r>
+            <a:r>
+              <a:rPr lang="en-US" sz="2200" dirty="0" smtClean="0">
+                <a:solidFill>
+                  <a:prstClr val="white"/>
+                </a:solidFill>
+              </a:rPr>
+              <a:t> – All the airplane state data</a:t>
+            </a:r>
+          </a:p>
+          <a:p>
+            <a:pPr marL="685800" lvl="1" indent="-228600">
+              <a:lnSpc>
+                <a:spcPct val="120000"/>
+              </a:lnSpc>
+              <a:spcBef>
+                <a:spcPts val="1000"/>
+              </a:spcBef>
+              <a:buSzPct val="125000"/>
+              <a:buFont typeface="Arial" panose="020B0604020202020204" pitchFamily="34" charset="0"/>
+              <a:buChar char="•"/>
+            </a:pPr>
+            <a:r>
+              <a:rPr lang="en-US" sz="2200" dirty="0" err="1" smtClean="0">
+                <a:solidFill>
+                  <a:prstClr val="white"/>
+                </a:solidFill>
+              </a:rPr>
+              <a:t>KeyboardState</a:t>
+            </a:r>
+            <a:r>
+              <a:rPr lang="en-US" sz="2200" dirty="0" smtClean="0">
+                <a:solidFill>
+                  <a:prstClr val="white"/>
+                </a:solidFill>
+              </a:rPr>
+              <a:t> – Stores state of keyboard</a:t>
+            </a:r>
+          </a:p>
+          <a:p>
+            <a:pPr marL="685800" lvl="1" indent="-228600">
+              <a:lnSpc>
+                <a:spcPct val="120000"/>
+              </a:lnSpc>
+              <a:spcBef>
+                <a:spcPts val="1000"/>
+              </a:spcBef>
+              <a:buSzPct val="125000"/>
+              <a:buFont typeface="Arial" panose="020B0604020202020204" pitchFamily="34" charset="0"/>
+              <a:buChar char="•"/>
+            </a:pPr>
+            <a:r>
+              <a:rPr lang="en-US" sz="2200" dirty="0" err="1" smtClean="0">
+                <a:solidFill>
+                  <a:prstClr val="white"/>
+                </a:solidFill>
+              </a:rPr>
+              <a:t>FGNetFDM</a:t>
+            </a:r>
+            <a:r>
+              <a:rPr lang="en-US" sz="2200" dirty="0" smtClean="0">
+                <a:solidFill>
+                  <a:prstClr val="white"/>
+                </a:solidFill>
+              </a:rPr>
+              <a:t> – </a:t>
+            </a:r>
+            <a:r>
+              <a:rPr lang="en-US" sz="2200" dirty="0" err="1" smtClean="0">
+                <a:solidFill>
+                  <a:prstClr val="white"/>
+                </a:solidFill>
+              </a:rPr>
+              <a:t>FlightGear</a:t>
+            </a:r>
+            <a:r>
+              <a:rPr lang="en-US" sz="2200" dirty="0" smtClean="0">
+                <a:solidFill>
+                  <a:prstClr val="white"/>
+                </a:solidFill>
+              </a:rPr>
+              <a:t> defined packet</a:t>
+            </a:r>
+          </a:p>
+        </p:txBody>
+      </p:sp>
     </p:spTree>
     <p:extLst>
       <p:ext uri="{BB962C8B-B14F-4D97-AF65-F5344CB8AC3E}">
@@ -15506,7 +16538,436 @@
 </p:sld>
 </file>
 
-<file path=ppt/slides/slide13.xml><?xml version="1.0" encoding="utf-8"?>
+<file path=ppt/slides/slide14.xml><?xml version="1.0" encoding="utf-8"?>
+<p:sld xmlns:a="http://schemas.openxmlformats.org/drawingml/2006/main" xmlns:r="http://schemas.openxmlformats.org/officeDocument/2006/relationships" xmlns:p="http://schemas.openxmlformats.org/presentationml/2006/main">
+  <p:cSld>
+    <p:spTree>
+      <p:nvGrpSpPr>
+        <p:cNvPr id="1" name=""/>
+        <p:cNvGrpSpPr/>
+        <p:nvPr/>
+      </p:nvGrpSpPr>
+      <p:grpSpPr>
+        <a:xfrm>
+          <a:off x="0" y="0"/>
+          <a:ext cx="0" cy="0"/>
+          <a:chOff x="0" y="0"/>
+          <a:chExt cx="0" cy="0"/>
+        </a:xfrm>
+      </p:grpSpPr>
+      <p:sp>
+        <p:nvSpPr>
+          <p:cNvPr id="2" name="Title 1"/>
+          <p:cNvSpPr>
+            <a:spLocks noGrp="1"/>
+          </p:cNvSpPr>
+          <p:nvPr>
+            <p:ph type="title"/>
+          </p:nvPr>
+        </p:nvSpPr>
+        <p:spPr/>
+        <p:txBody>
+          <a:bodyPr/>
+          <a:lstStyle/>
+          <a:p>
+            <a:r>
+              <a:rPr lang="en-US" dirty="0" smtClean="0"/>
+              <a:t>build</a:t>
+            </a:r>
+            <a:endParaRPr lang="en-US" dirty="0"/>
+          </a:p>
+        </p:txBody>
+      </p:sp>
+      <p:pic>
+        <p:nvPicPr>
+          <p:cNvPr id="5" name="Picture 4"/>
+          <p:cNvPicPr/>
+          <p:nvPr/>
+        </p:nvPicPr>
+        <p:blipFill>
+          <a:blip r:embed="rId3" cstate="print">
+            <a:extLst>
+              <a:ext uri="{28A0092B-C50C-407E-A947-70E740481C1C}">
+                <a14:useLocalDpi xmlns:a14="http://schemas.microsoft.com/office/drawing/2010/main" val="0"/>
+              </a:ext>
+            </a:extLst>
+          </a:blip>
+          <a:stretch>
+            <a:fillRect/>
+          </a:stretch>
+        </p:blipFill>
+        <p:spPr>
+          <a:xfrm>
+            <a:off x="902479" y="1357803"/>
+            <a:ext cx="5486400" cy="4689475"/>
+          </a:xfrm>
+          <a:prstGeom prst="rect">
+            <a:avLst/>
+          </a:prstGeom>
+        </p:spPr>
+      </p:pic>
+      <p:sp>
+        <p:nvSpPr>
+          <p:cNvPr id="3" name="Rectangle 2"/>
+          <p:cNvSpPr/>
+          <p:nvPr/>
+        </p:nvSpPr>
+        <p:spPr>
+          <a:xfrm>
+            <a:off x="6219986" y="780714"/>
+            <a:ext cx="6096000" cy="5908477"/>
+          </a:xfrm>
+          <a:prstGeom prst="rect">
+            <a:avLst/>
+          </a:prstGeom>
+        </p:spPr>
+        <p:txBody>
+          <a:bodyPr>
+            <a:spAutoFit/>
+          </a:bodyPr>
+          <a:lstStyle/>
+          <a:p>
+            <a:pPr marL="228600" lvl="0" indent="-228600">
+              <a:lnSpc>
+                <a:spcPct val="120000"/>
+              </a:lnSpc>
+              <a:spcBef>
+                <a:spcPts val="1000"/>
+              </a:spcBef>
+              <a:buSzPct val="125000"/>
+              <a:buFont typeface="Arial" panose="020B0604020202020204" pitchFamily="34" charset="0"/>
+              <a:buChar char="•"/>
+            </a:pPr>
+            <a:r>
+              <a:rPr lang="en-US" sz="2000" dirty="0" smtClean="0">
+                <a:solidFill>
+                  <a:prstClr val="white"/>
+                </a:solidFill>
+              </a:rPr>
+              <a:t>Systems</a:t>
+            </a:r>
+          </a:p>
+          <a:p>
+            <a:pPr marL="685800" lvl="1" indent="-228600">
+              <a:lnSpc>
+                <a:spcPct val="120000"/>
+              </a:lnSpc>
+              <a:spcBef>
+                <a:spcPts val="1000"/>
+              </a:spcBef>
+              <a:buSzPct val="125000"/>
+              <a:buFont typeface="Arial" panose="020B0604020202020204" pitchFamily="34" charset="0"/>
+              <a:buChar char="•"/>
+            </a:pPr>
+            <a:r>
+              <a:rPr lang="en-US" sz="2000" dirty="0" err="1" smtClean="0">
+                <a:solidFill>
+                  <a:prstClr val="white"/>
+                </a:solidFill>
+              </a:rPr>
+              <a:t>EquationsOfMotion</a:t>
+            </a:r>
+            <a:r>
+              <a:rPr lang="en-US" sz="2000" dirty="0" smtClean="0">
+                <a:solidFill>
+                  <a:prstClr val="white"/>
+                </a:solidFill>
+              </a:rPr>
+              <a:t> – the FDM</a:t>
+            </a:r>
+          </a:p>
+          <a:p>
+            <a:pPr marL="685800" lvl="1" indent="-228600">
+              <a:lnSpc>
+                <a:spcPct val="120000"/>
+              </a:lnSpc>
+              <a:spcBef>
+                <a:spcPts val="1000"/>
+              </a:spcBef>
+              <a:buSzPct val="125000"/>
+              <a:buFont typeface="Arial" panose="020B0604020202020204" pitchFamily="34" charset="0"/>
+              <a:buChar char="•"/>
+            </a:pPr>
+            <a:r>
+              <a:rPr lang="en-US" sz="2000" dirty="0" err="1" smtClean="0">
+                <a:solidFill>
+                  <a:prstClr val="white"/>
+                </a:solidFill>
+              </a:rPr>
+              <a:t>FlightControl</a:t>
+            </a:r>
+            <a:r>
+              <a:rPr lang="en-US" sz="2000" dirty="0" smtClean="0">
+                <a:solidFill>
+                  <a:prstClr val="white"/>
+                </a:solidFill>
+              </a:rPr>
+              <a:t> – Handles key presses</a:t>
+            </a:r>
+          </a:p>
+          <a:p>
+            <a:pPr marL="685800" lvl="1" indent="-228600">
+              <a:lnSpc>
+                <a:spcPct val="120000"/>
+              </a:lnSpc>
+              <a:spcBef>
+                <a:spcPts val="1000"/>
+              </a:spcBef>
+              <a:buSzPct val="125000"/>
+              <a:buFont typeface="Arial" panose="020B0604020202020204" pitchFamily="34" charset="0"/>
+              <a:buChar char="•"/>
+            </a:pPr>
+            <a:r>
+              <a:rPr lang="en-US" sz="2000" dirty="0" err="1" smtClean="0">
+                <a:solidFill>
+                  <a:prstClr val="white"/>
+                </a:solidFill>
+              </a:rPr>
+              <a:t>MakePacket</a:t>
+            </a:r>
+            <a:r>
+              <a:rPr lang="en-US" sz="2000" dirty="0" smtClean="0">
+                <a:solidFill>
+                  <a:prstClr val="white"/>
+                </a:solidFill>
+              </a:rPr>
+              <a:t> – Updates the packet</a:t>
+            </a:r>
+          </a:p>
+          <a:p>
+            <a:pPr marL="685800" lvl="1" indent="-228600">
+              <a:lnSpc>
+                <a:spcPct val="120000"/>
+              </a:lnSpc>
+              <a:spcBef>
+                <a:spcPts val="1000"/>
+              </a:spcBef>
+              <a:buSzPct val="125000"/>
+              <a:buFont typeface="Arial" panose="020B0604020202020204" pitchFamily="34" charset="0"/>
+              <a:buChar char="•"/>
+            </a:pPr>
+            <a:r>
+              <a:rPr lang="en-US" sz="2000" dirty="0" err="1" smtClean="0">
+                <a:solidFill>
+                  <a:prstClr val="white"/>
+                </a:solidFill>
+              </a:rPr>
+              <a:t>SendPacket</a:t>
+            </a:r>
+            <a:r>
+              <a:rPr lang="en-US" sz="2000" dirty="0" smtClean="0">
+                <a:solidFill>
+                  <a:prstClr val="white"/>
+                </a:solidFill>
+              </a:rPr>
+              <a:t> – Sends the packet to </a:t>
+            </a:r>
+            <a:r>
+              <a:rPr lang="en-US" sz="2000" dirty="0" err="1" smtClean="0">
+                <a:solidFill>
+                  <a:prstClr val="white"/>
+                </a:solidFill>
+              </a:rPr>
+              <a:t>FlightGear</a:t>
+            </a:r>
+            <a:endParaRPr lang="en-US" sz="2000" dirty="0" smtClean="0">
+              <a:solidFill>
+                <a:prstClr val="white"/>
+              </a:solidFill>
+            </a:endParaRPr>
+          </a:p>
+          <a:p>
+            <a:pPr marL="685800" lvl="1" indent="-228600">
+              <a:lnSpc>
+                <a:spcPct val="120000"/>
+              </a:lnSpc>
+              <a:spcBef>
+                <a:spcPts val="1000"/>
+              </a:spcBef>
+              <a:buSzPct val="125000"/>
+              <a:buFont typeface="Arial" panose="020B0604020202020204" pitchFamily="34" charset="0"/>
+              <a:buChar char="•"/>
+            </a:pPr>
+            <a:endParaRPr lang="en-US" sz="2000" dirty="0" smtClean="0">
+              <a:solidFill>
+                <a:prstClr val="white"/>
+              </a:solidFill>
+            </a:endParaRPr>
+          </a:p>
+          <a:p>
+            <a:pPr marL="685800" lvl="1" indent="-228600">
+              <a:lnSpc>
+                <a:spcPct val="120000"/>
+              </a:lnSpc>
+              <a:spcBef>
+                <a:spcPts val="1000"/>
+              </a:spcBef>
+              <a:buSzPct val="125000"/>
+              <a:buFont typeface="Arial" panose="020B0604020202020204" pitchFamily="34" charset="0"/>
+              <a:buChar char="•"/>
+            </a:pPr>
+            <a:r>
+              <a:rPr lang="en-US" sz="2000" dirty="0" smtClean="0">
+                <a:solidFill>
+                  <a:prstClr val="white"/>
+                </a:solidFill>
+              </a:rPr>
+              <a:t>Read/Write Conflicts</a:t>
+            </a:r>
+            <a:endParaRPr lang="en-US" sz="2000" dirty="0">
+              <a:solidFill>
+                <a:prstClr val="white"/>
+              </a:solidFill>
+            </a:endParaRPr>
+          </a:p>
+          <a:p>
+            <a:pPr marL="685800" lvl="1" indent="-228600">
+              <a:lnSpc>
+                <a:spcPct val="120000"/>
+              </a:lnSpc>
+              <a:spcBef>
+                <a:spcPts val="1000"/>
+              </a:spcBef>
+              <a:buSzPct val="125000"/>
+              <a:buFont typeface="Arial" panose="020B0604020202020204" pitchFamily="34" charset="0"/>
+              <a:buChar char="•"/>
+            </a:pPr>
+            <a:r>
+              <a:rPr lang="en-US" sz="2000" dirty="0" smtClean="0">
+                <a:solidFill>
+                  <a:prstClr val="white"/>
+                </a:solidFill>
+              </a:rPr>
+              <a:t>Execution order</a:t>
+            </a:r>
+          </a:p>
+          <a:p>
+            <a:pPr marL="1371600" lvl="2" indent="-457200">
+              <a:lnSpc>
+                <a:spcPct val="120000"/>
+              </a:lnSpc>
+              <a:spcBef>
+                <a:spcPts val="1000"/>
+              </a:spcBef>
+              <a:buSzPct val="125000"/>
+              <a:buFont typeface="+mj-lt"/>
+              <a:buAutoNum type="arabicPeriod"/>
+            </a:pPr>
+            <a:r>
+              <a:rPr lang="en-US" sz="2000" dirty="0" err="1" smtClean="0">
+                <a:solidFill>
+                  <a:prstClr val="white"/>
+                </a:solidFill>
+              </a:rPr>
+              <a:t>FlightControl</a:t>
+            </a:r>
+            <a:endParaRPr lang="en-US" sz="2000" dirty="0" smtClean="0">
+              <a:solidFill>
+                <a:prstClr val="white"/>
+              </a:solidFill>
+            </a:endParaRPr>
+          </a:p>
+          <a:p>
+            <a:pPr marL="1371600" lvl="2" indent="-457200">
+              <a:lnSpc>
+                <a:spcPct val="120000"/>
+              </a:lnSpc>
+              <a:spcBef>
+                <a:spcPts val="1000"/>
+              </a:spcBef>
+              <a:buSzPct val="125000"/>
+              <a:buFont typeface="+mj-lt"/>
+              <a:buAutoNum type="arabicPeriod"/>
+            </a:pPr>
+            <a:r>
+              <a:rPr lang="en-US" sz="2000" dirty="0" err="1" smtClean="0">
+                <a:solidFill>
+                  <a:prstClr val="white"/>
+                </a:solidFill>
+              </a:rPr>
+              <a:t>EquationsOfMotion</a:t>
+            </a:r>
+            <a:endParaRPr lang="en-US" sz="2000" dirty="0" smtClean="0">
+              <a:solidFill>
+                <a:prstClr val="white"/>
+              </a:solidFill>
+            </a:endParaRPr>
+          </a:p>
+          <a:p>
+            <a:pPr marL="1371600" lvl="2" indent="-457200">
+              <a:lnSpc>
+                <a:spcPct val="120000"/>
+              </a:lnSpc>
+              <a:spcBef>
+                <a:spcPts val="1000"/>
+              </a:spcBef>
+              <a:buSzPct val="125000"/>
+              <a:buFont typeface="+mj-lt"/>
+              <a:buAutoNum type="arabicPeriod"/>
+            </a:pPr>
+            <a:r>
+              <a:rPr lang="en-US" sz="2000" dirty="0" err="1" smtClean="0">
+                <a:solidFill>
+                  <a:prstClr val="white"/>
+                </a:solidFill>
+              </a:rPr>
+              <a:t>MakePacket</a:t>
+            </a:r>
+            <a:endParaRPr lang="en-US" sz="2000" dirty="0" smtClean="0">
+              <a:solidFill>
+                <a:prstClr val="white"/>
+              </a:solidFill>
+            </a:endParaRPr>
+          </a:p>
+          <a:p>
+            <a:pPr marL="1371600" lvl="2" indent="-457200">
+              <a:lnSpc>
+                <a:spcPct val="120000"/>
+              </a:lnSpc>
+              <a:spcBef>
+                <a:spcPts val="1000"/>
+              </a:spcBef>
+              <a:buSzPct val="125000"/>
+              <a:buFont typeface="+mj-lt"/>
+              <a:buAutoNum type="arabicPeriod"/>
+            </a:pPr>
+            <a:r>
+              <a:rPr lang="en-US" sz="2000" dirty="0" err="1" smtClean="0">
+                <a:solidFill>
+                  <a:prstClr val="white"/>
+                </a:solidFill>
+              </a:rPr>
+              <a:t>SendPacket</a:t>
+            </a:r>
+            <a:endParaRPr lang="en-US" sz="2000" dirty="0">
+              <a:solidFill>
+                <a:prstClr val="white"/>
+              </a:solidFill>
+            </a:endParaRPr>
+          </a:p>
+        </p:txBody>
+      </p:sp>
+    </p:spTree>
+    <p:extLst>
+      <p:ext uri="{BB962C8B-B14F-4D97-AF65-F5344CB8AC3E}">
+        <p14:creationId xmlns:p14="http://schemas.microsoft.com/office/powerpoint/2010/main" val="1349451387"/>
+      </p:ext>
+    </p:extLst>
+  </p:cSld>
+  <p:clrMapOvr>
+    <a:masterClrMapping/>
+  </p:clrMapOvr>
+  <p:timing>
+    <p:tnLst>
+      <p:par>
+        <p:cTn id="1" dur="indefinite" restart="never" nodeType="tmRoot"/>
+      </p:par>
+    </p:tnLst>
+  </p:timing>
+</p:sld>
+</file>
+
+<file path=ppt/slides/slide15.xml><?xml version="1.0" encoding="utf-8"?>
 <p:sld xmlns:a="http://schemas.openxmlformats.org/drawingml/2006/main" xmlns:r="http://schemas.openxmlformats.org/officeDocument/2006/relationships" xmlns:p="http://schemas.openxmlformats.org/presentationml/2006/main">
   <p:cSld>
     <p:spTree>
@@ -15601,7 +17062,7 @@
 </p:sld>
 </file>
 
-<file path=ppt/slides/slide14.xml><?xml version="1.0" encoding="utf-8"?>
+<file path=ppt/slides/slide16.xml><?xml version="1.0" encoding="utf-8"?>
 <p:sld xmlns:a="http://schemas.openxmlformats.org/drawingml/2006/main" xmlns:r="http://schemas.openxmlformats.org/officeDocument/2006/relationships" xmlns:p="http://schemas.openxmlformats.org/presentationml/2006/main">
   <p:cSld>
     <p:spTree>
@@ -15696,7 +17157,7 @@
 </p:sld>
 </file>
 
-<file path=ppt/slides/slide15.xml><?xml version="1.0" encoding="utf-8"?>
+<file path=ppt/slides/slide17.xml><?xml version="1.0" encoding="utf-8"?>
 <p:sld xmlns:a="http://schemas.openxmlformats.org/drawingml/2006/main" xmlns:r="http://schemas.openxmlformats.org/officeDocument/2006/relationships" xmlns:p="http://schemas.openxmlformats.org/presentationml/2006/main">
   <p:cSld>
     <p:spTree>
@@ -15844,7 +17305,7 @@
 </p:sld>
 </file>
 
-<file path=ppt/slides/slide16.xml><?xml version="1.0" encoding="utf-8"?>
+<file path=ppt/slides/slide18.xml><?xml version="1.0" encoding="utf-8"?>
 <p:sld xmlns:a="http://schemas.openxmlformats.org/drawingml/2006/main" xmlns:r="http://schemas.openxmlformats.org/officeDocument/2006/relationships" xmlns:p="http://schemas.openxmlformats.org/presentationml/2006/main">
   <p:cSld>
     <p:spTree>
@@ -15964,7 +17425,7 @@
         </p:blipFill>
         <p:spPr>
           <a:xfrm>
-            <a:off x="1170910" y="2260234"/>
+            <a:off x="2918993" y="886189"/>
             <a:ext cx="8128418" cy="2317869"/>
           </a:xfrm>
           <a:prstGeom prst="rect">
@@ -15972,320 +17433,160 @@
           </a:prstGeom>
         </p:spPr>
       </p:pic>
+      <p:sp>
+        <p:nvSpPr>
+          <p:cNvPr id="3" name="Rectangle 2"/>
+          <p:cNvSpPr/>
+          <p:nvPr/>
+        </p:nvSpPr>
+        <p:spPr>
+          <a:xfrm>
+            <a:off x="1420677" y="3575658"/>
+            <a:ext cx="9505627" cy="3042884"/>
+          </a:xfrm>
+          <a:prstGeom prst="rect">
+            <a:avLst/>
+          </a:prstGeom>
+        </p:spPr>
+        <p:txBody>
+          <a:bodyPr wrap="square">
+            <a:spAutoFit/>
+          </a:bodyPr>
+          <a:lstStyle/>
+          <a:p>
+            <a:pPr marL="228600" lvl="0" indent="-228600">
+              <a:lnSpc>
+                <a:spcPct val="120000"/>
+              </a:lnSpc>
+              <a:spcBef>
+                <a:spcPts val="1000"/>
+              </a:spcBef>
+              <a:buSzPct val="125000"/>
+              <a:buFont typeface="Arial" panose="020B0604020202020204" pitchFamily="34" charset="0"/>
+              <a:buChar char="•"/>
+            </a:pPr>
+            <a:r>
+              <a:rPr lang="en-US" sz="2200" dirty="0" smtClean="0">
+                <a:solidFill>
+                  <a:prstClr val="white"/>
+                </a:solidFill>
+              </a:rPr>
+              <a:t>Bourg rotations vs Palmer rotations</a:t>
+            </a:r>
+          </a:p>
+          <a:p>
+            <a:pPr marL="685800" lvl="1" indent="-228600">
+              <a:lnSpc>
+                <a:spcPct val="120000"/>
+              </a:lnSpc>
+              <a:spcBef>
+                <a:spcPts val="1000"/>
+              </a:spcBef>
+              <a:buSzPct val="125000"/>
+              <a:buFont typeface="Arial" panose="020B0604020202020204" pitchFamily="34" charset="0"/>
+              <a:buChar char="•"/>
+            </a:pPr>
+            <a:r>
+              <a:rPr lang="en-US" sz="2200" dirty="0" smtClean="0">
+                <a:solidFill>
+                  <a:prstClr val="white"/>
+                </a:solidFill>
+              </a:rPr>
+              <a:t>Bourg uses a quaternion to track airplane orientation (roll, pitch. yaw)</a:t>
+            </a:r>
+          </a:p>
+          <a:p>
+            <a:pPr marL="685800" lvl="1" indent="-228600">
+              <a:lnSpc>
+                <a:spcPct val="120000"/>
+              </a:lnSpc>
+              <a:spcBef>
+                <a:spcPts val="1000"/>
+              </a:spcBef>
+              <a:buSzPct val="125000"/>
+              <a:buFont typeface="Arial" panose="020B0604020202020204" pitchFamily="34" charset="0"/>
+              <a:buChar char="•"/>
+            </a:pPr>
+            <a:r>
+              <a:rPr lang="en-US" sz="2200" dirty="0" smtClean="0">
+                <a:solidFill>
+                  <a:prstClr val="white"/>
+                </a:solidFill>
+              </a:rPr>
+              <a:t>Palmer directly modifies state variables that are passed to </a:t>
+            </a:r>
+            <a:r>
+              <a:rPr lang="en-US" sz="2200" dirty="0" err="1" smtClean="0">
+                <a:solidFill>
+                  <a:prstClr val="white"/>
+                </a:solidFill>
+              </a:rPr>
+              <a:t>FlightGear</a:t>
+            </a:r>
+            <a:endParaRPr lang="en-US" sz="2200" dirty="0" smtClean="0">
+              <a:solidFill>
+                <a:prstClr val="white"/>
+              </a:solidFill>
+            </a:endParaRPr>
+          </a:p>
+          <a:p>
+            <a:pPr marL="685800" lvl="1" indent="-228600">
+              <a:lnSpc>
+                <a:spcPct val="120000"/>
+              </a:lnSpc>
+              <a:spcBef>
+                <a:spcPts val="1000"/>
+              </a:spcBef>
+              <a:buSzPct val="125000"/>
+              <a:buFont typeface="Arial" panose="020B0604020202020204" pitchFamily="34" charset="0"/>
+              <a:buChar char="•"/>
+            </a:pPr>
+            <a:r>
+              <a:rPr lang="en-US" sz="2200" dirty="0" smtClean="0">
+                <a:solidFill>
+                  <a:prstClr val="white"/>
+                </a:solidFill>
+              </a:rPr>
+              <a:t>Bourg activates the airplane’s components which subsequently modify state variables that are sent to </a:t>
+            </a:r>
+            <a:r>
+              <a:rPr lang="en-US" sz="2200" dirty="0" err="1" smtClean="0">
+                <a:solidFill>
+                  <a:prstClr val="white"/>
+                </a:solidFill>
+              </a:rPr>
+              <a:t>FlightGear</a:t>
+            </a:r>
+            <a:endParaRPr lang="en-US" sz="2200" dirty="0" smtClean="0">
+              <a:solidFill>
+                <a:prstClr val="white"/>
+              </a:solidFill>
+            </a:endParaRPr>
+          </a:p>
+          <a:p>
+            <a:pPr marL="685800" lvl="1" indent="-228600">
+              <a:lnSpc>
+                <a:spcPct val="120000"/>
+              </a:lnSpc>
+              <a:spcBef>
+                <a:spcPts val="1000"/>
+              </a:spcBef>
+              <a:buSzPct val="125000"/>
+              <a:buFont typeface="Arial" panose="020B0604020202020204" pitchFamily="34" charset="0"/>
+              <a:buChar char="•"/>
+            </a:pPr>
+            <a:endParaRPr lang="en-US" sz="2200" dirty="0">
+              <a:solidFill>
+                <a:prstClr val="white"/>
+              </a:solidFill>
+            </a:endParaRPr>
+          </a:p>
+        </p:txBody>
+      </p:sp>
     </p:spTree>
     <p:extLst>
       <p:ext uri="{BB962C8B-B14F-4D97-AF65-F5344CB8AC3E}">
         <p14:creationId xmlns:p14="http://schemas.microsoft.com/office/powerpoint/2010/main" val="1200162772"/>
-      </p:ext>
-    </p:extLst>
-  </p:cSld>
-  <p:clrMapOvr>
-    <a:masterClrMapping/>
-  </p:clrMapOvr>
-  <p:timing>
-    <p:tnLst>
-      <p:par>
-        <p:cTn id="1" dur="indefinite" restart="never" nodeType="tmRoot"/>
-      </p:par>
-    </p:tnLst>
-  </p:timing>
-</p:sld>
-</file>
-
-<file path=ppt/slides/slide17.xml><?xml version="1.0" encoding="utf-8"?>
-<p:sld xmlns:a="http://schemas.openxmlformats.org/drawingml/2006/main" xmlns:r="http://schemas.openxmlformats.org/officeDocument/2006/relationships" xmlns:p="http://schemas.openxmlformats.org/presentationml/2006/main">
-  <p:cSld>
-    <p:spTree>
-      <p:nvGrpSpPr>
-        <p:cNvPr id="1" name=""/>
-        <p:cNvGrpSpPr/>
-        <p:nvPr/>
-      </p:nvGrpSpPr>
-      <p:grpSpPr>
-        <a:xfrm>
-          <a:off x="0" y="0"/>
-          <a:ext cx="0" cy="0"/>
-          <a:chOff x="0" y="0"/>
-          <a:chExt cx="0" cy="0"/>
-        </a:xfrm>
-      </p:grpSpPr>
-      <p:sp>
-        <p:nvSpPr>
-          <p:cNvPr id="2" name="Title 1"/>
-          <p:cNvSpPr>
-            <a:spLocks noGrp="1"/>
-          </p:cNvSpPr>
-          <p:nvPr>
-            <p:ph type="title"/>
-          </p:nvPr>
-        </p:nvSpPr>
-        <p:spPr/>
-        <p:txBody>
-          <a:bodyPr/>
-          <a:lstStyle/>
-          <a:p>
-            <a:r>
-              <a:rPr lang="en-US" dirty="0" smtClean="0"/>
-              <a:t>Experimental design</a:t>
-            </a:r>
-            <a:endParaRPr lang="en-US" dirty="0"/>
-          </a:p>
-        </p:txBody>
-      </p:sp>
-      <p:sp>
-        <p:nvSpPr>
-          <p:cNvPr id="3" name="Content Placeholder 2"/>
-          <p:cNvSpPr>
-            <a:spLocks noGrp="1"/>
-          </p:cNvSpPr>
-          <p:nvPr>
-            <p:ph idx="1"/>
-          </p:nvPr>
-        </p:nvSpPr>
-        <p:spPr>
-          <a:xfrm>
-            <a:off x="1141413" y="2097088"/>
-            <a:ext cx="9905999" cy="4343041"/>
-          </a:xfrm>
-        </p:spPr>
-        <p:txBody>
-          <a:bodyPr>
-            <a:normAutofit/>
-          </a:bodyPr>
-          <a:lstStyle/>
-          <a:p>
-            <a:r>
-              <a:rPr lang="en-US" dirty="0" smtClean="0"/>
-              <a:t>Palmer-based </a:t>
-            </a:r>
-            <a:r>
-              <a:rPr lang="en-US" dirty="0"/>
-              <a:t>Flight Dynamics Model</a:t>
-            </a:r>
-          </a:p>
-          <a:p>
-            <a:pPr marL="914400" lvl="1" indent="-457200">
-              <a:buFont typeface="+mj-lt"/>
-              <a:buAutoNum type="arabicPeriod"/>
-            </a:pPr>
-            <a:r>
-              <a:rPr lang="en-US" dirty="0"/>
-              <a:t>Angle of Attack</a:t>
-            </a:r>
-          </a:p>
-          <a:p>
-            <a:pPr marL="914400" lvl="1" indent="-457200">
-              <a:buFont typeface="+mj-lt"/>
-              <a:buAutoNum type="arabicPeriod"/>
-            </a:pPr>
-            <a:r>
-              <a:rPr lang="en-US" dirty="0"/>
-              <a:t>Bank</a:t>
-            </a:r>
-          </a:p>
-          <a:p>
-            <a:pPr marL="914400" lvl="1" indent="-457200">
-              <a:buFont typeface="+mj-lt"/>
-              <a:buAutoNum type="arabicPeriod"/>
-            </a:pPr>
-            <a:r>
-              <a:rPr lang="en-US" dirty="0" smtClean="0"/>
-              <a:t>Flaps</a:t>
-            </a:r>
-          </a:p>
-          <a:p>
-            <a:pPr marL="914400" lvl="1" indent="-457200">
-              <a:buFont typeface="+mj-lt"/>
-              <a:buAutoNum type="arabicPeriod"/>
-            </a:pPr>
-            <a:r>
-              <a:rPr lang="en-US" dirty="0" smtClean="0"/>
-              <a:t>Everything</a:t>
-            </a:r>
-          </a:p>
-          <a:p>
-            <a:r>
-              <a:rPr lang="en-US" dirty="0" smtClean="0"/>
-              <a:t>Position coordinates and airspeed</a:t>
-            </a:r>
-          </a:p>
-          <a:p>
-            <a:r>
-              <a:rPr lang="en-US" dirty="0" smtClean="0"/>
-              <a:t>60 seconds</a:t>
-            </a:r>
-          </a:p>
-        </p:txBody>
-      </p:sp>
-    </p:spTree>
-    <p:extLst>
-      <p:ext uri="{BB962C8B-B14F-4D97-AF65-F5344CB8AC3E}">
-        <p14:creationId xmlns:p14="http://schemas.microsoft.com/office/powerpoint/2010/main" val="1145730601"/>
-      </p:ext>
-    </p:extLst>
-  </p:cSld>
-  <p:clrMapOvr>
-    <a:masterClrMapping/>
-  </p:clrMapOvr>
-  <p:timing>
-    <p:tnLst>
-      <p:par>
-        <p:cTn id="1" dur="indefinite" restart="never" nodeType="tmRoot"/>
-      </p:par>
-    </p:tnLst>
-  </p:timing>
-</p:sld>
-</file>
-
-<file path=ppt/slides/slide18.xml><?xml version="1.0" encoding="utf-8"?>
-<p:sld xmlns:a="http://schemas.openxmlformats.org/drawingml/2006/main" xmlns:r="http://schemas.openxmlformats.org/officeDocument/2006/relationships" xmlns:p="http://schemas.openxmlformats.org/presentationml/2006/main">
-  <p:cSld>
-    <p:spTree>
-      <p:nvGrpSpPr>
-        <p:cNvPr id="1" name=""/>
-        <p:cNvGrpSpPr/>
-        <p:nvPr/>
-      </p:nvGrpSpPr>
-      <p:grpSpPr>
-        <a:xfrm>
-          <a:off x="0" y="0"/>
-          <a:ext cx="0" cy="0"/>
-          <a:chOff x="0" y="0"/>
-          <a:chExt cx="0" cy="0"/>
-        </a:xfrm>
-      </p:grpSpPr>
-      <p:sp>
-        <p:nvSpPr>
-          <p:cNvPr id="2" name="Title 1"/>
-          <p:cNvSpPr>
-            <a:spLocks noGrp="1"/>
-          </p:cNvSpPr>
-          <p:nvPr>
-            <p:ph type="title"/>
-          </p:nvPr>
-        </p:nvSpPr>
-        <p:spPr/>
-        <p:txBody>
-          <a:bodyPr/>
-          <a:lstStyle/>
-          <a:p>
-            <a:r>
-              <a:rPr lang="en-US" dirty="0" smtClean="0"/>
-              <a:t>Experimental design</a:t>
-            </a:r>
-            <a:endParaRPr lang="en-US" dirty="0"/>
-          </a:p>
-        </p:txBody>
-      </p:sp>
-      <p:sp>
-        <p:nvSpPr>
-          <p:cNvPr id="3" name="Content Placeholder 2"/>
-          <p:cNvSpPr>
-            <a:spLocks noGrp="1"/>
-          </p:cNvSpPr>
-          <p:nvPr>
-            <p:ph idx="1"/>
-          </p:nvPr>
-        </p:nvSpPr>
-        <p:spPr>
-          <a:xfrm>
-            <a:off x="1141412" y="2097088"/>
-            <a:ext cx="9905999" cy="4647841"/>
-          </a:xfrm>
-        </p:spPr>
-        <p:txBody>
-          <a:bodyPr>
-            <a:normAutofit/>
-          </a:bodyPr>
-          <a:lstStyle/>
-          <a:p>
-            <a:r>
-              <a:rPr lang="en-US" dirty="0" smtClean="0"/>
-              <a:t>Bourg-based Flight Dynamics Model</a:t>
-            </a:r>
-          </a:p>
-          <a:p>
-            <a:pPr marL="914400" lvl="1" indent="-457200">
-              <a:buFont typeface="+mj-lt"/>
-              <a:buAutoNum type="arabicPeriod"/>
-            </a:pPr>
-            <a:r>
-              <a:rPr lang="en-US" dirty="0" smtClean="0"/>
-              <a:t>Nothing</a:t>
-            </a:r>
-          </a:p>
-          <a:p>
-            <a:pPr marL="914400" lvl="1" indent="-457200">
-              <a:buFont typeface="+mj-lt"/>
-              <a:buAutoNum type="arabicPeriod"/>
-            </a:pPr>
-            <a:r>
-              <a:rPr lang="en-US" dirty="0" smtClean="0"/>
-              <a:t>Roll</a:t>
-            </a:r>
-          </a:p>
-          <a:p>
-            <a:pPr marL="914400" lvl="1" indent="-457200">
-              <a:buFont typeface="+mj-lt"/>
-              <a:buAutoNum type="arabicPeriod"/>
-            </a:pPr>
-            <a:r>
-              <a:rPr lang="en-US" dirty="0" smtClean="0"/>
-              <a:t>Pitch</a:t>
-            </a:r>
-          </a:p>
-          <a:p>
-            <a:pPr marL="914400" lvl="1" indent="-457200">
-              <a:buFont typeface="+mj-lt"/>
-              <a:buAutoNum type="arabicPeriod"/>
-            </a:pPr>
-            <a:r>
-              <a:rPr lang="en-US" dirty="0" smtClean="0"/>
-              <a:t>Yaw</a:t>
-            </a:r>
-          </a:p>
-          <a:p>
-            <a:pPr marL="914400" lvl="1" indent="-457200">
-              <a:buFont typeface="+mj-lt"/>
-              <a:buAutoNum type="arabicPeriod"/>
-            </a:pPr>
-            <a:r>
-              <a:rPr lang="en-US" dirty="0" smtClean="0"/>
-              <a:t>Flaps</a:t>
-            </a:r>
-          </a:p>
-          <a:p>
-            <a:pPr marL="914400" lvl="1" indent="-457200">
-              <a:buFont typeface="+mj-lt"/>
-              <a:buAutoNum type="arabicPeriod"/>
-            </a:pPr>
-            <a:r>
-              <a:rPr lang="en-US" dirty="0" smtClean="0"/>
-              <a:t>Everything</a:t>
-            </a:r>
-            <a:endParaRPr lang="en-US" dirty="0"/>
-          </a:p>
-          <a:p>
-            <a:r>
-              <a:rPr lang="en-US" dirty="0" smtClean="0"/>
-              <a:t>Position coordinates, Euler angles, and airspeed</a:t>
-            </a:r>
-          </a:p>
-          <a:p>
-            <a:r>
-              <a:rPr lang="en-US" dirty="0" smtClean="0"/>
-              <a:t>30 seconds</a:t>
-            </a:r>
-          </a:p>
-          <a:p>
-            <a:endParaRPr lang="en-US" dirty="0" smtClean="0"/>
-          </a:p>
-        </p:txBody>
-      </p:sp>
-    </p:spTree>
-    <p:extLst>
-      <p:ext uri="{BB962C8B-B14F-4D97-AF65-F5344CB8AC3E}">
-        <p14:creationId xmlns:p14="http://schemas.microsoft.com/office/powerpoint/2010/main" val="90134629"/>
       </p:ext>
     </p:extLst>
   </p:cSld>
@@ -16336,7 +17637,7 @@
           <a:p>
             <a:r>
               <a:rPr lang="en-US" dirty="0" smtClean="0"/>
-              <a:t>Experiment Results</a:t>
+              <a:t>Experimental design</a:t>
             </a:r>
             <a:endParaRPr lang="en-US" dirty="0"/>
           </a:p>
@@ -16354,8 +17655,8 @@
         </p:nvSpPr>
         <p:spPr>
           <a:xfrm>
-            <a:off x="1072586" y="2097088"/>
-            <a:ext cx="9905999" cy="3541714"/>
+            <a:off x="1141413" y="2097088"/>
+            <a:ext cx="9905999" cy="4343041"/>
           </a:xfrm>
         </p:spPr>
         <p:txBody>
@@ -16366,43 +17667,56 @@
           <a:p>
             <a:r>
               <a:rPr lang="en-US" dirty="0" smtClean="0"/>
-              <a:t>Palmer – All pass with epsilon </a:t>
-            </a:r>
-            <a:r>
-              <a:rPr lang="en-US" dirty="0"/>
-              <a:t>of </a:t>
-            </a:r>
+              <a:t>Built two flight dynamics models</a:t>
+            </a:r>
+          </a:p>
+          <a:p>
+            <a:pPr lvl="1"/>
             <a:r>
               <a:rPr lang="en-US" dirty="0" smtClean="0"/>
-              <a:t>0.000001</a:t>
+              <a:t>Do they work as expected compared to the original code?</a:t>
             </a:r>
           </a:p>
           <a:p>
             <a:r>
               <a:rPr lang="en-US" dirty="0" smtClean="0"/>
-              <a:t>Bourg </a:t>
-            </a:r>
-            <a:r>
-              <a:rPr lang="en-US" dirty="0"/>
-              <a:t>– </a:t>
-            </a:r>
+              <a:t>Integration tests for both flight dynamics model</a:t>
+            </a:r>
+          </a:p>
+          <a:p>
+            <a:pPr lvl="1"/>
             <a:r>
               <a:rPr lang="en-US" dirty="0" smtClean="0"/>
-              <a:t>All pass with epsilon of 0.01</a:t>
-            </a:r>
-          </a:p>
-          <a:p>
-            <a:endParaRPr lang="en-US" dirty="0"/>
-          </a:p>
-          <a:p>
-            <a:endParaRPr lang="en-US" dirty="0" smtClean="0"/>
+              <a:t>Set up a test scenario with the original FDM’s code that simulates the airplane through a fixed flight path with predetermined flight controls and output flight data</a:t>
+            </a:r>
+          </a:p>
+          <a:p>
+            <a:pPr lvl="1"/>
+            <a:r>
+              <a:rPr lang="en-US" dirty="0" smtClean="0"/>
+              <a:t>Set up the same test scenario but as an integration test using my code </a:t>
+            </a:r>
+          </a:p>
+          <a:p>
+            <a:pPr lvl="1"/>
+            <a:r>
+              <a:rPr lang="en-US" dirty="0" smtClean="0"/>
+              <a:t>Ran the integration test and compared the original output to my output</a:t>
+            </a:r>
+          </a:p>
+          <a:p>
+            <a:pPr lvl="2"/>
+            <a:r>
+              <a:rPr lang="en-US" dirty="0" smtClean="0"/>
+              <a:t>Results are compared to a floating-point tolerance</a:t>
+            </a:r>
           </a:p>
         </p:txBody>
       </p:sp>
     </p:spTree>
     <p:extLst>
       <p:ext uri="{BB962C8B-B14F-4D97-AF65-F5344CB8AC3E}">
-        <p14:creationId xmlns:p14="http://schemas.microsoft.com/office/powerpoint/2010/main" val="3427146562"/>
+        <p14:creationId xmlns:p14="http://schemas.microsoft.com/office/powerpoint/2010/main" val="1145730601"/>
       </p:ext>
     </p:extLst>
   </p:cSld>
@@ -16579,7 +17893,7 @@
           <a:p>
             <a:r>
               <a:rPr lang="en-US" dirty="0" smtClean="0"/>
-              <a:t>Impact</a:t>
+              <a:t>Experimental design</a:t>
             </a:r>
             <a:endParaRPr lang="en-US" dirty="0"/>
           </a:p>
@@ -16597,46 +17911,88 @@
         </p:nvSpPr>
         <p:spPr>
           <a:xfrm>
-            <a:off x="1141412" y="2097088"/>
-            <a:ext cx="9905999" cy="3541714"/>
+            <a:off x="1141413" y="2097088"/>
+            <a:ext cx="9905999" cy="4343041"/>
           </a:xfrm>
         </p:spPr>
         <p:txBody>
-          <a:bodyPr/>
+          <a:bodyPr>
+            <a:normAutofit/>
+          </a:bodyPr>
           <a:lstStyle/>
           <a:p>
             <a:r>
               <a:rPr lang="en-US" dirty="0" smtClean="0"/>
-              <a:t>ECS proven to be a candidate for real-time flight simulation software</a:t>
-            </a:r>
-          </a:p>
-          <a:p>
+              <a:t>Palmer-based </a:t>
+            </a:r>
             <a:r>
               <a:rPr lang="en-US" dirty="0"/>
-              <a:t>O</a:t>
+              <a:t>Flight Dynamics </a:t>
             </a:r>
             <a:r>
               <a:rPr lang="en-US" dirty="0" smtClean="0"/>
-              <a:t>ptimized systems with little extra work by the </a:t>
-            </a:r>
+              <a:t>Model</a:t>
+            </a:r>
+            <a:endParaRPr lang="en-US" dirty="0"/>
+          </a:p>
+          <a:p>
+            <a:pPr marL="914400" lvl="1" indent="-457200">
+              <a:buFont typeface="+mj-lt"/>
+              <a:buAutoNum type="arabicPeriod"/>
+            </a:pPr>
+            <a:r>
+              <a:rPr lang="en-US" dirty="0"/>
+              <a:t>Angle of Attack</a:t>
+            </a:r>
+          </a:p>
+          <a:p>
+            <a:pPr marL="914400" lvl="1" indent="-457200">
+              <a:buFont typeface="+mj-lt"/>
+              <a:buAutoNum type="arabicPeriod"/>
+            </a:pPr>
+            <a:r>
+              <a:rPr lang="en-US" dirty="0"/>
+              <a:t>Bank</a:t>
+            </a:r>
+          </a:p>
+          <a:p>
+            <a:pPr marL="914400" lvl="1" indent="-457200">
+              <a:buFont typeface="+mj-lt"/>
+              <a:buAutoNum type="arabicPeriod"/>
+            </a:pPr>
             <a:r>
               <a:rPr lang="en-US" dirty="0" smtClean="0"/>
-              <a:t>programmer</a:t>
-            </a:r>
-          </a:p>
-          <a:p>
+              <a:t>Flaps</a:t>
+            </a:r>
+          </a:p>
+          <a:p>
+            <a:pPr marL="914400" lvl="1" indent="-457200">
+              <a:buFont typeface="+mj-lt"/>
+              <a:buAutoNum type="arabicPeriod"/>
+            </a:pPr>
             <a:r>
               <a:rPr lang="en-US" dirty="0" smtClean="0"/>
-              <a:t>Flexible Flight Dynamics Model library</a:t>
-            </a:r>
-            <a:endParaRPr lang="en-US" dirty="0" smtClean="0"/>
+              <a:t>Everything</a:t>
+            </a:r>
+          </a:p>
+          <a:p>
+            <a:r>
+              <a:rPr lang="en-US" dirty="0" smtClean="0"/>
+              <a:t>Position coordinates and airspeed</a:t>
+            </a:r>
+          </a:p>
+          <a:p>
+            <a:r>
+              <a:rPr lang="en-US" dirty="0" smtClean="0"/>
+              <a:t>60 seconds</a:t>
+            </a:r>
           </a:p>
         </p:txBody>
       </p:sp>
     </p:spTree>
     <p:extLst>
       <p:ext uri="{BB962C8B-B14F-4D97-AF65-F5344CB8AC3E}">
-        <p14:creationId xmlns:p14="http://schemas.microsoft.com/office/powerpoint/2010/main" val="1274847238"/>
+        <p14:creationId xmlns:p14="http://schemas.microsoft.com/office/powerpoint/2010/main" val="2948235296"/>
       </p:ext>
     </p:extLst>
   </p:cSld>
@@ -16687,7 +18043,7 @@
           <a:p>
             <a:r>
               <a:rPr lang="en-US" dirty="0" smtClean="0"/>
-              <a:t>Future Work</a:t>
+              <a:t>Experimental design</a:t>
             </a:r>
             <a:endParaRPr lang="en-US" dirty="0"/>
           </a:p>
@@ -16706,33 +18062,102 @@
         <p:spPr>
           <a:xfrm>
             <a:off x="1141412" y="2097088"/>
-            <a:ext cx="9905999" cy="3541714"/>
+            <a:ext cx="9905999" cy="4647841"/>
           </a:xfrm>
         </p:spPr>
         <p:txBody>
-          <a:bodyPr/>
+          <a:bodyPr>
+            <a:normAutofit/>
+          </a:bodyPr>
           <a:lstStyle/>
           <a:p>
             <a:r>
               <a:rPr lang="en-US" dirty="0" smtClean="0"/>
-              <a:t>Improvement upon ECS design</a:t>
-            </a:r>
-          </a:p>
-          <a:p>
+              <a:t>Bourg-based Flight Dynamics Model</a:t>
+            </a:r>
+          </a:p>
+          <a:p>
+            <a:pPr marL="914400" lvl="1" indent="-457200">
+              <a:buFont typeface="+mj-lt"/>
+              <a:buAutoNum type="arabicPeriod"/>
+            </a:pPr>
             <a:r>
               <a:rPr lang="en-US" dirty="0" smtClean="0"/>
-              <a:t>Do away with Bourg’s vector, quaternion, matrix</a:t>
-            </a:r>
-          </a:p>
-          <a:p>
+              <a:t>Nothing</a:t>
+            </a:r>
+          </a:p>
+          <a:p>
+            <a:pPr marL="914400" lvl="1" indent="-457200">
+              <a:buFont typeface="+mj-lt"/>
+              <a:buAutoNum type="arabicPeriod"/>
+            </a:pPr>
+            <a:r>
+              <a:rPr lang="en-US" dirty="0" smtClean="0"/>
+              <a:t>Roll</a:t>
+            </a:r>
+          </a:p>
+          <a:p>
+            <a:pPr marL="914400" lvl="1" indent="-457200">
+              <a:buFont typeface="+mj-lt"/>
+              <a:buAutoNum type="arabicPeriod"/>
+            </a:pPr>
+            <a:r>
+              <a:rPr lang="en-US" dirty="0" smtClean="0"/>
+              <a:t>Pitch</a:t>
+            </a:r>
+          </a:p>
+          <a:p>
+            <a:pPr marL="914400" lvl="1" indent="-457200">
+              <a:buFont typeface="+mj-lt"/>
+              <a:buAutoNum type="arabicPeriod"/>
+            </a:pPr>
+            <a:r>
+              <a:rPr lang="en-US" dirty="0" smtClean="0"/>
+              <a:t>Yaw</a:t>
+            </a:r>
+          </a:p>
+          <a:p>
+            <a:pPr marL="914400" lvl="1" indent="-457200">
+              <a:buFont typeface="+mj-lt"/>
+              <a:buAutoNum type="arabicPeriod"/>
+            </a:pPr>
+            <a:r>
+              <a:rPr lang="en-US" dirty="0" smtClean="0"/>
+              <a:t>Flaps</a:t>
+            </a:r>
+          </a:p>
+          <a:p>
+            <a:pPr marL="914400" lvl="1" indent="-457200">
+              <a:buFont typeface="+mj-lt"/>
+              <a:buAutoNum type="arabicPeriod"/>
+            </a:pPr>
+            <a:r>
+              <a:rPr lang="en-US" dirty="0" smtClean="0"/>
+              <a:t>Everything</a:t>
+            </a:r>
             <a:endParaRPr lang="en-US" dirty="0"/>
+          </a:p>
+          <a:p>
+            <a:r>
+              <a:rPr lang="en-US" dirty="0" smtClean="0"/>
+              <a:t>Position coordinates, Euler angles, and airspeed</a:t>
+            </a:r>
+          </a:p>
+          <a:p>
+            <a:r>
+              <a:rPr lang="en-US" dirty="0" smtClean="0"/>
+              <a:t>30 seconds</a:t>
+            </a:r>
+          </a:p>
+          <a:p>
+            <a:endParaRPr lang="en-US" dirty="0" smtClean="0"/>
           </a:p>
         </p:txBody>
       </p:sp>
     </p:spTree>
     <p:extLst>
       <p:ext uri="{BB962C8B-B14F-4D97-AF65-F5344CB8AC3E}">
-        <p14:creationId xmlns:p14="http://schemas.microsoft.com/office/powerpoint/2010/main" val="628111520"/>
+        <p14:creationId xmlns:p14="http://schemas.microsoft.com/office/powerpoint/2010/main" val="90134629"/>
       </p:ext>
     </p:extLst>
   </p:cSld>
@@ -16783,6 +18208,378 @@
           <a:p>
             <a:r>
               <a:rPr lang="en-US" dirty="0" smtClean="0"/>
+              <a:t>Experiment Results</a:t>
+            </a:r>
+            <a:endParaRPr lang="en-US" dirty="0"/>
+          </a:p>
+        </p:txBody>
+      </p:sp>
+      <p:sp>
+        <p:nvSpPr>
+          <p:cNvPr id="3" name="Content Placeholder 2"/>
+          <p:cNvSpPr>
+            <a:spLocks noGrp="1"/>
+          </p:cNvSpPr>
+          <p:nvPr>
+            <p:ph idx="1"/>
+          </p:nvPr>
+        </p:nvSpPr>
+        <p:spPr>
+          <a:xfrm>
+            <a:off x="1072586" y="2097088"/>
+            <a:ext cx="9905999" cy="3541714"/>
+          </a:xfrm>
+        </p:spPr>
+        <p:txBody>
+          <a:bodyPr>
+            <a:normAutofit/>
+          </a:bodyPr>
+          <a:lstStyle/>
+          <a:p>
+            <a:r>
+              <a:rPr lang="en-US" dirty="0" smtClean="0"/>
+              <a:t>Palmer – All pass with tolerance </a:t>
+            </a:r>
+            <a:r>
+              <a:rPr lang="en-US" dirty="0"/>
+              <a:t>of </a:t>
+            </a:r>
+            <a:r>
+              <a:rPr lang="en-US" dirty="0" smtClean="0"/>
+              <a:t>0.000001</a:t>
+            </a:r>
+          </a:p>
+          <a:p>
+            <a:r>
+              <a:rPr lang="en-US" dirty="0" smtClean="0"/>
+              <a:t>Bourg </a:t>
+            </a:r>
+            <a:r>
+              <a:rPr lang="en-US" dirty="0"/>
+              <a:t>– </a:t>
+            </a:r>
+            <a:r>
+              <a:rPr lang="en-US" dirty="0" smtClean="0"/>
+              <a:t>All pass with tolerance of 0.01</a:t>
+            </a:r>
+            <a:br>
+              <a:rPr lang="en-US" dirty="0" smtClean="0"/>
+            </a:br>
+            <a:endParaRPr lang="en-US" dirty="0" smtClean="0"/>
+          </a:p>
+          <a:p>
+            <a:r>
+              <a:rPr lang="en-US" dirty="0" smtClean="0"/>
+              <a:t>Palmer uses 64-bit and Bourg uses 32-bit</a:t>
+            </a:r>
+          </a:p>
+          <a:p>
+            <a:endParaRPr lang="en-US" dirty="0"/>
+          </a:p>
+          <a:p>
+            <a:endParaRPr lang="en-US" dirty="0" smtClean="0"/>
+          </a:p>
+        </p:txBody>
+      </p:sp>
+    </p:spTree>
+    <p:extLst>
+      <p:ext uri="{BB962C8B-B14F-4D97-AF65-F5344CB8AC3E}">
+        <p14:creationId xmlns:p14="http://schemas.microsoft.com/office/powerpoint/2010/main" val="3427146562"/>
+      </p:ext>
+    </p:extLst>
+  </p:cSld>
+  <p:clrMapOvr>
+    <a:masterClrMapping/>
+  </p:clrMapOvr>
+  <p:timing>
+    <p:tnLst>
+      <p:par>
+        <p:cTn id="1" dur="indefinite" restart="never" nodeType="tmRoot"/>
+      </p:par>
+    </p:tnLst>
+  </p:timing>
+</p:sld>
+</file>
+
+<file path=ppt/slides/slide23.xml><?xml version="1.0" encoding="utf-8"?>
+<p:sld xmlns:a="http://schemas.openxmlformats.org/drawingml/2006/main" xmlns:r="http://schemas.openxmlformats.org/officeDocument/2006/relationships" xmlns:p="http://schemas.openxmlformats.org/presentationml/2006/main">
+  <p:cSld>
+    <p:spTree>
+      <p:nvGrpSpPr>
+        <p:cNvPr id="1" name=""/>
+        <p:cNvGrpSpPr/>
+        <p:nvPr/>
+      </p:nvGrpSpPr>
+      <p:grpSpPr>
+        <a:xfrm>
+          <a:off x="0" y="0"/>
+          <a:ext cx="0" cy="0"/>
+          <a:chOff x="0" y="0"/>
+          <a:chExt cx="0" cy="0"/>
+        </a:xfrm>
+      </p:grpSpPr>
+      <p:sp>
+        <p:nvSpPr>
+          <p:cNvPr id="2" name="Title 1"/>
+          <p:cNvSpPr>
+            <a:spLocks noGrp="1"/>
+          </p:cNvSpPr>
+          <p:nvPr>
+            <p:ph type="title"/>
+          </p:nvPr>
+        </p:nvSpPr>
+        <p:spPr/>
+        <p:txBody>
+          <a:bodyPr/>
+          <a:lstStyle/>
+          <a:p>
+            <a:r>
+              <a:rPr lang="en-US" dirty="0" smtClean="0"/>
+              <a:t>Impact</a:t>
+            </a:r>
+            <a:endParaRPr lang="en-US" dirty="0"/>
+          </a:p>
+        </p:txBody>
+      </p:sp>
+      <p:sp>
+        <p:nvSpPr>
+          <p:cNvPr id="3" name="Content Placeholder 2"/>
+          <p:cNvSpPr>
+            <a:spLocks noGrp="1"/>
+          </p:cNvSpPr>
+          <p:nvPr>
+            <p:ph idx="1"/>
+          </p:nvPr>
+        </p:nvSpPr>
+        <p:spPr>
+          <a:xfrm>
+            <a:off x="1141412" y="2097088"/>
+            <a:ext cx="9905999" cy="3541714"/>
+          </a:xfrm>
+        </p:spPr>
+        <p:txBody>
+          <a:bodyPr/>
+          <a:lstStyle/>
+          <a:p>
+            <a:r>
+              <a:rPr lang="en-US" dirty="0" smtClean="0"/>
+              <a:t>ECS proven to be a candidate for real-time flight simulation software</a:t>
+            </a:r>
+          </a:p>
+          <a:p>
+            <a:pPr lvl="1"/>
+            <a:r>
+              <a:rPr lang="en-US" dirty="0" smtClean="0"/>
+              <a:t>Takes Lt </a:t>
+            </a:r>
+            <a:r>
+              <a:rPr lang="en-US" dirty="0" err="1" smtClean="0"/>
+              <a:t>Vagdes</a:t>
+            </a:r>
+            <a:r>
+              <a:rPr lang="en-US" dirty="0" smtClean="0"/>
+              <a:t>’ thesis into fruition </a:t>
+            </a:r>
+          </a:p>
+          <a:p>
+            <a:r>
+              <a:rPr lang="en-US" dirty="0"/>
+              <a:t>O</a:t>
+            </a:r>
+            <a:r>
+              <a:rPr lang="en-US" dirty="0" smtClean="0"/>
+              <a:t>ptimized systems with little extra work by the programmer</a:t>
+            </a:r>
+          </a:p>
+          <a:p>
+            <a:r>
+              <a:rPr lang="en-US" dirty="0" smtClean="0"/>
+              <a:t>Flexible FDM library</a:t>
+            </a:r>
+          </a:p>
+        </p:txBody>
+      </p:sp>
+    </p:spTree>
+    <p:extLst>
+      <p:ext uri="{BB962C8B-B14F-4D97-AF65-F5344CB8AC3E}">
+        <p14:creationId xmlns:p14="http://schemas.microsoft.com/office/powerpoint/2010/main" val="1274847238"/>
+      </p:ext>
+    </p:extLst>
+  </p:cSld>
+  <p:clrMapOvr>
+    <a:masterClrMapping/>
+  </p:clrMapOvr>
+  <p:timing>
+    <p:tnLst>
+      <p:par>
+        <p:cTn id="1" dur="indefinite" restart="never" nodeType="tmRoot"/>
+      </p:par>
+    </p:tnLst>
+  </p:timing>
+</p:sld>
+</file>
+
+<file path=ppt/slides/slide24.xml><?xml version="1.0" encoding="utf-8"?>
+<p:sld xmlns:a="http://schemas.openxmlformats.org/drawingml/2006/main" xmlns:r="http://schemas.openxmlformats.org/officeDocument/2006/relationships" xmlns:p="http://schemas.openxmlformats.org/presentationml/2006/main">
+  <p:cSld>
+    <p:spTree>
+      <p:nvGrpSpPr>
+        <p:cNvPr id="1" name=""/>
+        <p:cNvGrpSpPr/>
+        <p:nvPr/>
+      </p:nvGrpSpPr>
+      <p:grpSpPr>
+        <a:xfrm>
+          <a:off x="0" y="0"/>
+          <a:ext cx="0" cy="0"/>
+          <a:chOff x="0" y="0"/>
+          <a:chExt cx="0" cy="0"/>
+        </a:xfrm>
+      </p:grpSpPr>
+      <p:sp>
+        <p:nvSpPr>
+          <p:cNvPr id="2" name="Title 1"/>
+          <p:cNvSpPr>
+            <a:spLocks noGrp="1"/>
+          </p:cNvSpPr>
+          <p:nvPr>
+            <p:ph type="title"/>
+          </p:nvPr>
+        </p:nvSpPr>
+        <p:spPr/>
+        <p:txBody>
+          <a:bodyPr/>
+          <a:lstStyle/>
+          <a:p>
+            <a:r>
+              <a:rPr lang="en-US" dirty="0" smtClean="0"/>
+              <a:t>Future Work</a:t>
+            </a:r>
+            <a:endParaRPr lang="en-US" dirty="0"/>
+          </a:p>
+        </p:txBody>
+      </p:sp>
+      <p:sp>
+        <p:nvSpPr>
+          <p:cNvPr id="3" name="Content Placeholder 2"/>
+          <p:cNvSpPr>
+            <a:spLocks noGrp="1"/>
+          </p:cNvSpPr>
+          <p:nvPr>
+            <p:ph idx="1"/>
+          </p:nvPr>
+        </p:nvSpPr>
+        <p:spPr>
+          <a:xfrm>
+            <a:off x="1141412" y="2097088"/>
+            <a:ext cx="9905999" cy="3541714"/>
+          </a:xfrm>
+        </p:spPr>
+        <p:txBody>
+          <a:bodyPr/>
+          <a:lstStyle/>
+          <a:p>
+            <a:r>
+              <a:rPr lang="en-US" dirty="0" smtClean="0"/>
+              <a:t>Improvement upon ECS design</a:t>
+            </a:r>
+          </a:p>
+          <a:p>
+            <a:pPr lvl="1"/>
+            <a:r>
+              <a:rPr lang="en-US" dirty="0" err="1" smtClean="0"/>
+              <a:t>EquationsOfMotion</a:t>
+            </a:r>
+            <a:r>
+              <a:rPr lang="en-US" dirty="0" smtClean="0"/>
+              <a:t> System is bigger than what I would like</a:t>
+            </a:r>
+          </a:p>
+          <a:p>
+            <a:pPr lvl="1"/>
+            <a:r>
+              <a:rPr lang="en-US" dirty="0" smtClean="0"/>
+              <a:t>Smaller Systems that run in parallel = faster</a:t>
+            </a:r>
+          </a:p>
+          <a:p>
+            <a:r>
+              <a:rPr lang="en-US" dirty="0" smtClean="0"/>
+              <a:t>Get rid of Bourg’s vector, quaternion, matrix</a:t>
+            </a:r>
+          </a:p>
+          <a:p>
+            <a:pPr lvl="1"/>
+            <a:r>
+              <a:rPr lang="en-US" dirty="0" smtClean="0"/>
+              <a:t>Use Rust crates instead</a:t>
+            </a:r>
+          </a:p>
+          <a:p>
+            <a:r>
+              <a:rPr lang="en-US" dirty="0" smtClean="0"/>
+              <a:t>Integrate Lt Garland’s ECS radar system with my code</a:t>
+            </a:r>
+          </a:p>
+          <a:p>
+            <a:endParaRPr lang="en-US" dirty="0"/>
+          </a:p>
+        </p:txBody>
+      </p:sp>
+    </p:spTree>
+    <p:extLst>
+      <p:ext uri="{BB962C8B-B14F-4D97-AF65-F5344CB8AC3E}">
+        <p14:creationId xmlns:p14="http://schemas.microsoft.com/office/powerpoint/2010/main" val="628111520"/>
+      </p:ext>
+    </p:extLst>
+  </p:cSld>
+  <p:clrMapOvr>
+    <a:masterClrMapping/>
+  </p:clrMapOvr>
+  <p:timing>
+    <p:tnLst>
+      <p:par>
+        <p:cTn id="1" dur="indefinite" restart="never" nodeType="tmRoot"/>
+      </p:par>
+    </p:tnLst>
+  </p:timing>
+</p:sld>
+</file>
+
+<file path=ppt/slides/slide25.xml><?xml version="1.0" encoding="utf-8"?>
+<p:sld xmlns:a="http://schemas.openxmlformats.org/drawingml/2006/main" xmlns:r="http://schemas.openxmlformats.org/officeDocument/2006/relationships" xmlns:p="http://schemas.openxmlformats.org/presentationml/2006/main">
+  <p:cSld>
+    <p:spTree>
+      <p:nvGrpSpPr>
+        <p:cNvPr id="1" name=""/>
+        <p:cNvGrpSpPr/>
+        <p:nvPr/>
+      </p:nvGrpSpPr>
+      <p:grpSpPr>
+        <a:xfrm>
+          <a:off x="0" y="0"/>
+          <a:ext cx="0" cy="0"/>
+          <a:chOff x="0" y="0"/>
+          <a:chExt cx="0" cy="0"/>
+        </a:xfrm>
+      </p:grpSpPr>
+      <p:sp>
+        <p:nvSpPr>
+          <p:cNvPr id="2" name="Title 1"/>
+          <p:cNvSpPr>
+            <a:spLocks noGrp="1"/>
+          </p:cNvSpPr>
+          <p:nvPr>
+            <p:ph type="title"/>
+          </p:nvPr>
+        </p:nvSpPr>
+        <p:spPr/>
+        <p:txBody>
+          <a:bodyPr/>
+          <a:lstStyle/>
+          <a:p>
+            <a:r>
+              <a:rPr lang="en-US" dirty="0" smtClean="0"/>
               <a:t>Questions?</a:t>
             </a:r>
             <a:endParaRPr lang="en-US" dirty="0"/>
@@ -16809,7 +18606,7 @@
 </p:sld>
 </file>
 
-<file path=ppt/slides/slide23.xml><?xml version="1.0" encoding="utf-8"?>
+<file path=ppt/slides/slide26.xml><?xml version="1.0" encoding="utf-8"?>
 <p:sld xmlns:a="http://schemas.openxmlformats.org/drawingml/2006/main" xmlns:r="http://schemas.openxmlformats.org/officeDocument/2006/relationships" xmlns:p="http://schemas.openxmlformats.org/presentationml/2006/main">
   <p:cSld>
     <p:spTree>
@@ -17174,7 +18971,7 @@
 </p:sld>
 </file>
 
-<file path=ppt/slides/slide24.xml><?xml version="1.0" encoding="utf-8"?>
+<file path=ppt/slides/slide27.xml><?xml version="1.0" encoding="utf-8"?>
 <p:sld xmlns:a="http://schemas.openxmlformats.org/drawingml/2006/main" xmlns:r="http://schemas.openxmlformats.org/officeDocument/2006/relationships" xmlns:p="http://schemas.openxmlformats.org/presentationml/2006/main">
   <p:cSld>
     <p:spTree>
@@ -17561,7 +19358,7 @@
 </p:sld>
 </file>
 
-<file path=ppt/slides/slide25.xml><?xml version="1.0" encoding="utf-8"?>
+<file path=ppt/slides/slide28.xml><?xml version="1.0" encoding="utf-8"?>
 <p:sld xmlns:a="http://schemas.openxmlformats.org/drawingml/2006/main" xmlns:r="http://schemas.openxmlformats.org/officeDocument/2006/relationships" xmlns:p="http://schemas.openxmlformats.org/presentationml/2006/main">
   <p:cSld>
     <p:spTree>
@@ -17948,7 +19745,7 @@
 </p:sld>
 </file>
 
-<file path=ppt/slides/slide26.xml><?xml version="1.0" encoding="utf-8"?>
+<file path=ppt/slides/slide29.xml><?xml version="1.0" encoding="utf-8"?>
 <p:sld xmlns:a="http://schemas.openxmlformats.org/drawingml/2006/main" xmlns:r="http://schemas.openxmlformats.org/officeDocument/2006/relationships" xmlns:p="http://schemas.openxmlformats.org/presentationml/2006/main">
   <p:cSld>
     <p:spTree>
@@ -18335,7 +20132,180 @@
 </p:sld>
 </file>
 
-<file path=ppt/slides/slide27.xml><?xml version="1.0" encoding="utf-8"?>
+<file path=ppt/slides/slide3.xml><?xml version="1.0" encoding="utf-8"?>
+<p:sld xmlns:a="http://schemas.openxmlformats.org/drawingml/2006/main" xmlns:r="http://schemas.openxmlformats.org/officeDocument/2006/relationships" xmlns:p="http://schemas.openxmlformats.org/presentationml/2006/main">
+  <p:cSld>
+    <p:spTree>
+      <p:nvGrpSpPr>
+        <p:cNvPr id="1" name=""/>
+        <p:cNvGrpSpPr/>
+        <p:nvPr/>
+      </p:nvGrpSpPr>
+      <p:grpSpPr>
+        <a:xfrm>
+          <a:off x="0" y="0"/>
+          <a:ext cx="0" cy="0"/>
+          <a:chOff x="0" y="0"/>
+          <a:chExt cx="0" cy="0"/>
+        </a:xfrm>
+      </p:grpSpPr>
+      <p:sp>
+        <p:nvSpPr>
+          <p:cNvPr id="2" name="Title 1"/>
+          <p:cNvSpPr>
+            <a:spLocks noGrp="1"/>
+          </p:cNvSpPr>
+          <p:nvPr>
+            <p:ph type="title"/>
+          </p:nvPr>
+        </p:nvSpPr>
+        <p:spPr/>
+        <p:txBody>
+          <a:bodyPr/>
+          <a:lstStyle/>
+          <a:p>
+            <a:r>
+              <a:rPr lang="en-US" dirty="0" smtClean="0"/>
+              <a:t>Motivation</a:t>
+            </a:r>
+            <a:endParaRPr lang="en-US" dirty="0"/>
+          </a:p>
+        </p:txBody>
+      </p:sp>
+      <p:sp>
+        <p:nvSpPr>
+          <p:cNvPr id="3" name="Content Placeholder 2"/>
+          <p:cNvSpPr>
+            <a:spLocks noGrp="1"/>
+          </p:cNvSpPr>
+          <p:nvPr>
+            <p:ph idx="1"/>
+          </p:nvPr>
+        </p:nvSpPr>
+        <p:spPr>
+          <a:xfrm>
+            <a:off x="1141413" y="2097087"/>
+            <a:ext cx="9756960" cy="4484465"/>
+          </a:xfrm>
+        </p:spPr>
+        <p:txBody>
+          <a:bodyPr>
+            <a:normAutofit fontScale="92500" lnSpcReduction="10000"/>
+          </a:bodyPr>
+          <a:lstStyle/>
+          <a:p>
+            <a:r>
+              <a:rPr lang="en-US" dirty="0" smtClean="0"/>
+              <a:t>Problems with Object-Oriented Programming (OOP)</a:t>
+            </a:r>
+          </a:p>
+          <a:p>
+            <a:pPr lvl="1"/>
+            <a:r>
+              <a:rPr lang="en-US" dirty="0" smtClean="0"/>
+              <a:t>Code dependencies</a:t>
+            </a:r>
+          </a:p>
+          <a:p>
+            <a:pPr lvl="2"/>
+            <a:r>
+              <a:rPr lang="en-US" dirty="0" smtClean="0"/>
+              <a:t>Maintainability</a:t>
+            </a:r>
+          </a:p>
+          <a:p>
+            <a:pPr lvl="2"/>
+            <a:r>
+              <a:rPr lang="en-US" dirty="0" smtClean="0"/>
+              <a:t>Parallelization</a:t>
+            </a:r>
+            <a:endParaRPr lang="en-US" dirty="0"/>
+          </a:p>
+          <a:p>
+            <a:pPr lvl="1"/>
+            <a:r>
+              <a:rPr lang="en-US" dirty="0" smtClean="0"/>
+              <a:t>Cache efficiency</a:t>
+            </a:r>
+          </a:p>
+          <a:p>
+            <a:pPr lvl="2"/>
+            <a:r>
+              <a:rPr lang="en-US" dirty="0" smtClean="0"/>
+              <a:t>More data than necessary is brought into cache memory</a:t>
+            </a:r>
+          </a:p>
+          <a:p>
+            <a:r>
+              <a:rPr lang="en-US" dirty="0" smtClean="0"/>
+              <a:t>Data-Oriented Design (DOD) and Entity-Component-System (ECS) architecture</a:t>
+            </a:r>
+          </a:p>
+          <a:p>
+            <a:pPr lvl="1"/>
+            <a:r>
+              <a:rPr lang="en-US" dirty="0" smtClean="0"/>
+              <a:t>Composition over inheritance </a:t>
+            </a:r>
+          </a:p>
+          <a:p>
+            <a:pPr lvl="1"/>
+            <a:r>
+              <a:rPr lang="en-US" dirty="0" smtClean="0"/>
+              <a:t>Extend Lt Joey </a:t>
+            </a:r>
+            <a:r>
+              <a:rPr lang="en-US" dirty="0" err="1" smtClean="0"/>
+              <a:t>Vagedes</a:t>
+            </a:r>
+            <a:r>
+              <a:rPr lang="en-US" dirty="0" smtClean="0"/>
+              <a:t>’ research</a:t>
+            </a:r>
+          </a:p>
+          <a:p>
+            <a:pPr lvl="2"/>
+            <a:r>
+              <a:rPr lang="en-US" dirty="0" smtClean="0"/>
+              <a:t>100% overhead improvement in normal use cases, 600% in large data object cases</a:t>
+            </a:r>
+          </a:p>
+          <a:p>
+            <a:pPr lvl="1"/>
+            <a:r>
+              <a:rPr lang="en-US" dirty="0" smtClean="0"/>
+              <a:t>Video games ≈ simulations</a:t>
+            </a:r>
+          </a:p>
+          <a:p>
+            <a:pPr marL="0" indent="0">
+              <a:buNone/>
+            </a:pPr>
+            <a:endParaRPr lang="en-US" dirty="0"/>
+          </a:p>
+        </p:txBody>
+      </p:sp>
+    </p:spTree>
+    <p:extLst>
+      <p:ext uri="{BB962C8B-B14F-4D97-AF65-F5344CB8AC3E}">
+        <p14:creationId xmlns:p14="http://schemas.microsoft.com/office/powerpoint/2010/main" val="2588575399"/>
+      </p:ext>
+    </p:extLst>
+  </p:cSld>
+  <p:clrMapOvr>
+    <a:masterClrMapping/>
+  </p:clrMapOvr>
+  <p:timing>
+    <p:tnLst>
+      <p:par>
+        <p:cTn id="1" dur="indefinite" restart="never" nodeType="tmRoot"/>
+      </p:par>
+    </p:tnLst>
+  </p:timing>
+</p:sld>
+</file>
+
+<file path=ppt/slides/slide30.xml><?xml version="1.0" encoding="utf-8"?>
 <p:sld xmlns:a="http://schemas.openxmlformats.org/drawingml/2006/main" xmlns:r="http://schemas.openxmlformats.org/officeDocument/2006/relationships" xmlns:p="http://schemas.openxmlformats.org/presentationml/2006/main">
   <p:cSld>
     <p:spTree>
@@ -18616,7 +20586,7 @@
 </p:sld>
 </file>
 
-<file path=ppt/slides/slide28.xml><?xml version="1.0" encoding="utf-8"?>
+<file path=ppt/slides/slide31.xml><?xml version="1.0" encoding="utf-8"?>
 <p:sld xmlns:a="http://schemas.openxmlformats.org/drawingml/2006/main" xmlns:r="http://schemas.openxmlformats.org/officeDocument/2006/relationships" xmlns:p="http://schemas.openxmlformats.org/presentationml/2006/main">
   <p:cSld>
     <p:spTree>
@@ -19011,7 +20981,7 @@
 </p:sld>
 </file>
 
-<file path=ppt/slides/slide29.xml><?xml version="1.0" encoding="utf-8"?>
+<file path=ppt/slides/slide32.xml><?xml version="1.0" encoding="utf-8"?>
 <p:sld xmlns:a="http://schemas.openxmlformats.org/drawingml/2006/main" xmlns:r="http://schemas.openxmlformats.org/officeDocument/2006/relationships" xmlns:p="http://schemas.openxmlformats.org/presentationml/2006/main">
   <p:cSld>
     <p:spTree>
@@ -19330,112 +21300,7 @@
 </p:sld>
 </file>
 
-<file path=ppt/slides/slide3.xml><?xml version="1.0" encoding="utf-8"?>
-<p:sld xmlns:a="http://schemas.openxmlformats.org/drawingml/2006/main" xmlns:r="http://schemas.openxmlformats.org/officeDocument/2006/relationships" xmlns:p="http://schemas.openxmlformats.org/presentationml/2006/main">
-  <p:cSld>
-    <p:spTree>
-      <p:nvGrpSpPr>
-        <p:cNvPr id="1" name=""/>
-        <p:cNvGrpSpPr/>
-        <p:nvPr/>
-      </p:nvGrpSpPr>
-      <p:grpSpPr>
-        <a:xfrm>
-          <a:off x="0" y="0"/>
-          <a:ext cx="0" cy="0"/>
-          <a:chOff x="0" y="0"/>
-          <a:chExt cx="0" cy="0"/>
-        </a:xfrm>
-      </p:grpSpPr>
-      <p:sp>
-        <p:nvSpPr>
-          <p:cNvPr id="2" name="Title 1"/>
-          <p:cNvSpPr>
-            <a:spLocks noGrp="1"/>
-          </p:cNvSpPr>
-          <p:nvPr>
-            <p:ph type="title"/>
-          </p:nvPr>
-        </p:nvSpPr>
-        <p:spPr/>
-        <p:txBody>
-          <a:bodyPr/>
-          <a:lstStyle/>
-          <a:p>
-            <a:r>
-              <a:rPr lang="en-US" dirty="0" smtClean="0"/>
-              <a:t>Motivation</a:t>
-            </a:r>
-            <a:endParaRPr lang="en-US" dirty="0"/>
-          </a:p>
-        </p:txBody>
-      </p:sp>
-      <p:sp>
-        <p:nvSpPr>
-          <p:cNvPr id="3" name="Content Placeholder 2"/>
-          <p:cNvSpPr>
-            <a:spLocks noGrp="1"/>
-          </p:cNvSpPr>
-          <p:nvPr>
-            <p:ph idx="1"/>
-          </p:nvPr>
-        </p:nvSpPr>
-        <p:spPr>
-          <a:xfrm>
-            <a:off x="1141413" y="2097088"/>
-            <a:ext cx="9756960" cy="3541714"/>
-          </a:xfrm>
-        </p:spPr>
-        <p:txBody>
-          <a:bodyPr/>
-          <a:lstStyle/>
-          <a:p>
-            <a:r>
-              <a:rPr lang="en-US" dirty="0" smtClean="0"/>
-              <a:t>Data-Oriented Design and Entity-Component-System architecture</a:t>
-            </a:r>
-          </a:p>
-          <a:p>
-            <a:r>
-              <a:rPr lang="en-US" dirty="0" smtClean="0"/>
-              <a:t>Rust programming language</a:t>
-            </a:r>
-          </a:p>
-          <a:p>
-            <a:r>
-              <a:rPr lang="en-US" dirty="0" smtClean="0"/>
-              <a:t>Improving simulation software</a:t>
-            </a:r>
-          </a:p>
-          <a:p>
-            <a:pPr marL="0" indent="0">
-              <a:buNone/>
-            </a:pPr>
-            <a:endParaRPr lang="en-US" dirty="0"/>
-          </a:p>
-        </p:txBody>
-      </p:sp>
-    </p:spTree>
-    <p:extLst>
-      <p:ext uri="{BB962C8B-B14F-4D97-AF65-F5344CB8AC3E}">
-        <p14:creationId xmlns:p14="http://schemas.microsoft.com/office/powerpoint/2010/main" val="2588575399"/>
-      </p:ext>
-    </p:extLst>
-  </p:cSld>
-  <p:clrMapOvr>
-    <a:masterClrMapping/>
-  </p:clrMapOvr>
-  <p:timing>
-    <p:tnLst>
-      <p:par>
-        <p:cTn id="1" dur="indefinite" restart="never" nodeType="tmRoot"/>
-      </p:par>
-    </p:tnLst>
-  </p:timing>
-</p:sld>
-</file>
-
-<file path=ppt/slides/slide30.xml><?xml version="1.0" encoding="utf-8"?>
+<file path=ppt/slides/slide33.xml><?xml version="1.0" encoding="utf-8"?>
 <p:sld xmlns:a="http://schemas.openxmlformats.org/drawingml/2006/main" xmlns:r="http://schemas.openxmlformats.org/officeDocument/2006/relationships" xmlns:p="http://schemas.openxmlformats.org/presentationml/2006/main">
   <p:cSld>
     <p:spTree>
@@ -19830,7 +21695,7 @@
 </p:sld>
 </file>
 
-<file path=ppt/slides/slide31.xml><?xml version="1.0" encoding="utf-8"?>
+<file path=ppt/slides/slide34.xml><?xml version="1.0" encoding="utf-8"?>
 <p:sld xmlns:a="http://schemas.openxmlformats.org/drawingml/2006/main" xmlns:r="http://schemas.openxmlformats.org/officeDocument/2006/relationships" xmlns:p="http://schemas.openxmlformats.org/presentationml/2006/main">
   <p:cSld>
     <p:spTree>
@@ -20111,7 +21976,7 @@
 </p:sld>
 </file>
 
-<file path=ppt/slides/slide32.xml><?xml version="1.0" encoding="utf-8"?>
+<file path=ppt/slides/slide35.xml><?xml version="1.0" encoding="utf-8"?>
 <p:sld xmlns:a="http://schemas.openxmlformats.org/drawingml/2006/main" xmlns:r="http://schemas.openxmlformats.org/officeDocument/2006/relationships" xmlns:p="http://schemas.openxmlformats.org/presentationml/2006/main">
   <p:cSld>
     <p:spTree>
@@ -20275,7 +22140,7 @@
         </p:nvGraphicFramePr>
         <p:xfrm>
           <a:off x="6508298" y="2097088"/>
-          <a:ext cx="3550101" cy="4335606"/>
+          <a:ext cx="3550101" cy="4386153"/>
         </p:xfrm>
         <a:graphic>
           <a:graphicData uri="http://schemas.openxmlformats.org/drawingml/2006/table">
@@ -20696,7 +22561,7 @@
 </p:sld>
 </file>
 
-<file path=ppt/slides/slide33.xml><?xml version="1.0" encoding="utf-8"?>
+<file path=ppt/slides/slide36.xml><?xml version="1.0" encoding="utf-8"?>
 <p:sld xmlns:a="http://schemas.openxmlformats.org/drawingml/2006/main" xmlns:r="http://schemas.openxmlformats.org/officeDocument/2006/relationships" xmlns:p="http://schemas.openxmlformats.org/presentationml/2006/main">
   <p:cSld>
     <p:spTree>
@@ -21252,7 +23117,7 @@
 </p:sld>
 </file>
 
-<file path=ppt/slides/slide34.xml><?xml version="1.0" encoding="utf-8"?>
+<file path=ppt/slides/slide37.xml><?xml version="1.0" encoding="utf-8"?>
 <p:sld xmlns:a="http://schemas.openxmlformats.org/drawingml/2006/main" xmlns:r="http://schemas.openxmlformats.org/officeDocument/2006/relationships" xmlns:p="http://schemas.openxmlformats.org/presentationml/2006/main">
   <p:cSld>
     <p:spTree>
@@ -21393,7 +23258,7 @@
         </p:nvGraphicFramePr>
         <p:xfrm>
           <a:off x="1836165" y="3402468"/>
-          <a:ext cx="4706496" cy="2560320"/>
+          <a:ext cx="4706496" cy="2189226"/>
         </p:xfrm>
         <a:graphic>
           <a:graphicData uri="http://schemas.openxmlformats.org/drawingml/2006/table">
@@ -21889,8 +23754,91 @@
           <a:p>
             <a:r>
               <a:rPr lang="en-US" dirty="0" smtClean="0"/>
-              <a:t>BACKGROUND</a:t>
-            </a:r>
+              <a:t>Motivation</a:t>
+            </a:r>
+            <a:endParaRPr lang="en-US" dirty="0"/>
+          </a:p>
+        </p:txBody>
+      </p:sp>
+      <p:sp>
+        <p:nvSpPr>
+          <p:cNvPr id="3" name="Content Placeholder 2"/>
+          <p:cNvSpPr>
+            <a:spLocks noGrp="1"/>
+          </p:cNvSpPr>
+          <p:nvPr>
+            <p:ph idx="1"/>
+          </p:nvPr>
+        </p:nvSpPr>
+        <p:spPr>
+          <a:xfrm>
+            <a:off x="1141413" y="2097087"/>
+            <a:ext cx="9756960" cy="4484465"/>
+          </a:xfrm>
+        </p:spPr>
+        <p:txBody>
+          <a:bodyPr>
+            <a:normAutofit/>
+          </a:bodyPr>
+          <a:lstStyle/>
+          <a:p>
+            <a:r>
+              <a:rPr lang="en-US" dirty="0" smtClean="0"/>
+              <a:t>Rust programming language</a:t>
+            </a:r>
+          </a:p>
+          <a:p>
+            <a:pPr lvl="1"/>
+            <a:r>
+              <a:rPr lang="en-US" dirty="0" smtClean="0"/>
+              <a:t>Provides some powerful benefits</a:t>
+            </a:r>
+          </a:p>
+          <a:p>
+            <a:pPr lvl="2"/>
+            <a:r>
+              <a:rPr lang="en-US" dirty="0" smtClean="0"/>
+              <a:t>Memory-safety </a:t>
+            </a:r>
+          </a:p>
+          <a:p>
+            <a:pPr lvl="2"/>
+            <a:r>
+              <a:rPr lang="en-US" dirty="0" smtClean="0"/>
+              <a:t>Performance</a:t>
+            </a:r>
+          </a:p>
+          <a:p>
+            <a:pPr lvl="1"/>
+            <a:r>
+              <a:rPr lang="en-US" dirty="0" smtClean="0"/>
+              <a:t>Strict compiler</a:t>
+            </a:r>
+          </a:p>
+          <a:p>
+            <a:r>
+              <a:rPr lang="en-US" dirty="0" smtClean="0"/>
+              <a:t>Improving simulation software</a:t>
+            </a:r>
+          </a:p>
+          <a:p>
+            <a:pPr lvl="1"/>
+            <a:r>
+              <a:rPr lang="en-US" dirty="0" smtClean="0"/>
+              <a:t>Rust + ECS</a:t>
+            </a:r>
+          </a:p>
+          <a:p>
+            <a:pPr lvl="1"/>
+            <a:r>
+              <a:rPr lang="en-US" dirty="0" smtClean="0"/>
+              <a:t>Built two flight simulators with these two technologies</a:t>
+            </a:r>
+          </a:p>
+          <a:p>
+            <a:pPr marL="0" indent="0">
+              <a:buNone/>
+            </a:pPr>
             <a:endParaRPr lang="en-US" dirty="0"/>
           </a:p>
         </p:txBody>
@@ -21898,7 +23846,7 @@
     </p:spTree>
     <p:extLst>
       <p:ext uri="{BB962C8B-B14F-4D97-AF65-F5344CB8AC3E}">
-        <p14:creationId xmlns:p14="http://schemas.microsoft.com/office/powerpoint/2010/main" val="3904224113"/>
+        <p14:creationId xmlns:p14="http://schemas.microsoft.com/office/powerpoint/2010/main" val="2540298327"/>
       </p:ext>
     </p:extLst>
   </p:cSld>
@@ -21949,167 +23897,16 @@
           <a:p>
             <a:r>
               <a:rPr lang="en-US" dirty="0" smtClean="0"/>
-              <a:t>PHYSICS OF FLIGHT MODELING</a:t>
+              <a:t>BACKGROUND</a:t>
             </a:r>
             <a:endParaRPr lang="en-US" dirty="0"/>
-          </a:p>
-        </p:txBody>
-      </p:sp>
-      <p:sp>
-        <p:nvSpPr>
-          <p:cNvPr id="4" name="Rectangle 3"/>
-          <p:cNvSpPr/>
-          <p:nvPr/>
-        </p:nvSpPr>
-        <p:spPr>
-          <a:xfrm>
-            <a:off x="1141412" y="2097088"/>
-            <a:ext cx="7311471" cy="2821285"/>
-          </a:xfrm>
-          <a:prstGeom prst="rect">
-            <a:avLst/>
-          </a:prstGeom>
-        </p:spPr>
-        <p:txBody>
-          <a:bodyPr wrap="square">
-            <a:spAutoFit/>
-          </a:bodyPr>
-          <a:lstStyle/>
-          <a:p>
-            <a:pPr marL="228600" lvl="0" indent="-228600">
-              <a:lnSpc>
-                <a:spcPct val="120000"/>
-              </a:lnSpc>
-              <a:spcBef>
-                <a:spcPts val="1000"/>
-              </a:spcBef>
-              <a:buSzPct val="125000"/>
-              <a:buFont typeface="Arial" panose="020B0604020202020204" pitchFamily="34" charset="0"/>
-              <a:buChar char="•"/>
-            </a:pPr>
-            <a:r>
-              <a:rPr lang="en-US" sz="2400" dirty="0" smtClean="0">
-                <a:solidFill>
-                  <a:prstClr val="white"/>
-                </a:solidFill>
-              </a:rPr>
-              <a:t>Published textbooks</a:t>
-            </a:r>
-          </a:p>
-          <a:p>
-            <a:pPr marL="685800" lvl="1" indent="-228600">
-              <a:lnSpc>
-                <a:spcPct val="120000"/>
-              </a:lnSpc>
-              <a:spcBef>
-                <a:spcPts val="1000"/>
-              </a:spcBef>
-              <a:buSzPct val="125000"/>
-              <a:buFont typeface="Arial" panose="020B0604020202020204" pitchFamily="34" charset="0"/>
-              <a:buChar char="•"/>
-            </a:pPr>
-            <a:r>
-              <a:rPr lang="en-US" sz="2400" i="1" dirty="0" smtClean="0">
-                <a:solidFill>
-                  <a:prstClr val="white"/>
-                </a:solidFill>
-              </a:rPr>
-              <a:t>Physics for Game Programmers </a:t>
-            </a:r>
-            <a:r>
-              <a:rPr lang="en-US" sz="2400" dirty="0" smtClean="0">
-                <a:solidFill>
-                  <a:prstClr val="white"/>
-                </a:solidFill>
-              </a:rPr>
-              <a:t>by Grant Palmer </a:t>
-            </a:r>
-          </a:p>
-          <a:p>
-            <a:pPr marL="685800" lvl="1" indent="-228600">
-              <a:lnSpc>
-                <a:spcPct val="120000"/>
-              </a:lnSpc>
-              <a:spcBef>
-                <a:spcPts val="1000"/>
-              </a:spcBef>
-              <a:buSzPct val="125000"/>
-              <a:buFont typeface="Arial" panose="020B0604020202020204" pitchFamily="34" charset="0"/>
-              <a:buChar char="•"/>
-            </a:pPr>
-            <a:r>
-              <a:rPr lang="en-US" sz="2400" i="1" dirty="0" smtClean="0">
-                <a:solidFill>
-                  <a:prstClr val="white"/>
-                </a:solidFill>
-              </a:rPr>
-              <a:t>Physics for Game Developers </a:t>
-            </a:r>
-            <a:r>
-              <a:rPr lang="en-US" sz="2400" dirty="0" smtClean="0">
-                <a:solidFill>
-                  <a:prstClr val="white"/>
-                </a:solidFill>
-              </a:rPr>
-              <a:t>by David Bourg</a:t>
-            </a:r>
-          </a:p>
-          <a:p>
-            <a:pPr marL="228600" lvl="0" indent="-228600">
-              <a:lnSpc>
-                <a:spcPct val="120000"/>
-              </a:lnSpc>
-              <a:spcBef>
-                <a:spcPts val="1000"/>
-              </a:spcBef>
-              <a:buSzPct val="125000"/>
-              <a:buFont typeface="Arial" panose="020B0604020202020204" pitchFamily="34" charset="0"/>
-              <a:buChar char="•"/>
-            </a:pPr>
-            <a:r>
-              <a:rPr lang="en-US" sz="2400" dirty="0" smtClean="0">
-                <a:solidFill>
-                  <a:prstClr val="white"/>
-                </a:solidFill>
-              </a:rPr>
-              <a:t>Flight Dynamics Models</a:t>
-            </a:r>
-          </a:p>
-          <a:p>
-            <a:pPr marL="685800" lvl="1" indent="-228600">
-              <a:lnSpc>
-                <a:spcPct val="120000"/>
-              </a:lnSpc>
-              <a:spcBef>
-                <a:spcPts val="1000"/>
-              </a:spcBef>
-              <a:buSzPct val="125000"/>
-              <a:buFont typeface="Arial" panose="020B0604020202020204" pitchFamily="34" charset="0"/>
-              <a:buChar char="•"/>
-            </a:pPr>
-            <a:r>
-              <a:rPr lang="en-US" sz="2400" dirty="0" smtClean="0">
-                <a:solidFill>
-                  <a:prstClr val="white"/>
-                </a:solidFill>
-              </a:rPr>
-              <a:t>Calculate </a:t>
-            </a:r>
-            <a:r>
-              <a:rPr lang="en-US" sz="2400" dirty="0" smtClean="0">
-                <a:solidFill>
-                  <a:prstClr val="white"/>
-                </a:solidFill>
-              </a:rPr>
-              <a:t>external forces and equations of motion</a:t>
-            </a:r>
           </a:p>
         </p:txBody>
       </p:sp>
     </p:spTree>
     <p:extLst>
       <p:ext uri="{BB962C8B-B14F-4D97-AF65-F5344CB8AC3E}">
-        <p14:creationId xmlns:p14="http://schemas.microsoft.com/office/powerpoint/2010/main" val="2009517311"/>
+        <p14:creationId xmlns:p14="http://schemas.microsoft.com/office/powerpoint/2010/main" val="3904224113"/>
       </p:ext>
     </p:extLst>
   </p:cSld>
@@ -22159,16 +23956,8 @@
           <a:lstStyle/>
           <a:p>
             <a:r>
-              <a:rPr lang="en-US" dirty="0" err="1" smtClean="0"/>
-              <a:t>Dod</a:t>
-            </a:r>
-            <a:r>
               <a:rPr lang="en-US" dirty="0" smtClean="0"/>
-              <a:t> and </a:t>
-            </a:r>
-            <a:r>
-              <a:rPr lang="en-US" dirty="0" err="1" smtClean="0"/>
-              <a:t>ecs</a:t>
+              <a:t>PHYSICS OF FLIGHT MODELING</a:t>
             </a:r>
             <a:endParaRPr lang="en-US" dirty="0"/>
           </a:p>
@@ -22182,15 +23971,15 @@
         </p:nvSpPr>
         <p:spPr>
           <a:xfrm>
-            <a:off x="1141413" y="2097088"/>
-            <a:ext cx="6096000" cy="3835922"/>
+            <a:off x="1141412" y="2097088"/>
+            <a:ext cx="9788858" cy="5036250"/>
           </a:xfrm>
           <a:prstGeom prst="rect">
             <a:avLst/>
           </a:prstGeom>
         </p:spPr>
         <p:txBody>
-          <a:bodyPr>
+          <a:bodyPr wrap="square">
             <a:spAutoFit/>
           </a:bodyPr>
           <a:lstStyle/>
@@ -22207,12 +23996,70 @@
               <a:buChar char="•"/>
             </a:pPr>
             <a:r>
-              <a:rPr lang="en-US" sz="2400" dirty="0">
+              <a:rPr lang="en-US" sz="2400" dirty="0" smtClean="0">
                 <a:solidFill>
                   <a:prstClr val="white"/>
                 </a:solidFill>
               </a:rPr>
-              <a:t>Structure data to optimize cache</a:t>
+              <a:t>Published textbooks describing the Flight Dynamics Models</a:t>
+            </a:r>
+          </a:p>
+          <a:p>
+            <a:pPr marL="685800" lvl="1" indent="-228600">
+              <a:lnSpc>
+                <a:spcPct val="120000"/>
+              </a:lnSpc>
+              <a:spcBef>
+                <a:spcPts val="1000"/>
+              </a:spcBef>
+              <a:buSzPct val="125000"/>
+              <a:buFont typeface="Arial" panose="020B0604020202020204" pitchFamily="34" charset="0"/>
+              <a:buChar char="•"/>
+            </a:pPr>
+            <a:r>
+              <a:rPr lang="en-US" sz="2000" i="1" dirty="0" smtClean="0">
+                <a:solidFill>
+                  <a:prstClr val="white"/>
+                </a:solidFill>
+              </a:rPr>
+              <a:t>Physics for Game Programmers </a:t>
+            </a:r>
+            <a:r>
+              <a:rPr lang="en-US" sz="2000" dirty="0" smtClean="0">
+                <a:solidFill>
+                  <a:prstClr val="white"/>
+                </a:solidFill>
+              </a:rPr>
+              <a:t>by Grant Palmer </a:t>
+            </a:r>
+          </a:p>
+          <a:p>
+            <a:pPr marL="685800" lvl="1" indent="-228600">
+              <a:lnSpc>
+                <a:spcPct val="120000"/>
+              </a:lnSpc>
+              <a:spcBef>
+                <a:spcPts val="1000"/>
+              </a:spcBef>
+              <a:buSzPct val="125000"/>
+              <a:buFont typeface="Arial" panose="020B0604020202020204" pitchFamily="34" charset="0"/>
+              <a:buChar char="•"/>
+            </a:pPr>
+            <a:r>
+              <a:rPr lang="en-US" sz="2000" i="1" dirty="0" smtClean="0">
+                <a:solidFill>
+                  <a:prstClr val="white"/>
+                </a:solidFill>
+              </a:rPr>
+              <a:t>Physics for Game Developers </a:t>
+            </a:r>
+            <a:r>
+              <a:rPr lang="en-US" sz="2000" dirty="0" smtClean="0">
+                <a:solidFill>
+                  <a:prstClr val="white"/>
+                </a:solidFill>
+              </a:rPr>
+              <a:t>by David Bourg</a:t>
             </a:r>
           </a:p>
           <a:p>
@@ -22228,36 +24075,16 @@
               <a:buChar char="•"/>
             </a:pPr>
             <a:r>
-              <a:rPr lang="en-US" sz="2400" dirty="0">
-                <a:solidFill>
-                  <a:prstClr val="white"/>
-                </a:solidFill>
-              </a:rPr>
-              <a:t>Composition over </a:t>
-            </a:r>
-            <a:r>
               <a:rPr lang="en-US" sz="2400" dirty="0" smtClean="0">
                 <a:solidFill>
                   <a:prstClr val="white"/>
                 </a:solidFill>
               </a:rPr>
-              <a:t>inheritance</a:t>
-            </a:r>
-            <a:br>
-              <a:rPr lang="en-US" sz="2400" dirty="0" smtClean="0">
-                <a:solidFill>
-                  <a:prstClr val="white"/>
-                </a:solidFill>
-              </a:rPr>
-            </a:br>
-            <a:endParaRPr lang="en-US" sz="2400" dirty="0">
-              <a:solidFill>
-                <a:prstClr val="white"/>
-              </a:solidFill>
-            </a:endParaRPr>
-          </a:p>
-          <a:p>
-            <a:pPr marL="228600" lvl="0" indent="-228600">
+              <a:t>Flight Dynamics Models (FDM)</a:t>
+            </a:r>
+          </a:p>
+          <a:p>
+            <a:pPr marL="685800" lvl="1" indent="-228600">
               <a:lnSpc>
                 <a:spcPct val="120000"/>
               </a:lnSpc>
@@ -22269,16 +24096,76 @@
               <a:buChar char="•"/>
             </a:pPr>
             <a:r>
-              <a:rPr lang="en-US" sz="2400" dirty="0">
+              <a:rPr lang="en-US" sz="2000" dirty="0" smtClean="0">
                 <a:solidFill>
                   <a:prstClr val="white"/>
                 </a:solidFill>
               </a:rPr>
-              <a:t>E: Entity – An identifier, index into dataset</a:t>
-            </a:r>
-          </a:p>
-          <a:p>
-            <a:pPr marL="228600" lvl="0" indent="-228600">
+              <a:t>Calculate external forces and equations of motion</a:t>
+            </a:r>
+          </a:p>
+          <a:p>
+            <a:pPr lvl="2"/>
+            <a:r>
+              <a:rPr lang="en-US" dirty="0" smtClean="0"/>
+              <a:t>1</a:t>
+            </a:r>
+            <a:r>
+              <a:rPr lang="en-US" dirty="0"/>
+              <a:t>. Calculate the body’s mass properties (mass, center of mass, and moment of inertia).</a:t>
+            </a:r>
+          </a:p>
+          <a:p>
+            <a:pPr lvl="2"/>
+            <a:r>
+              <a:rPr lang="en-US" dirty="0"/>
+              <a:t>2. Identify and quantify all forces and moments acting on the body.</a:t>
+            </a:r>
+          </a:p>
+          <a:p>
+            <a:pPr lvl="2"/>
+            <a:r>
+              <a:rPr lang="en-US" dirty="0"/>
+              <a:t>3. Take the vector sum of all forces and moments.</a:t>
+            </a:r>
+          </a:p>
+          <a:p>
+            <a:pPr lvl="2"/>
+            <a:r>
+              <a:rPr lang="en-US" dirty="0"/>
+              <a:t>4. Solve the equations of motion for linear and angular accelerations</a:t>
+            </a:r>
+            <a:r>
+              <a:rPr lang="en-US" dirty="0" smtClean="0"/>
+              <a:t>. (rate of change)</a:t>
+            </a:r>
+            <a:endParaRPr lang="en-US" dirty="0"/>
+          </a:p>
+          <a:p>
+            <a:pPr lvl="2"/>
+            <a:r>
+              <a:rPr lang="en-US" dirty="0"/>
+              <a:t>5. Integrate with respect to time to find linear and angular velocity</a:t>
+            </a:r>
+            <a:r>
+              <a:rPr lang="en-US" dirty="0" smtClean="0"/>
+              <a:t>. (how much)</a:t>
+            </a:r>
+            <a:endParaRPr lang="en-US" dirty="0"/>
+          </a:p>
+          <a:p>
+            <a:pPr lvl="2"/>
+            <a:r>
+              <a:rPr lang="en-US" dirty="0"/>
+              <a:t>6. Integrate again with respect to time to find linear and angular </a:t>
+            </a:r>
+            <a:r>
+              <a:rPr lang="en-US" dirty="0" smtClean="0"/>
+              <a:t>displacement. (amt. traveled)</a:t>
+            </a:r>
+          </a:p>
+          <a:p>
+            <a:pPr marL="685800" lvl="1" indent="-228600">
               <a:lnSpc>
                 <a:spcPct val="120000"/>
               </a:lnSpc>
@@ -22290,80 +24177,29 @@
               <a:buChar char="•"/>
             </a:pPr>
             <a:r>
-              <a:rPr lang="en-US" sz="2400" dirty="0">
+              <a:rPr lang="en-US" sz="2000" dirty="0" smtClean="0">
                 <a:solidFill>
                   <a:prstClr val="white"/>
                 </a:solidFill>
               </a:rPr>
-              <a:t>C: Component – State that composes the </a:t>
-            </a:r>
-            <a:r>
-              <a:rPr lang="en-US" sz="2400" dirty="0" smtClean="0">
-                <a:solidFill>
-                  <a:prstClr val="white"/>
-                </a:solidFill>
-              </a:rPr>
-              <a:t>Entity</a:t>
-            </a:r>
-            <a:endParaRPr lang="en-US" sz="2400" dirty="0">
+              <a:t>Update Position and Orientation frame by frame</a:t>
+            </a:r>
+            <a:endParaRPr lang="en-US" sz="2000" dirty="0">
               <a:solidFill>
                 <a:prstClr val="white"/>
               </a:solidFill>
             </a:endParaRPr>
           </a:p>
           <a:p>
-            <a:pPr marL="228600" lvl="0" indent="-228600">
-              <a:lnSpc>
-                <a:spcPct val="120000"/>
-              </a:lnSpc>
-              <a:spcBef>
-                <a:spcPts val="1000"/>
-              </a:spcBef>
-              <a:buSzPct val="125000"/>
-              <a:buFont typeface="Arial" panose="020B0604020202020204" pitchFamily="34" charset="0"/>
-              <a:buChar char="•"/>
-            </a:pPr>
-            <a:r>
-              <a:rPr lang="en-US" sz="2400" dirty="0">
-                <a:solidFill>
-                  <a:prstClr val="white"/>
-                </a:solidFill>
-              </a:rPr>
-              <a:t>S: System – Methods on operating on </a:t>
-            </a:r>
-            <a:r>
-              <a:rPr lang="en-US" sz="2400" dirty="0" smtClean="0">
-                <a:solidFill>
-                  <a:prstClr val="white"/>
-                </a:solidFill>
-              </a:rPr>
-              <a:t>state</a:t>
-            </a:r>
-          </a:p>
-          <a:p>
-            <a:pPr marL="228600" lvl="0" indent="-228600">
-              <a:lnSpc>
-                <a:spcPct val="120000"/>
-              </a:lnSpc>
-              <a:spcBef>
-                <a:spcPts val="1000"/>
-              </a:spcBef>
-              <a:buSzPct val="125000"/>
-              <a:buFont typeface="Arial" panose="020B0604020202020204" pitchFamily="34" charset="0"/>
-              <a:buChar char="•"/>
-            </a:pPr>
-            <a:endParaRPr lang="en-US" sz="2400" dirty="0">
-              <a:solidFill>
-                <a:prstClr val="white"/>
-              </a:solidFill>
-            </a:endParaRPr>
+            <a:pPr lvl="2"/>
+            <a:endParaRPr lang="en-US" dirty="0" smtClean="0"/>
           </a:p>
         </p:txBody>
       </p:sp>
     </p:spTree>
     <p:extLst>
       <p:ext uri="{BB962C8B-B14F-4D97-AF65-F5344CB8AC3E}">
-        <p14:creationId xmlns:p14="http://schemas.microsoft.com/office/powerpoint/2010/main" val="3826623826"/>
+        <p14:creationId xmlns:p14="http://schemas.microsoft.com/office/powerpoint/2010/main" val="2009517311"/>
       </p:ext>
     </p:extLst>
   </p:cSld>
@@ -22413,8 +24249,16 @@
           <a:lstStyle/>
           <a:p>
             <a:r>
+              <a:rPr lang="en-US" dirty="0" err="1" smtClean="0"/>
+              <a:t>Dod</a:t>
+            </a:r>
+            <a:r>
               <a:rPr lang="en-US" dirty="0" smtClean="0"/>
-              <a:t>Rust</a:t>
+              <a:t> and </a:t>
+            </a:r>
+            <a:r>
+              <a:rPr lang="en-US" dirty="0" err="1" smtClean="0"/>
+              <a:t>ecs</a:t>
             </a:r>
             <a:endParaRPr lang="en-US" dirty="0"/>
           </a:p>
@@ -22429,7 +24273,7 @@
         <p:spPr>
           <a:xfrm>
             <a:off x="1141413" y="2097088"/>
-            <a:ext cx="6096000" cy="3594830"/>
+            <a:ext cx="6096000" cy="4978799"/>
           </a:xfrm>
           <a:prstGeom prst="rect">
             <a:avLst/>
@@ -22453,12 +24297,12 @@
               <a:buChar char="•"/>
             </a:pPr>
             <a:r>
-              <a:rPr lang="en-US" sz="2400" dirty="0" smtClean="0">
+              <a:rPr lang="en-US" sz="2400" dirty="0">
                 <a:solidFill>
                   <a:prstClr val="white"/>
                 </a:solidFill>
               </a:rPr>
-              <a:t>Performance and memory-safety</a:t>
+              <a:t>Structure data to optimize cache</a:t>
             </a:r>
           </a:p>
           <a:p>
@@ -22474,16 +24318,36 @@
               <a:buChar char="•"/>
             </a:pPr>
             <a:r>
+              <a:rPr lang="en-US" sz="2400" dirty="0">
+                <a:solidFill>
+                  <a:prstClr val="white"/>
+                </a:solidFill>
+              </a:rPr>
+              <a:t>Composition over </a:t>
+            </a:r>
+            <a:r>
               <a:rPr lang="en-US" sz="2400" dirty="0" smtClean="0">
                 <a:solidFill>
                   <a:prstClr val="white"/>
                 </a:solidFill>
               </a:rPr>
-              <a:t>Crates</a:t>
-            </a:r>
-          </a:p>
-          <a:p>
-            <a:pPr marL="685800" lvl="1" indent="-228600">
+              <a:t>inheritance</a:t>
+            </a:r>
+            <a:br>
+              <a:rPr lang="en-US" sz="2400" dirty="0" smtClean="0">
+                <a:solidFill>
+                  <a:prstClr val="white"/>
+                </a:solidFill>
+              </a:rPr>
+            </a:br>
+            <a:endParaRPr lang="en-US" sz="2400" dirty="0">
+              <a:solidFill>
+                <a:prstClr val="white"/>
+              </a:solidFill>
+            </a:endParaRPr>
+          </a:p>
+          <a:p>
+            <a:pPr marL="228600" lvl="0" indent="-228600">
               <a:lnSpc>
                 <a:spcPct val="120000"/>
               </a:lnSpc>
@@ -22495,16 +24359,16 @@
               <a:buChar char="•"/>
             </a:pPr>
             <a:r>
-              <a:rPr lang="en-US" sz="2000" dirty="0" smtClean="0">
+              <a:rPr lang="en-US" sz="2400" dirty="0">
                 <a:solidFill>
                   <a:prstClr val="white"/>
                 </a:solidFill>
               </a:rPr>
-              <a:t>Specs Parallel ECS (SPECS)</a:t>
-            </a:r>
-          </a:p>
-          <a:p>
-            <a:pPr marL="685800" lvl="1" indent="-228600">
+              <a:t>E: Entity – An identifier, index into dataset</a:t>
+            </a:r>
+          </a:p>
+          <a:p>
+            <a:pPr marL="228600" lvl="0" indent="-228600">
               <a:lnSpc>
                 <a:spcPct val="120000"/>
               </a:lnSpc>
@@ -22516,16 +24380,45 @@
               <a:buChar char="•"/>
             </a:pPr>
             <a:r>
-              <a:rPr lang="en-US" sz="2000" dirty="0" smtClean="0">
+              <a:rPr lang="en-US" sz="2400" dirty="0">
                 <a:solidFill>
                   <a:prstClr val="white"/>
                 </a:solidFill>
               </a:rPr>
-              <a:t>Device Query</a:t>
-            </a:r>
-          </a:p>
-          <a:p>
-            <a:pPr marL="685800" lvl="1" indent="-228600">
+              <a:t>C: Component – </a:t>
+            </a:r>
+            <a:r>
+              <a:rPr lang="en-US" sz="2400" dirty="0" smtClean="0">
+                <a:solidFill>
+                  <a:prstClr val="white"/>
+                </a:solidFill>
+              </a:rPr>
+              <a:t>Data </a:t>
+            </a:r>
+            <a:r>
+              <a:rPr lang="en-US" sz="2400" dirty="0">
+                <a:solidFill>
+                  <a:prstClr val="white"/>
+                </a:solidFill>
+              </a:rPr>
+              <a:t>that composes the </a:t>
+            </a:r>
+            <a:r>
+              <a:rPr lang="en-US" sz="2400" dirty="0" smtClean="0">
+                <a:solidFill>
+                  <a:prstClr val="white"/>
+                </a:solidFill>
+              </a:rPr>
+              <a:t>Entity</a:t>
+            </a:r>
+            <a:endParaRPr lang="en-US" sz="2400" dirty="0">
+              <a:solidFill>
+                <a:prstClr val="white"/>
+              </a:solidFill>
+            </a:endParaRPr>
+          </a:p>
+          <a:p>
+            <a:pPr marL="228600" lvl="0" indent="-228600">
               <a:lnSpc>
                 <a:spcPct val="120000"/>
               </a:lnSpc>
@@ -22537,37 +24430,24 @@
               <a:buChar char="•"/>
             </a:pPr>
             <a:r>
-              <a:rPr lang="en-US" sz="2000" dirty="0" err="1" smtClean="0">
+              <a:rPr lang="en-US" sz="2400" dirty="0">
                 <a:solidFill>
                   <a:prstClr val="white"/>
                 </a:solidFill>
               </a:rPr>
-              <a:t>Bincode</a:t>
-            </a:r>
-            <a:r>
-              <a:rPr lang="en-US" sz="2000" dirty="0" smtClean="0">
+              <a:t>S: System – Methods on operating on </a:t>
+            </a:r>
+            <a:r>
+              <a:rPr lang="en-US" sz="2400" dirty="0" smtClean="0">
                 <a:solidFill>
                   <a:prstClr val="white"/>
                 </a:solidFill>
               </a:rPr>
-              <a:t> &amp; </a:t>
-            </a:r>
-            <a:r>
-              <a:rPr lang="en-US" sz="2000" dirty="0" err="1" smtClean="0">
-                <a:solidFill>
-                  <a:prstClr val="white"/>
-                </a:solidFill>
-              </a:rPr>
-              <a:t>Serde</a:t>
-            </a:r>
-            <a:endParaRPr lang="en-US" sz="2000" dirty="0" smtClean="0">
-              <a:solidFill>
-                <a:prstClr val="white"/>
-              </a:solidFill>
-            </a:endParaRPr>
-          </a:p>
-          <a:p>
-            <a:pPr marL="685800" lvl="1" indent="-228600">
+              <a:t>data</a:t>
+            </a:r>
+          </a:p>
+          <a:p>
+            <a:pPr marL="228600" lvl="0" indent="-228600">
               <a:lnSpc>
                 <a:spcPct val="120000"/>
               </a:lnSpc>
@@ -22578,25 +24458,14 @@
               <a:buFont typeface="Arial" panose="020B0604020202020204" pitchFamily="34" charset="0"/>
               <a:buChar char="•"/>
             </a:pPr>
-            <a:r>
-              <a:rPr lang="en-US" sz="2000" dirty="0" err="1" smtClean="0">
-                <a:solidFill>
-                  <a:prstClr val="white"/>
-                </a:solidFill>
-              </a:rPr>
-              <a:t>Coord</a:t>
-            </a:r>
-            <a:r>
-              <a:rPr lang="en-US" sz="2000" dirty="0" smtClean="0">
-                <a:solidFill>
-                  <a:prstClr val="white"/>
-                </a:solidFill>
-              </a:rPr>
-              <a:t> Transform</a:t>
-            </a:r>
-          </a:p>
-          <a:p>
-            <a:pPr marL="685800" lvl="1" indent="-228600">
+            <a:endParaRPr lang="en-US" sz="2400" dirty="0" smtClean="0">
+              <a:solidFill>
+                <a:prstClr val="white"/>
+              </a:solidFill>
+            </a:endParaRPr>
+          </a:p>
+          <a:p>
+            <a:pPr marL="228600" lvl="0" indent="-228600">
               <a:lnSpc>
                 <a:spcPct val="120000"/>
               </a:lnSpc>
@@ -22608,22 +24477,27 @@
               <a:buChar char="•"/>
             </a:pPr>
             <a:r>
-              <a:rPr lang="en-US" sz="2000" dirty="0" smtClean="0">
+              <a:rPr lang="en-US" sz="2400" dirty="0" smtClean="0">
                 <a:solidFill>
                   <a:prstClr val="white"/>
                 </a:solidFill>
               </a:rPr>
-              <a:t>Float </a:t>
-            </a:r>
-            <a:r>
-              <a:rPr lang="en-US" sz="2000" dirty="0" err="1" smtClean="0">
-                <a:solidFill>
-                  <a:prstClr val="white"/>
-                </a:solidFill>
-              </a:rPr>
-              <a:t>Cmp</a:t>
-            </a:r>
-            <a:endParaRPr lang="en-US" sz="2000" dirty="0">
+              <a:t>Decoupling code </a:t>
+            </a:r>
+          </a:p>
+          <a:p>
+            <a:pPr marL="228600" lvl="0" indent="-228600">
+              <a:lnSpc>
+                <a:spcPct val="120000"/>
+              </a:lnSpc>
+              <a:spcBef>
+                <a:spcPts val="1000"/>
+              </a:spcBef>
+              <a:buSzPct val="125000"/>
+              <a:buFont typeface="Arial" panose="020B0604020202020204" pitchFamily="34" charset="0"/>
+              <a:buChar char="•"/>
+            </a:pPr>
+            <a:endParaRPr lang="en-US" sz="2400" dirty="0">
               <a:solidFill>
                 <a:prstClr val="white"/>
               </a:solidFill>
@@ -22631,10 +24505,38 @@
           </a:p>
         </p:txBody>
       </p:sp>
+      <p:pic>
+        <p:nvPicPr>
+          <p:cNvPr id="5" name="Picture 4"/>
+          <p:cNvPicPr/>
+          <p:nvPr/>
+        </p:nvPicPr>
+        <p:blipFill>
+          <a:blip r:embed="rId3" cstate="print">
+            <a:extLst>
+              <a:ext uri="{28A0092B-C50C-407E-A947-70E740481C1C}">
+                <a14:useLocalDpi xmlns:a14="http://schemas.microsoft.com/office/drawing/2010/main" val="0"/>
+              </a:ext>
+            </a:extLst>
+          </a:blip>
+          <a:stretch>
+            <a:fillRect/>
+          </a:stretch>
+        </p:blipFill>
+        <p:spPr>
+          <a:xfrm>
+            <a:off x="7478431" y="2014280"/>
+            <a:ext cx="4440666" cy="3493386"/>
+          </a:xfrm>
+          <a:prstGeom prst="rect">
+            <a:avLst/>
+          </a:prstGeom>
+        </p:spPr>
+      </p:pic>
     </p:spTree>
     <p:extLst>
       <p:ext uri="{BB962C8B-B14F-4D97-AF65-F5344CB8AC3E}">
-        <p14:creationId xmlns:p14="http://schemas.microsoft.com/office/powerpoint/2010/main" val="2502579427"/>
+        <p14:creationId xmlns:p14="http://schemas.microsoft.com/office/powerpoint/2010/main" val="3826623826"/>
       </p:ext>
     </p:extLst>
   </p:cSld>
@@ -22685,7 +24587,7 @@
           <a:p>
             <a:r>
               <a:rPr lang="en-US" dirty="0" smtClean="0"/>
-              <a:t>Rust</a:t>
+              <a:t>Flightgear flight simulator</a:t>
             </a:r>
             <a:endParaRPr lang="en-US" dirty="0"/>
           </a:p>
@@ -22699,15 +24601,15 @@
         </p:nvSpPr>
         <p:spPr>
           <a:xfrm>
-            <a:off x="1141413" y="2097088"/>
-            <a:ext cx="6096000" cy="503728"/>
+            <a:off x="1141412" y="2097088"/>
+            <a:ext cx="8210405" cy="4885440"/>
           </a:xfrm>
           <a:prstGeom prst="rect">
             <a:avLst/>
           </a:prstGeom>
         </p:spPr>
         <p:txBody>
-          <a:bodyPr>
+          <a:bodyPr wrap="square">
             <a:spAutoFit/>
           </a:bodyPr>
           <a:lstStyle/>
@@ -22729,61 +24631,219 @@
                   <a:prstClr val="white"/>
                 </a:solidFill>
               </a:rPr>
-              <a:t>Organization</a:t>
-            </a:r>
-          </a:p>
-        </p:txBody>
-      </p:sp>
-      <p:pic>
-        <p:nvPicPr>
-          <p:cNvPr id="3" name="Picture 2"/>
-          <p:cNvPicPr>
-            <a:picLocks noChangeAspect="1"/>
-          </p:cNvPicPr>
-          <p:nvPr/>
-        </p:nvPicPr>
-        <p:blipFill>
-          <a:blip r:embed="rId3">
-            <a:extLst>
-              <a:ext uri="{28A0092B-C50C-407E-A947-70E740481C1C}">
-                <a14:useLocalDpi xmlns:a14="http://schemas.microsoft.com/office/drawing/2010/main" val="0"/>
-              </a:ext>
-            </a:extLst>
-          </a:blip>
-          <a:stretch>
-            <a:fillRect/>
-          </a:stretch>
-        </p:blipFill>
-        <p:spPr>
-          <a:xfrm>
-            <a:off x="1779366" y="3001740"/>
-            <a:ext cx="2016457" cy="2341254"/>
-          </a:xfrm>
-          <a:prstGeom prst="rect">
-            <a:avLst/>
-          </a:prstGeom>
-        </p:spPr>
-      </p:pic>
-      <p:sp>
-        <p:nvSpPr>
-          <p:cNvPr id="6" name="Rectangle 5"/>
-          <p:cNvSpPr/>
-          <p:nvPr/>
-        </p:nvSpPr>
-        <p:spPr>
-          <a:xfrm>
-            <a:off x="4189413" y="3001740"/>
-            <a:ext cx="7687154" cy="4020588"/>
-          </a:xfrm>
-          <a:prstGeom prst="rect">
-            <a:avLst/>
-          </a:prstGeom>
-        </p:spPr>
-        <p:txBody>
-          <a:bodyPr wrap="square">
-            <a:spAutoFit/>
-          </a:bodyPr>
-          <a:lstStyle/>
+              <a:t>Used for visualization</a:t>
+            </a:r>
+          </a:p>
+          <a:p>
+            <a:pPr marL="228600" lvl="0" indent="-228600">
+              <a:lnSpc>
+                <a:spcPct val="120000"/>
+              </a:lnSpc>
+              <a:spcBef>
+                <a:spcPts val="1000"/>
+              </a:spcBef>
+              <a:buSzPct val="125000"/>
+              <a:buFont typeface="Arial" panose="020B0604020202020204" pitchFamily="34" charset="0"/>
+              <a:buChar char="•"/>
+            </a:pPr>
+            <a:r>
+              <a:rPr lang="en-US" sz="2400" dirty="0" smtClean="0">
+                <a:solidFill>
+                  <a:prstClr val="white"/>
+                </a:solidFill>
+              </a:rPr>
+              <a:t>Free and configurable</a:t>
+            </a:r>
+          </a:p>
+          <a:p>
+            <a:pPr marL="685800" lvl="1" indent="-228600">
+              <a:lnSpc>
+                <a:spcPct val="120000"/>
+              </a:lnSpc>
+              <a:spcBef>
+                <a:spcPts val="1000"/>
+              </a:spcBef>
+              <a:buSzPct val="125000"/>
+              <a:buFont typeface="Arial" panose="020B0604020202020204" pitchFamily="34" charset="0"/>
+              <a:buChar char="•"/>
+            </a:pPr>
+            <a:r>
+              <a:rPr lang="en-US" sz="2000" dirty="0" smtClean="0">
+                <a:solidFill>
+                  <a:prstClr val="white"/>
+                </a:solidFill>
+              </a:rPr>
+              <a:t>Configure it to use an external FDM</a:t>
+            </a:r>
+          </a:p>
+          <a:p>
+            <a:pPr marL="228600" lvl="0" indent="-228600">
+              <a:lnSpc>
+                <a:spcPct val="120000"/>
+              </a:lnSpc>
+              <a:spcBef>
+                <a:spcPts val="1000"/>
+              </a:spcBef>
+              <a:buSzPct val="125000"/>
+              <a:buFont typeface="Arial" panose="020B0604020202020204" pitchFamily="34" charset="0"/>
+              <a:buChar char="•"/>
+            </a:pPr>
+            <a:r>
+              <a:rPr lang="en-US" sz="2400" dirty="0" smtClean="0">
+                <a:solidFill>
+                  <a:prstClr val="white"/>
+                </a:solidFill>
+              </a:rPr>
+              <a:t>Send position and orientation data to </a:t>
+            </a:r>
+            <a:r>
+              <a:rPr lang="en-US" sz="2400" dirty="0" err="1" smtClean="0">
+                <a:solidFill>
+                  <a:prstClr val="white"/>
+                </a:solidFill>
+              </a:rPr>
+              <a:t>FlightGear</a:t>
+            </a:r>
+            <a:endParaRPr lang="en-US" sz="2400" dirty="0" smtClean="0">
+              <a:solidFill>
+                <a:prstClr val="white"/>
+              </a:solidFill>
+            </a:endParaRPr>
+          </a:p>
+          <a:p>
+            <a:pPr marL="685800" lvl="1" indent="-228600">
+              <a:lnSpc>
+                <a:spcPct val="120000"/>
+              </a:lnSpc>
+              <a:spcBef>
+                <a:spcPts val="1000"/>
+              </a:spcBef>
+              <a:buSzPct val="125000"/>
+              <a:buFont typeface="Arial" panose="020B0604020202020204" pitchFamily="34" charset="0"/>
+              <a:buChar char="•"/>
+            </a:pPr>
+            <a:r>
+              <a:rPr lang="en-US" sz="2000" dirty="0" smtClean="0">
+                <a:solidFill>
+                  <a:prstClr val="white"/>
+                </a:solidFill>
+              </a:rPr>
+              <a:t>Interface via User </a:t>
+            </a:r>
+            <a:r>
+              <a:rPr lang="en-US" sz="2000" dirty="0">
+                <a:solidFill>
+                  <a:prstClr val="white"/>
+                </a:solidFill>
+              </a:rPr>
+              <a:t>Datagram Protocol (UDP) </a:t>
+            </a:r>
+            <a:r>
+              <a:rPr lang="en-US" sz="2000" dirty="0" smtClean="0">
+                <a:solidFill>
+                  <a:prstClr val="white"/>
+                </a:solidFill>
+              </a:rPr>
+              <a:t>packet</a:t>
+            </a:r>
+          </a:p>
+          <a:p>
+            <a:pPr marL="685800" lvl="1" indent="-228600">
+              <a:lnSpc>
+                <a:spcPct val="120000"/>
+              </a:lnSpc>
+              <a:spcBef>
+                <a:spcPts val="1000"/>
+              </a:spcBef>
+              <a:buSzPct val="125000"/>
+              <a:buFont typeface="Arial" panose="020B0604020202020204" pitchFamily="34" charset="0"/>
+              <a:buChar char="•"/>
+            </a:pPr>
+            <a:r>
+              <a:rPr lang="en-US" sz="2000" dirty="0" smtClean="0">
+                <a:solidFill>
+                  <a:prstClr val="white"/>
+                </a:solidFill>
+              </a:rPr>
+              <a:t>Packet format defined by </a:t>
+            </a:r>
+            <a:r>
+              <a:rPr lang="en-US" sz="2000" dirty="0" err="1" smtClean="0">
+                <a:solidFill>
+                  <a:prstClr val="white"/>
+                </a:solidFill>
+              </a:rPr>
+              <a:t>FlightGear</a:t>
+            </a:r>
+            <a:endParaRPr lang="en-US" sz="2000" dirty="0" smtClean="0">
+              <a:solidFill>
+                <a:prstClr val="white"/>
+              </a:solidFill>
+            </a:endParaRPr>
+          </a:p>
+          <a:p>
+            <a:pPr marL="685800" lvl="1" indent="-228600">
+              <a:lnSpc>
+                <a:spcPct val="120000"/>
+              </a:lnSpc>
+              <a:spcBef>
+                <a:spcPts val="1000"/>
+              </a:spcBef>
+              <a:buSzPct val="125000"/>
+              <a:buFont typeface="Arial" panose="020B0604020202020204" pitchFamily="34" charset="0"/>
+              <a:buChar char="•"/>
+            </a:pPr>
+            <a:r>
+              <a:rPr lang="en-US" sz="2000" dirty="0" err="1" smtClean="0">
+                <a:solidFill>
+                  <a:prstClr val="white"/>
+                </a:solidFill>
+              </a:rPr>
+              <a:t>FlightGear</a:t>
+            </a:r>
+            <a:r>
+              <a:rPr lang="en-US" sz="2000" dirty="0" smtClean="0">
+                <a:solidFill>
+                  <a:prstClr val="white"/>
+                </a:solidFill>
+              </a:rPr>
+              <a:t> gives us an example of how to send UDP packets</a:t>
+            </a:r>
+          </a:p>
+          <a:p>
+            <a:pPr marL="228600" lvl="0" indent="-228600">
+              <a:lnSpc>
+                <a:spcPct val="120000"/>
+              </a:lnSpc>
+              <a:spcBef>
+                <a:spcPts val="1000"/>
+              </a:spcBef>
+              <a:buSzPct val="125000"/>
+              <a:buFont typeface="Arial" panose="020B0604020202020204" pitchFamily="34" charset="0"/>
+              <a:buChar char="•"/>
+            </a:pPr>
+            <a:r>
+              <a:rPr lang="en-US" sz="2400" dirty="0">
+                <a:solidFill>
+                  <a:prstClr val="white"/>
+                </a:solidFill>
+              </a:rPr>
+              <a:t>Uses latitude, longitude, and </a:t>
+            </a:r>
+            <a:r>
+              <a:rPr lang="en-US" sz="2400" dirty="0" smtClean="0">
+                <a:solidFill>
+                  <a:prstClr val="white"/>
+                </a:solidFill>
+              </a:rPr>
+              <a:t>altitude for position</a:t>
+            </a:r>
+            <a:endParaRPr lang="en-US" sz="2400" dirty="0">
+              <a:solidFill>
+                <a:prstClr val="white"/>
+              </a:solidFill>
+            </a:endParaRPr>
+          </a:p>
           <a:p>
             <a:pPr marL="228600" indent="-228600">
               <a:lnSpc>
@@ -22796,148 +24856,7 @@
               <a:buFont typeface="Arial" panose="020B0604020202020204" pitchFamily="34" charset="0"/>
               <a:buChar char="•"/>
             </a:pPr>
-            <a:r>
-              <a:rPr lang="en-US" sz="2200" dirty="0" smtClean="0">
-                <a:latin typeface="Courier New" panose="02070309020205020404" pitchFamily="49" charset="0"/>
-                <a:cs typeface="Courier New" panose="02070309020205020404" pitchFamily="49" charset="0"/>
-              </a:rPr>
-              <a:t>cargo.exe</a:t>
-            </a:r>
-            <a:r>
-              <a:rPr lang="en-US" sz="2200" dirty="0">
-                <a:latin typeface="Courier New" panose="02070309020205020404" pitchFamily="49" charset="0"/>
-                <a:cs typeface="Courier New" panose="02070309020205020404" pitchFamily="49" charset="0"/>
-              </a:rPr>
-              <a:t> run --example </a:t>
-            </a:r>
-            <a:r>
-              <a:rPr lang="en-US" sz="2200" dirty="0" smtClean="0">
-                <a:latin typeface="Courier New" panose="02070309020205020404" pitchFamily="49" charset="0"/>
-                <a:cs typeface="Courier New" panose="02070309020205020404" pitchFamily="49" charset="0"/>
-              </a:rPr>
-              <a:t>bourg</a:t>
-            </a:r>
-          </a:p>
-          <a:p>
-            <a:pPr marL="228600" indent="-228600">
-              <a:lnSpc>
-                <a:spcPct val="120000"/>
-              </a:lnSpc>
-              <a:spcBef>
-                <a:spcPts val="1000"/>
-              </a:spcBef>
-              <a:buSzPct val="125000"/>
-              <a:buFont typeface="Arial" panose="020B0604020202020204" pitchFamily="34" charset="0"/>
-              <a:buChar char="•"/>
-            </a:pPr>
-            <a:endParaRPr lang="en-US" sz="2200" dirty="0">
-              <a:latin typeface="Courier New" panose="02070309020205020404" pitchFamily="49" charset="0"/>
-              <a:cs typeface="Courier New" panose="02070309020205020404" pitchFamily="49" charset="0"/>
-            </a:endParaRPr>
-          </a:p>
-          <a:p>
-            <a:pPr marL="228600" indent="-228600">
-              <a:lnSpc>
-                <a:spcPct val="120000"/>
-              </a:lnSpc>
-              <a:spcBef>
-                <a:spcPts val="1000"/>
-              </a:spcBef>
-              <a:buSzPct val="125000"/>
-              <a:buFont typeface="Arial" panose="020B0604020202020204" pitchFamily="34" charset="0"/>
-              <a:buChar char="•"/>
-            </a:pPr>
-            <a:r>
-              <a:rPr lang="en-US" sz="2200" dirty="0">
-                <a:latin typeface="Courier New" panose="02070309020205020404" pitchFamily="49" charset="0"/>
-                <a:cs typeface="Courier New" panose="02070309020205020404" pitchFamily="49" charset="0"/>
-              </a:rPr>
-              <a:t>cargo test --test bourg_integration</a:t>
-            </a:r>
-          </a:p>
-          <a:p>
-            <a:pPr marL="228600" indent="-228600">
-              <a:lnSpc>
-                <a:spcPct val="120000"/>
-              </a:lnSpc>
-              <a:spcBef>
-                <a:spcPts val="1000"/>
-              </a:spcBef>
-              <a:buSzPct val="125000"/>
-              <a:buFont typeface="Arial" panose="020B0604020202020204" pitchFamily="34" charset="0"/>
-              <a:buChar char="•"/>
-            </a:pPr>
-            <a:r>
-              <a:rPr lang="en-US" sz="2200" dirty="0">
-                <a:latin typeface="Courier New" panose="02070309020205020404" pitchFamily="49" charset="0"/>
-                <a:cs typeface="Courier New" panose="02070309020205020404" pitchFamily="49" charset="0"/>
-              </a:rPr>
-              <a:t>cargo test --lib vector</a:t>
-            </a:r>
-          </a:p>
-          <a:p>
-            <a:pPr marL="228600" indent="-228600">
-              <a:lnSpc>
-                <a:spcPct val="120000"/>
-              </a:lnSpc>
-              <a:spcBef>
-                <a:spcPts val="1000"/>
-              </a:spcBef>
-              <a:buSzPct val="125000"/>
-              <a:buFont typeface="Arial" panose="020B0604020202020204" pitchFamily="34" charset="0"/>
-              <a:buChar char="•"/>
-            </a:pPr>
-            <a:r>
-              <a:rPr lang="en-US" sz="2200" dirty="0">
-                <a:latin typeface="Courier New" panose="02070309020205020404" pitchFamily="49" charset="0"/>
-                <a:cs typeface="Courier New" panose="02070309020205020404" pitchFamily="49" charset="0"/>
-              </a:rPr>
-              <a:t>cargo </a:t>
-            </a:r>
-            <a:r>
-              <a:rPr lang="en-US" sz="2200" dirty="0" smtClean="0">
-                <a:latin typeface="Courier New" panose="02070309020205020404" pitchFamily="49" charset="0"/>
-                <a:cs typeface="Courier New" panose="02070309020205020404" pitchFamily="49" charset="0"/>
-              </a:rPr>
-              <a:t>test</a:t>
-            </a:r>
-            <a:br>
-              <a:rPr lang="en-US" sz="2200" dirty="0" smtClean="0">
-                <a:latin typeface="Courier New" panose="02070309020205020404" pitchFamily="49" charset="0"/>
-                <a:cs typeface="Courier New" panose="02070309020205020404" pitchFamily="49" charset="0"/>
-              </a:rPr>
-            </a:br>
-            <a:r>
-              <a:rPr lang="en-US" sz="2200" dirty="0" smtClean="0">
-                <a:latin typeface="Courier New" panose="02070309020205020404" pitchFamily="49" charset="0"/>
-                <a:cs typeface="Courier New" panose="02070309020205020404" pitchFamily="49" charset="0"/>
-              </a:rPr>
-              <a:t/>
-            </a:r>
-            <a:br>
-              <a:rPr lang="en-US" sz="2200" dirty="0" smtClean="0">
-                <a:latin typeface="Courier New" panose="02070309020205020404" pitchFamily="49" charset="0"/>
-                <a:cs typeface="Courier New" panose="02070309020205020404" pitchFamily="49" charset="0"/>
-              </a:rPr>
-            </a:br>
-            <a:endParaRPr lang="en-US" sz="2200" dirty="0">
-              <a:latin typeface="Courier New" panose="02070309020205020404" pitchFamily="49" charset="0"/>
-              <a:cs typeface="Courier New" panose="02070309020205020404" pitchFamily="49" charset="0"/>
-            </a:endParaRPr>
-          </a:p>
-          <a:p>
-            <a:pPr marL="228600" lvl="0" indent="-228600">
-              <a:lnSpc>
-                <a:spcPct val="120000"/>
-              </a:lnSpc>
-              <a:spcBef>
-                <a:spcPts val="1000"/>
-              </a:spcBef>
-              <a:buSzPct val="125000"/>
-              <a:buFont typeface="Arial" panose="020B0604020202020204" pitchFamily="34" charset="0"/>
-              <a:buChar char="•"/>
-            </a:pPr>
-            <a:endParaRPr lang="en-US" sz="2400" dirty="0" smtClean="0">
+            <a:endParaRPr lang="en-US" sz="2400" dirty="0">
               <a:solidFill>
                 <a:prstClr val="white"/>
               </a:solidFill>
@@ -22948,7 +24867,7 @@
     </p:spTree>
     <p:extLst>
       <p:ext uri="{BB962C8B-B14F-4D97-AF65-F5344CB8AC3E}">
-        <p14:creationId xmlns:p14="http://schemas.microsoft.com/office/powerpoint/2010/main" val="4071188091"/>
+        <p14:creationId xmlns:p14="http://schemas.microsoft.com/office/powerpoint/2010/main" val="2038686296"/>
       </p:ext>
     </p:extLst>
   </p:cSld>
@@ -22992,7 +24911,12 @@
             <p:ph type="title"/>
           </p:nvPr>
         </p:nvSpPr>
-        <p:spPr/>
+        <p:spPr>
+          <a:xfrm>
+            <a:off x="1170910" y="205564"/>
+            <a:ext cx="9905998" cy="738334"/>
+          </a:xfrm>
+        </p:spPr>
         <p:txBody>
           <a:bodyPr/>
           <a:lstStyle/>
@@ -23005,84 +24929,40 @@
           </a:p>
         </p:txBody>
       </p:sp>
-      <p:sp>
-        <p:nvSpPr>
-          <p:cNvPr id="4" name="Rectangle 3"/>
-          <p:cNvSpPr/>
+      <p:pic>
+        <p:nvPicPr>
+          <p:cNvPr id="3" name="Picture 2"/>
+          <p:cNvPicPr>
+            <a:picLocks noChangeAspect="1"/>
+          </p:cNvPicPr>
           <p:nvPr/>
-        </p:nvSpPr>
+        </p:nvPicPr>
+        <p:blipFill>
+          <a:blip r:embed="rId3">
+            <a:extLst>
+              <a:ext uri="{28A0092B-C50C-407E-A947-70E740481C1C}">
+                <a14:useLocalDpi xmlns:a14="http://schemas.microsoft.com/office/drawing/2010/main" val="0"/>
+              </a:ext>
+            </a:extLst>
+          </a:blip>
+          <a:stretch>
+            <a:fillRect/>
+          </a:stretch>
+        </p:blipFill>
         <p:spPr>
           <a:xfrm>
-            <a:off x="1141413" y="2097088"/>
-            <a:ext cx="6096000" cy="1106970"/>
+            <a:off x="2467524" y="1021091"/>
+            <a:ext cx="6833791" cy="5422901"/>
           </a:xfrm>
           <a:prstGeom prst="rect">
             <a:avLst/>
           </a:prstGeom>
         </p:spPr>
-        <p:txBody>
-          <a:bodyPr>
-            <a:spAutoFit/>
-          </a:bodyPr>
-          <a:lstStyle/>
-          <a:p>
-            <a:pPr marL="228600" lvl="0" indent="-228600">
-              <a:lnSpc>
-                <a:spcPct val="120000"/>
-              </a:lnSpc>
-              <a:spcBef>
-                <a:spcPts val="1000"/>
-              </a:spcBef>
-              <a:buSzPct val="125000"/>
-              <a:buFont typeface="Arial" panose="020B0604020202020204" pitchFamily="34" charset="0"/>
-              <a:buChar char="•"/>
-            </a:pPr>
-            <a:r>
-              <a:rPr lang="en-US" sz="2400" dirty="0" smtClean="0">
-                <a:solidFill>
-                  <a:prstClr val="white"/>
-                </a:solidFill>
-              </a:rPr>
-              <a:t>Used as a visualization system</a:t>
-            </a:r>
-            <a:endParaRPr lang="en-US" sz="2400" dirty="0">
-              <a:solidFill>
-                <a:prstClr val="white"/>
-              </a:solidFill>
-            </a:endParaRPr>
-          </a:p>
-          <a:p>
-            <a:pPr marL="228600" lvl="0" indent="-228600">
-              <a:lnSpc>
-                <a:spcPct val="120000"/>
-              </a:lnSpc>
-              <a:spcBef>
-                <a:spcPts val="1000"/>
-              </a:spcBef>
-              <a:buSzPct val="125000"/>
-              <a:buFont typeface="Arial" panose="020B0604020202020204" pitchFamily="34" charset="0"/>
-              <a:buChar char="•"/>
-            </a:pPr>
-            <a:r>
-              <a:rPr lang="en-US" sz="2400" dirty="0" smtClean="0">
-                <a:solidFill>
-                  <a:prstClr val="white"/>
-                </a:solidFill>
-              </a:rPr>
-              <a:t>User Datagram Packet to interface</a:t>
-            </a:r>
-            <a:endParaRPr lang="en-US" sz="2400" dirty="0">
-              <a:solidFill>
-                <a:prstClr val="white"/>
-              </a:solidFill>
-            </a:endParaRPr>
-          </a:p>
-        </p:txBody>
-      </p:sp>
+      </p:pic>
     </p:spTree>
     <p:extLst>
       <p:ext uri="{BB962C8B-B14F-4D97-AF65-F5344CB8AC3E}">
-        <p14:creationId xmlns:p14="http://schemas.microsoft.com/office/powerpoint/2010/main" val="2038686296"/>
+        <p14:creationId xmlns:p14="http://schemas.microsoft.com/office/powerpoint/2010/main" val="3800764724"/>
       </p:ext>
     </p:extLst>
   </p:cSld>
@@ -23609,4 +25489,274 @@
     </a:ext>
   </a:extLst>
 </a:theme>
+</file>
+
+<file path=customXml/item1.xml><?xml version="1.0" encoding="utf-8"?>
+<p:properties xmlns:p="http://schemas.microsoft.com/office/2006/metadata/properties" xmlns:xsi="http://www.w3.org/2001/XMLSchema-instance" xmlns:pc="http://schemas.microsoft.com/office/infopath/2007/PartnerControls">
+  <documentManagement/>
+</p:properties>
+</file>
+
+<file path=customXml/item2.xml><?xml version="1.0" encoding="utf-8"?>
+<ct:contentTypeSchema xmlns:ct="http://schemas.microsoft.com/office/2006/metadata/contentType" xmlns:ma="http://schemas.microsoft.com/office/2006/metadata/properties/metaAttributes" ct:_="" ma:_="" ma:contentTypeName="Document" ma:contentTypeID="0x010100DA53CA5EBFDD1D468023A9E9E50AF160" ma:contentTypeVersion="11" ma:contentTypeDescription="Create a new document." ma:contentTypeScope="" ma:versionID="b7322e3ccfa2be1b8be6cb513f8422b3">
+  <xsd:schema xmlns:xsd="http://www.w3.org/2001/XMLSchema" xmlns:xs="http://www.w3.org/2001/XMLSchema" xmlns:p="http://schemas.microsoft.com/office/2006/metadata/properties" xmlns:ns3="777f4473-bd7f-49d2-942a-0c635a9b255d" xmlns:ns4="2aabc378-4526-4491-97dc-06fef9e7ba63" targetNamespace="http://schemas.microsoft.com/office/2006/metadata/properties" ma:root="true" ma:fieldsID="34b9aab15841c4a6ab65b4bfa5ae0c6e" ns3:_="" ns4:_="">
+    <xsd:import namespace="777f4473-bd7f-49d2-942a-0c635a9b255d"/>
+    <xsd:import namespace="2aabc378-4526-4491-97dc-06fef9e7ba63"/>
+    <xsd:element name="properties">
+      <xsd:complexType>
+        <xsd:sequence>
+          <xsd:element name="documentManagement">
+            <xsd:complexType>
+              <xsd:all>
+                <xsd:element ref="ns3:MediaServiceMetadata" minOccurs="0"/>
+                <xsd:element ref="ns3:MediaServiceFastMetadata" minOccurs="0"/>
+                <xsd:element ref="ns3:MediaServiceAutoKeyPoints" minOccurs="0"/>
+                <xsd:element ref="ns3:MediaServiceKeyPoints" minOccurs="0"/>
+                <xsd:element ref="ns4:SharedWithUsers" minOccurs="0"/>
+                <xsd:element ref="ns4:SharedWithDetails" minOccurs="0"/>
+                <xsd:element ref="ns4:SharingHintHash" minOccurs="0"/>
+                <xsd:element ref="ns3:MediaServiceAutoTags" minOccurs="0"/>
+                <xsd:element ref="ns3:MediaServiceOCR" minOccurs="0"/>
+                <xsd:element ref="ns3:MediaServiceGenerationTime" minOccurs="0"/>
+                <xsd:element ref="ns3:MediaServiceEventHashCode" minOccurs="0"/>
+              </xsd:all>
+            </xsd:complexType>
+          </xsd:element>
+        </xsd:sequence>
+      </xsd:complexType>
+    </xsd:element>
+  </xsd:schema>
+  <xsd:schema xmlns:xsd="http://www.w3.org/2001/XMLSchema" xmlns:xs="http://www.w3.org/2001/XMLSchema" xmlns:dms="http://schemas.microsoft.com/office/2006/documentManagement/types" xmlns:pc="http://schemas.microsoft.com/office/infopath/2007/PartnerControls" targetNamespace="777f4473-bd7f-49d2-942a-0c635a9b255d" elementFormDefault="qualified">
+    <xsd:import namespace="http://schemas.microsoft.com/office/2006/documentManagement/types"/>
+    <xsd:import namespace="http://schemas.microsoft.com/office/infopath/2007/PartnerControls"/>
+    <xsd:element name="MediaServiceMetadata" ma:index="8" nillable="true" ma:displayName="MediaServiceMetadata" ma:hidden="true" ma:internalName="MediaServiceMetadata" ma:readOnly="true">
+      <xsd:simpleType>
+        <xsd:restriction base="dms:Note"/>
+      </xsd:simpleType>
+    </xsd:element>
+    <xsd:element name="MediaServiceFastMetadata" ma:index="9" nillable="true" ma:displayName="MediaServiceFastMetadata" ma:hidden="true" ma:internalName="MediaServiceFastMetadata" ma:readOnly="true">
+      <xsd:simpleType>
+        <xsd:restriction base="dms:Note"/>
+      </xsd:simpleType>
+    </xsd:element>
+    <xsd:element name="MediaServiceAutoKeyPoints" ma:index="10" nillable="true" ma:displayName="MediaServiceAutoKeyPoints" ma:hidden="true" ma:internalName="MediaServiceAutoKeyPoints" ma:readOnly="true">
+      <xsd:simpleType>
+        <xsd:restriction base="dms:Note"/>
+      </xsd:simpleType>
+    </xsd:element>
+    <xsd:element name="MediaServiceKeyPoints" ma:index="11" nillable="true" ma:displayName="KeyPoints" ma:internalName="MediaServiceKeyPoints" ma:readOnly="true">
+      <xsd:simpleType>
+        <xsd:restriction base="dms:Note">
+          <xsd:maxLength value="255"/>
+        </xsd:restriction>
+      </xsd:simpleType>
+    </xsd:element>
+    <xsd:element name="MediaServiceAutoTags" ma:index="15" nillable="true" ma:displayName="Tags" ma:internalName="MediaServiceAutoTags" ma:readOnly="true">
+      <xsd:simpleType>
+        <xsd:restriction base="dms:Text"/>
+      </xsd:simpleType>
+    </xsd:element>
+    <xsd:element name="MediaServiceOCR" ma:index="16" nillable="true" ma:displayName="Extracted Text" ma:internalName="MediaServiceOCR" ma:readOnly="true">
+      <xsd:simpleType>
+        <xsd:restriction base="dms:Note">
+          <xsd:maxLength value="255"/>
+        </xsd:restriction>
+      </xsd:simpleType>
+    </xsd:element>
+    <xsd:element name="MediaServiceGenerationTime" ma:index="17" nillable="true" ma:displayName="MediaServiceGenerationTime" ma:hidden="true" ma:internalName="MediaServiceGenerationTime" ma:readOnly="true">
+      <xsd:simpleType>
+        <xsd:restriction base="dms:Text"/>
+      </xsd:simpleType>
+    </xsd:element>
+    <xsd:element name="MediaServiceEventHashCode" ma:index="18" nillable="true" ma:displayName="MediaServiceEventHashCode" ma:hidden="true" ma:internalName="MediaServiceEventHashCode" ma:readOnly="true">
+      <xsd:simpleType>
+        <xsd:restriction base="dms:Text"/>
+      </xsd:simpleType>
+    </xsd:element>
+  </xsd:schema>
+  <xsd:schema xmlns:xsd="http://www.w3.org/2001/XMLSchema" xmlns:xs="http://www.w3.org/2001/XMLSchema" xmlns:dms="http://schemas.microsoft.com/office/2006/documentManagement/types" xmlns:pc="http://schemas.microsoft.com/office/infopath/2007/PartnerControls" targetNamespace="2aabc378-4526-4491-97dc-06fef9e7ba63" elementFormDefault="qualified">
+    <xsd:import namespace="http://schemas.microsoft.com/office/2006/documentManagement/types"/>
+    <xsd:import namespace="http://schemas.microsoft.com/office/infopath/2007/PartnerControls"/>
+    <xsd:element name="SharedWithUsers" ma:index="12" nillable="true" ma:displayName="Shared With" ma:internalName="SharedWithUsers" ma:readOnly="true">
+      <xsd:complexType>
+        <xsd:complexContent>
+          <xsd:extension base="dms:UserMulti">
+            <xsd:sequence>
+              <xsd:element name="UserInfo" minOccurs="0" maxOccurs="unbounded">
+                <xsd:complexType>
+                  <xsd:sequence>
+                    <xsd:element name="DisplayName" type="xsd:string" minOccurs="0"/>
+                    <xsd:element name="AccountId" type="dms:UserId" minOccurs="0" nillable="true"/>
+                    <xsd:element name="AccountType" type="xsd:string" minOccurs="0"/>
+                  </xsd:sequence>
+                </xsd:complexType>
+              </xsd:element>
+            </xsd:sequence>
+          </xsd:extension>
+        </xsd:complexContent>
+      </xsd:complexType>
+    </xsd:element>
+    <xsd:element name="SharedWithDetails" ma:index="13" nillable="true" ma:displayName="Shared With Details" ma:internalName="SharedWithDetails" ma:readOnly="true">
+      <xsd:simpleType>
+        <xsd:restriction base="dms:Note">
+          <xsd:maxLength value="255"/>
+        </xsd:restriction>
+      </xsd:simpleType>
+    </xsd:element>
+    <xsd:element name="SharingHintHash" ma:index="14" nillable="true" ma:displayName="Sharing Hint Hash" ma:hidden="true" ma:internalName="SharingHintHash" ma:readOnly="true">
+      <xsd:simpleType>
+        <xsd:restriction base="dms:Text"/>
+      </xsd:simpleType>
+    </xsd:element>
+  </xsd:schema>
+  <xsd:schema xmlns="http://schemas.openxmlformats.org/package/2006/metadata/core-properties" xmlns:xsd="http://www.w3.org/2001/XMLSchema" xmlns:xsi="http://www.w3.org/2001/XMLSchema-instance" xmlns:dc="http://purl.org/dc/elements/1.1/" xmlns:dcterms="http://purl.org/dc/terms/" xmlns:odoc="http://schemas.microsoft.com/internal/obd" targetNamespace="http://schemas.openxmlformats.org/package/2006/metadata/core-properties" elementFormDefault="qualified" attributeFormDefault="unqualified" blockDefault="#all">
+    <xsd:import namespace="http://purl.org/dc/elements/1.1/" schemaLocation="http://dublincore.org/schemas/xmls/qdc/2003/04/02/dc.xsd"/>
+    <xsd:import namespace="http://purl.org/dc/terms/" schemaLocation="http://dublincore.org/schemas/xmls/qdc/2003/04/02/dcterms.xsd"/>
+    <xsd:element name="coreProperties" type="CT_coreProperties"/>
+    <xsd:complexType name="CT_coreProperties">
+      <xsd:all>
+        <xsd:element ref="dc:creator" minOccurs="0" maxOccurs="1"/>
+        <xsd:element ref="dcterms:created" minOccurs="0" maxOccurs="1"/>
+        <xsd:element ref="dc:identifier" minOccurs="0" maxOccurs="1"/>
+        <xsd:element name="contentType" minOccurs="0" maxOccurs="1" type="xsd:string" ma:index="0" ma:displayName="Content Type"/>
+        <xsd:element ref="dc:title" minOccurs="0" maxOccurs="1" ma:index="4" ma:displayName="Title"/>
+        <xsd:element ref="dc:subject" minOccurs="0" maxOccurs="1"/>
+        <xsd:element ref="dc:description" minOccurs="0" maxOccurs="1"/>
+        <xsd:element name="keywords" minOccurs="0" maxOccurs="1" type="xsd:string"/>
+        <xsd:element ref="dc:language" minOccurs="0" maxOccurs="1"/>
+        <xsd:element name="category" minOccurs="0" maxOccurs="1" type="xsd:string"/>
+        <xsd:element name="version" minOccurs="0" maxOccurs="1" type="xsd:string"/>
+        <xsd:element name="revision" minOccurs="0" maxOccurs="1" type="xsd:string">
+          <xsd:annotation>
+            <xsd:documentation>
+                        This value indicates the number of saves or revisions. The application is responsible for updating this value after each revision.
+                    </xsd:documentation>
+          </xsd:annotation>
+        </xsd:element>
+        <xsd:element name="lastModifiedBy" minOccurs="0" maxOccurs="1" type="xsd:string"/>
+        <xsd:element ref="dcterms:modified" minOccurs="0" maxOccurs="1"/>
+        <xsd:element name="contentStatus" minOccurs="0" maxOccurs="1" type="xsd:string"/>
+      </xsd:all>
+    </xsd:complexType>
+  </xsd:schema>
+  <xs:schema xmlns:pc="http://schemas.microsoft.com/office/infopath/2007/PartnerControls" xmlns:xs="http://www.w3.org/2001/XMLSchema" targetNamespace="http://schemas.microsoft.com/office/infopath/2007/PartnerControls" elementFormDefault="qualified" attributeFormDefault="unqualified">
+    <xs:element name="Person">
+      <xs:complexType>
+        <xs:sequence>
+          <xs:element ref="pc:DisplayName" minOccurs="0"/>
+          <xs:element ref="pc:AccountId" minOccurs="0"/>
+          <xs:element ref="pc:AccountType" minOccurs="0"/>
+        </xs:sequence>
+      </xs:complexType>
+    </xs:element>
+    <xs:element name="DisplayName" type="xs:string"/>
+    <xs:element name="AccountId" type="xs:string"/>
+    <xs:element name="AccountType" type="xs:string"/>
+    <xs:element name="BDCAssociatedEntity">
+      <xs:complexType>
+        <xs:sequence>
+          <xs:element ref="pc:BDCEntity" minOccurs="0" maxOccurs="unbounded"/>
+        </xs:sequence>
+        <xs:attribute ref="pc:EntityNamespace"/>
+        <xs:attribute ref="pc:EntityName"/>
+        <xs:attribute ref="pc:SystemInstanceName"/>
+        <xs:attribute ref="pc:AssociationName"/>
+      </xs:complexType>
+    </xs:element>
+    <xs:attribute name="EntityNamespace" type="xs:string"/>
+    <xs:attribute name="EntityName" type="xs:string"/>
+    <xs:attribute name="SystemInstanceName" type="xs:string"/>
+    <xs:attribute name="AssociationName" type="xs:string"/>
+    <xs:element name="BDCEntity">
+      <xs:complexType>
+        <xs:sequence>
+          <xs:element ref="pc:EntityDisplayName" minOccurs="0"/>
+          <xs:element ref="pc:EntityInstanceReference" minOccurs="0"/>
+          <xs:element ref="pc:EntityId1" minOccurs="0"/>
+          <xs:element ref="pc:EntityId2" minOccurs="0"/>
+          <xs:element ref="pc:EntityId3" minOccurs="0"/>
+          <xs:element ref="pc:EntityId4" minOccurs="0"/>
+          <xs:element ref="pc:EntityId5" minOccurs="0"/>
+        </xs:sequence>
+      </xs:complexType>
+    </xs:element>
+    <xs:element name="EntityDisplayName" type="xs:string"/>
+    <xs:element name="EntityInstanceReference" type="xs:string"/>
+    <xs:element name="EntityId1" type="xs:string"/>
+    <xs:element name="EntityId2" type="xs:string"/>
+    <xs:element name="EntityId3" type="xs:string"/>
+    <xs:element name="EntityId4" type="xs:string"/>
+    <xs:element name="EntityId5" type="xs:string"/>
+    <xs:element name="Terms">
+      <xs:complexType>
+        <xs:sequence>
+          <xs:element ref="pc:TermInfo" minOccurs="0" maxOccurs="unbounded"/>
+        </xs:sequence>
+      </xs:complexType>
+    </xs:element>
+    <xs:element name="TermInfo">
+      <xs:complexType>
+        <xs:sequence>
+          <xs:element ref="pc:TermName" minOccurs="0"/>
+          <xs:element ref="pc:TermId" minOccurs="0"/>
+        </xs:sequence>
+      </xs:complexType>
+    </xs:element>
+    <xs:element name="TermName" type="xs:string"/>
+    <xs:element name="TermId" type="xs:string"/>
+  </xs:schema>
+</ct:contentTypeSchema>
+</file>
+
+<file path=customXml/item3.xml><?xml version="1.0" encoding="utf-8"?>
+<?mso-contentType ?>
+<FormTemplates xmlns="http://schemas.microsoft.com/sharepoint/v3/contenttype/forms">
+  <Display>DocumentLibraryForm</Display>
+  <Edit>DocumentLibraryForm</Edit>
+  <New>DocumentLibraryForm</New>
+</FormTemplates>
+</file>
+
+<file path=customXml/itemProps1.xml><?xml version="1.0" encoding="utf-8"?>
+<ds:datastoreItem xmlns:ds="http://schemas.openxmlformats.org/officeDocument/2006/customXml" ds:itemID="{1E8322F9-48C9-473C-91BF-F937E27FC9D5}">
+  <ds:schemaRefs>
+    <ds:schemaRef ds:uri="http://purl.org/dc/terms/"/>
+    <ds:schemaRef ds:uri="http://schemas.microsoft.com/office/infopath/2007/PartnerControls"/>
+    <ds:schemaRef ds:uri="http://www.w3.org/XML/1998/namespace"/>
+    <ds:schemaRef ds:uri="http://purl.org/dc/dcmitype/"/>
+    <ds:schemaRef ds:uri="http://schemas.microsoft.com/office/2006/documentManagement/types"/>
+    <ds:schemaRef ds:uri="777f4473-bd7f-49d2-942a-0c635a9b255d"/>
+    <ds:schemaRef ds:uri="http://schemas.microsoft.com/office/2006/metadata/properties"/>
+    <ds:schemaRef ds:uri="http://schemas.openxmlformats.org/package/2006/metadata/core-properties"/>
+    <ds:schemaRef ds:uri="2aabc378-4526-4491-97dc-06fef9e7ba63"/>
+    <ds:schemaRef ds:uri="http://purl.org/dc/elements/1.1/"/>
+  </ds:schemaRefs>
+</ds:datastoreItem>
+</file>
+
+<file path=customXml/itemProps2.xml><?xml version="1.0" encoding="utf-8"?>
+<ds:datastoreItem xmlns:ds="http://schemas.openxmlformats.org/officeDocument/2006/customXml" ds:itemID="{72567430-FEB8-4227-83A7-E8BF23F28EC8}">
+  <ds:schemaRefs>
+    <ds:schemaRef ds:uri="http://schemas.microsoft.com/office/2006/metadata/contentType"/>
+    <ds:schemaRef ds:uri="http://schemas.microsoft.com/office/2006/metadata/properties/metaAttributes"/>
+    <ds:schemaRef ds:uri="http://www.w3.org/2001/XMLSchema"/>
+    <ds:schemaRef ds:uri="http://schemas.microsoft.com/office/2006/metadata/properties"/>
+    <ds:schemaRef ds:uri="777f4473-bd7f-49d2-942a-0c635a9b255d"/>
+    <ds:schemaRef ds:uri="2aabc378-4526-4491-97dc-06fef9e7ba63"/>
+    <ds:schemaRef ds:uri="http://schemas.microsoft.com/office/2006/documentManagement/types"/>
+    <ds:schemaRef ds:uri="http://schemas.microsoft.com/office/infopath/2007/PartnerControls"/>
+    <ds:schemaRef ds:uri="http://schemas.openxmlformats.org/package/2006/metadata/core-properties"/>
+    <ds:schemaRef ds:uri="http://purl.org/dc/elements/1.1/"/>
+    <ds:schemaRef ds:uri="http://purl.org/dc/terms/"/>
+    <ds:schemaRef ds:uri="http://schemas.microsoft.com/internal/obd"/>
+  </ds:schemaRefs>
+</ds:datastoreItem>
+</file>
+
+<file path=customXml/itemProps3.xml><?xml version="1.0" encoding="utf-8"?>
+<ds:datastoreItem xmlns:ds="http://schemas.openxmlformats.org/officeDocument/2006/customXml" ds:itemID="{55F0581D-FF8F-45E5-B670-0EDF6CDB86B0}">
+  <ds:schemaRefs>
+    <ds:schemaRef ds:uri="http://schemas.microsoft.com/sharepoint/v3/contenttype/forms"/>
+  </ds:schemaRefs>
+</ds:datastoreItem>
 </file>